--- a/Presentation.pptx
+++ b/Presentation.pptx
@@ -4,33 +4,45 @@
   <p:sldMasterIdLst>
     <p:sldMasterId id="2147483648" r:id="rId1"/>
   </p:sldMasterIdLst>
+  <p:notesMasterIdLst>
+    <p:notesMasterId r:id="rId37"/>
+  </p:notesMasterIdLst>
   <p:sldIdLst>
     <p:sldId id="256" r:id="rId2"/>
     <p:sldId id="283" r:id="rId3"/>
     <p:sldId id="285" r:id="rId4"/>
-    <p:sldId id="286" r:id="rId5"/>
-    <p:sldId id="278" r:id="rId6"/>
-    <p:sldId id="287" r:id="rId7"/>
-    <p:sldId id="279" r:id="rId8"/>
-    <p:sldId id="290" r:id="rId9"/>
-    <p:sldId id="288" r:id="rId10"/>
-    <p:sldId id="289" r:id="rId11"/>
-    <p:sldId id="280" r:id="rId12"/>
-    <p:sldId id="291" r:id="rId13"/>
-    <p:sldId id="282" r:id="rId14"/>
-    <p:sldId id="292" r:id="rId15"/>
-    <p:sldId id="258" r:id="rId16"/>
-    <p:sldId id="260" r:id="rId17"/>
-    <p:sldId id="261" r:id="rId18"/>
-    <p:sldId id="262" r:id="rId19"/>
-    <p:sldId id="263" r:id="rId20"/>
-    <p:sldId id="264" r:id="rId21"/>
-    <p:sldId id="259" r:id="rId22"/>
-    <p:sldId id="265" r:id="rId23"/>
-    <p:sldId id="267" r:id="rId24"/>
-    <p:sldId id="271" r:id="rId25"/>
-    <p:sldId id="266" r:id="rId26"/>
-    <p:sldId id="272" r:id="rId27"/>
+    <p:sldId id="295" r:id="rId5"/>
+    <p:sldId id="286" r:id="rId6"/>
+    <p:sldId id="278" r:id="rId7"/>
+    <p:sldId id="287" r:id="rId8"/>
+    <p:sldId id="302" r:id="rId9"/>
+    <p:sldId id="279" r:id="rId10"/>
+    <p:sldId id="290" r:id="rId11"/>
+    <p:sldId id="288" r:id="rId12"/>
+    <p:sldId id="289" r:id="rId13"/>
+    <p:sldId id="280" r:id="rId14"/>
+    <p:sldId id="291" r:id="rId15"/>
+    <p:sldId id="292" r:id="rId16"/>
+    <p:sldId id="293" r:id="rId17"/>
+    <p:sldId id="294" r:id="rId18"/>
+    <p:sldId id="296" r:id="rId19"/>
+    <p:sldId id="301" r:id="rId20"/>
+    <p:sldId id="303" r:id="rId21"/>
+    <p:sldId id="304" r:id="rId22"/>
+    <p:sldId id="282" r:id="rId23"/>
+    <p:sldId id="298" r:id="rId24"/>
+    <p:sldId id="258" r:id="rId25"/>
+    <p:sldId id="260" r:id="rId26"/>
+    <p:sldId id="261" r:id="rId27"/>
+    <p:sldId id="262" r:id="rId28"/>
+    <p:sldId id="263" r:id="rId29"/>
+    <p:sldId id="264" r:id="rId30"/>
+    <p:sldId id="265" r:id="rId31"/>
+    <p:sldId id="299" r:id="rId32"/>
+    <p:sldId id="267" r:id="rId33"/>
+    <p:sldId id="271" r:id="rId34"/>
+    <p:sldId id="266" r:id="rId35"/>
+    <p:sldId id="272" r:id="rId36"/>
   </p:sldIdLst>
   <p:sldSz cx="12192000" cy="6858000"/>
   <p:notesSz cx="6858000" cy="9144000"/>
@@ -2754,6 +2766,13 @@
         </dgm:presLayoutVars>
       </dgm:prSet>
       <dgm:spPr/>
+      <dgm:t>
+        <a:bodyPr/>
+        <a:lstStyle/>
+        <a:p>
+          <a:endParaRPr lang="en-US"/>
+        </a:p>
+      </dgm:t>
     </dgm:pt>
     <dgm:pt modelId="{3392812A-9DF2-4A5E-AA94-B0A3096F87FD}" type="pres">
       <dgm:prSet presAssocID="{B7C65986-1D36-4944-AF21-7E159A0D6700}" presName="cycle" presStyleCnt="0"/>
@@ -2766,10 +2785,24 @@
         </dgm:presLayoutVars>
       </dgm:prSet>
       <dgm:spPr/>
+      <dgm:t>
+        <a:bodyPr/>
+        <a:lstStyle/>
+        <a:p>
+          <a:endParaRPr lang="en-US"/>
+        </a:p>
+      </dgm:t>
     </dgm:pt>
     <dgm:pt modelId="{80B6033D-8E8F-4FCA-8D03-BF8AB0786D23}" type="pres">
       <dgm:prSet presAssocID="{1325C46B-6364-448A-970F-2C6DB11FDD1F}" presName="sibTransFirstNode" presStyleLbl="bgShp" presStyleIdx="0" presStyleCnt="1"/>
       <dgm:spPr/>
+      <dgm:t>
+        <a:bodyPr/>
+        <a:lstStyle/>
+        <a:p>
+          <a:endParaRPr lang="en-US"/>
+        </a:p>
+      </dgm:t>
     </dgm:pt>
     <dgm:pt modelId="{8DCD8F56-B764-4617-9BB7-CE7EC4B6B43D}" type="pres">
       <dgm:prSet presAssocID="{03BC55C6-1986-4A71-8F02-CBCDC1E6F80C}" presName="nodeFollowingNodes" presStyleLbl="node1" presStyleIdx="1" presStyleCnt="7">
@@ -2778,6 +2811,13 @@
         </dgm:presLayoutVars>
       </dgm:prSet>
       <dgm:spPr/>
+      <dgm:t>
+        <a:bodyPr/>
+        <a:lstStyle/>
+        <a:p>
+          <a:endParaRPr lang="en-US"/>
+        </a:p>
+      </dgm:t>
     </dgm:pt>
     <dgm:pt modelId="{D3AFB453-A763-4C31-9A15-DCE2B56C0C9D}" type="pres">
       <dgm:prSet presAssocID="{041125DE-48F4-48AF-8F08-65BB8898AE79}" presName="nodeFollowingNodes" presStyleLbl="node1" presStyleIdx="2" presStyleCnt="7">
@@ -2786,6 +2826,13 @@
         </dgm:presLayoutVars>
       </dgm:prSet>
       <dgm:spPr/>
+      <dgm:t>
+        <a:bodyPr/>
+        <a:lstStyle/>
+        <a:p>
+          <a:endParaRPr lang="en-US"/>
+        </a:p>
+      </dgm:t>
     </dgm:pt>
     <dgm:pt modelId="{621C1EB5-404C-4350-8EDC-4E8FBC416EBE}" type="pres">
       <dgm:prSet presAssocID="{95818411-18EE-4957-A7BC-37B3E2B89B7A}" presName="nodeFollowingNodes" presStyleLbl="node1" presStyleIdx="3" presStyleCnt="7">
@@ -2794,6 +2841,13 @@
         </dgm:presLayoutVars>
       </dgm:prSet>
       <dgm:spPr/>
+      <dgm:t>
+        <a:bodyPr/>
+        <a:lstStyle/>
+        <a:p>
+          <a:endParaRPr lang="en-US"/>
+        </a:p>
+      </dgm:t>
     </dgm:pt>
     <dgm:pt modelId="{177D7915-8E51-4124-93B0-0305F7B518FE}" type="pres">
       <dgm:prSet presAssocID="{4F9068AE-75C5-4B23-B7FF-05D2AB77206A}" presName="nodeFollowingNodes" presStyleLbl="node1" presStyleIdx="4" presStyleCnt="7">
@@ -2802,6 +2856,13 @@
         </dgm:presLayoutVars>
       </dgm:prSet>
       <dgm:spPr/>
+      <dgm:t>
+        <a:bodyPr/>
+        <a:lstStyle/>
+        <a:p>
+          <a:endParaRPr lang="en-US"/>
+        </a:p>
+      </dgm:t>
     </dgm:pt>
     <dgm:pt modelId="{A1C1FE4F-6CAC-4124-B118-1A70141218EE}" type="pres">
       <dgm:prSet presAssocID="{A0622912-2DAD-4539-95B9-096F3C95D5CC}" presName="nodeFollowingNodes" presStyleLbl="node1" presStyleIdx="5" presStyleCnt="7">
@@ -2810,6 +2871,13 @@
         </dgm:presLayoutVars>
       </dgm:prSet>
       <dgm:spPr/>
+      <dgm:t>
+        <a:bodyPr/>
+        <a:lstStyle/>
+        <a:p>
+          <a:endParaRPr lang="en-US"/>
+        </a:p>
+      </dgm:t>
     </dgm:pt>
     <dgm:pt modelId="{118EDD52-B04E-47D7-9947-E75854CAC112}" type="pres">
       <dgm:prSet presAssocID="{A96398E9-1BE3-48FB-8DD5-9EA411837F3C}" presName="nodeFollowingNodes" presStyleLbl="node1" presStyleIdx="6" presStyleCnt="7">
@@ -2841,8 +2909,8 @@
     <dgm:cxn modelId="{C9D55B6E-568A-4F41-91D3-96AEA6429945}" type="presOf" srcId="{041125DE-48F4-48AF-8F08-65BB8898AE79}" destId="{D3AFB453-A763-4C31-9A15-DCE2B56C0C9D}" srcOrd="0" destOrd="0" presId="urn:microsoft.com/office/officeart/2005/8/layout/cycle3"/>
     <dgm:cxn modelId="{D6364521-9BBB-40E1-B572-EFBE561C6647}" type="presOf" srcId="{B7639AAB-CFE4-44B0-AE57-D7873415BE5F}" destId="{4D463DF4-9660-4B27-B22D-E314510A94A1}" srcOrd="0" destOrd="0" presId="urn:microsoft.com/office/officeart/2005/8/layout/cycle3"/>
     <dgm:cxn modelId="{361AF11E-722E-41AA-A104-68040414D817}" srcId="{B7C65986-1D36-4944-AF21-7E159A0D6700}" destId="{95818411-18EE-4957-A7BC-37B3E2B89B7A}" srcOrd="3" destOrd="0" parTransId="{04F4A588-EDC8-485B-8BD6-879130FEE559}" sibTransId="{C9CD7A3B-B1F3-4DFA-8611-746A1BD30D3B}"/>
+    <dgm:cxn modelId="{9A16714C-154D-4FE4-A8ED-DEA8C7781850}" type="presOf" srcId="{03BC55C6-1986-4A71-8F02-CBCDC1E6F80C}" destId="{8DCD8F56-B764-4617-9BB7-CE7EC4B6B43D}" srcOrd="0" destOrd="0" presId="urn:microsoft.com/office/officeart/2005/8/layout/cycle3"/>
     <dgm:cxn modelId="{18FDE138-9760-4382-AC09-95BC0DEC1A2D}" srcId="{B7C65986-1D36-4944-AF21-7E159A0D6700}" destId="{041125DE-48F4-48AF-8F08-65BB8898AE79}" srcOrd="2" destOrd="0" parTransId="{0C18D46A-AD40-4874-A985-2ACBB5558C23}" sibTransId="{4DF56372-9C31-4BE8-B3DA-688E4D5A3F9C}"/>
-    <dgm:cxn modelId="{9A16714C-154D-4FE4-A8ED-DEA8C7781850}" type="presOf" srcId="{03BC55C6-1986-4A71-8F02-CBCDC1E6F80C}" destId="{8DCD8F56-B764-4617-9BB7-CE7EC4B6B43D}" srcOrd="0" destOrd="0" presId="urn:microsoft.com/office/officeart/2005/8/layout/cycle3"/>
     <dgm:cxn modelId="{59F152D2-9743-409F-BE56-B5492923DE61}" type="presOf" srcId="{95818411-18EE-4957-A7BC-37B3E2B89B7A}" destId="{621C1EB5-404C-4350-8EDC-4E8FBC416EBE}" srcOrd="0" destOrd="0" presId="urn:microsoft.com/office/officeart/2005/8/layout/cycle3"/>
     <dgm:cxn modelId="{D9E8AB02-A1E4-410B-B98D-AF454338507C}" type="presParOf" srcId="{8328ED8B-CB77-47F9-A0FA-B709C79AB662}" destId="{3392812A-9DF2-4A5E-AA94-B0A3096F87FD}" srcOrd="0" destOrd="0" presId="urn:microsoft.com/office/officeart/2005/8/layout/cycle3"/>
     <dgm:cxn modelId="{6DB3F42A-4FDA-4F32-9FB3-C65A8F2D2F51}" type="presParOf" srcId="{3392812A-9DF2-4A5E-AA94-B0A3096F87FD}" destId="{4D463DF4-9660-4B27-B22D-E314510A94A1}" srcOrd="0" destOrd="0" presId="urn:microsoft.com/office/officeart/2005/8/layout/cycle3"/>
@@ -3168,6 +3236,13 @@
         </dgm:presLayoutVars>
       </dgm:prSet>
       <dgm:spPr/>
+      <dgm:t>
+        <a:bodyPr/>
+        <a:lstStyle/>
+        <a:p>
+          <a:endParaRPr lang="en-US"/>
+        </a:p>
+      </dgm:t>
     </dgm:pt>
     <dgm:pt modelId="{3392812A-9DF2-4A5E-AA94-B0A3096F87FD}" type="pres">
       <dgm:prSet presAssocID="{B7C65986-1D36-4944-AF21-7E159A0D6700}" presName="cycle" presStyleCnt="0"/>
@@ -3180,10 +3255,24 @@
         </dgm:presLayoutVars>
       </dgm:prSet>
       <dgm:spPr/>
+      <dgm:t>
+        <a:bodyPr/>
+        <a:lstStyle/>
+        <a:p>
+          <a:endParaRPr lang="en-US"/>
+        </a:p>
+      </dgm:t>
     </dgm:pt>
     <dgm:pt modelId="{80B6033D-8E8F-4FCA-8D03-BF8AB0786D23}" type="pres">
       <dgm:prSet presAssocID="{1325C46B-6364-448A-970F-2C6DB11FDD1F}" presName="sibTransFirstNode" presStyleLbl="bgShp" presStyleIdx="0" presStyleCnt="1"/>
       <dgm:spPr/>
+      <dgm:t>
+        <a:bodyPr/>
+        <a:lstStyle/>
+        <a:p>
+          <a:endParaRPr lang="en-US"/>
+        </a:p>
+      </dgm:t>
     </dgm:pt>
     <dgm:pt modelId="{8DCD8F56-B764-4617-9BB7-CE7EC4B6B43D}" type="pres">
       <dgm:prSet presAssocID="{03BC55C6-1986-4A71-8F02-CBCDC1E6F80C}" presName="nodeFollowingNodes" presStyleLbl="node1" presStyleIdx="1" presStyleCnt="7">
@@ -3192,6 +3281,13 @@
         </dgm:presLayoutVars>
       </dgm:prSet>
       <dgm:spPr/>
+      <dgm:t>
+        <a:bodyPr/>
+        <a:lstStyle/>
+        <a:p>
+          <a:endParaRPr lang="en-US"/>
+        </a:p>
+      </dgm:t>
     </dgm:pt>
     <dgm:pt modelId="{D3AFB453-A763-4C31-9A15-DCE2B56C0C9D}" type="pres">
       <dgm:prSet presAssocID="{041125DE-48F4-48AF-8F08-65BB8898AE79}" presName="nodeFollowingNodes" presStyleLbl="node1" presStyleIdx="2" presStyleCnt="7">
@@ -3200,6 +3296,13 @@
         </dgm:presLayoutVars>
       </dgm:prSet>
       <dgm:spPr/>
+      <dgm:t>
+        <a:bodyPr/>
+        <a:lstStyle/>
+        <a:p>
+          <a:endParaRPr lang="en-US"/>
+        </a:p>
+      </dgm:t>
     </dgm:pt>
     <dgm:pt modelId="{621C1EB5-404C-4350-8EDC-4E8FBC416EBE}" type="pres">
       <dgm:prSet presAssocID="{95818411-18EE-4957-A7BC-37B3E2B89B7A}" presName="nodeFollowingNodes" presStyleLbl="node1" presStyleIdx="3" presStyleCnt="7">
@@ -3208,6 +3311,13 @@
         </dgm:presLayoutVars>
       </dgm:prSet>
       <dgm:spPr/>
+      <dgm:t>
+        <a:bodyPr/>
+        <a:lstStyle/>
+        <a:p>
+          <a:endParaRPr lang="en-US"/>
+        </a:p>
+      </dgm:t>
     </dgm:pt>
     <dgm:pt modelId="{177D7915-8E51-4124-93B0-0305F7B518FE}" type="pres">
       <dgm:prSet presAssocID="{4F9068AE-75C5-4B23-B7FF-05D2AB77206A}" presName="nodeFollowingNodes" presStyleLbl="node1" presStyleIdx="4" presStyleCnt="7">
@@ -3216,6 +3326,13 @@
         </dgm:presLayoutVars>
       </dgm:prSet>
       <dgm:spPr/>
+      <dgm:t>
+        <a:bodyPr/>
+        <a:lstStyle/>
+        <a:p>
+          <a:endParaRPr lang="en-US"/>
+        </a:p>
+      </dgm:t>
     </dgm:pt>
     <dgm:pt modelId="{A1C1FE4F-6CAC-4124-B118-1A70141218EE}" type="pres">
       <dgm:prSet presAssocID="{A0622912-2DAD-4539-95B9-096F3C95D5CC}" presName="nodeFollowingNodes" presStyleLbl="node1" presStyleIdx="5" presStyleCnt="7">
@@ -3224,6 +3341,13 @@
         </dgm:presLayoutVars>
       </dgm:prSet>
       <dgm:spPr/>
+      <dgm:t>
+        <a:bodyPr/>
+        <a:lstStyle/>
+        <a:p>
+          <a:endParaRPr lang="en-US"/>
+        </a:p>
+      </dgm:t>
     </dgm:pt>
     <dgm:pt modelId="{118EDD52-B04E-47D7-9947-E75854CAC112}" type="pres">
       <dgm:prSet presAssocID="{A96398E9-1BE3-48FB-8DD5-9EA411837F3C}" presName="nodeFollowingNodes" presStyleLbl="node1" presStyleIdx="6" presStyleCnt="7">
@@ -3242,22 +3366,22 @@
     </dgm:pt>
   </dgm:ptLst>
   <dgm:cxnLst>
+    <dgm:cxn modelId="{8A0C31D0-49BC-4F5C-8865-83DC5818EA63}" type="presOf" srcId="{B7639AAB-CFE4-44B0-AE57-D7873415BE5F}" destId="{4D463DF4-9660-4B27-B22D-E314510A94A1}" srcOrd="0" destOrd="0" presId="urn:microsoft.com/office/officeart/2005/8/layout/cycle3"/>
     <dgm:cxn modelId="{74A79E3E-80C9-4D77-A7AB-EEDAED2690E9}" srcId="{B7C65986-1D36-4944-AF21-7E159A0D6700}" destId="{B7639AAB-CFE4-44B0-AE57-D7873415BE5F}" srcOrd="0" destOrd="0" parTransId="{57C6B4EF-02BF-4E81-BF11-95A283C19245}" sibTransId="{1325C46B-6364-448A-970F-2C6DB11FDD1F}"/>
+    <dgm:cxn modelId="{8A6C18A3-0D8B-465A-8C49-A09B849C5734}" type="presOf" srcId="{95818411-18EE-4957-A7BC-37B3E2B89B7A}" destId="{621C1EB5-404C-4350-8EDC-4E8FBC416EBE}" srcOrd="0" destOrd="0" presId="urn:microsoft.com/office/officeart/2005/8/layout/cycle3"/>
+    <dgm:cxn modelId="{B83B862F-6E54-430A-8E2E-11A5A80C97CE}" type="presOf" srcId="{B7C65986-1D36-4944-AF21-7E159A0D6700}" destId="{8328ED8B-CB77-47F9-A0FA-B709C79AB662}" srcOrd="0" destOrd="0" presId="urn:microsoft.com/office/officeart/2005/8/layout/cycle3"/>
+    <dgm:cxn modelId="{7F531329-F1DD-4791-905E-EF908E83DB1A}" srcId="{B7C65986-1D36-4944-AF21-7E159A0D6700}" destId="{03BC55C6-1986-4A71-8F02-CBCDC1E6F80C}" srcOrd="1" destOrd="0" parTransId="{B1A26100-F9E8-4DCF-8E26-85FC681889C7}" sibTransId="{E0C173E4-A150-40BF-9192-1EAB84C34168}"/>
+    <dgm:cxn modelId="{C2180D1D-7381-4CE2-8AD6-6A52913D79F9}" type="presOf" srcId="{03BC55C6-1986-4A71-8F02-CBCDC1E6F80C}" destId="{8DCD8F56-B764-4617-9BB7-CE7EC4B6B43D}" srcOrd="0" destOrd="0" presId="urn:microsoft.com/office/officeart/2005/8/layout/cycle3"/>
+    <dgm:cxn modelId="{5B39B638-59C6-45DA-983B-BF634A13E955}" type="presOf" srcId="{041125DE-48F4-48AF-8F08-65BB8898AE79}" destId="{D3AFB453-A763-4C31-9A15-DCE2B56C0C9D}" srcOrd="0" destOrd="0" presId="urn:microsoft.com/office/officeart/2005/8/layout/cycle3"/>
     <dgm:cxn modelId="{BF718010-2DB2-45D1-BE5C-F1FC3A28E2A8}" type="presOf" srcId="{A0622912-2DAD-4539-95B9-096F3C95D5CC}" destId="{A1C1FE4F-6CAC-4124-B118-1A70141218EE}" srcOrd="0" destOrd="0" presId="urn:microsoft.com/office/officeart/2005/8/layout/cycle3"/>
     <dgm:cxn modelId="{2C421FFE-F16D-45EE-8B29-2E711B33BF48}" srcId="{B7C65986-1D36-4944-AF21-7E159A0D6700}" destId="{A0622912-2DAD-4539-95B9-096F3C95D5CC}" srcOrd="5" destOrd="0" parTransId="{5A9D721C-24BC-4235-88F5-7776FACB5D05}" sibTransId="{9664DF26-3EA0-473B-A0CE-52B7A8C2858A}"/>
-    <dgm:cxn modelId="{EA808E82-FF89-4B1C-9B85-E0063B2C2E6B}" type="presOf" srcId="{A96398E9-1BE3-48FB-8DD5-9EA411837F3C}" destId="{118EDD52-B04E-47D7-9947-E75854CAC112}" srcOrd="0" destOrd="0" presId="urn:microsoft.com/office/officeart/2005/8/layout/cycle3"/>
-    <dgm:cxn modelId="{18FDE138-9760-4382-AC09-95BC0DEC1A2D}" srcId="{B7C65986-1D36-4944-AF21-7E159A0D6700}" destId="{041125DE-48F4-48AF-8F08-65BB8898AE79}" srcOrd="2" destOrd="0" parTransId="{0C18D46A-AD40-4874-A985-2ACBB5558C23}" sibTransId="{4DF56372-9C31-4BE8-B3DA-688E4D5A3F9C}"/>
-    <dgm:cxn modelId="{B83B862F-6E54-430A-8E2E-11A5A80C97CE}" type="presOf" srcId="{B7C65986-1D36-4944-AF21-7E159A0D6700}" destId="{8328ED8B-CB77-47F9-A0FA-B709C79AB662}" srcOrd="0" destOrd="0" presId="urn:microsoft.com/office/officeart/2005/8/layout/cycle3"/>
-    <dgm:cxn modelId="{7400EB30-969A-45CE-BF7E-89362CA8470A}" type="presOf" srcId="{1325C46B-6364-448A-970F-2C6DB11FDD1F}" destId="{80B6033D-8E8F-4FCA-8D03-BF8AB0786D23}" srcOrd="0" destOrd="0" presId="urn:microsoft.com/office/officeart/2005/8/layout/cycle3"/>
-    <dgm:cxn modelId="{7F531329-F1DD-4791-905E-EF908E83DB1A}" srcId="{B7C65986-1D36-4944-AF21-7E159A0D6700}" destId="{03BC55C6-1986-4A71-8F02-CBCDC1E6F80C}" srcOrd="1" destOrd="0" parTransId="{B1A26100-F9E8-4DCF-8E26-85FC681889C7}" sibTransId="{E0C173E4-A150-40BF-9192-1EAB84C34168}"/>
-    <dgm:cxn modelId="{5B39B638-59C6-45DA-983B-BF634A13E955}" type="presOf" srcId="{041125DE-48F4-48AF-8F08-65BB8898AE79}" destId="{D3AFB453-A763-4C31-9A15-DCE2B56C0C9D}" srcOrd="0" destOrd="0" presId="urn:microsoft.com/office/officeart/2005/8/layout/cycle3"/>
-    <dgm:cxn modelId="{C2180D1D-7381-4CE2-8AD6-6A52913D79F9}" type="presOf" srcId="{03BC55C6-1986-4A71-8F02-CBCDC1E6F80C}" destId="{8DCD8F56-B764-4617-9BB7-CE7EC4B6B43D}" srcOrd="0" destOrd="0" presId="urn:microsoft.com/office/officeart/2005/8/layout/cycle3"/>
-    <dgm:cxn modelId="{361AF11E-722E-41AA-A104-68040414D817}" srcId="{B7C65986-1D36-4944-AF21-7E159A0D6700}" destId="{95818411-18EE-4957-A7BC-37B3E2B89B7A}" srcOrd="3" destOrd="0" parTransId="{04F4A588-EDC8-485B-8BD6-879130FEE559}" sibTransId="{C9CD7A3B-B1F3-4DFA-8611-746A1BD30D3B}"/>
+    <dgm:cxn modelId="{06868D1B-675E-49F1-82C7-A66890CBC0BF}" type="presOf" srcId="{4F9068AE-75C5-4B23-B7FF-05D2AB77206A}" destId="{177D7915-8E51-4124-93B0-0305F7B518FE}" srcOrd="0" destOrd="0" presId="urn:microsoft.com/office/officeart/2005/8/layout/cycle3"/>
     <dgm:cxn modelId="{77765343-0FE8-48B4-A9EB-51CE5CA837C1}" srcId="{B7C65986-1D36-4944-AF21-7E159A0D6700}" destId="{A96398E9-1BE3-48FB-8DD5-9EA411837F3C}" srcOrd="6" destOrd="0" parTransId="{97796AFB-C3F3-4BAC-98C1-EEA78587E92F}" sibTransId="{0E0E3A69-C4C2-4ED8-BD33-660898D7CE50}"/>
     <dgm:cxn modelId="{17D46D89-DDF1-4953-9853-433E949BB0CE}" srcId="{B7C65986-1D36-4944-AF21-7E159A0D6700}" destId="{4F9068AE-75C5-4B23-B7FF-05D2AB77206A}" srcOrd="4" destOrd="0" parTransId="{D888B1C7-3B9F-46F1-9AD7-7C85B13B4FC9}" sibTransId="{48422945-35BE-462E-89B2-E685488A7AA2}"/>
-    <dgm:cxn modelId="{8A0C31D0-49BC-4F5C-8865-83DC5818EA63}" type="presOf" srcId="{B7639AAB-CFE4-44B0-AE57-D7873415BE5F}" destId="{4D463DF4-9660-4B27-B22D-E314510A94A1}" srcOrd="0" destOrd="0" presId="urn:microsoft.com/office/officeart/2005/8/layout/cycle3"/>
-    <dgm:cxn modelId="{06868D1B-675E-49F1-82C7-A66890CBC0BF}" type="presOf" srcId="{4F9068AE-75C5-4B23-B7FF-05D2AB77206A}" destId="{177D7915-8E51-4124-93B0-0305F7B518FE}" srcOrd="0" destOrd="0" presId="urn:microsoft.com/office/officeart/2005/8/layout/cycle3"/>
-    <dgm:cxn modelId="{8A6C18A3-0D8B-465A-8C49-A09B849C5734}" type="presOf" srcId="{95818411-18EE-4957-A7BC-37B3E2B89B7A}" destId="{621C1EB5-404C-4350-8EDC-4E8FBC416EBE}" srcOrd="0" destOrd="0" presId="urn:microsoft.com/office/officeart/2005/8/layout/cycle3"/>
+    <dgm:cxn modelId="{7400EB30-969A-45CE-BF7E-89362CA8470A}" type="presOf" srcId="{1325C46B-6364-448A-970F-2C6DB11FDD1F}" destId="{80B6033D-8E8F-4FCA-8D03-BF8AB0786D23}" srcOrd="0" destOrd="0" presId="urn:microsoft.com/office/officeart/2005/8/layout/cycle3"/>
+    <dgm:cxn modelId="{EA808E82-FF89-4B1C-9B85-E0063B2C2E6B}" type="presOf" srcId="{A96398E9-1BE3-48FB-8DD5-9EA411837F3C}" destId="{118EDD52-B04E-47D7-9947-E75854CAC112}" srcOrd="0" destOrd="0" presId="urn:microsoft.com/office/officeart/2005/8/layout/cycle3"/>
+    <dgm:cxn modelId="{361AF11E-722E-41AA-A104-68040414D817}" srcId="{B7C65986-1D36-4944-AF21-7E159A0D6700}" destId="{95818411-18EE-4957-A7BC-37B3E2B89B7A}" srcOrd="3" destOrd="0" parTransId="{04F4A588-EDC8-485B-8BD6-879130FEE559}" sibTransId="{C9CD7A3B-B1F3-4DFA-8611-746A1BD30D3B}"/>
+    <dgm:cxn modelId="{18FDE138-9760-4382-AC09-95BC0DEC1A2D}" srcId="{B7C65986-1D36-4944-AF21-7E159A0D6700}" destId="{041125DE-48F4-48AF-8F08-65BB8898AE79}" srcOrd="2" destOrd="0" parTransId="{0C18D46A-AD40-4874-A985-2ACBB5558C23}" sibTransId="{4DF56372-9C31-4BE8-B3DA-688E4D5A3F9C}"/>
     <dgm:cxn modelId="{989A2BF6-E1FD-4BF3-9235-06BFDB99EC2B}" type="presParOf" srcId="{8328ED8B-CB77-47F9-A0FA-B709C79AB662}" destId="{3392812A-9DF2-4A5E-AA94-B0A3096F87FD}" srcOrd="0" destOrd="0" presId="urn:microsoft.com/office/officeart/2005/8/layout/cycle3"/>
     <dgm:cxn modelId="{D5B137E4-F60D-4149-A67F-9401D9BECEB0}" type="presParOf" srcId="{3392812A-9DF2-4A5E-AA94-B0A3096F87FD}" destId="{4D463DF4-9660-4B27-B22D-E314510A94A1}" srcOrd="0" destOrd="0" presId="urn:microsoft.com/office/officeart/2005/8/layout/cycle3"/>
     <dgm:cxn modelId="{B2F2B369-1F9E-479C-B8E7-3072D8F28D4C}" type="presParOf" srcId="{3392812A-9DF2-4A5E-AA94-B0A3096F87FD}" destId="{80B6033D-8E8F-4FCA-8D03-BF8AB0786D23}" srcOrd="1" destOrd="0" presId="urn:microsoft.com/office/officeart/2005/8/layout/cycle3"/>
@@ -9638,6 +9762,457 @@
 </dgm:styleDef>
 </file>
 
+<file path=ppt/notesMasters/notesMaster1.xml><?xml version="1.0" encoding="utf-8"?>
+<p:notesMaster xmlns:a="http://schemas.openxmlformats.org/drawingml/2006/main" xmlns:r="http://schemas.openxmlformats.org/officeDocument/2006/relationships" xmlns:p="http://schemas.openxmlformats.org/presentationml/2006/main">
+  <p:cSld>
+    <p:bg>
+      <p:bgRef idx="1001">
+        <a:schemeClr val="bg1"/>
+      </p:bgRef>
+    </p:bg>
+    <p:spTree>
+      <p:nvGrpSpPr>
+        <p:cNvPr id="1" name=""/>
+        <p:cNvGrpSpPr/>
+        <p:nvPr/>
+      </p:nvGrpSpPr>
+      <p:grpSpPr>
+        <a:xfrm>
+          <a:off x="0" y="0"/>
+          <a:ext cx="0" cy="0"/>
+          <a:chOff x="0" y="0"/>
+          <a:chExt cx="0" cy="0"/>
+        </a:xfrm>
+      </p:grpSpPr>
+      <p:sp>
+        <p:nvSpPr>
+          <p:cNvPr id="2" name="Header Placeholder 1"/>
+          <p:cNvSpPr>
+            <a:spLocks noGrp="1"/>
+          </p:cNvSpPr>
+          <p:nvPr>
+            <p:ph type="hdr" sz="quarter"/>
+          </p:nvPr>
+        </p:nvSpPr>
+        <p:spPr>
+          <a:xfrm>
+            <a:off x="0" y="0"/>
+            <a:ext cx="2971800" cy="458788"/>
+          </a:xfrm>
+          <a:prstGeom prst="rect">
+            <a:avLst/>
+          </a:prstGeom>
+        </p:spPr>
+        <p:txBody>
+          <a:bodyPr vert="horz" lIns="91440" tIns="45720" rIns="91440" bIns="45720" rtlCol="0"/>
+          <a:lstStyle>
+            <a:lvl1pPr algn="l">
+              <a:defRPr sz="1200"/>
+            </a:lvl1pPr>
+          </a:lstStyle>
+          <a:p>
+            <a:endParaRPr lang="en-US"/>
+          </a:p>
+        </p:txBody>
+      </p:sp>
+      <p:sp>
+        <p:nvSpPr>
+          <p:cNvPr id="3" name="Date Placeholder 2"/>
+          <p:cNvSpPr>
+            <a:spLocks noGrp="1"/>
+          </p:cNvSpPr>
+          <p:nvPr>
+            <p:ph type="dt" idx="1"/>
+          </p:nvPr>
+        </p:nvSpPr>
+        <p:spPr>
+          <a:xfrm>
+            <a:off x="3884613" y="0"/>
+            <a:ext cx="2971800" cy="458788"/>
+          </a:xfrm>
+          <a:prstGeom prst="rect">
+            <a:avLst/>
+          </a:prstGeom>
+        </p:spPr>
+        <p:txBody>
+          <a:bodyPr vert="horz" lIns="91440" tIns="45720" rIns="91440" bIns="45720" rtlCol="0"/>
+          <a:lstStyle>
+            <a:lvl1pPr algn="r">
+              <a:defRPr sz="1200"/>
+            </a:lvl1pPr>
+          </a:lstStyle>
+          <a:p>
+            <a:fld id="{6A761EA5-F7D0-4EB5-9769-D15C11809D34}" type="datetimeFigureOut">
+              <a:rPr lang="en-US" smtClean="0"/>
+              <a:t>19-Mar-15</a:t>
+            </a:fld>
+            <a:endParaRPr lang="en-US"/>
+          </a:p>
+        </p:txBody>
+      </p:sp>
+      <p:sp>
+        <p:nvSpPr>
+          <p:cNvPr id="4" name="Slide Image Placeholder 3"/>
+          <p:cNvSpPr>
+            <a:spLocks noGrp="1" noRot="1" noChangeAspect="1"/>
+          </p:cNvSpPr>
+          <p:nvPr>
+            <p:ph type="sldImg" idx="2"/>
+          </p:nvPr>
+        </p:nvSpPr>
+        <p:spPr>
+          <a:xfrm>
+            <a:off x="685800" y="1143000"/>
+            <a:ext cx="5486400" cy="3086100"/>
+          </a:xfrm>
+          <a:prstGeom prst="rect">
+            <a:avLst/>
+          </a:prstGeom>
+          <a:noFill/>
+          <a:ln w="12700">
+            <a:solidFill>
+              <a:prstClr val="black"/>
+            </a:solidFill>
+          </a:ln>
+        </p:spPr>
+        <p:txBody>
+          <a:bodyPr vert="horz" lIns="91440" tIns="45720" rIns="91440" bIns="45720" rtlCol="0" anchor="ctr"/>
+          <a:lstStyle/>
+          <a:p>
+            <a:endParaRPr lang="en-US"/>
+          </a:p>
+        </p:txBody>
+      </p:sp>
+      <p:sp>
+        <p:nvSpPr>
+          <p:cNvPr id="5" name="Notes Placeholder 4"/>
+          <p:cNvSpPr>
+            <a:spLocks noGrp="1"/>
+          </p:cNvSpPr>
+          <p:nvPr>
+            <p:ph type="body" sz="quarter" idx="3"/>
+          </p:nvPr>
+        </p:nvSpPr>
+        <p:spPr>
+          <a:xfrm>
+            <a:off x="685800" y="4400550"/>
+            <a:ext cx="5486400" cy="3600450"/>
+          </a:xfrm>
+          <a:prstGeom prst="rect">
+            <a:avLst/>
+          </a:prstGeom>
+        </p:spPr>
+        <p:txBody>
+          <a:bodyPr vert="horz" lIns="91440" tIns="45720" rIns="91440" bIns="45720" rtlCol="0"/>
+          <a:lstStyle/>
+          <a:p>
+            <a:pPr lvl="0"/>
+            <a:r>
+              <a:rPr lang="en-US" smtClean="0"/>
+              <a:t>Click to edit Master text styles</a:t>
+            </a:r>
+          </a:p>
+          <a:p>
+            <a:pPr lvl="1"/>
+            <a:r>
+              <a:rPr lang="en-US" smtClean="0"/>
+              <a:t>Second level</a:t>
+            </a:r>
+          </a:p>
+          <a:p>
+            <a:pPr lvl="2"/>
+            <a:r>
+              <a:rPr lang="en-US" smtClean="0"/>
+              <a:t>Third level</a:t>
+            </a:r>
+          </a:p>
+          <a:p>
+            <a:pPr lvl="3"/>
+            <a:r>
+              <a:rPr lang="en-US" smtClean="0"/>
+              <a:t>Fourth level</a:t>
+            </a:r>
+          </a:p>
+          <a:p>
+            <a:pPr lvl="4"/>
+            <a:r>
+              <a:rPr lang="en-US" smtClean="0"/>
+              <a:t>Fifth level</a:t>
+            </a:r>
+            <a:endParaRPr lang="en-US"/>
+          </a:p>
+        </p:txBody>
+      </p:sp>
+      <p:sp>
+        <p:nvSpPr>
+          <p:cNvPr id="6" name="Footer Placeholder 5"/>
+          <p:cNvSpPr>
+            <a:spLocks noGrp="1"/>
+          </p:cNvSpPr>
+          <p:nvPr>
+            <p:ph type="ftr" sz="quarter" idx="4"/>
+          </p:nvPr>
+        </p:nvSpPr>
+        <p:spPr>
+          <a:xfrm>
+            <a:off x="0" y="8685213"/>
+            <a:ext cx="2971800" cy="458787"/>
+          </a:xfrm>
+          <a:prstGeom prst="rect">
+            <a:avLst/>
+          </a:prstGeom>
+        </p:spPr>
+        <p:txBody>
+          <a:bodyPr vert="horz" lIns="91440" tIns="45720" rIns="91440" bIns="45720" rtlCol="0" anchor="b"/>
+          <a:lstStyle>
+            <a:lvl1pPr algn="l">
+              <a:defRPr sz="1200"/>
+            </a:lvl1pPr>
+          </a:lstStyle>
+          <a:p>
+            <a:endParaRPr lang="en-US"/>
+          </a:p>
+        </p:txBody>
+      </p:sp>
+      <p:sp>
+        <p:nvSpPr>
+          <p:cNvPr id="7" name="Slide Number Placeholder 6"/>
+          <p:cNvSpPr>
+            <a:spLocks noGrp="1"/>
+          </p:cNvSpPr>
+          <p:nvPr>
+            <p:ph type="sldNum" sz="quarter" idx="5"/>
+          </p:nvPr>
+        </p:nvSpPr>
+        <p:spPr>
+          <a:xfrm>
+            <a:off x="3884613" y="8685213"/>
+            <a:ext cx="2971800" cy="458787"/>
+          </a:xfrm>
+          <a:prstGeom prst="rect">
+            <a:avLst/>
+          </a:prstGeom>
+        </p:spPr>
+        <p:txBody>
+          <a:bodyPr vert="horz" lIns="91440" tIns="45720" rIns="91440" bIns="45720" rtlCol="0" anchor="b"/>
+          <a:lstStyle>
+            <a:lvl1pPr algn="r">
+              <a:defRPr sz="1200"/>
+            </a:lvl1pPr>
+          </a:lstStyle>
+          <a:p>
+            <a:fld id="{A059EE67-88F3-41BA-B55A-CBFAF31BED38}" type="slidenum">
+              <a:rPr lang="en-US" smtClean="0"/>
+              <a:t>‹#›</a:t>
+            </a:fld>
+            <a:endParaRPr lang="en-US"/>
+          </a:p>
+        </p:txBody>
+      </p:sp>
+    </p:spTree>
+    <p:extLst>
+      <p:ext uri="{BB962C8B-B14F-4D97-AF65-F5344CB8AC3E}">
+        <p14:creationId xmlns:p14="http://schemas.microsoft.com/office/powerpoint/2010/main" val="3736775831"/>
+      </p:ext>
+    </p:extLst>
+  </p:cSld>
+  <p:clrMap bg1="lt1" tx1="dk1" bg2="lt2" tx2="dk2" accent1="accent1" accent2="accent2" accent3="accent3" accent4="accent4" accent5="accent5" accent6="accent6" hlink="hlink" folHlink="folHlink"/>
+  <p:notesStyle>
+    <a:lvl1pPr marL="0" algn="l" defTabSz="914400" rtl="0" eaLnBrk="1" latinLnBrk="0" hangingPunct="1">
+      <a:defRPr sz="1200" kern="1200">
+        <a:solidFill>
+          <a:schemeClr val="tx1"/>
+        </a:solidFill>
+        <a:latin typeface="+mn-lt"/>
+        <a:ea typeface="+mn-ea"/>
+        <a:cs typeface="+mn-cs"/>
+      </a:defRPr>
+    </a:lvl1pPr>
+    <a:lvl2pPr marL="457200" algn="l" defTabSz="914400" rtl="0" eaLnBrk="1" latinLnBrk="0" hangingPunct="1">
+      <a:defRPr sz="1200" kern="1200">
+        <a:solidFill>
+          <a:schemeClr val="tx1"/>
+        </a:solidFill>
+        <a:latin typeface="+mn-lt"/>
+        <a:ea typeface="+mn-ea"/>
+        <a:cs typeface="+mn-cs"/>
+      </a:defRPr>
+    </a:lvl2pPr>
+    <a:lvl3pPr marL="914400" algn="l" defTabSz="914400" rtl="0" eaLnBrk="1" latinLnBrk="0" hangingPunct="1">
+      <a:defRPr sz="1200" kern="1200">
+        <a:solidFill>
+          <a:schemeClr val="tx1"/>
+        </a:solidFill>
+        <a:latin typeface="+mn-lt"/>
+        <a:ea typeface="+mn-ea"/>
+        <a:cs typeface="+mn-cs"/>
+      </a:defRPr>
+    </a:lvl3pPr>
+    <a:lvl4pPr marL="1371600" algn="l" defTabSz="914400" rtl="0" eaLnBrk="1" latinLnBrk="0" hangingPunct="1">
+      <a:defRPr sz="1200" kern="1200">
+        <a:solidFill>
+          <a:schemeClr val="tx1"/>
+        </a:solidFill>
+        <a:latin typeface="+mn-lt"/>
+        <a:ea typeface="+mn-ea"/>
+        <a:cs typeface="+mn-cs"/>
+      </a:defRPr>
+    </a:lvl4pPr>
+    <a:lvl5pPr marL="1828800" algn="l" defTabSz="914400" rtl="0" eaLnBrk="1" latinLnBrk="0" hangingPunct="1">
+      <a:defRPr sz="1200" kern="1200">
+        <a:solidFill>
+          <a:schemeClr val="tx1"/>
+        </a:solidFill>
+        <a:latin typeface="+mn-lt"/>
+        <a:ea typeface="+mn-ea"/>
+        <a:cs typeface="+mn-cs"/>
+      </a:defRPr>
+    </a:lvl5pPr>
+    <a:lvl6pPr marL="2286000" algn="l" defTabSz="914400" rtl="0" eaLnBrk="1" latinLnBrk="0" hangingPunct="1">
+      <a:defRPr sz="1200" kern="1200">
+        <a:solidFill>
+          <a:schemeClr val="tx1"/>
+        </a:solidFill>
+        <a:latin typeface="+mn-lt"/>
+        <a:ea typeface="+mn-ea"/>
+        <a:cs typeface="+mn-cs"/>
+      </a:defRPr>
+    </a:lvl6pPr>
+    <a:lvl7pPr marL="2743200" algn="l" defTabSz="914400" rtl="0" eaLnBrk="1" latinLnBrk="0" hangingPunct="1">
+      <a:defRPr sz="1200" kern="1200">
+        <a:solidFill>
+          <a:schemeClr val="tx1"/>
+        </a:solidFill>
+        <a:latin typeface="+mn-lt"/>
+        <a:ea typeface="+mn-ea"/>
+        <a:cs typeface="+mn-cs"/>
+      </a:defRPr>
+    </a:lvl7pPr>
+    <a:lvl8pPr marL="3200400" algn="l" defTabSz="914400" rtl="0" eaLnBrk="1" latinLnBrk="0" hangingPunct="1">
+      <a:defRPr sz="1200" kern="1200">
+        <a:solidFill>
+          <a:schemeClr val="tx1"/>
+        </a:solidFill>
+        <a:latin typeface="+mn-lt"/>
+        <a:ea typeface="+mn-ea"/>
+        <a:cs typeface="+mn-cs"/>
+      </a:defRPr>
+    </a:lvl8pPr>
+    <a:lvl9pPr marL="3657600" algn="l" defTabSz="914400" rtl="0" eaLnBrk="1" latinLnBrk="0" hangingPunct="1">
+      <a:defRPr sz="1200" kern="1200">
+        <a:solidFill>
+          <a:schemeClr val="tx1"/>
+        </a:solidFill>
+        <a:latin typeface="+mn-lt"/>
+        <a:ea typeface="+mn-ea"/>
+        <a:cs typeface="+mn-cs"/>
+      </a:defRPr>
+    </a:lvl9pPr>
+  </p:notesStyle>
+</p:notesMaster>
+</file>
+
+<file path=ppt/notesSlides/notesSlide1.xml><?xml version="1.0" encoding="utf-8"?>
+<p:notes xmlns:a="http://schemas.openxmlformats.org/drawingml/2006/main" xmlns:r="http://schemas.openxmlformats.org/officeDocument/2006/relationships" xmlns:p="http://schemas.openxmlformats.org/presentationml/2006/main">
+  <p:cSld>
+    <p:spTree>
+      <p:nvGrpSpPr>
+        <p:cNvPr id="1" name=""/>
+        <p:cNvGrpSpPr/>
+        <p:nvPr/>
+      </p:nvGrpSpPr>
+      <p:grpSpPr>
+        <a:xfrm>
+          <a:off x="0" y="0"/>
+          <a:ext cx="0" cy="0"/>
+          <a:chOff x="0" y="0"/>
+          <a:chExt cx="0" cy="0"/>
+        </a:xfrm>
+      </p:grpSpPr>
+      <p:sp>
+        <p:nvSpPr>
+          <p:cNvPr id="2" name="Slide Image Placeholder 1"/>
+          <p:cNvSpPr>
+            <a:spLocks noGrp="1" noRot="1" noChangeAspect="1"/>
+          </p:cNvSpPr>
+          <p:nvPr>
+            <p:ph type="sldImg"/>
+          </p:nvPr>
+        </p:nvSpPr>
+        <p:spPr/>
+      </p:sp>
+      <p:sp>
+        <p:nvSpPr>
+          <p:cNvPr id="3" name="Notes Placeholder 2"/>
+          <p:cNvSpPr>
+            <a:spLocks noGrp="1"/>
+          </p:cNvSpPr>
+          <p:nvPr>
+            <p:ph type="body" idx="1"/>
+          </p:nvPr>
+        </p:nvSpPr>
+        <p:spPr/>
+        <p:txBody>
+          <a:bodyPr/>
+          <a:lstStyle/>
+          <a:p>
+            <a:r>
+              <a:rPr lang="en-US" smtClean="0"/>
+              <a:t>You are not giving</a:t>
+            </a:r>
+            <a:r>
+              <a:rPr lang="en-US" baseline="0" smtClean="0"/>
+              <a:t> your presentation to have another meeting.  You are there to covey </a:t>
+            </a:r>
+            <a:r>
+              <a:rPr lang="en-US" u="sng" baseline="0" smtClean="0"/>
+              <a:t>meaning</a:t>
+            </a:r>
+            <a:r>
+              <a:rPr lang="en-US" baseline="0" smtClean="0"/>
+              <a:t>.</a:t>
+            </a:r>
+            <a:endParaRPr lang="en-US"/>
+          </a:p>
+        </p:txBody>
+      </p:sp>
+      <p:sp>
+        <p:nvSpPr>
+          <p:cNvPr id="4" name="Slide Number Placeholder 3"/>
+          <p:cNvSpPr>
+            <a:spLocks noGrp="1"/>
+          </p:cNvSpPr>
+          <p:nvPr>
+            <p:ph type="sldNum" sz="quarter" idx="10"/>
+          </p:nvPr>
+        </p:nvSpPr>
+        <p:spPr/>
+        <p:txBody>
+          <a:bodyPr/>
+          <a:lstStyle/>
+          <a:p>
+            <a:fld id="{CB1A8ED9-A90F-43A0-A471-4F79F54F87D6}" type="slidenum">
+              <a:rPr lang="en-US" smtClean="0"/>
+              <a:pPr/>
+              <a:t>4</a:t>
+            </a:fld>
+            <a:endParaRPr lang="en-US"/>
+          </a:p>
+        </p:txBody>
+      </p:sp>
+    </p:spTree>
+    <p:extLst>
+      <p:ext uri="{BB962C8B-B14F-4D97-AF65-F5344CB8AC3E}">
+        <p14:creationId xmlns:p14="http://schemas.microsoft.com/office/powerpoint/2010/main" val="877282961"/>
+      </p:ext>
+    </p:extLst>
+  </p:cSld>
+  <p:clrMapOvr>
+    <a:masterClrMapping/>
+  </p:clrMapOvr>
+</p:notes>
+</file>
+
 <file path=ppt/slideLayouts/slideLayout1.xml><?xml version="1.0" encoding="utf-8"?>
 <p:sldLayout xmlns:a="http://schemas.openxmlformats.org/drawingml/2006/main" xmlns:r="http://schemas.openxmlformats.org/officeDocument/2006/relationships" xmlns:p="http://schemas.openxmlformats.org/presentationml/2006/main" showMasterSp="0" type="title" preserve="1">
   <p:cSld name="Title Slide">
@@ -22918,7 +23493,7 @@
         </p:blipFill>
         <p:spPr>
           <a:xfrm>
-            <a:off x="1296488" y="3030136"/>
+            <a:off x="1154955" y="3473048"/>
             <a:ext cx="2362200" cy="885825"/>
           </a:xfrm>
           <a:prstGeom prst="rect">
@@ -22947,6 +23522,278 @@
 </file>
 
 <file path=ppt/slides/slide10.xml><?xml version="1.0" encoding="utf-8"?>
+<p:sld xmlns:a="http://schemas.openxmlformats.org/drawingml/2006/main" xmlns:r="http://schemas.openxmlformats.org/officeDocument/2006/relationships" xmlns:p="http://schemas.openxmlformats.org/presentationml/2006/main">
+  <p:cSld>
+    <p:spTree>
+      <p:nvGrpSpPr>
+        <p:cNvPr id="1" name=""/>
+        <p:cNvGrpSpPr/>
+        <p:nvPr/>
+      </p:nvGrpSpPr>
+      <p:grpSpPr>
+        <a:xfrm>
+          <a:off x="0" y="0"/>
+          <a:ext cx="0" cy="0"/>
+          <a:chOff x="0" y="0"/>
+          <a:chExt cx="0" cy="0"/>
+        </a:xfrm>
+      </p:grpSpPr>
+      <p:sp>
+        <p:nvSpPr>
+          <p:cNvPr id="2" name="Title 1"/>
+          <p:cNvSpPr>
+            <a:spLocks noGrp="1"/>
+          </p:cNvSpPr>
+          <p:nvPr>
+            <p:ph type="title"/>
+          </p:nvPr>
+        </p:nvSpPr>
+        <p:spPr/>
+        <p:txBody>
+          <a:bodyPr/>
+          <a:lstStyle/>
+          <a:p>
+            <a:r>
+              <a:rPr lang="en-US" sz="2400" dirty="0" smtClean="0"/>
+              <a:t>One of the most important</a:t>
+            </a:r>
+            <a:endParaRPr lang="en-US" sz="2400" dirty="0"/>
+          </a:p>
+        </p:txBody>
+      </p:sp>
+      <p:sp>
+        <p:nvSpPr>
+          <p:cNvPr id="3" name="Text Placeholder 2"/>
+          <p:cNvSpPr>
+            <a:spLocks noGrp="1"/>
+          </p:cNvSpPr>
+          <p:nvPr>
+            <p:ph type="body" idx="1"/>
+          </p:nvPr>
+        </p:nvSpPr>
+        <p:spPr/>
+        <p:txBody>
+          <a:bodyPr/>
+          <a:lstStyle/>
+          <a:p>
+            <a:r>
+              <a:rPr lang="en-US" dirty="0"/>
+              <a:t>UX and UI</a:t>
+            </a:r>
+          </a:p>
+        </p:txBody>
+      </p:sp>
+    </p:spTree>
+    <p:extLst>
+      <p:ext uri="{BB962C8B-B14F-4D97-AF65-F5344CB8AC3E}">
+        <p14:creationId xmlns:p14="http://schemas.microsoft.com/office/powerpoint/2010/main" val="2826739323"/>
+      </p:ext>
+    </p:extLst>
+  </p:cSld>
+  <p:clrMapOvr>
+    <a:masterClrMapping/>
+  </p:clrMapOvr>
+  <mc:AlternateContent xmlns:mc="http://schemas.openxmlformats.org/markup-compatibility/2006" xmlns:p14="http://schemas.microsoft.com/office/powerpoint/2010/main">
+    <mc:Choice Requires="p14">
+      <p:transition spd="slow" p14:dur="1600">
+        <p14:conveyor dir="l"/>
+      </p:transition>
+    </mc:Choice>
+    <mc:Fallback xmlns="">
+      <p:transition spd="slow">
+        <p:fade/>
+      </p:transition>
+    </mc:Fallback>
+  </mc:AlternateContent>
+  <p:timing>
+    <p:tnLst>
+      <p:par>
+        <p:cTn id="1" dur="indefinite" restart="never" nodeType="tmRoot"/>
+      </p:par>
+    </p:tnLst>
+  </p:timing>
+</p:sld>
+</file>
+
+<file path=ppt/slides/slide11.xml><?xml version="1.0" encoding="utf-8"?>
+<p:sld xmlns:a="http://schemas.openxmlformats.org/drawingml/2006/main" xmlns:r="http://schemas.openxmlformats.org/officeDocument/2006/relationships" xmlns:p="http://schemas.openxmlformats.org/presentationml/2006/main">
+  <p:cSld>
+    <p:spTree>
+      <p:nvGrpSpPr>
+        <p:cNvPr id="1" name=""/>
+        <p:cNvGrpSpPr/>
+        <p:nvPr/>
+      </p:nvGrpSpPr>
+      <p:grpSpPr>
+        <a:xfrm>
+          <a:off x="0" y="0"/>
+          <a:ext cx="0" cy="0"/>
+          <a:chOff x="0" y="0"/>
+          <a:chExt cx="0" cy="0"/>
+        </a:xfrm>
+      </p:grpSpPr>
+      <p:sp>
+        <p:nvSpPr>
+          <p:cNvPr id="2" name="Title 1"/>
+          <p:cNvSpPr>
+            <a:spLocks noGrp="1"/>
+          </p:cNvSpPr>
+          <p:nvPr>
+            <p:ph type="title"/>
+          </p:nvPr>
+        </p:nvSpPr>
+        <p:spPr/>
+        <p:txBody>
+          <a:bodyPr/>
+          <a:lstStyle/>
+          <a:p>
+            <a:r>
+              <a:rPr lang="en-US" sz="2400" dirty="0" smtClean="0"/>
+              <a:t>Don’t make me think.</a:t>
+            </a:r>
+            <a:endParaRPr lang="en-US" sz="2400" dirty="0"/>
+          </a:p>
+        </p:txBody>
+      </p:sp>
+      <p:sp>
+        <p:nvSpPr>
+          <p:cNvPr id="4" name="Text Placeholder 3"/>
+          <p:cNvSpPr>
+            <a:spLocks noGrp="1"/>
+          </p:cNvSpPr>
+          <p:nvPr>
+            <p:ph type="body" idx="1"/>
+          </p:nvPr>
+        </p:nvSpPr>
+        <p:spPr/>
+        <p:txBody>
+          <a:bodyPr/>
+          <a:lstStyle/>
+          <a:p>
+            <a:r>
+              <a:rPr lang="en-US" dirty="0" smtClean="0"/>
+              <a:t>Make a system where developers </a:t>
+            </a:r>
+            <a:r>
+              <a:rPr lang="en-US" b="1" u="sng" dirty="0" smtClean="0"/>
+              <a:t>doesn’t have to think much</a:t>
+            </a:r>
+            <a:endParaRPr lang="en-US" b="1" u="sng" dirty="0"/>
+          </a:p>
+        </p:txBody>
+      </p:sp>
+    </p:spTree>
+    <p:extLst>
+      <p:ext uri="{BB962C8B-B14F-4D97-AF65-F5344CB8AC3E}">
+        <p14:creationId xmlns:p14="http://schemas.microsoft.com/office/powerpoint/2010/main" val="4079628190"/>
+      </p:ext>
+    </p:extLst>
+  </p:cSld>
+  <p:clrMapOvr>
+    <a:masterClrMapping/>
+  </p:clrMapOvr>
+  <mc:AlternateContent xmlns:mc="http://schemas.openxmlformats.org/markup-compatibility/2006" xmlns:p14="http://schemas.microsoft.com/office/powerpoint/2010/main">
+    <mc:Choice Requires="p14">
+      <p:transition spd="med" p14:dur="700">
+        <p:fade/>
+      </p:transition>
+    </mc:Choice>
+    <mc:Fallback xmlns="">
+      <p:transition spd="med">
+        <p:fade/>
+      </p:transition>
+    </mc:Fallback>
+  </mc:AlternateContent>
+  <p:timing>
+    <p:tnLst>
+      <p:par>
+        <p:cTn id="1" dur="indefinite" restart="never" nodeType="tmRoot">
+          <p:childTnLst>
+            <p:seq concurrent="1" nextAc="seek">
+              <p:cTn id="2" dur="indefinite" nodeType="mainSeq">
+                <p:childTnLst>
+                  <p:par>
+                    <p:cTn id="3" fill="hold">
+                      <p:stCondLst>
+                        <p:cond delay="indefinite"/>
+                      </p:stCondLst>
+                      <p:childTnLst>
+                        <p:par>
+                          <p:cTn id="4" fill="hold">
+                            <p:stCondLst>
+                              <p:cond delay="0"/>
+                            </p:stCondLst>
+                            <p:childTnLst>
+                              <p:par>
+                                <p:cTn id="5" presetID="10" presetClass="entr" presetSubtype="0" fill="hold" grpId="0" nodeType="clickEffect">
+                                  <p:stCondLst>
+                                    <p:cond delay="0"/>
+                                  </p:stCondLst>
+                                  <p:childTnLst>
+                                    <p:set>
+                                      <p:cBhvr>
+                                        <p:cTn id="6" dur="1" fill="hold">
+                                          <p:stCondLst>
+                                            <p:cond delay="0"/>
+                                          </p:stCondLst>
+                                        </p:cTn>
+                                        <p:tgtEl>
+                                          <p:spTgt spid="2"/>
+                                        </p:tgtEl>
+                                        <p:attrNameLst>
+                                          <p:attrName>style.visibility</p:attrName>
+                                        </p:attrNameLst>
+                                      </p:cBhvr>
+                                      <p:to>
+                                        <p:strVal val="visible"/>
+                                      </p:to>
+                                    </p:set>
+                                    <p:animEffect transition="in" filter="fade">
+                                      <p:cBhvr>
+                                        <p:cTn id="7" dur="500"/>
+                                        <p:tgtEl>
+                                          <p:spTgt spid="2"/>
+                                        </p:tgtEl>
+                                      </p:cBhvr>
+                                    </p:animEffect>
+                                  </p:childTnLst>
+                                </p:cTn>
+                              </p:par>
+                            </p:childTnLst>
+                          </p:cTn>
+                        </p:par>
+                      </p:childTnLst>
+                    </p:cTn>
+                  </p:par>
+                </p:childTnLst>
+              </p:cTn>
+              <p:prevCondLst>
+                <p:cond evt="onPrev" delay="0">
+                  <p:tgtEl>
+                    <p:sldTgt/>
+                  </p:tgtEl>
+                </p:cond>
+              </p:prevCondLst>
+              <p:nextCondLst>
+                <p:cond evt="onNext" delay="0">
+                  <p:tgtEl>
+                    <p:sldTgt/>
+                  </p:tgtEl>
+                </p:cond>
+              </p:nextCondLst>
+            </p:seq>
+          </p:childTnLst>
+        </p:cTn>
+      </p:par>
+    </p:tnLst>
+    <p:bldLst>
+      <p:bldP spid="2" grpId="0"/>
+    </p:bldLst>
+  </p:timing>
+</p:sld>
+</file>
+
+<file path=ppt/slides/slide12.xml><?xml version="1.0" encoding="utf-8"?>
 <p:sld xmlns:a="http://schemas.openxmlformats.org/drawingml/2006/main" xmlns:r="http://schemas.openxmlformats.org/officeDocument/2006/relationships" xmlns:p="http://schemas.openxmlformats.org/presentationml/2006/main">
   <p:cSld>
     <p:spTree>
@@ -23080,7 +23927,7 @@
 </p:sld>
 </file>
 
-<file path=ppt/slides/slide11.xml><?xml version="1.0" encoding="utf-8"?>
+<file path=ppt/slides/slide13.xml><?xml version="1.0" encoding="utf-8"?>
 <p:sld xmlns:a="http://schemas.openxmlformats.org/drawingml/2006/main" xmlns:r="http://schemas.openxmlformats.org/officeDocument/2006/relationships" xmlns:p="http://schemas.openxmlformats.org/presentationml/2006/main">
   <p:cSld>
     <p:spTree>
@@ -23195,13 +24042,13 @@
   <p:clrMapOvr>
     <a:masterClrMapping/>
   </p:clrMapOvr>
-  <mc:AlternateContent xmlns:mc="http://schemas.openxmlformats.org/markup-compatibility/2006">
-    <mc:Choice xmlns:p14="http://schemas.microsoft.com/office/powerpoint/2010/main" Requires="p14">
+  <mc:AlternateContent xmlns:mc="http://schemas.openxmlformats.org/markup-compatibility/2006" xmlns:p14="http://schemas.microsoft.com/office/powerpoint/2010/main">
+    <mc:Choice Requires="p14">
       <p:transition spd="slow" p14:dur="1600">
         <p14:conveyor dir="l"/>
       </p:transition>
     </mc:Choice>
-    <mc:Fallback>
+    <mc:Fallback xmlns="">
       <p:transition spd="slow">
         <p:fade/>
       </p:transition>
@@ -23717,7 +24564,7 @@
 </p:sld>
 </file>
 
-<file path=ppt/slides/slide12.xml><?xml version="1.0" encoding="utf-8"?>
+<file path=ppt/slides/slide14.xml><?xml version="1.0" encoding="utf-8"?>
 <p:sld xmlns:a="http://schemas.openxmlformats.org/drawingml/2006/main" xmlns:r="http://schemas.openxmlformats.org/officeDocument/2006/relationships" xmlns:p="http://schemas.openxmlformats.org/presentationml/2006/main">
   <p:cSld>
     <p:spTree>
@@ -23784,6 +24631,44 @@
           </a:graphicData>
         </a:graphic>
       </p:graphicFrame>
+      <p:sp>
+        <p:nvSpPr>
+          <p:cNvPr id="4" name="TextBox 3"/>
+          <p:cNvSpPr txBox="1"/>
+          <p:nvPr/>
+        </p:nvSpPr>
+        <p:spPr>
+          <a:xfrm>
+            <a:off x="714895" y="3258590"/>
+            <a:ext cx="1667444" cy="369332"/>
+          </a:xfrm>
+          <a:prstGeom prst="rect">
+            <a:avLst/>
+          </a:prstGeom>
+          <a:noFill/>
+        </p:spPr>
+        <p:txBody>
+          <a:bodyPr wrap="none" rtlCol="0">
+            <a:spAutoFit/>
+          </a:bodyPr>
+          <a:lstStyle/>
+          <a:p>
+            <a:r>
+              <a:rPr lang="en-US" dirty="0" smtClean="0">
+                <a:solidFill>
+                  <a:schemeClr val="bg1"/>
+                </a:solidFill>
+              </a:rPr>
+              <a:t>Thinking area</a:t>
+            </a:r>
+            <a:endParaRPr lang="en-US" dirty="0">
+              <a:solidFill>
+                <a:schemeClr val="bg1"/>
+              </a:solidFill>
+            </a:endParaRPr>
+          </a:p>
+        </p:txBody>
+      </p:sp>
     </p:spTree>
     <p:extLst>
       <p:ext uri="{BB962C8B-B14F-4D97-AF65-F5344CB8AC3E}">
@@ -23794,13 +24679,13 @@
   <p:clrMapOvr>
     <a:masterClrMapping/>
   </p:clrMapOvr>
-  <mc:AlternateContent xmlns:mc="http://schemas.openxmlformats.org/markup-compatibility/2006">
-    <mc:Choice xmlns:p14="http://schemas.microsoft.com/office/powerpoint/2010/main" Requires="p14">
+  <mc:AlternateContent xmlns:mc="http://schemas.openxmlformats.org/markup-compatibility/2006" xmlns:p14="http://schemas.microsoft.com/office/powerpoint/2010/main">
+    <mc:Choice Requires="p14">
       <p:transition spd="med" p14:dur="700">
         <p:fade/>
       </p:transition>
     </mc:Choice>
-    <mc:Fallback>
+    <mc:Fallback xmlns="">
       <p:transition spd="med">
         <p:fade/>
       </p:transition>
@@ -23816,225 +24701,7 @@
 </p:sld>
 </file>
 
-<file path=ppt/slides/slide13.xml><?xml version="1.0" encoding="utf-8"?>
-<p:sld xmlns:a="http://schemas.openxmlformats.org/drawingml/2006/main" xmlns:r="http://schemas.openxmlformats.org/officeDocument/2006/relationships" xmlns:p="http://schemas.openxmlformats.org/presentationml/2006/main">
-  <p:cSld>
-    <p:spTree>
-      <p:nvGrpSpPr>
-        <p:cNvPr id="1" name=""/>
-        <p:cNvGrpSpPr/>
-        <p:nvPr/>
-      </p:nvGrpSpPr>
-      <p:grpSpPr>
-        <a:xfrm>
-          <a:off x="0" y="0"/>
-          <a:ext cx="0" cy="0"/>
-          <a:chOff x="0" y="0"/>
-          <a:chExt cx="0" cy="0"/>
-        </a:xfrm>
-      </p:grpSpPr>
-      <p:sp>
-        <p:nvSpPr>
-          <p:cNvPr id="2" name="Title 1"/>
-          <p:cNvSpPr>
-            <a:spLocks noGrp="1"/>
-          </p:cNvSpPr>
-          <p:nvPr>
-            <p:ph type="title"/>
-          </p:nvPr>
-        </p:nvSpPr>
-        <p:spPr/>
-        <p:txBody>
-          <a:bodyPr/>
-          <a:lstStyle/>
-          <a:p>
-            <a:r>
-              <a:rPr lang="en-US" sz="2400" dirty="0" smtClean="0"/>
-              <a:t>I started with something and then it became something else.</a:t>
-            </a:r>
-            <a:br>
-              <a:rPr lang="en-US" sz="2400" dirty="0" smtClean="0"/>
-            </a:br>
-            <a:r>
-              <a:rPr lang="en-US" sz="2400" dirty="0" smtClean="0"/>
-              <a:t>-</a:t>
-            </a:r>
-            <a:r>
-              <a:rPr lang="en-US" sz="2400" dirty="0" err="1" smtClean="0"/>
-              <a:t>picaso</a:t>
-            </a:r>
-            <a:endParaRPr lang="en-US" sz="2400" dirty="0"/>
-          </a:p>
-        </p:txBody>
-      </p:sp>
-      <p:sp>
-        <p:nvSpPr>
-          <p:cNvPr id="3" name="Text Placeholder 2"/>
-          <p:cNvSpPr>
-            <a:spLocks noGrp="1"/>
-          </p:cNvSpPr>
-          <p:nvPr>
-            <p:ph type="body" idx="1"/>
-          </p:nvPr>
-        </p:nvSpPr>
-        <p:spPr>
-          <a:xfrm>
-            <a:off x="6895559" y="2677643"/>
-            <a:ext cx="4858637" cy="2283825"/>
-          </a:xfrm>
-        </p:spPr>
-        <p:txBody>
-          <a:bodyPr/>
-          <a:lstStyle/>
-          <a:p>
-            <a:r>
-              <a:rPr lang="en-US" dirty="0" smtClean="0"/>
-              <a:t>Every </a:t>
-            </a:r>
-            <a:r>
-              <a:rPr lang="en-US" b="1" u="sng" dirty="0" smtClean="0"/>
-              <a:t>developer’s</a:t>
-            </a:r>
-            <a:r>
-              <a:rPr lang="en-US" dirty="0" smtClean="0"/>
-              <a:t> </a:t>
-            </a:r>
-            <a:r>
-              <a:rPr lang="en-US" dirty="0" smtClean="0"/>
-              <a:t>time and life is </a:t>
-            </a:r>
-            <a:r>
-              <a:rPr lang="en-US" u="sng" dirty="0" smtClean="0"/>
-              <a:t>important</a:t>
-            </a:r>
-            <a:r>
-              <a:rPr lang="en-US" dirty="0" smtClean="0"/>
-              <a:t>. </a:t>
-            </a:r>
-            <a:r>
-              <a:rPr lang="en-US" dirty="0" smtClean="0"/>
-              <a:t>I always I think </a:t>
-            </a:r>
-            <a:r>
-              <a:rPr lang="en-US" dirty="0" smtClean="0"/>
-              <a:t>how to make it better and efficient.</a:t>
-            </a:r>
-            <a:endParaRPr lang="en-US" dirty="0"/>
-          </a:p>
-        </p:txBody>
-      </p:sp>
-    </p:spTree>
-    <p:extLst>
-      <p:ext uri="{BB962C8B-B14F-4D97-AF65-F5344CB8AC3E}">
-        <p14:creationId xmlns:p14="http://schemas.microsoft.com/office/powerpoint/2010/main" val="1933841019"/>
-      </p:ext>
-    </p:extLst>
-  </p:cSld>
-  <p:clrMapOvr>
-    <a:masterClrMapping/>
-  </p:clrMapOvr>
-  <mc:AlternateContent xmlns:mc="http://schemas.openxmlformats.org/markup-compatibility/2006">
-    <mc:Choice xmlns:p14="http://schemas.microsoft.com/office/powerpoint/2010/main" Requires="p14">
-      <p:transition spd="slow" p14:dur="2000">
-        <p14:ferris dir="l"/>
-      </p:transition>
-    </mc:Choice>
-    <mc:Fallback>
-      <p:transition spd="slow">
-        <p:fade/>
-      </p:transition>
-    </mc:Fallback>
-  </mc:AlternateContent>
-  <p:timing>
-    <p:tnLst>
-      <p:par>
-        <p:cTn id="1" dur="indefinite" restart="never" nodeType="tmRoot">
-          <p:childTnLst>
-            <p:seq concurrent="1" nextAc="seek">
-              <p:cTn id="2" dur="indefinite" nodeType="mainSeq">
-                <p:childTnLst>
-                  <p:par>
-                    <p:cTn id="3" fill="hold">
-                      <p:stCondLst>
-                        <p:cond delay="indefinite"/>
-                      </p:stCondLst>
-                      <p:childTnLst>
-                        <p:par>
-                          <p:cTn id="4" fill="hold">
-                            <p:stCondLst>
-                              <p:cond delay="0"/>
-                            </p:stCondLst>
-                            <p:childTnLst>
-                              <p:par>
-                                <p:cTn id="5" presetID="10" presetClass="entr" presetSubtype="0" fill="hold" grpId="0" nodeType="clickEffect">
-                                  <p:stCondLst>
-                                    <p:cond delay="0"/>
-                                  </p:stCondLst>
-                                  <p:childTnLst>
-                                    <p:set>
-                                      <p:cBhvr>
-                                        <p:cTn id="6" dur="1" fill="hold">
-                                          <p:stCondLst>
-                                            <p:cond delay="0"/>
-                                          </p:stCondLst>
-                                        </p:cTn>
-                                        <p:tgtEl>
-                                          <p:spTgt spid="2"/>
-                                        </p:tgtEl>
-                                        <p:attrNameLst>
-                                          <p:attrName>style.visibility</p:attrName>
-                                        </p:attrNameLst>
-                                      </p:cBhvr>
-                                      <p:to>
-                                        <p:strVal val="visible"/>
-                                      </p:to>
-                                    </p:set>
-                                    <p:animEffect transition="in" filter="fade">
-                                      <p:cBhvr>
-                                        <p:cTn id="7" dur="500"/>
-                                        <p:tgtEl>
-                                          <p:spTgt spid="2"/>
-                                        </p:tgtEl>
-                                      </p:cBhvr>
-                                    </p:animEffect>
-                                  </p:childTnLst>
-                                </p:cTn>
-                              </p:par>
-                            </p:childTnLst>
-                          </p:cTn>
-                        </p:par>
-                      </p:childTnLst>
-                    </p:cTn>
-                  </p:par>
-                </p:childTnLst>
-              </p:cTn>
-              <p:prevCondLst>
-                <p:cond evt="onPrev" delay="0">
-                  <p:tgtEl>
-                    <p:sldTgt/>
-                  </p:tgtEl>
-                </p:cond>
-              </p:prevCondLst>
-              <p:nextCondLst>
-                <p:cond evt="onNext" delay="0">
-                  <p:tgtEl>
-                    <p:sldTgt/>
-                  </p:tgtEl>
-                </p:cond>
-              </p:nextCondLst>
-            </p:seq>
-          </p:childTnLst>
-        </p:cTn>
-      </p:par>
-    </p:tnLst>
-    <p:bldLst>
-      <p:bldP spid="2" grpId="0"/>
-    </p:bldLst>
-  </p:timing>
-</p:sld>
-</file>
-
-<file path=ppt/slides/slide14.xml><?xml version="1.0" encoding="utf-8"?>
+<file path=ppt/slides/slide15.xml><?xml version="1.0" encoding="utf-8"?>
 <p:sld xmlns:a="http://schemas.openxmlformats.org/drawingml/2006/main" xmlns:r="http://schemas.openxmlformats.org/officeDocument/2006/relationships" xmlns:p="http://schemas.openxmlformats.org/presentationml/2006/main">
   <p:cSld>
     <p:spTree>
@@ -24104,11 +24771,7 @@
             </a:r>
             <a:r>
               <a:rPr lang="en-US" dirty="0" smtClean="0"/>
-              <a:t> </a:t>
-            </a:r>
-            <a:r>
-              <a:rPr lang="en-US" dirty="0" smtClean="0"/>
-              <a:t>time and life is </a:t>
+              <a:t> time and life is </a:t>
             </a:r>
             <a:r>
               <a:rPr lang="en-US" u="sng" dirty="0" smtClean="0"/>
@@ -24116,15 +24779,7 @@
             </a:r>
             <a:r>
               <a:rPr lang="en-US" dirty="0" smtClean="0"/>
-              <a:t>. </a:t>
-            </a:r>
-            <a:r>
-              <a:rPr lang="en-US" dirty="0" smtClean="0"/>
-              <a:t>I always I think </a:t>
-            </a:r>
-            <a:r>
-              <a:rPr lang="en-US" dirty="0" smtClean="0"/>
-              <a:t>how to make it better and efficient.</a:t>
+              <a:t>. I always I think how to make it better and efficient.</a:t>
             </a:r>
             <a:endParaRPr lang="en-US" dirty="0"/>
           </a:p>
@@ -24169,7 +24824,7 @@
         <p:spPr>
           <a:xfrm>
             <a:off x="1154954" y="4342016"/>
-            <a:ext cx="4908716" cy="369332"/>
+            <a:ext cx="5287025" cy="369332"/>
           </a:xfrm>
           <a:prstGeom prst="rect">
             <a:avLst/>
@@ -24188,7 +24843,15 @@
                   <a:schemeClr val="bg1"/>
                 </a:solidFill>
               </a:rPr>
-              <a:t>After developers are </a:t>
+              <a:t>After all, </a:t>
+            </a:r>
+            <a:r>
+              <a:rPr lang="en-US" dirty="0" smtClean="0">
+                <a:solidFill>
+                  <a:schemeClr val="bg1"/>
+                </a:solidFill>
+              </a:rPr>
+              <a:t>developers are </a:t>
             </a:r>
             <a:r>
               <a:rPr lang="en-US" u="sng" dirty="0" smtClean="0">
@@ -24234,6 +24897,363 @@
     <p:extLst>
       <p:ext uri="{BB962C8B-B14F-4D97-AF65-F5344CB8AC3E}">
         <p14:creationId xmlns:p14="http://schemas.microsoft.com/office/powerpoint/2010/main" val="886906490"/>
+      </p:ext>
+    </p:extLst>
+  </p:cSld>
+  <p:clrMapOvr>
+    <a:masterClrMapping/>
+  </p:clrMapOvr>
+  <mc:AlternateContent xmlns:mc="http://schemas.openxmlformats.org/markup-compatibility/2006" xmlns:p14="http://schemas.microsoft.com/office/powerpoint/2010/main">
+    <mc:Choice Requires="p14">
+      <p:transition spd="slow" p14:dur="2000">
+        <p14:ferris dir="l"/>
+      </p:transition>
+    </mc:Choice>
+    <mc:Fallback xmlns="">
+      <p:transition spd="slow">
+        <p:fade/>
+      </p:transition>
+    </mc:Fallback>
+  </mc:AlternateContent>
+  <p:timing>
+    <p:tnLst>
+      <p:par>
+        <p:cTn id="1" dur="indefinite" restart="never" nodeType="tmRoot">
+          <p:childTnLst>
+            <p:seq concurrent="1" nextAc="seek">
+              <p:cTn id="2" dur="indefinite" nodeType="mainSeq">
+                <p:childTnLst>
+                  <p:par>
+                    <p:cTn id="3" fill="hold">
+                      <p:stCondLst>
+                        <p:cond delay="indefinite"/>
+                      </p:stCondLst>
+                      <p:childTnLst>
+                        <p:par>
+                          <p:cTn id="4" fill="hold">
+                            <p:stCondLst>
+                              <p:cond delay="0"/>
+                            </p:stCondLst>
+                            <p:childTnLst>
+                              <p:par>
+                                <p:cTn id="5" presetID="10" presetClass="entr" presetSubtype="0" fill="hold" grpId="0" nodeType="clickEffect">
+                                  <p:stCondLst>
+                                    <p:cond delay="0"/>
+                                  </p:stCondLst>
+                                  <p:childTnLst>
+                                    <p:set>
+                                      <p:cBhvr>
+                                        <p:cTn id="6" dur="1" fill="hold">
+                                          <p:stCondLst>
+                                            <p:cond delay="0"/>
+                                          </p:stCondLst>
+                                        </p:cTn>
+                                        <p:tgtEl>
+                                          <p:spTgt spid="2"/>
+                                        </p:tgtEl>
+                                        <p:attrNameLst>
+                                          <p:attrName>style.visibility</p:attrName>
+                                        </p:attrNameLst>
+                                      </p:cBhvr>
+                                      <p:to>
+                                        <p:strVal val="visible"/>
+                                      </p:to>
+                                    </p:set>
+                                    <p:animEffect transition="in" filter="fade">
+                                      <p:cBhvr>
+                                        <p:cTn id="7" dur="500"/>
+                                        <p:tgtEl>
+                                          <p:spTgt spid="2"/>
+                                        </p:tgtEl>
+                                      </p:cBhvr>
+                                    </p:animEffect>
+                                  </p:childTnLst>
+                                </p:cTn>
+                              </p:par>
+                            </p:childTnLst>
+                          </p:cTn>
+                        </p:par>
+                      </p:childTnLst>
+                    </p:cTn>
+                  </p:par>
+                  <p:par>
+                    <p:cTn id="8" fill="hold">
+                      <p:stCondLst>
+                        <p:cond delay="indefinite"/>
+                      </p:stCondLst>
+                      <p:childTnLst>
+                        <p:par>
+                          <p:cTn id="9" fill="hold">
+                            <p:stCondLst>
+                              <p:cond delay="0"/>
+                            </p:stCondLst>
+                            <p:childTnLst>
+                              <p:par>
+                                <p:cTn id="10" presetID="10" presetClass="entr" presetSubtype="0" fill="hold" nodeType="clickEffect">
+                                  <p:stCondLst>
+                                    <p:cond delay="0"/>
+                                  </p:stCondLst>
+                                  <p:childTnLst>
+                                    <p:set>
+                                      <p:cBhvr>
+                                        <p:cTn id="11" dur="1" fill="hold">
+                                          <p:stCondLst>
+                                            <p:cond delay="0"/>
+                                          </p:stCondLst>
+                                        </p:cTn>
+                                        <p:tgtEl>
+                                          <p:spTgt spid="5">
+                                            <p:txEl>
+                                              <p:pRg st="0" end="0"/>
+                                            </p:txEl>
+                                          </p:spTgt>
+                                        </p:tgtEl>
+                                        <p:attrNameLst>
+                                          <p:attrName>style.visibility</p:attrName>
+                                        </p:attrNameLst>
+                                      </p:cBhvr>
+                                      <p:to>
+                                        <p:strVal val="visible"/>
+                                      </p:to>
+                                    </p:set>
+                                    <p:animEffect transition="in" filter="fade">
+                                      <p:cBhvr>
+                                        <p:cTn id="12" dur="500"/>
+                                        <p:tgtEl>
+                                          <p:spTgt spid="5">
+                                            <p:txEl>
+                                              <p:pRg st="0" end="0"/>
+                                            </p:txEl>
+                                          </p:spTgt>
+                                        </p:tgtEl>
+                                      </p:cBhvr>
+                                    </p:animEffect>
+                                  </p:childTnLst>
+                                </p:cTn>
+                              </p:par>
+                            </p:childTnLst>
+                          </p:cTn>
+                        </p:par>
+                      </p:childTnLst>
+                    </p:cTn>
+                  </p:par>
+                </p:childTnLst>
+              </p:cTn>
+              <p:prevCondLst>
+                <p:cond evt="onPrev" delay="0">
+                  <p:tgtEl>
+                    <p:sldTgt/>
+                  </p:tgtEl>
+                </p:cond>
+              </p:prevCondLst>
+              <p:nextCondLst>
+                <p:cond evt="onNext" delay="0">
+                  <p:tgtEl>
+                    <p:sldTgt/>
+                  </p:tgtEl>
+                </p:cond>
+              </p:nextCondLst>
+            </p:seq>
+          </p:childTnLst>
+        </p:cTn>
+      </p:par>
+    </p:tnLst>
+    <p:bldLst>
+      <p:bldP spid="2" grpId="0"/>
+    </p:bldLst>
+  </p:timing>
+</p:sld>
+</file>
+
+<file path=ppt/slides/slide16.xml><?xml version="1.0" encoding="utf-8"?>
+<p:sld xmlns:a="http://schemas.openxmlformats.org/drawingml/2006/main" xmlns:r="http://schemas.openxmlformats.org/officeDocument/2006/relationships" xmlns:p="http://schemas.openxmlformats.org/presentationml/2006/main">
+  <p:cSld>
+    <p:spTree>
+      <p:nvGrpSpPr>
+        <p:cNvPr id="1" name=""/>
+        <p:cNvGrpSpPr/>
+        <p:nvPr/>
+      </p:nvGrpSpPr>
+      <p:grpSpPr>
+        <a:xfrm>
+          <a:off x="0" y="0"/>
+          <a:ext cx="0" cy="0"/>
+          <a:chOff x="0" y="0"/>
+          <a:chExt cx="0" cy="0"/>
+        </a:xfrm>
+      </p:grpSpPr>
+      <p:sp>
+        <p:nvSpPr>
+          <p:cNvPr id="2" name="Title 1"/>
+          <p:cNvSpPr>
+            <a:spLocks noGrp="1"/>
+          </p:cNvSpPr>
+          <p:nvPr>
+            <p:ph type="title"/>
+          </p:nvPr>
+        </p:nvSpPr>
+        <p:spPr>
+          <a:xfrm>
+            <a:off x="1154954" y="2677645"/>
+            <a:ext cx="4351025" cy="1502469"/>
+          </a:xfrm>
+        </p:spPr>
+        <p:txBody>
+          <a:bodyPr/>
+          <a:lstStyle/>
+          <a:p>
+            <a:r>
+              <a:rPr lang="en-US" sz="2400" dirty="0" smtClean="0"/>
+              <a:t>Getting the bes</a:t>
+            </a:r>
+            <a:r>
+              <a:rPr lang="en-US" sz="2400" dirty="0" smtClean="0"/>
+              <a:t>t of both worlds.</a:t>
+            </a:r>
+            <a:endParaRPr lang="en-US" sz="2400" dirty="0"/>
+          </a:p>
+        </p:txBody>
+      </p:sp>
+      <p:sp>
+        <p:nvSpPr>
+          <p:cNvPr id="3" name="Text Placeholder 2"/>
+          <p:cNvSpPr>
+            <a:spLocks noGrp="1"/>
+          </p:cNvSpPr>
+          <p:nvPr>
+            <p:ph type="body" idx="1"/>
+          </p:nvPr>
+        </p:nvSpPr>
+        <p:spPr>
+          <a:xfrm>
+            <a:off x="6895559" y="2677643"/>
+            <a:ext cx="4858637" cy="2283825"/>
+          </a:xfrm>
+        </p:spPr>
+        <p:txBody>
+          <a:bodyPr/>
+          <a:lstStyle/>
+          <a:p>
+            <a:r>
+              <a:rPr lang="en-US" dirty="0" smtClean="0"/>
+              <a:t>Productive : Return on Investment (Quick)</a:t>
+            </a:r>
+            <a:endParaRPr lang="en-US" dirty="0"/>
+          </a:p>
+        </p:txBody>
+      </p:sp>
+      <p:sp>
+        <p:nvSpPr>
+          <p:cNvPr id="4" name="TextBox 3"/>
+          <p:cNvSpPr txBox="1"/>
+          <p:nvPr/>
+        </p:nvSpPr>
+        <p:spPr>
+          <a:xfrm>
+            <a:off x="6895559" y="3059547"/>
+            <a:ext cx="1768433" cy="369332"/>
+          </a:xfrm>
+          <a:prstGeom prst="rect">
+            <a:avLst/>
+          </a:prstGeom>
+          <a:noFill/>
+        </p:spPr>
+        <p:txBody>
+          <a:bodyPr wrap="none" rtlCol="0">
+            <a:spAutoFit/>
+          </a:bodyPr>
+          <a:lstStyle/>
+          <a:p>
+            <a:r>
+              <a:rPr lang="en-US" dirty="0" smtClean="0"/>
+              <a:t>Focusing area</a:t>
+            </a:r>
+            <a:endParaRPr lang="en-US" dirty="0"/>
+          </a:p>
+        </p:txBody>
+      </p:sp>
+      <p:sp>
+        <p:nvSpPr>
+          <p:cNvPr id="5" name="TextBox 4"/>
+          <p:cNvSpPr txBox="1"/>
+          <p:nvPr/>
+        </p:nvSpPr>
+        <p:spPr>
+          <a:xfrm>
+            <a:off x="1154954" y="4342016"/>
+            <a:ext cx="4969630" cy="369332"/>
+          </a:xfrm>
+          <a:prstGeom prst="rect">
+            <a:avLst/>
+          </a:prstGeom>
+          <a:noFill/>
+        </p:spPr>
+        <p:txBody>
+          <a:bodyPr wrap="none" rtlCol="0">
+            <a:spAutoFit/>
+          </a:bodyPr>
+          <a:lstStyle/>
+          <a:p>
+            <a:r>
+              <a:rPr lang="en-US" dirty="0" smtClean="0">
+                <a:solidFill>
+                  <a:schemeClr val="bg1"/>
+                </a:solidFill>
+              </a:rPr>
+              <a:t>Since developers </a:t>
+            </a:r>
+            <a:r>
+              <a:rPr lang="en-US" dirty="0" smtClean="0">
+                <a:solidFill>
+                  <a:schemeClr val="bg1"/>
+                </a:solidFill>
+              </a:rPr>
+              <a:t>are </a:t>
+            </a:r>
+            <a:r>
+              <a:rPr lang="en-US" u="sng" dirty="0" smtClean="0">
+                <a:solidFill>
+                  <a:schemeClr val="bg1"/>
+                </a:solidFill>
+              </a:rPr>
+              <a:t>human</a:t>
+            </a:r>
+            <a:r>
+              <a:rPr lang="en-US" dirty="0" smtClean="0">
+                <a:solidFill>
+                  <a:schemeClr val="bg1"/>
+                </a:solidFill>
+              </a:rPr>
+              <a:t> not </a:t>
+            </a:r>
+            <a:r>
+              <a:rPr lang="en-US" u="sng" dirty="0" smtClean="0">
+                <a:solidFill>
+                  <a:schemeClr val="bg1"/>
+                </a:solidFill>
+              </a:rPr>
+              <a:t>machine</a:t>
+            </a:r>
+            <a:r>
+              <a:rPr lang="en-US" dirty="0" smtClean="0">
+                <a:solidFill>
+                  <a:schemeClr val="bg1"/>
+                </a:solidFill>
+              </a:rPr>
+              <a:t>.</a:t>
+            </a:r>
+            <a:endParaRPr lang="en-US" dirty="0">
+              <a:solidFill>
+                <a:schemeClr val="bg1"/>
+              </a:solidFill>
+            </a:endParaRPr>
+          </a:p>
+        </p:txBody>
+      </p:sp>
+    </p:spTree>
+    <p:extLst>
+      <p:ext uri="{BB962C8B-B14F-4D97-AF65-F5344CB8AC3E}">
+        <p14:creationId xmlns:p14="http://schemas.microsoft.com/office/powerpoint/2010/main" val="1642070207"/>
       </p:ext>
     </p:extLst>
   </p:cSld>
@@ -24402,225 +25422,6 @@
 </p:sld>
 </file>
 
-<file path=ppt/slides/slide15.xml><?xml version="1.0" encoding="utf-8"?>
-<p:sld xmlns:a="http://schemas.openxmlformats.org/drawingml/2006/main" xmlns:r="http://schemas.openxmlformats.org/officeDocument/2006/relationships" xmlns:p="http://schemas.openxmlformats.org/presentationml/2006/main">
-  <p:cSld>
-    <p:spTree>
-      <p:nvGrpSpPr>
-        <p:cNvPr id="1" name=""/>
-        <p:cNvGrpSpPr/>
-        <p:nvPr/>
-      </p:nvGrpSpPr>
-      <p:grpSpPr>
-        <a:xfrm>
-          <a:off x="0" y="0"/>
-          <a:ext cx="0" cy="0"/>
-          <a:chOff x="0" y="0"/>
-          <a:chExt cx="0" cy="0"/>
-        </a:xfrm>
-      </p:grpSpPr>
-      <p:sp>
-        <p:nvSpPr>
-          <p:cNvPr id="2" name="Title 1"/>
-          <p:cNvSpPr>
-            <a:spLocks noGrp="1"/>
-          </p:cNvSpPr>
-          <p:nvPr>
-            <p:ph type="title"/>
-          </p:nvPr>
-        </p:nvSpPr>
-        <p:spPr/>
-        <p:txBody>
-          <a:bodyPr/>
-          <a:lstStyle/>
-          <a:p>
-            <a:r>
-              <a:rPr lang="en-US" dirty="0" smtClean="0"/>
-              <a:t>ASP.NET MVC</a:t>
-            </a:r>
-            <a:endParaRPr lang="en-US" dirty="0"/>
-          </a:p>
-        </p:txBody>
-      </p:sp>
-      <p:sp>
-        <p:nvSpPr>
-          <p:cNvPr id="4" name="Text Placeholder 3"/>
-          <p:cNvSpPr>
-            <a:spLocks noGrp="1"/>
-          </p:cNvSpPr>
-          <p:nvPr>
-            <p:ph type="body" sz="half" idx="2"/>
-          </p:nvPr>
-        </p:nvSpPr>
-        <p:spPr/>
-        <p:txBody>
-          <a:bodyPr/>
-          <a:lstStyle/>
-          <a:p>
-            <a:endParaRPr lang="en-US"/>
-          </a:p>
-        </p:txBody>
-      </p:sp>
-      <p:graphicFrame>
-        <p:nvGraphicFramePr>
-          <p:cNvPr id="5" name="Diagram 4"/>
-          <p:cNvGraphicFramePr/>
-          <p:nvPr>
-            <p:extLst>
-              <p:ext uri="{D42A27DB-BD31-4B8C-83A1-F6EECF244321}">
-                <p14:modId xmlns:p14="http://schemas.microsoft.com/office/powerpoint/2010/main" val="1420428949"/>
-              </p:ext>
-            </p:extLst>
-          </p:nvPr>
-        </p:nvGraphicFramePr>
-        <p:xfrm>
-          <a:off x="2032000" y="719666"/>
-          <a:ext cx="7073363" cy="3395133"/>
-        </p:xfrm>
-        <a:graphic>
-          <a:graphicData uri="http://schemas.openxmlformats.org/drawingml/2006/diagram">
-            <dgm:relIds xmlns:dgm="http://schemas.openxmlformats.org/drawingml/2006/diagram" xmlns:r="http://schemas.openxmlformats.org/officeDocument/2006/relationships" r:dm="rId2" r:lo="rId3" r:qs="rId4" r:cs="rId5"/>
-          </a:graphicData>
-        </a:graphic>
-      </p:graphicFrame>
-    </p:spTree>
-    <p:extLst>
-      <p:ext uri="{BB962C8B-B14F-4D97-AF65-F5344CB8AC3E}">
-        <p14:creationId xmlns:p14="http://schemas.microsoft.com/office/powerpoint/2010/main" val="3032521776"/>
-      </p:ext>
-    </p:extLst>
-  </p:cSld>
-  <p:clrMapOvr>
-    <a:masterClrMapping/>
-  </p:clrMapOvr>
-  <p:timing>
-    <p:tnLst>
-      <p:par>
-        <p:cTn id="1" dur="indefinite" restart="never" nodeType="tmRoot"/>
-      </p:par>
-    </p:tnLst>
-  </p:timing>
-</p:sld>
-</file>
-
-<file path=ppt/slides/slide16.xml><?xml version="1.0" encoding="utf-8"?>
-<p:sld xmlns:a="http://schemas.openxmlformats.org/drawingml/2006/main" xmlns:r="http://schemas.openxmlformats.org/officeDocument/2006/relationships" xmlns:p="http://schemas.openxmlformats.org/presentationml/2006/main">
-  <p:cSld>
-    <p:spTree>
-      <p:nvGrpSpPr>
-        <p:cNvPr id="1" name=""/>
-        <p:cNvGrpSpPr/>
-        <p:nvPr/>
-      </p:nvGrpSpPr>
-      <p:grpSpPr>
-        <a:xfrm>
-          <a:off x="0" y="0"/>
-          <a:ext cx="0" cy="0"/>
-          <a:chOff x="0" y="0"/>
-          <a:chExt cx="0" cy="0"/>
-        </a:xfrm>
-      </p:grpSpPr>
-      <p:sp>
-        <p:nvSpPr>
-          <p:cNvPr id="2" name="Title 1"/>
-          <p:cNvSpPr>
-            <a:spLocks noGrp="1"/>
-          </p:cNvSpPr>
-          <p:nvPr>
-            <p:ph type="title"/>
-          </p:nvPr>
-        </p:nvSpPr>
-        <p:spPr/>
-        <p:txBody>
-          <a:bodyPr/>
-          <a:lstStyle/>
-          <a:p>
-            <a:r>
-              <a:rPr lang="en-US" dirty="0" smtClean="0"/>
-              <a:t>Developers can work with database in 3 ways.</a:t>
-            </a:r>
-            <a:endParaRPr lang="en-US" dirty="0"/>
-          </a:p>
-        </p:txBody>
-      </p:sp>
-      <p:sp>
-        <p:nvSpPr>
-          <p:cNvPr id="3" name="Text Placeholder 2"/>
-          <p:cNvSpPr>
-            <a:spLocks noGrp="1"/>
-          </p:cNvSpPr>
-          <p:nvPr>
-            <p:ph type="body" sz="half" idx="13"/>
-          </p:nvPr>
-        </p:nvSpPr>
-        <p:spPr/>
-        <p:txBody>
-          <a:bodyPr/>
-          <a:lstStyle/>
-          <a:p>
-            <a:r>
-              <a:rPr lang="en-US" dirty="0" smtClean="0"/>
-              <a:t>Code First (by Default)</a:t>
-            </a:r>
-            <a:endParaRPr lang="en-US" dirty="0"/>
-          </a:p>
-        </p:txBody>
-      </p:sp>
-      <p:sp>
-        <p:nvSpPr>
-          <p:cNvPr id="4" name="Text Placeholder 3"/>
-          <p:cNvSpPr>
-            <a:spLocks noGrp="1"/>
-          </p:cNvSpPr>
-          <p:nvPr>
-            <p:ph type="body" sz="half" idx="2"/>
-          </p:nvPr>
-        </p:nvSpPr>
-        <p:spPr/>
-        <p:txBody>
-          <a:bodyPr/>
-          <a:lstStyle/>
-          <a:p>
-            <a:r>
-              <a:rPr lang="en-US" dirty="0" smtClean="0"/>
-              <a:t>Code First, Database First, Model First</a:t>
-            </a:r>
-            <a:endParaRPr lang="en-US" dirty="0"/>
-          </a:p>
-        </p:txBody>
-      </p:sp>
-    </p:spTree>
-    <p:extLst>
-      <p:ext uri="{BB962C8B-B14F-4D97-AF65-F5344CB8AC3E}">
-        <p14:creationId xmlns:p14="http://schemas.microsoft.com/office/powerpoint/2010/main" val="2085489012"/>
-      </p:ext>
-    </p:extLst>
-  </p:cSld>
-  <p:clrMapOvr>
-    <a:masterClrMapping/>
-  </p:clrMapOvr>
-  <mc:AlternateContent xmlns:mc="http://schemas.openxmlformats.org/markup-compatibility/2006" xmlns:p14="http://schemas.microsoft.com/office/powerpoint/2010/main">
-    <mc:Choice Requires="p14">
-      <p:transition spd="slow" p14:dur="3400">
-        <p14:reveal/>
-      </p:transition>
-    </mc:Choice>
-    <mc:Fallback xmlns="">
-      <p:transition spd="slow">
-        <p:fade/>
-      </p:transition>
-    </mc:Fallback>
-  </mc:AlternateContent>
-  <p:timing>
-    <p:tnLst>
-      <p:par>
-        <p:cTn id="1" dur="indefinite" restart="never" nodeType="tmRoot"/>
-      </p:par>
-    </p:tnLst>
-  </p:timing>
-</p:sld>
-</file>
-
 <file path=ppt/slides/slide17.xml><?xml version="1.0" encoding="utf-8"?>
 <p:sld xmlns:a="http://schemas.openxmlformats.org/drawingml/2006/main" xmlns:r="http://schemas.openxmlformats.org/officeDocument/2006/relationships" xmlns:p="http://schemas.openxmlformats.org/presentationml/2006/main">
   <p:cSld>
@@ -24648,16 +25449,21 @@
             <p:ph type="title"/>
           </p:nvPr>
         </p:nvSpPr>
-        <p:spPr/>
+        <p:spPr>
+          <a:xfrm>
+            <a:off x="1154954" y="2677645"/>
+            <a:ext cx="4351025" cy="1502469"/>
+          </a:xfrm>
+        </p:spPr>
         <p:txBody>
           <a:bodyPr/>
           <a:lstStyle/>
           <a:p>
             <a:r>
-              <a:rPr lang="en-US" dirty="0" smtClean="0"/>
-              <a:t>Code First(Pros)</a:t>
+              <a:rPr lang="en-US" sz="2400" dirty="0" smtClean="0"/>
+              <a:t>So what if</a:t>
             </a:r>
-            <a:endParaRPr lang="en-US" dirty="0"/>
+            <a:endParaRPr lang="en-US" sz="2400" dirty="0"/>
           </a:p>
         </p:txBody>
       </p:sp>
@@ -24673,71 +25479,266 @@
         </p:nvSpPr>
         <p:spPr>
           <a:xfrm>
-            <a:off x="6895559" y="1545465"/>
-            <a:ext cx="3757545" cy="4494727"/>
+            <a:off x="6895559" y="2677643"/>
+            <a:ext cx="4858637" cy="2283825"/>
           </a:xfrm>
         </p:spPr>
         <p:txBody>
-          <a:bodyPr anchor="t"/>
+          <a:bodyPr/>
           <a:lstStyle/>
           <a:p>
-            <a:pPr marL="457200" indent="-457200">
-              <a:buFont typeface="+mj-lt"/>
-              <a:buAutoNum type="arabicPeriod"/>
-            </a:pPr>
             <a:r>
               <a:rPr lang="en-US" dirty="0" smtClean="0"/>
-              <a:t>Portable</a:t>
+              <a:t>We could </a:t>
             </a:r>
-          </a:p>
-          <a:p>
-            <a:pPr marL="457200" indent="-457200">
-              <a:buFont typeface="+mj-lt"/>
-              <a:buAutoNum type="arabicPeriod"/>
-            </a:pPr>
+            <a:r>
+              <a:rPr lang="en-US" b="1" u="sng" dirty="0" smtClean="0"/>
+              <a:t>reduce repeating task </a:t>
+            </a:r>
             <a:r>
               <a:rPr lang="en-US" dirty="0" smtClean="0"/>
-              <a:t>Doesn’t need much database logic</a:t>
+              <a:t>that every developer do everyday.</a:t>
             </a:r>
+            <a:endParaRPr lang="en-US" dirty="0"/>
           </a:p>
+        </p:txBody>
+      </p:sp>
+      <p:sp>
+        <p:nvSpPr>
+          <p:cNvPr id="4" name="TextBox 3"/>
+          <p:cNvSpPr txBox="1"/>
+          <p:nvPr/>
+        </p:nvSpPr>
+        <p:spPr>
+          <a:xfrm>
+            <a:off x="6895559" y="2942706"/>
+            <a:ext cx="1768433" cy="369332"/>
+          </a:xfrm>
+          <a:prstGeom prst="rect">
+            <a:avLst/>
+          </a:prstGeom>
+          <a:noFill/>
+        </p:spPr>
+        <p:txBody>
+          <a:bodyPr wrap="none" rtlCol="0">
+            <a:spAutoFit/>
+          </a:bodyPr>
+          <a:lstStyle/>
           <a:p>
-            <a:pPr marL="457200" indent="-457200">
-              <a:buFont typeface="+mj-lt"/>
-              <a:buAutoNum type="arabicPeriod"/>
-            </a:pPr>
             <a:r>
               <a:rPr lang="en-US" dirty="0" smtClean="0"/>
-              <a:t>Codes fan out everywhere</a:t>
+              <a:t>Focusing area</a:t>
             </a:r>
+            <a:endParaRPr lang="en-US" dirty="0"/>
           </a:p>
+        </p:txBody>
+      </p:sp>
+      <p:sp>
+        <p:nvSpPr>
+          <p:cNvPr id="5" name="TextBox 4"/>
+          <p:cNvSpPr txBox="1"/>
+          <p:nvPr/>
+        </p:nvSpPr>
+        <p:spPr>
+          <a:xfrm>
+            <a:off x="1117166" y="3819555"/>
+            <a:ext cx="3389069" cy="369332"/>
+          </a:xfrm>
+          <a:prstGeom prst="rect">
+            <a:avLst/>
+          </a:prstGeom>
+          <a:noFill/>
+        </p:spPr>
+        <p:txBody>
+          <a:bodyPr wrap="none" rtlCol="0">
+            <a:spAutoFit/>
+          </a:bodyPr>
+          <a:lstStyle/>
           <a:p>
-            <a:pPr marL="457200" indent="-457200">
-              <a:buFont typeface="+mj-lt"/>
-              <a:buAutoNum type="arabicPeriod"/>
-            </a:pPr>
-            <a:endParaRPr lang="en-US" dirty="0"/>
+            <a:r>
+              <a:rPr lang="en-US" dirty="0" smtClean="0">
+                <a:solidFill>
+                  <a:schemeClr val="bg1"/>
+                </a:solidFill>
+              </a:rPr>
+              <a:t>Getting close to the solution.</a:t>
+            </a:r>
+            <a:endParaRPr lang="en-US" dirty="0">
+              <a:solidFill>
+                <a:schemeClr val="bg1"/>
+              </a:solidFill>
+            </a:endParaRPr>
           </a:p>
         </p:txBody>
       </p:sp>
     </p:spTree>
     <p:extLst>
       <p:ext uri="{BB962C8B-B14F-4D97-AF65-F5344CB8AC3E}">
-        <p14:creationId xmlns:p14="http://schemas.microsoft.com/office/powerpoint/2010/main" val="3459876694"/>
+        <p14:creationId xmlns:p14="http://schemas.microsoft.com/office/powerpoint/2010/main" val="2236400273"/>
       </p:ext>
     </p:extLst>
   </p:cSld>
   <p:clrMapOvr>
     <a:masterClrMapping/>
   </p:clrMapOvr>
-  <p:transition spd="med">
-    <p:pull/>
-  </p:transition>
+  <mc:AlternateContent xmlns:mc="http://schemas.openxmlformats.org/markup-compatibility/2006">
+    <mc:Choice xmlns:p14="http://schemas.microsoft.com/office/powerpoint/2010/main" Requires="p14">
+      <p:transition spd="slow" p14:dur="2000">
+        <p14:ferris dir="l"/>
+      </p:transition>
+    </mc:Choice>
+    <mc:Fallback>
+      <p:transition spd="slow">
+        <p:fade/>
+      </p:transition>
+    </mc:Fallback>
+  </mc:AlternateContent>
   <p:timing>
     <p:tnLst>
       <p:par>
-        <p:cTn id="1" dur="indefinite" restart="never" nodeType="tmRoot"/>
+        <p:cTn id="1" dur="indefinite" restart="never" nodeType="tmRoot">
+          <p:childTnLst>
+            <p:seq concurrent="1" nextAc="seek">
+              <p:cTn id="2" dur="indefinite" nodeType="mainSeq">
+                <p:childTnLst>
+                  <p:par>
+                    <p:cTn id="3" fill="hold">
+                      <p:stCondLst>
+                        <p:cond delay="indefinite"/>
+                      </p:stCondLst>
+                      <p:childTnLst>
+                        <p:par>
+                          <p:cTn id="4" fill="hold">
+                            <p:stCondLst>
+                              <p:cond delay="0"/>
+                            </p:stCondLst>
+                            <p:childTnLst>
+                              <p:par>
+                                <p:cTn id="5" presetID="10" presetClass="entr" presetSubtype="0" fill="hold" grpId="0" nodeType="clickEffect">
+                                  <p:stCondLst>
+                                    <p:cond delay="0"/>
+                                  </p:stCondLst>
+                                  <p:childTnLst>
+                                    <p:set>
+                                      <p:cBhvr>
+                                        <p:cTn id="6" dur="1" fill="hold">
+                                          <p:stCondLst>
+                                            <p:cond delay="0"/>
+                                          </p:stCondLst>
+                                        </p:cTn>
+                                        <p:tgtEl>
+                                          <p:spTgt spid="2"/>
+                                        </p:tgtEl>
+                                        <p:attrNameLst>
+                                          <p:attrName>style.visibility</p:attrName>
+                                        </p:attrNameLst>
+                                      </p:cBhvr>
+                                      <p:to>
+                                        <p:strVal val="visible"/>
+                                      </p:to>
+                                    </p:set>
+                                    <p:animEffect transition="in" filter="fade">
+                                      <p:cBhvr>
+                                        <p:cTn id="7" dur="500"/>
+                                        <p:tgtEl>
+                                          <p:spTgt spid="2"/>
+                                        </p:tgtEl>
+                                      </p:cBhvr>
+                                    </p:animEffect>
+                                  </p:childTnLst>
+                                </p:cTn>
+                              </p:par>
+                            </p:childTnLst>
+                          </p:cTn>
+                        </p:par>
+                      </p:childTnLst>
+                    </p:cTn>
+                  </p:par>
+                  <p:par>
+                    <p:cTn id="8" fill="hold">
+                      <p:stCondLst>
+                        <p:cond delay="indefinite"/>
+                      </p:stCondLst>
+                      <p:childTnLst>
+                        <p:par>
+                          <p:cTn id="9" fill="hold">
+                            <p:stCondLst>
+                              <p:cond delay="0"/>
+                            </p:stCondLst>
+                            <p:childTnLst>
+                              <p:par>
+                                <p:cTn id="10" presetID="10" presetClass="entr" presetSubtype="0" fill="hold" nodeType="clickEffect">
+                                  <p:stCondLst>
+                                    <p:cond delay="0"/>
+                                  </p:stCondLst>
+                                  <p:childTnLst>
+                                    <p:set>
+                                      <p:cBhvr>
+                                        <p:cTn id="11" dur="1" fill="hold">
+                                          <p:stCondLst>
+                                            <p:cond delay="0"/>
+                                          </p:stCondLst>
+                                        </p:cTn>
+                                        <p:tgtEl>
+                                          <p:spTgt spid="5">
+                                            <p:txEl>
+                                              <p:pRg st="0" end="0"/>
+                                            </p:txEl>
+                                          </p:spTgt>
+                                        </p:tgtEl>
+                                        <p:attrNameLst>
+                                          <p:attrName>style.visibility</p:attrName>
+                                        </p:attrNameLst>
+                                      </p:cBhvr>
+                                      <p:to>
+                                        <p:strVal val="visible"/>
+                                      </p:to>
+                                    </p:set>
+                                    <p:animEffect transition="in" filter="fade">
+                                      <p:cBhvr>
+                                        <p:cTn id="12" dur="500"/>
+                                        <p:tgtEl>
+                                          <p:spTgt spid="5">
+                                            <p:txEl>
+                                              <p:pRg st="0" end="0"/>
+                                            </p:txEl>
+                                          </p:spTgt>
+                                        </p:tgtEl>
+                                      </p:cBhvr>
+                                    </p:animEffect>
+                                  </p:childTnLst>
+                                </p:cTn>
+                              </p:par>
+                            </p:childTnLst>
+                          </p:cTn>
+                        </p:par>
+                      </p:childTnLst>
+                    </p:cTn>
+                  </p:par>
+                </p:childTnLst>
+              </p:cTn>
+              <p:prevCondLst>
+                <p:cond evt="onPrev" delay="0">
+                  <p:tgtEl>
+                    <p:sldTgt/>
+                  </p:tgtEl>
+                </p:cond>
+              </p:prevCondLst>
+              <p:nextCondLst>
+                <p:cond evt="onNext" delay="0">
+                  <p:tgtEl>
+                    <p:sldTgt/>
+                  </p:tgtEl>
+                </p:cond>
+              </p:nextCondLst>
+            </p:seq>
+          </p:childTnLst>
+        </p:cTn>
       </p:par>
     </p:tnLst>
+    <p:bldLst>
+      <p:bldP spid="2" grpId="0"/>
+    </p:bldLst>
   </p:timing>
 </p:sld>
 </file>
@@ -24769,16 +25770,25 @@
             <p:ph type="title"/>
           </p:nvPr>
         </p:nvSpPr>
-        <p:spPr/>
+        <p:spPr>
+          <a:xfrm>
+            <a:off x="1154954" y="2677645"/>
+            <a:ext cx="4351025" cy="1502469"/>
+          </a:xfrm>
+        </p:spPr>
         <p:txBody>
           <a:bodyPr/>
           <a:lstStyle/>
           <a:p>
             <a:r>
-              <a:rPr lang="en-US" dirty="0" smtClean="0"/>
-              <a:t>Code First(Cons)</a:t>
+              <a:rPr lang="en-US" sz="2400" dirty="0"/>
+              <a:t>Efficiency and </a:t>
             </a:r>
-            <a:endParaRPr lang="en-US" dirty="0"/>
+            <a:r>
+              <a:rPr lang="en-US" sz="2400" dirty="0" smtClean="0"/>
+              <a:t>productivity oppose each other.</a:t>
+            </a:r>
+            <a:endParaRPr lang="en-US" sz="2400" dirty="0"/>
           </a:p>
         </p:txBody>
       </p:sp>
@@ -24794,48 +25804,48 @@
         </p:nvSpPr>
         <p:spPr>
           <a:xfrm>
-            <a:off x="6895559" y="1545465"/>
-            <a:ext cx="3757545" cy="4494727"/>
+            <a:off x="6895559" y="2677643"/>
+            <a:ext cx="4858637" cy="2283825"/>
           </a:xfrm>
         </p:spPr>
         <p:txBody>
-          <a:bodyPr anchor="t"/>
+          <a:bodyPr/>
           <a:lstStyle/>
           <a:p>
-            <a:pPr marL="457200" indent="-457200">
-              <a:buFont typeface="+mj-lt"/>
-              <a:buAutoNum type="arabicPeriod"/>
-            </a:pPr>
             <a:r>
               <a:rPr lang="en-US" dirty="0" smtClean="0"/>
-              <a:t>Need to write a lot of code.</a:t>
+              <a:t>Make system efficient</a:t>
             </a:r>
+            <a:endParaRPr lang="en-US" dirty="0"/>
           </a:p>
+        </p:txBody>
+      </p:sp>
+      <p:sp>
+        <p:nvSpPr>
+          <p:cNvPr id="4" name="TextBox 3"/>
+          <p:cNvSpPr txBox="1"/>
+          <p:nvPr/>
+        </p:nvSpPr>
+        <p:spPr>
+          <a:xfrm>
+            <a:off x="6895559" y="3244213"/>
+            <a:ext cx="1768433" cy="369332"/>
+          </a:xfrm>
+          <a:prstGeom prst="rect">
+            <a:avLst/>
+          </a:prstGeom>
+          <a:noFill/>
+        </p:spPr>
+        <p:txBody>
+          <a:bodyPr wrap="none" rtlCol="0">
+            <a:spAutoFit/>
+          </a:bodyPr>
+          <a:lstStyle/>
           <a:p>
-            <a:pPr marL="457200" indent="-457200">
-              <a:buFont typeface="+mj-lt"/>
-              <a:buAutoNum type="arabicPeriod"/>
-            </a:pPr>
             <a:r>
               <a:rPr lang="en-US" dirty="0" smtClean="0"/>
-              <a:t>Hard to change data-types in future.</a:t>
+              <a:t>Focusing area</a:t>
             </a:r>
-          </a:p>
-          <a:p>
-            <a:pPr marL="457200" indent="-457200">
-              <a:buFont typeface="+mj-lt"/>
-              <a:buAutoNum type="arabicPeriod"/>
-            </a:pPr>
-            <a:r>
-              <a:rPr lang="en-US" dirty="0" smtClean="0"/>
-              <a:t>Database doesn’t optimize much.</a:t>
-            </a:r>
-          </a:p>
-          <a:p>
-            <a:pPr marL="457200" indent="-457200">
-              <a:buFont typeface="+mj-lt"/>
-              <a:buAutoNum type="arabicPeriod"/>
-            </a:pPr>
             <a:endParaRPr lang="en-US" dirty="0"/>
           </a:p>
         </p:txBody>
@@ -24843,22 +25853,110 @@
     </p:spTree>
     <p:extLst>
       <p:ext uri="{BB962C8B-B14F-4D97-AF65-F5344CB8AC3E}">
-        <p14:creationId xmlns:p14="http://schemas.microsoft.com/office/powerpoint/2010/main" val="2276903395"/>
+        <p14:creationId xmlns:p14="http://schemas.microsoft.com/office/powerpoint/2010/main" val="75113022"/>
       </p:ext>
     </p:extLst>
   </p:cSld>
   <p:clrMapOvr>
     <a:masterClrMapping/>
   </p:clrMapOvr>
-  <p:transition spd="med">
-    <p:pull/>
-  </p:transition>
+  <mc:AlternateContent xmlns:mc="http://schemas.openxmlformats.org/markup-compatibility/2006">
+    <mc:Choice xmlns:p14="http://schemas.microsoft.com/office/powerpoint/2010/main" Requires="p14">
+      <p:transition spd="slow" p14:dur="2000">
+        <p14:ferris dir="l"/>
+      </p:transition>
+    </mc:Choice>
+    <mc:Fallback>
+      <p:transition spd="slow">
+        <p:fade/>
+      </p:transition>
+    </mc:Fallback>
+  </mc:AlternateContent>
   <p:timing>
     <p:tnLst>
       <p:par>
-        <p:cTn id="1" dur="indefinite" restart="never" nodeType="tmRoot"/>
+        <p:cTn id="1" dur="indefinite" restart="never" nodeType="tmRoot">
+          <p:childTnLst>
+            <p:seq concurrent="1" nextAc="seek">
+              <p:cTn id="2" dur="indefinite" nodeType="mainSeq">
+                <p:childTnLst>
+                  <p:par>
+                    <p:cTn id="3" fill="hold">
+                      <p:stCondLst>
+                        <p:cond delay="indefinite"/>
+                      </p:stCondLst>
+                      <p:childTnLst>
+                        <p:par>
+                          <p:cTn id="4" fill="hold">
+                            <p:stCondLst>
+                              <p:cond delay="0"/>
+                            </p:stCondLst>
+                            <p:childTnLst>
+                              <p:par>
+                                <p:cTn id="5" presetID="10" presetClass="entr" presetSubtype="0" fill="hold" grpId="0" nodeType="clickEffect">
+                                  <p:stCondLst>
+                                    <p:cond delay="0"/>
+                                  </p:stCondLst>
+                                  <p:childTnLst>
+                                    <p:set>
+                                      <p:cBhvr>
+                                        <p:cTn id="6" dur="1" fill="hold">
+                                          <p:stCondLst>
+                                            <p:cond delay="0"/>
+                                          </p:stCondLst>
+                                        </p:cTn>
+                                        <p:tgtEl>
+                                          <p:spTgt spid="2"/>
+                                        </p:tgtEl>
+                                        <p:attrNameLst>
+                                          <p:attrName>style.visibility</p:attrName>
+                                        </p:attrNameLst>
+                                      </p:cBhvr>
+                                      <p:to>
+                                        <p:strVal val="visible"/>
+                                      </p:to>
+                                    </p:set>
+                                    <p:animEffect transition="in" filter="fade">
+                                      <p:cBhvr>
+                                        <p:cTn id="7" dur="500"/>
+                                        <p:tgtEl>
+                                          <p:spTgt spid="2"/>
+                                        </p:tgtEl>
+                                      </p:cBhvr>
+                                    </p:animEffect>
+                                  </p:childTnLst>
+                                </p:cTn>
+                              </p:par>
+                            </p:childTnLst>
+                          </p:cTn>
+                        </p:par>
+                      </p:childTnLst>
+                    </p:cTn>
+                  </p:par>
+                </p:childTnLst>
+              </p:cTn>
+              <p:prevCondLst>
+                <p:cond evt="onPrev" delay="0">
+                  <p:tgtEl>
+                    <p:sldTgt/>
+                  </p:tgtEl>
+                </p:cond>
+              </p:prevCondLst>
+              <p:nextCondLst>
+                <p:cond evt="onNext" delay="0">
+                  <p:tgtEl>
+                    <p:sldTgt/>
+                  </p:tgtEl>
+                </p:cond>
+              </p:nextCondLst>
+            </p:seq>
+          </p:childTnLst>
+        </p:cTn>
       </p:par>
     </p:tnLst>
+    <p:bldLst>
+      <p:bldP spid="2" grpId="0"/>
+    </p:bldLst>
   </p:timing>
 </p:sld>
 </file>
@@ -24897,7 +25995,7 @@
           <a:p>
             <a:r>
               <a:rPr lang="en-US" dirty="0" smtClean="0"/>
-              <a:t>DB First(Pros)</a:t>
+              <a:t>Summarize</a:t>
             </a:r>
             <a:endParaRPr lang="en-US" dirty="0"/>
           </a:p>
@@ -24905,65 +26003,74 @@
       </p:sp>
       <p:sp>
         <p:nvSpPr>
-          <p:cNvPr id="3" name="Text Placeholder 2"/>
+          <p:cNvPr id="3" name="Content Placeholder 2"/>
           <p:cNvSpPr>
             <a:spLocks noGrp="1"/>
           </p:cNvSpPr>
           <p:nvPr>
-            <p:ph type="body" idx="1"/>
+            <p:ph idx="1"/>
           </p:nvPr>
         </p:nvSpPr>
         <p:spPr>
           <a:xfrm>
-            <a:off x="6895559" y="1545465"/>
-            <a:ext cx="3757545" cy="4494727"/>
+            <a:off x="1154954" y="2603500"/>
+            <a:ext cx="8825659" cy="2733271"/>
           </a:xfrm>
         </p:spPr>
         <p:txBody>
-          <a:bodyPr anchor="t"/>
+          <a:bodyPr/>
           <a:lstStyle/>
           <a:p>
-            <a:pPr marL="457200" indent="-457200">
-              <a:buFont typeface="+mj-lt"/>
-              <a:buAutoNum type="arabicPeriod"/>
-            </a:pPr>
             <a:r>
               <a:rPr lang="en-US" dirty="0" smtClean="0"/>
-              <a:t>Write less</a:t>
+              <a:t>Better development rather than 3-tier.</a:t>
             </a:r>
           </a:p>
           <a:p>
-            <a:pPr marL="457200" indent="-457200">
-              <a:buFont typeface="+mj-lt"/>
-              <a:buAutoNum type="arabicPeriod"/>
-            </a:pPr>
             <a:r>
               <a:rPr lang="en-US" dirty="0" smtClean="0"/>
-              <a:t>Efficient database design</a:t>
+              <a:t>Don’t make me think. (Right tool for the right job).</a:t>
             </a:r>
           </a:p>
           <a:p>
-            <a:pPr marL="457200" indent="-457200">
-              <a:buFont typeface="+mj-lt"/>
-              <a:buAutoNum type="arabicPeriod"/>
-            </a:pPr>
             <a:r>
               <a:rPr lang="en-US" dirty="0" smtClean="0"/>
-              <a:t>Very much rapid development</a:t>
+              <a:t>Thinking areas </a:t>
+            </a:r>
+            <a:r>
+              <a:rPr lang="en-US" dirty="0" err="1" smtClean="0"/>
+              <a:t>ie</a:t>
+            </a:r>
+            <a:r>
+              <a:rPr lang="en-US" dirty="0" smtClean="0"/>
+              <a:t>. Better SDLC</a:t>
             </a:r>
           </a:p>
           <a:p>
-            <a:pPr marL="457200" indent="-457200">
-              <a:buFont typeface="+mj-lt"/>
-              <a:buAutoNum type="arabicPeriod"/>
-            </a:pPr>
+            <a:r>
+              <a:rPr lang="en-US" dirty="0" smtClean="0"/>
+              <a:t>Productive thus ROI</a:t>
+            </a:r>
+          </a:p>
+          <a:p>
+            <a:r>
+              <a:rPr lang="en-US" dirty="0" smtClean="0"/>
+              <a:t>Efficient at the time productive</a:t>
+            </a:r>
+          </a:p>
+          <a:p>
+            <a:r>
+              <a:rPr lang="en-US" dirty="0" smtClean="0"/>
+              <a:t>Give a balance to developers life. So that they can achieve their best.</a:t>
+            </a:r>
+          </a:p>
+          <a:p>
             <a:endParaRPr lang="en-US" dirty="0" smtClean="0"/>
           </a:p>
           <a:p>
-            <a:pPr marL="457200" indent="-457200">
-              <a:buFont typeface="+mj-lt"/>
-              <a:buAutoNum type="arabicPeriod"/>
-            </a:pPr>
+            <a:endParaRPr lang="en-US" dirty="0" smtClean="0"/>
+          </a:p>
+          <a:p>
             <a:endParaRPr lang="en-US" dirty="0"/>
           </a:p>
         </p:txBody>
@@ -24971,16 +26078,25 @@
     </p:spTree>
     <p:extLst>
       <p:ext uri="{BB962C8B-B14F-4D97-AF65-F5344CB8AC3E}">
-        <p14:creationId xmlns:p14="http://schemas.microsoft.com/office/powerpoint/2010/main" val="368854359"/>
+        <p14:creationId xmlns:p14="http://schemas.microsoft.com/office/powerpoint/2010/main" val="2333857551"/>
       </p:ext>
     </p:extLst>
   </p:cSld>
   <p:clrMapOvr>
     <a:masterClrMapping/>
   </p:clrMapOvr>
-  <p:transition spd="med">
-    <p:pull/>
-  </p:transition>
+  <mc:AlternateContent xmlns:mc="http://schemas.openxmlformats.org/markup-compatibility/2006">
+    <mc:Choice xmlns:p14="http://schemas.microsoft.com/office/powerpoint/2010/main" Requires="p14">
+      <p:transition spd="med" p14:dur="700">
+        <p:fade/>
+      </p:transition>
+    </mc:Choice>
+    <mc:Fallback>
+      <p:transition spd="med">
+        <p:fade/>
+      </p:transition>
+    </mc:Fallback>
+  </mc:AlternateContent>
   <p:timing>
     <p:tnLst>
       <p:par>
@@ -25226,6 +26342,1232 @@
           <a:p>
             <a:r>
               <a:rPr lang="en-US" dirty="0" smtClean="0"/>
+              <a:t>New system</a:t>
+            </a:r>
+            <a:endParaRPr lang="en-US" dirty="0"/>
+          </a:p>
+        </p:txBody>
+      </p:sp>
+      <p:sp>
+        <p:nvSpPr>
+          <p:cNvPr id="3" name="Content Placeholder 2"/>
+          <p:cNvSpPr>
+            <a:spLocks noGrp="1"/>
+          </p:cNvSpPr>
+          <p:nvPr>
+            <p:ph idx="1"/>
+          </p:nvPr>
+        </p:nvSpPr>
+        <p:spPr>
+          <a:xfrm>
+            <a:off x="1154954" y="2603500"/>
+            <a:ext cx="8825659" cy="2733271"/>
+          </a:xfrm>
+        </p:spPr>
+        <p:txBody>
+          <a:bodyPr/>
+          <a:lstStyle/>
+          <a:p>
+            <a:r>
+              <a:rPr lang="en-US" dirty="0" smtClean="0"/>
+              <a:t>Where machine could solve the repeating task. (This where the machines were invented)</a:t>
+            </a:r>
+          </a:p>
+          <a:p>
+            <a:r>
+              <a:rPr lang="en-US" dirty="0" smtClean="0"/>
+              <a:t>Efficiency should be built in and so on .</a:t>
+            </a:r>
+          </a:p>
+          <a:p>
+            <a:endParaRPr lang="en-US" dirty="0" smtClean="0"/>
+          </a:p>
+          <a:p>
+            <a:endParaRPr lang="en-US" dirty="0" smtClean="0"/>
+          </a:p>
+          <a:p>
+            <a:endParaRPr lang="en-US" dirty="0"/>
+          </a:p>
+        </p:txBody>
+      </p:sp>
+    </p:spTree>
+    <p:extLst>
+      <p:ext uri="{BB962C8B-B14F-4D97-AF65-F5344CB8AC3E}">
+        <p14:creationId xmlns:p14="http://schemas.microsoft.com/office/powerpoint/2010/main" val="2788659798"/>
+      </p:ext>
+    </p:extLst>
+  </p:cSld>
+  <p:clrMapOvr>
+    <a:masterClrMapping/>
+  </p:clrMapOvr>
+  <mc:AlternateContent xmlns:mc="http://schemas.openxmlformats.org/markup-compatibility/2006">
+    <mc:Choice xmlns:p14="http://schemas.microsoft.com/office/powerpoint/2010/main" Requires="p14">
+      <p:transition spd="med" p14:dur="700">
+        <p:fade/>
+      </p:transition>
+    </mc:Choice>
+    <mc:Fallback>
+      <p:transition spd="med">
+        <p:fade/>
+      </p:transition>
+    </mc:Fallback>
+  </mc:AlternateContent>
+  <p:timing>
+    <p:tnLst>
+      <p:par>
+        <p:cTn id="1" dur="indefinite" restart="never" nodeType="tmRoot"/>
+      </p:par>
+    </p:tnLst>
+  </p:timing>
+</p:sld>
+</file>
+
+<file path=ppt/slides/slide21.xml><?xml version="1.0" encoding="utf-8"?>
+<p:sld xmlns:a="http://schemas.openxmlformats.org/drawingml/2006/main" xmlns:r="http://schemas.openxmlformats.org/officeDocument/2006/relationships" xmlns:p="http://schemas.openxmlformats.org/presentationml/2006/main">
+  <p:cSld>
+    <p:spTree>
+      <p:nvGrpSpPr>
+        <p:cNvPr id="1" name=""/>
+        <p:cNvGrpSpPr/>
+        <p:nvPr/>
+      </p:nvGrpSpPr>
+      <p:grpSpPr>
+        <a:xfrm>
+          <a:off x="0" y="0"/>
+          <a:ext cx="0" cy="0"/>
+          <a:chOff x="0" y="0"/>
+          <a:chExt cx="0" cy="0"/>
+        </a:xfrm>
+      </p:grpSpPr>
+      <p:sp>
+        <p:nvSpPr>
+          <p:cNvPr id="2" name="Title 1"/>
+          <p:cNvSpPr>
+            <a:spLocks noGrp="1"/>
+          </p:cNvSpPr>
+          <p:nvPr>
+            <p:ph type="title"/>
+          </p:nvPr>
+        </p:nvSpPr>
+        <p:spPr/>
+        <p:txBody>
+          <a:bodyPr/>
+          <a:lstStyle/>
+          <a:p>
+            <a:r>
+              <a:rPr lang="en-US" dirty="0" smtClean="0"/>
+              <a:t>New system (making)</a:t>
+            </a:r>
+            <a:endParaRPr lang="en-US" dirty="0"/>
+          </a:p>
+        </p:txBody>
+      </p:sp>
+      <p:sp>
+        <p:nvSpPr>
+          <p:cNvPr id="3" name="Content Placeholder 2"/>
+          <p:cNvSpPr>
+            <a:spLocks noGrp="1"/>
+          </p:cNvSpPr>
+          <p:nvPr>
+            <p:ph idx="1"/>
+          </p:nvPr>
+        </p:nvSpPr>
+        <p:spPr>
+          <a:xfrm>
+            <a:off x="1154954" y="2603500"/>
+            <a:ext cx="8825659" cy="2733271"/>
+          </a:xfrm>
+        </p:spPr>
+        <p:txBody>
+          <a:bodyPr/>
+          <a:lstStyle/>
+          <a:p>
+            <a:r>
+              <a:rPr lang="en-US" dirty="0" smtClean="0"/>
+              <a:t>We have to modify Visual Studio</a:t>
+            </a:r>
+          </a:p>
+          <a:p>
+            <a:pPr lvl="1"/>
+            <a:r>
+              <a:rPr lang="en-US" dirty="0" smtClean="0"/>
+              <a:t>Project </a:t>
+            </a:r>
+            <a:r>
+              <a:rPr lang="en-US" dirty="0" err="1" smtClean="0"/>
+              <a:t>Templating</a:t>
+            </a:r>
+            <a:endParaRPr lang="en-US" dirty="0" smtClean="0"/>
+          </a:p>
+          <a:p>
+            <a:pPr lvl="1"/>
+            <a:r>
+              <a:rPr lang="en-US" dirty="0" smtClean="0"/>
+              <a:t>T4 templates</a:t>
+            </a:r>
+          </a:p>
+          <a:p>
+            <a:pPr lvl="1"/>
+            <a:r>
+              <a:rPr lang="en-US" dirty="0" smtClean="0"/>
+              <a:t>Managed Extensible Framework</a:t>
+            </a:r>
+          </a:p>
+          <a:p>
+            <a:endParaRPr lang="en-US" dirty="0" smtClean="0"/>
+          </a:p>
+          <a:p>
+            <a:endParaRPr lang="en-US" dirty="0" smtClean="0"/>
+          </a:p>
+          <a:p>
+            <a:endParaRPr lang="en-US" dirty="0"/>
+          </a:p>
+        </p:txBody>
+      </p:sp>
+    </p:spTree>
+    <p:extLst>
+      <p:ext uri="{BB962C8B-B14F-4D97-AF65-F5344CB8AC3E}">
+        <p14:creationId xmlns:p14="http://schemas.microsoft.com/office/powerpoint/2010/main" val="1957180942"/>
+      </p:ext>
+    </p:extLst>
+  </p:cSld>
+  <p:clrMapOvr>
+    <a:masterClrMapping/>
+  </p:clrMapOvr>
+  <mc:AlternateContent xmlns:mc="http://schemas.openxmlformats.org/markup-compatibility/2006">
+    <mc:Choice xmlns:p14="http://schemas.microsoft.com/office/powerpoint/2010/main" Requires="p14">
+      <p:transition spd="med" p14:dur="700">
+        <p:fade/>
+      </p:transition>
+    </mc:Choice>
+    <mc:Fallback>
+      <p:transition spd="med">
+        <p:fade/>
+      </p:transition>
+    </mc:Fallback>
+  </mc:AlternateContent>
+  <p:timing>
+    <p:tnLst>
+      <p:par>
+        <p:cTn id="1" dur="indefinite" restart="never" nodeType="tmRoot"/>
+      </p:par>
+    </p:tnLst>
+  </p:timing>
+</p:sld>
+</file>
+
+<file path=ppt/slides/slide22.xml><?xml version="1.0" encoding="utf-8"?>
+<p:sld xmlns:a="http://schemas.openxmlformats.org/drawingml/2006/main" xmlns:r="http://schemas.openxmlformats.org/officeDocument/2006/relationships" xmlns:p="http://schemas.openxmlformats.org/presentationml/2006/main">
+  <p:cSld>
+    <p:spTree>
+      <p:nvGrpSpPr>
+        <p:cNvPr id="1" name=""/>
+        <p:cNvGrpSpPr/>
+        <p:nvPr/>
+      </p:nvGrpSpPr>
+      <p:grpSpPr>
+        <a:xfrm>
+          <a:off x="0" y="0"/>
+          <a:ext cx="0" cy="0"/>
+          <a:chOff x="0" y="0"/>
+          <a:chExt cx="0" cy="0"/>
+        </a:xfrm>
+      </p:grpSpPr>
+      <p:sp>
+        <p:nvSpPr>
+          <p:cNvPr id="2" name="Title 1"/>
+          <p:cNvSpPr>
+            <a:spLocks noGrp="1"/>
+          </p:cNvSpPr>
+          <p:nvPr>
+            <p:ph type="title"/>
+          </p:nvPr>
+        </p:nvSpPr>
+        <p:spPr>
+          <a:xfrm>
+            <a:off x="6591478" y="2594517"/>
+            <a:ext cx="4351025" cy="2283824"/>
+          </a:xfrm>
+        </p:spPr>
+        <p:txBody>
+          <a:bodyPr/>
+          <a:lstStyle/>
+          <a:p>
+            <a:r>
+              <a:rPr lang="en-US" sz="2400" dirty="0" smtClean="0">
+                <a:solidFill>
+                  <a:schemeClr val="tx1"/>
+                </a:solidFill>
+              </a:rPr>
+              <a:t>I started with something and then it became something else.</a:t>
+            </a:r>
+            <a:br>
+              <a:rPr lang="en-US" sz="2400" dirty="0" smtClean="0">
+                <a:solidFill>
+                  <a:schemeClr val="tx1"/>
+                </a:solidFill>
+              </a:rPr>
+            </a:br>
+            <a:r>
+              <a:rPr lang="en-US" sz="2400" dirty="0" smtClean="0">
+                <a:solidFill>
+                  <a:schemeClr val="tx1"/>
+                </a:solidFill>
+              </a:rPr>
+              <a:t>-</a:t>
+            </a:r>
+            <a:r>
+              <a:rPr lang="en-US" sz="2400" dirty="0" err="1" smtClean="0">
+                <a:solidFill>
+                  <a:schemeClr val="tx1"/>
+                </a:solidFill>
+              </a:rPr>
+              <a:t>picaso</a:t>
+            </a:r>
+            <a:endParaRPr lang="en-US" sz="2400" dirty="0">
+              <a:solidFill>
+                <a:schemeClr val="tx1"/>
+              </a:solidFill>
+            </a:endParaRPr>
+          </a:p>
+        </p:txBody>
+      </p:sp>
+    </p:spTree>
+    <p:extLst>
+      <p:ext uri="{BB962C8B-B14F-4D97-AF65-F5344CB8AC3E}">
+        <p14:creationId xmlns:p14="http://schemas.microsoft.com/office/powerpoint/2010/main" val="1933841019"/>
+      </p:ext>
+    </p:extLst>
+  </p:cSld>
+  <p:clrMapOvr>
+    <a:masterClrMapping/>
+  </p:clrMapOvr>
+  <mc:AlternateContent xmlns:mc="http://schemas.openxmlformats.org/markup-compatibility/2006" xmlns:p14="http://schemas.microsoft.com/office/powerpoint/2010/main">
+    <mc:Choice Requires="p14">
+      <p:transition spd="slow" p14:dur="2000">
+        <p14:ferris dir="l"/>
+      </p:transition>
+    </mc:Choice>
+    <mc:Fallback xmlns="">
+      <p:transition spd="slow">
+        <p:fade/>
+      </p:transition>
+    </mc:Fallback>
+  </mc:AlternateContent>
+  <p:timing>
+    <p:tnLst>
+      <p:par>
+        <p:cTn id="1" dur="indefinite" restart="never" nodeType="tmRoot">
+          <p:childTnLst>
+            <p:seq concurrent="1" nextAc="seek">
+              <p:cTn id="2" dur="indefinite" nodeType="mainSeq">
+                <p:childTnLst>
+                  <p:par>
+                    <p:cTn id="3" fill="hold">
+                      <p:stCondLst>
+                        <p:cond delay="indefinite"/>
+                      </p:stCondLst>
+                      <p:childTnLst>
+                        <p:par>
+                          <p:cTn id="4" fill="hold">
+                            <p:stCondLst>
+                              <p:cond delay="0"/>
+                            </p:stCondLst>
+                            <p:childTnLst>
+                              <p:par>
+                                <p:cTn id="5" presetID="10" presetClass="entr" presetSubtype="0" fill="hold" grpId="0" nodeType="clickEffect">
+                                  <p:stCondLst>
+                                    <p:cond delay="0"/>
+                                  </p:stCondLst>
+                                  <p:childTnLst>
+                                    <p:set>
+                                      <p:cBhvr>
+                                        <p:cTn id="6" dur="1" fill="hold">
+                                          <p:stCondLst>
+                                            <p:cond delay="0"/>
+                                          </p:stCondLst>
+                                        </p:cTn>
+                                        <p:tgtEl>
+                                          <p:spTgt spid="2"/>
+                                        </p:tgtEl>
+                                        <p:attrNameLst>
+                                          <p:attrName>style.visibility</p:attrName>
+                                        </p:attrNameLst>
+                                      </p:cBhvr>
+                                      <p:to>
+                                        <p:strVal val="visible"/>
+                                      </p:to>
+                                    </p:set>
+                                    <p:animEffect transition="in" filter="fade">
+                                      <p:cBhvr>
+                                        <p:cTn id="7" dur="500"/>
+                                        <p:tgtEl>
+                                          <p:spTgt spid="2"/>
+                                        </p:tgtEl>
+                                      </p:cBhvr>
+                                    </p:animEffect>
+                                  </p:childTnLst>
+                                </p:cTn>
+                              </p:par>
+                            </p:childTnLst>
+                          </p:cTn>
+                        </p:par>
+                      </p:childTnLst>
+                    </p:cTn>
+                  </p:par>
+                </p:childTnLst>
+              </p:cTn>
+              <p:prevCondLst>
+                <p:cond evt="onPrev" delay="0">
+                  <p:tgtEl>
+                    <p:sldTgt/>
+                  </p:tgtEl>
+                </p:cond>
+              </p:prevCondLst>
+              <p:nextCondLst>
+                <p:cond evt="onNext" delay="0">
+                  <p:tgtEl>
+                    <p:sldTgt/>
+                  </p:tgtEl>
+                </p:cond>
+              </p:nextCondLst>
+            </p:seq>
+          </p:childTnLst>
+        </p:cTn>
+      </p:par>
+    </p:tnLst>
+    <p:bldLst>
+      <p:bldP spid="2" grpId="0"/>
+    </p:bldLst>
+  </p:timing>
+</p:sld>
+</file>
+
+<file path=ppt/slides/slide23.xml><?xml version="1.0" encoding="utf-8"?>
+<p:sld xmlns:a="http://schemas.openxmlformats.org/drawingml/2006/main" xmlns:r="http://schemas.openxmlformats.org/officeDocument/2006/relationships" xmlns:p="http://schemas.openxmlformats.org/presentationml/2006/main">
+  <p:cSld>
+    <p:spTree>
+      <p:nvGrpSpPr>
+        <p:cNvPr id="1" name=""/>
+        <p:cNvGrpSpPr/>
+        <p:nvPr/>
+      </p:nvGrpSpPr>
+      <p:grpSpPr>
+        <a:xfrm>
+          <a:off x="0" y="0"/>
+          <a:ext cx="0" cy="0"/>
+          <a:chOff x="0" y="0"/>
+          <a:chExt cx="0" cy="0"/>
+        </a:xfrm>
+      </p:grpSpPr>
+      <p:sp>
+        <p:nvSpPr>
+          <p:cNvPr id="2" name="Title 1"/>
+          <p:cNvSpPr>
+            <a:spLocks noGrp="1"/>
+          </p:cNvSpPr>
+          <p:nvPr>
+            <p:ph type="title"/>
+          </p:nvPr>
+        </p:nvSpPr>
+        <p:spPr/>
+        <p:txBody>
+          <a:bodyPr/>
+          <a:lstStyle/>
+          <a:p>
+            <a:r>
+              <a:rPr lang="en-US" dirty="0" smtClean="0"/>
+              <a:t>Does anyone knows in which system </a:t>
+            </a:r>
+            <a:r>
+              <a:rPr lang="en-US" dirty="0" err="1" smtClean="0"/>
+              <a:t>stackoverflow</a:t>
+            </a:r>
+            <a:r>
+              <a:rPr lang="en-US" dirty="0" smtClean="0"/>
+              <a:t> is developed</a:t>
+            </a:r>
+            <a:r>
+              <a:rPr lang="en-US" dirty="0" smtClean="0">
+                <a:latin typeface="Calibri" panose="020F0502020204030204" pitchFamily="34" charset="0"/>
+              </a:rPr>
+              <a:t>?</a:t>
+            </a:r>
+            <a:endParaRPr lang="en-US" dirty="0">
+              <a:latin typeface="Calibri" panose="020F0502020204030204" pitchFamily="34" charset="0"/>
+            </a:endParaRPr>
+          </a:p>
+        </p:txBody>
+      </p:sp>
+      <p:sp>
+        <p:nvSpPr>
+          <p:cNvPr id="4" name="Text Placeholder 3"/>
+          <p:cNvSpPr>
+            <a:spLocks noGrp="1"/>
+          </p:cNvSpPr>
+          <p:nvPr>
+            <p:ph type="body" sz="half" idx="2"/>
+          </p:nvPr>
+        </p:nvSpPr>
+        <p:spPr/>
+        <p:txBody>
+          <a:bodyPr>
+            <a:normAutofit/>
+          </a:bodyPr>
+          <a:lstStyle/>
+          <a:p>
+            <a:pPr algn="ctr"/>
+            <a:r>
+              <a:rPr lang="en-US" sz="2800" b="1" dirty="0" smtClean="0"/>
+              <a:t>ASP.NET MVC 2</a:t>
+            </a:r>
+            <a:endParaRPr lang="en-US" sz="2800" b="1" dirty="0"/>
+          </a:p>
+        </p:txBody>
+      </p:sp>
+    </p:spTree>
+    <p:extLst>
+      <p:ext uri="{BB962C8B-B14F-4D97-AF65-F5344CB8AC3E}">
+        <p14:creationId xmlns:p14="http://schemas.microsoft.com/office/powerpoint/2010/main" val="3297523954"/>
+      </p:ext>
+    </p:extLst>
+  </p:cSld>
+  <p:clrMapOvr>
+    <a:masterClrMapping/>
+  </p:clrMapOvr>
+  <mc:AlternateContent xmlns:mc="http://schemas.openxmlformats.org/markup-compatibility/2006">
+    <mc:Choice xmlns:p14="http://schemas.microsoft.com/office/powerpoint/2010/main" Requires="p14">
+      <p:transition spd="slow" p14:dur="1500">
+        <p14:window dir="vert"/>
+      </p:transition>
+    </mc:Choice>
+    <mc:Fallback>
+      <p:transition spd="slow">
+        <p:fade/>
+      </p:transition>
+    </mc:Fallback>
+  </mc:AlternateContent>
+  <p:timing>
+    <p:tnLst>
+      <p:par>
+        <p:cTn id="1" dur="indefinite" restart="never" nodeType="tmRoot">
+          <p:childTnLst>
+            <p:seq concurrent="1" nextAc="seek">
+              <p:cTn id="2" dur="indefinite" nodeType="mainSeq">
+                <p:childTnLst>
+                  <p:par>
+                    <p:cTn id="3" fill="hold">
+                      <p:stCondLst>
+                        <p:cond delay="indefinite"/>
+                      </p:stCondLst>
+                      <p:childTnLst>
+                        <p:par>
+                          <p:cTn id="4" fill="hold">
+                            <p:stCondLst>
+                              <p:cond delay="0"/>
+                            </p:stCondLst>
+                            <p:childTnLst>
+                              <p:par>
+                                <p:cTn id="5" presetID="10" presetClass="entr" presetSubtype="0" fill="hold" nodeType="clickEffect">
+                                  <p:stCondLst>
+                                    <p:cond delay="0"/>
+                                  </p:stCondLst>
+                                  <p:childTnLst>
+                                    <p:set>
+                                      <p:cBhvr>
+                                        <p:cTn id="6" dur="1" fill="hold">
+                                          <p:stCondLst>
+                                            <p:cond delay="0"/>
+                                          </p:stCondLst>
+                                        </p:cTn>
+                                        <p:tgtEl>
+                                          <p:spTgt spid="4">
+                                            <p:txEl>
+                                              <p:pRg st="0" end="0"/>
+                                            </p:txEl>
+                                          </p:spTgt>
+                                        </p:tgtEl>
+                                        <p:attrNameLst>
+                                          <p:attrName>style.visibility</p:attrName>
+                                        </p:attrNameLst>
+                                      </p:cBhvr>
+                                      <p:to>
+                                        <p:strVal val="visible"/>
+                                      </p:to>
+                                    </p:set>
+                                    <p:animEffect transition="in" filter="fade">
+                                      <p:cBhvr>
+                                        <p:cTn id="7" dur="500"/>
+                                        <p:tgtEl>
+                                          <p:spTgt spid="4">
+                                            <p:txEl>
+                                              <p:pRg st="0" end="0"/>
+                                            </p:txEl>
+                                          </p:spTgt>
+                                        </p:tgtEl>
+                                      </p:cBhvr>
+                                    </p:animEffect>
+                                  </p:childTnLst>
+                                </p:cTn>
+                              </p:par>
+                            </p:childTnLst>
+                          </p:cTn>
+                        </p:par>
+                      </p:childTnLst>
+                    </p:cTn>
+                  </p:par>
+                </p:childTnLst>
+              </p:cTn>
+              <p:prevCondLst>
+                <p:cond evt="onPrev" delay="0">
+                  <p:tgtEl>
+                    <p:sldTgt/>
+                  </p:tgtEl>
+                </p:cond>
+              </p:prevCondLst>
+              <p:nextCondLst>
+                <p:cond evt="onNext" delay="0">
+                  <p:tgtEl>
+                    <p:sldTgt/>
+                  </p:tgtEl>
+                </p:cond>
+              </p:nextCondLst>
+            </p:seq>
+          </p:childTnLst>
+        </p:cTn>
+      </p:par>
+    </p:tnLst>
+  </p:timing>
+</p:sld>
+</file>
+
+<file path=ppt/slides/slide24.xml><?xml version="1.0" encoding="utf-8"?>
+<p:sld xmlns:a="http://schemas.openxmlformats.org/drawingml/2006/main" xmlns:r="http://schemas.openxmlformats.org/officeDocument/2006/relationships" xmlns:p="http://schemas.openxmlformats.org/presentationml/2006/main">
+  <p:cSld>
+    <p:spTree>
+      <p:nvGrpSpPr>
+        <p:cNvPr id="1" name=""/>
+        <p:cNvGrpSpPr/>
+        <p:nvPr/>
+      </p:nvGrpSpPr>
+      <p:grpSpPr>
+        <a:xfrm>
+          <a:off x="0" y="0"/>
+          <a:ext cx="0" cy="0"/>
+          <a:chOff x="0" y="0"/>
+          <a:chExt cx="0" cy="0"/>
+        </a:xfrm>
+      </p:grpSpPr>
+      <p:sp>
+        <p:nvSpPr>
+          <p:cNvPr id="2" name="Title 1"/>
+          <p:cNvSpPr>
+            <a:spLocks noGrp="1"/>
+          </p:cNvSpPr>
+          <p:nvPr>
+            <p:ph type="title"/>
+          </p:nvPr>
+        </p:nvSpPr>
+        <p:spPr/>
+        <p:txBody>
+          <a:bodyPr/>
+          <a:lstStyle/>
+          <a:p>
+            <a:r>
+              <a:rPr lang="en-US" dirty="0" smtClean="0"/>
+              <a:t>ASP.NET </a:t>
+            </a:r>
+            <a:r>
+              <a:rPr lang="en-US" dirty="0" smtClean="0"/>
+              <a:t>MVC 5.3</a:t>
+            </a:r>
+            <a:endParaRPr lang="en-US" dirty="0"/>
+          </a:p>
+        </p:txBody>
+      </p:sp>
+      <p:sp>
+        <p:nvSpPr>
+          <p:cNvPr id="4" name="Text Placeholder 3"/>
+          <p:cNvSpPr>
+            <a:spLocks noGrp="1"/>
+          </p:cNvSpPr>
+          <p:nvPr>
+            <p:ph type="body" sz="half" idx="2"/>
+          </p:nvPr>
+        </p:nvSpPr>
+        <p:spPr/>
+        <p:txBody>
+          <a:bodyPr/>
+          <a:lstStyle/>
+          <a:p>
+            <a:endParaRPr lang="en-US"/>
+          </a:p>
+        </p:txBody>
+      </p:sp>
+      <p:graphicFrame>
+        <p:nvGraphicFramePr>
+          <p:cNvPr id="5" name="Diagram 4"/>
+          <p:cNvGraphicFramePr/>
+          <p:nvPr>
+            <p:extLst>
+              <p:ext uri="{D42A27DB-BD31-4B8C-83A1-F6EECF244321}">
+                <p14:modId xmlns:p14="http://schemas.microsoft.com/office/powerpoint/2010/main" val="354431626"/>
+              </p:ext>
+            </p:extLst>
+          </p:nvPr>
+        </p:nvGraphicFramePr>
+        <p:xfrm>
+          <a:off x="2231506" y="703041"/>
+          <a:ext cx="7073363" cy="3395133"/>
+        </p:xfrm>
+        <a:graphic>
+          <a:graphicData uri="http://schemas.openxmlformats.org/drawingml/2006/diagram">
+            <dgm:relIds xmlns:dgm="http://schemas.openxmlformats.org/drawingml/2006/diagram" xmlns:r="http://schemas.openxmlformats.org/officeDocument/2006/relationships" r:dm="rId2" r:lo="rId3" r:qs="rId4" r:cs="rId5"/>
+          </a:graphicData>
+        </a:graphic>
+      </p:graphicFrame>
+    </p:spTree>
+    <p:extLst>
+      <p:ext uri="{BB962C8B-B14F-4D97-AF65-F5344CB8AC3E}">
+        <p14:creationId xmlns:p14="http://schemas.microsoft.com/office/powerpoint/2010/main" val="3032521776"/>
+      </p:ext>
+    </p:extLst>
+  </p:cSld>
+  <p:clrMapOvr>
+    <a:masterClrMapping/>
+  </p:clrMapOvr>
+  <p:timing>
+    <p:tnLst>
+      <p:par>
+        <p:cTn id="1" dur="indefinite" restart="never" nodeType="tmRoot"/>
+      </p:par>
+    </p:tnLst>
+  </p:timing>
+</p:sld>
+</file>
+
+<file path=ppt/slides/slide25.xml><?xml version="1.0" encoding="utf-8"?>
+<p:sld xmlns:a="http://schemas.openxmlformats.org/drawingml/2006/main" xmlns:r="http://schemas.openxmlformats.org/officeDocument/2006/relationships" xmlns:p="http://schemas.openxmlformats.org/presentationml/2006/main">
+  <p:cSld>
+    <p:spTree>
+      <p:nvGrpSpPr>
+        <p:cNvPr id="1" name=""/>
+        <p:cNvGrpSpPr/>
+        <p:nvPr/>
+      </p:nvGrpSpPr>
+      <p:grpSpPr>
+        <a:xfrm>
+          <a:off x="0" y="0"/>
+          <a:ext cx="0" cy="0"/>
+          <a:chOff x="0" y="0"/>
+          <a:chExt cx="0" cy="0"/>
+        </a:xfrm>
+      </p:grpSpPr>
+      <p:sp>
+        <p:nvSpPr>
+          <p:cNvPr id="2" name="Title 1"/>
+          <p:cNvSpPr>
+            <a:spLocks noGrp="1"/>
+          </p:cNvSpPr>
+          <p:nvPr>
+            <p:ph type="title"/>
+          </p:nvPr>
+        </p:nvSpPr>
+        <p:spPr/>
+        <p:txBody>
+          <a:bodyPr/>
+          <a:lstStyle/>
+          <a:p>
+            <a:r>
+              <a:rPr lang="en-US" dirty="0" smtClean="0"/>
+              <a:t>Developers can work with database in 3 ways.</a:t>
+            </a:r>
+            <a:endParaRPr lang="en-US" dirty="0"/>
+          </a:p>
+        </p:txBody>
+      </p:sp>
+      <p:sp>
+        <p:nvSpPr>
+          <p:cNvPr id="3" name="Text Placeholder 2"/>
+          <p:cNvSpPr>
+            <a:spLocks noGrp="1"/>
+          </p:cNvSpPr>
+          <p:nvPr>
+            <p:ph type="body" sz="half" idx="13"/>
+          </p:nvPr>
+        </p:nvSpPr>
+        <p:spPr/>
+        <p:txBody>
+          <a:bodyPr/>
+          <a:lstStyle/>
+          <a:p>
+            <a:r>
+              <a:rPr lang="en-US" dirty="0" smtClean="0"/>
+              <a:t>Code First (by Default)</a:t>
+            </a:r>
+            <a:endParaRPr lang="en-US" dirty="0"/>
+          </a:p>
+        </p:txBody>
+      </p:sp>
+      <p:sp>
+        <p:nvSpPr>
+          <p:cNvPr id="4" name="Text Placeholder 3"/>
+          <p:cNvSpPr>
+            <a:spLocks noGrp="1"/>
+          </p:cNvSpPr>
+          <p:nvPr>
+            <p:ph type="body" sz="half" idx="2"/>
+          </p:nvPr>
+        </p:nvSpPr>
+        <p:spPr/>
+        <p:txBody>
+          <a:bodyPr/>
+          <a:lstStyle/>
+          <a:p>
+            <a:r>
+              <a:rPr lang="en-US" dirty="0" smtClean="0"/>
+              <a:t>Code First, Database First, Model First</a:t>
+            </a:r>
+            <a:endParaRPr lang="en-US" dirty="0"/>
+          </a:p>
+        </p:txBody>
+      </p:sp>
+    </p:spTree>
+    <p:extLst>
+      <p:ext uri="{BB962C8B-B14F-4D97-AF65-F5344CB8AC3E}">
+        <p14:creationId xmlns:p14="http://schemas.microsoft.com/office/powerpoint/2010/main" val="2085489012"/>
+      </p:ext>
+    </p:extLst>
+  </p:cSld>
+  <p:clrMapOvr>
+    <a:masterClrMapping/>
+  </p:clrMapOvr>
+  <mc:AlternateContent xmlns:mc="http://schemas.openxmlformats.org/markup-compatibility/2006" xmlns:p14="http://schemas.microsoft.com/office/powerpoint/2010/main">
+    <mc:Choice Requires="p14">
+      <p:transition spd="slow" p14:dur="3400">
+        <p14:reveal/>
+      </p:transition>
+    </mc:Choice>
+    <mc:Fallback xmlns="">
+      <p:transition spd="slow">
+        <p:fade/>
+      </p:transition>
+    </mc:Fallback>
+  </mc:AlternateContent>
+  <p:timing>
+    <p:tnLst>
+      <p:par>
+        <p:cTn id="1" dur="indefinite" restart="never" nodeType="tmRoot"/>
+      </p:par>
+    </p:tnLst>
+  </p:timing>
+</p:sld>
+</file>
+
+<file path=ppt/slides/slide26.xml><?xml version="1.0" encoding="utf-8"?>
+<p:sld xmlns:a="http://schemas.openxmlformats.org/drawingml/2006/main" xmlns:r="http://schemas.openxmlformats.org/officeDocument/2006/relationships" xmlns:p="http://schemas.openxmlformats.org/presentationml/2006/main">
+  <p:cSld>
+    <p:spTree>
+      <p:nvGrpSpPr>
+        <p:cNvPr id="1" name=""/>
+        <p:cNvGrpSpPr/>
+        <p:nvPr/>
+      </p:nvGrpSpPr>
+      <p:grpSpPr>
+        <a:xfrm>
+          <a:off x="0" y="0"/>
+          <a:ext cx="0" cy="0"/>
+          <a:chOff x="0" y="0"/>
+          <a:chExt cx="0" cy="0"/>
+        </a:xfrm>
+      </p:grpSpPr>
+      <p:sp>
+        <p:nvSpPr>
+          <p:cNvPr id="2" name="Title 1"/>
+          <p:cNvSpPr>
+            <a:spLocks noGrp="1"/>
+          </p:cNvSpPr>
+          <p:nvPr>
+            <p:ph type="title"/>
+          </p:nvPr>
+        </p:nvSpPr>
+        <p:spPr/>
+        <p:txBody>
+          <a:bodyPr/>
+          <a:lstStyle/>
+          <a:p>
+            <a:r>
+              <a:rPr lang="en-US" dirty="0" smtClean="0"/>
+              <a:t>Code First(Pros)</a:t>
+            </a:r>
+            <a:endParaRPr lang="en-US" dirty="0"/>
+          </a:p>
+        </p:txBody>
+      </p:sp>
+      <p:sp>
+        <p:nvSpPr>
+          <p:cNvPr id="3" name="Text Placeholder 2"/>
+          <p:cNvSpPr>
+            <a:spLocks noGrp="1"/>
+          </p:cNvSpPr>
+          <p:nvPr>
+            <p:ph type="body" idx="1"/>
+          </p:nvPr>
+        </p:nvSpPr>
+        <p:spPr>
+          <a:xfrm>
+            <a:off x="6895559" y="1545465"/>
+            <a:ext cx="3757545" cy="4494727"/>
+          </a:xfrm>
+        </p:spPr>
+        <p:txBody>
+          <a:bodyPr anchor="t"/>
+          <a:lstStyle/>
+          <a:p>
+            <a:pPr marL="457200" indent="-457200">
+              <a:buFont typeface="+mj-lt"/>
+              <a:buAutoNum type="arabicPeriod"/>
+            </a:pPr>
+            <a:r>
+              <a:rPr lang="en-US" dirty="0" smtClean="0"/>
+              <a:t>Portable</a:t>
+            </a:r>
+          </a:p>
+          <a:p>
+            <a:pPr marL="457200" indent="-457200">
+              <a:buFont typeface="+mj-lt"/>
+              <a:buAutoNum type="arabicPeriod"/>
+            </a:pPr>
+            <a:r>
+              <a:rPr lang="en-US" dirty="0" smtClean="0"/>
+              <a:t>Doesn’t need much database logic</a:t>
+            </a:r>
+          </a:p>
+          <a:p>
+            <a:pPr marL="457200" indent="-457200">
+              <a:buFont typeface="+mj-lt"/>
+              <a:buAutoNum type="arabicPeriod"/>
+            </a:pPr>
+            <a:r>
+              <a:rPr lang="en-US" dirty="0" smtClean="0"/>
+              <a:t>Codes fan out everywhere</a:t>
+            </a:r>
+          </a:p>
+          <a:p>
+            <a:pPr marL="457200" indent="-457200">
+              <a:buFont typeface="+mj-lt"/>
+              <a:buAutoNum type="arabicPeriod"/>
+            </a:pPr>
+            <a:endParaRPr lang="en-US" dirty="0"/>
+          </a:p>
+        </p:txBody>
+      </p:sp>
+    </p:spTree>
+    <p:extLst>
+      <p:ext uri="{BB962C8B-B14F-4D97-AF65-F5344CB8AC3E}">
+        <p14:creationId xmlns:p14="http://schemas.microsoft.com/office/powerpoint/2010/main" val="3459876694"/>
+      </p:ext>
+    </p:extLst>
+  </p:cSld>
+  <p:clrMapOvr>
+    <a:masterClrMapping/>
+  </p:clrMapOvr>
+  <p:transition spd="med">
+    <p:pull/>
+  </p:transition>
+  <p:timing>
+    <p:tnLst>
+      <p:par>
+        <p:cTn id="1" dur="indefinite" restart="never" nodeType="tmRoot"/>
+      </p:par>
+    </p:tnLst>
+  </p:timing>
+</p:sld>
+</file>
+
+<file path=ppt/slides/slide27.xml><?xml version="1.0" encoding="utf-8"?>
+<p:sld xmlns:a="http://schemas.openxmlformats.org/drawingml/2006/main" xmlns:r="http://schemas.openxmlformats.org/officeDocument/2006/relationships" xmlns:p="http://schemas.openxmlformats.org/presentationml/2006/main">
+  <p:cSld>
+    <p:spTree>
+      <p:nvGrpSpPr>
+        <p:cNvPr id="1" name=""/>
+        <p:cNvGrpSpPr/>
+        <p:nvPr/>
+      </p:nvGrpSpPr>
+      <p:grpSpPr>
+        <a:xfrm>
+          <a:off x="0" y="0"/>
+          <a:ext cx="0" cy="0"/>
+          <a:chOff x="0" y="0"/>
+          <a:chExt cx="0" cy="0"/>
+        </a:xfrm>
+      </p:grpSpPr>
+      <p:sp>
+        <p:nvSpPr>
+          <p:cNvPr id="2" name="Title 1"/>
+          <p:cNvSpPr>
+            <a:spLocks noGrp="1"/>
+          </p:cNvSpPr>
+          <p:nvPr>
+            <p:ph type="title"/>
+          </p:nvPr>
+        </p:nvSpPr>
+        <p:spPr/>
+        <p:txBody>
+          <a:bodyPr/>
+          <a:lstStyle/>
+          <a:p>
+            <a:r>
+              <a:rPr lang="en-US" dirty="0" smtClean="0"/>
+              <a:t>Code First(Cons)</a:t>
+            </a:r>
+            <a:endParaRPr lang="en-US" dirty="0"/>
+          </a:p>
+        </p:txBody>
+      </p:sp>
+      <p:sp>
+        <p:nvSpPr>
+          <p:cNvPr id="3" name="Text Placeholder 2"/>
+          <p:cNvSpPr>
+            <a:spLocks noGrp="1"/>
+          </p:cNvSpPr>
+          <p:nvPr>
+            <p:ph type="body" idx="1"/>
+          </p:nvPr>
+        </p:nvSpPr>
+        <p:spPr>
+          <a:xfrm>
+            <a:off x="6895559" y="1545465"/>
+            <a:ext cx="3757545" cy="4494727"/>
+          </a:xfrm>
+        </p:spPr>
+        <p:txBody>
+          <a:bodyPr anchor="t"/>
+          <a:lstStyle/>
+          <a:p>
+            <a:pPr marL="457200" indent="-457200">
+              <a:buFont typeface="+mj-lt"/>
+              <a:buAutoNum type="arabicPeriod"/>
+            </a:pPr>
+            <a:r>
+              <a:rPr lang="en-US" dirty="0" smtClean="0"/>
+              <a:t>Need to write a lot of code.</a:t>
+            </a:r>
+          </a:p>
+          <a:p>
+            <a:pPr marL="457200" indent="-457200">
+              <a:buFont typeface="+mj-lt"/>
+              <a:buAutoNum type="arabicPeriod"/>
+            </a:pPr>
+            <a:r>
+              <a:rPr lang="en-US" dirty="0" smtClean="0"/>
+              <a:t>Hard to change data-types in future.</a:t>
+            </a:r>
+          </a:p>
+          <a:p>
+            <a:pPr marL="457200" indent="-457200">
+              <a:buFont typeface="+mj-lt"/>
+              <a:buAutoNum type="arabicPeriod"/>
+            </a:pPr>
+            <a:r>
+              <a:rPr lang="en-US" dirty="0" smtClean="0"/>
+              <a:t>Database doesn’t optimize much.</a:t>
+            </a:r>
+          </a:p>
+          <a:p>
+            <a:pPr marL="457200" indent="-457200">
+              <a:buFont typeface="+mj-lt"/>
+              <a:buAutoNum type="arabicPeriod"/>
+            </a:pPr>
+            <a:endParaRPr lang="en-US" dirty="0"/>
+          </a:p>
+        </p:txBody>
+      </p:sp>
+    </p:spTree>
+    <p:extLst>
+      <p:ext uri="{BB962C8B-B14F-4D97-AF65-F5344CB8AC3E}">
+        <p14:creationId xmlns:p14="http://schemas.microsoft.com/office/powerpoint/2010/main" val="2276903395"/>
+      </p:ext>
+    </p:extLst>
+  </p:cSld>
+  <p:clrMapOvr>
+    <a:masterClrMapping/>
+  </p:clrMapOvr>
+  <p:transition spd="med">
+    <p:pull/>
+  </p:transition>
+  <p:timing>
+    <p:tnLst>
+      <p:par>
+        <p:cTn id="1" dur="indefinite" restart="never" nodeType="tmRoot"/>
+      </p:par>
+    </p:tnLst>
+  </p:timing>
+</p:sld>
+</file>
+
+<file path=ppt/slides/slide28.xml><?xml version="1.0" encoding="utf-8"?>
+<p:sld xmlns:a="http://schemas.openxmlformats.org/drawingml/2006/main" xmlns:r="http://schemas.openxmlformats.org/officeDocument/2006/relationships" xmlns:p="http://schemas.openxmlformats.org/presentationml/2006/main">
+  <p:cSld>
+    <p:spTree>
+      <p:nvGrpSpPr>
+        <p:cNvPr id="1" name=""/>
+        <p:cNvGrpSpPr/>
+        <p:nvPr/>
+      </p:nvGrpSpPr>
+      <p:grpSpPr>
+        <a:xfrm>
+          <a:off x="0" y="0"/>
+          <a:ext cx="0" cy="0"/>
+          <a:chOff x="0" y="0"/>
+          <a:chExt cx="0" cy="0"/>
+        </a:xfrm>
+      </p:grpSpPr>
+      <p:sp>
+        <p:nvSpPr>
+          <p:cNvPr id="2" name="Title 1"/>
+          <p:cNvSpPr>
+            <a:spLocks noGrp="1"/>
+          </p:cNvSpPr>
+          <p:nvPr>
+            <p:ph type="title"/>
+          </p:nvPr>
+        </p:nvSpPr>
+        <p:spPr/>
+        <p:txBody>
+          <a:bodyPr/>
+          <a:lstStyle/>
+          <a:p>
+            <a:r>
+              <a:rPr lang="en-US" dirty="0" smtClean="0"/>
+              <a:t>DB First(Pros)</a:t>
+            </a:r>
+            <a:endParaRPr lang="en-US" dirty="0"/>
+          </a:p>
+        </p:txBody>
+      </p:sp>
+      <p:sp>
+        <p:nvSpPr>
+          <p:cNvPr id="3" name="Text Placeholder 2"/>
+          <p:cNvSpPr>
+            <a:spLocks noGrp="1"/>
+          </p:cNvSpPr>
+          <p:nvPr>
+            <p:ph type="body" idx="1"/>
+          </p:nvPr>
+        </p:nvSpPr>
+        <p:spPr>
+          <a:xfrm>
+            <a:off x="6895559" y="1545465"/>
+            <a:ext cx="3757545" cy="4494727"/>
+          </a:xfrm>
+        </p:spPr>
+        <p:txBody>
+          <a:bodyPr anchor="t"/>
+          <a:lstStyle/>
+          <a:p>
+            <a:pPr marL="457200" indent="-457200">
+              <a:buFont typeface="+mj-lt"/>
+              <a:buAutoNum type="arabicPeriod"/>
+            </a:pPr>
+            <a:r>
+              <a:rPr lang="en-US" dirty="0" smtClean="0"/>
+              <a:t>Write less</a:t>
+            </a:r>
+          </a:p>
+          <a:p>
+            <a:pPr marL="457200" indent="-457200">
+              <a:buFont typeface="+mj-lt"/>
+              <a:buAutoNum type="arabicPeriod"/>
+            </a:pPr>
+            <a:r>
+              <a:rPr lang="en-US" dirty="0" smtClean="0"/>
+              <a:t>Efficient database design</a:t>
+            </a:r>
+          </a:p>
+          <a:p>
+            <a:pPr marL="457200" indent="-457200">
+              <a:buFont typeface="+mj-lt"/>
+              <a:buAutoNum type="arabicPeriod"/>
+            </a:pPr>
+            <a:r>
+              <a:rPr lang="en-US" dirty="0" smtClean="0"/>
+              <a:t>Very much rapid development</a:t>
+            </a:r>
+          </a:p>
+          <a:p>
+            <a:pPr marL="457200" indent="-457200">
+              <a:buFont typeface="+mj-lt"/>
+              <a:buAutoNum type="arabicPeriod"/>
+            </a:pPr>
+            <a:endParaRPr lang="en-US" dirty="0" smtClean="0"/>
+          </a:p>
+          <a:p>
+            <a:pPr marL="457200" indent="-457200">
+              <a:buFont typeface="+mj-lt"/>
+              <a:buAutoNum type="arabicPeriod"/>
+            </a:pPr>
+            <a:endParaRPr lang="en-US" dirty="0"/>
+          </a:p>
+        </p:txBody>
+      </p:sp>
+    </p:spTree>
+    <p:extLst>
+      <p:ext uri="{BB962C8B-B14F-4D97-AF65-F5344CB8AC3E}">
+        <p14:creationId xmlns:p14="http://schemas.microsoft.com/office/powerpoint/2010/main" val="368854359"/>
+      </p:ext>
+    </p:extLst>
+  </p:cSld>
+  <p:clrMapOvr>
+    <a:masterClrMapping/>
+  </p:clrMapOvr>
+  <p:transition spd="med">
+    <p:pull/>
+  </p:transition>
+  <p:timing>
+    <p:tnLst>
+      <p:par>
+        <p:cTn id="1" dur="indefinite" restart="never" nodeType="tmRoot"/>
+      </p:par>
+    </p:tnLst>
+  </p:timing>
+</p:sld>
+</file>
+
+<file path=ppt/slides/slide29.xml><?xml version="1.0" encoding="utf-8"?>
+<p:sld xmlns:a="http://schemas.openxmlformats.org/drawingml/2006/main" xmlns:r="http://schemas.openxmlformats.org/officeDocument/2006/relationships" xmlns:p="http://schemas.openxmlformats.org/presentationml/2006/main">
+  <p:cSld>
+    <p:spTree>
+      <p:nvGrpSpPr>
+        <p:cNvPr id="1" name=""/>
+        <p:cNvGrpSpPr/>
+        <p:nvPr/>
+      </p:nvGrpSpPr>
+      <p:grpSpPr>
+        <a:xfrm>
+          <a:off x="0" y="0"/>
+          <a:ext cx="0" cy="0"/>
+          <a:chOff x="0" y="0"/>
+          <a:chExt cx="0" cy="0"/>
+        </a:xfrm>
+      </p:grpSpPr>
+      <p:sp>
+        <p:nvSpPr>
+          <p:cNvPr id="2" name="Title 1"/>
+          <p:cNvSpPr>
+            <a:spLocks noGrp="1"/>
+          </p:cNvSpPr>
+          <p:nvPr>
+            <p:ph type="title"/>
+          </p:nvPr>
+        </p:nvSpPr>
+        <p:spPr/>
+        <p:txBody>
+          <a:bodyPr/>
+          <a:lstStyle/>
+          <a:p>
+            <a:r>
+              <a:rPr lang="en-US" dirty="0" smtClean="0"/>
               <a:t>DB First(Cons)</a:t>
             </a:r>
             <a:endParaRPr lang="en-US" dirty="0"/>
@@ -25310,590 +27652,6 @@
   <p:transition spd="med">
     <p:pull/>
   </p:transition>
-  <p:timing>
-    <p:tnLst>
-      <p:par>
-        <p:cTn id="1" dur="indefinite" restart="never" nodeType="tmRoot"/>
-      </p:par>
-    </p:tnLst>
-  </p:timing>
-</p:sld>
-</file>
-
-<file path=ppt/slides/slide21.xml><?xml version="1.0" encoding="utf-8"?>
-<p:sld xmlns:a="http://schemas.openxmlformats.org/drawingml/2006/main" xmlns:r="http://schemas.openxmlformats.org/officeDocument/2006/relationships" xmlns:p="http://schemas.openxmlformats.org/presentationml/2006/main">
-  <p:cSld>
-    <p:spTree>
-      <p:nvGrpSpPr>
-        <p:cNvPr id="1" name=""/>
-        <p:cNvGrpSpPr/>
-        <p:nvPr/>
-      </p:nvGrpSpPr>
-      <p:grpSpPr>
-        <a:xfrm>
-          <a:off x="0" y="0"/>
-          <a:ext cx="0" cy="0"/>
-          <a:chOff x="0" y="0"/>
-          <a:chExt cx="0" cy="0"/>
-        </a:xfrm>
-      </p:grpSpPr>
-      <p:sp>
-        <p:nvSpPr>
-          <p:cNvPr id="2" name="Title 1"/>
-          <p:cNvSpPr>
-            <a:spLocks noGrp="1"/>
-          </p:cNvSpPr>
-          <p:nvPr>
-            <p:ph type="title"/>
-          </p:nvPr>
-        </p:nvSpPr>
-        <p:spPr/>
-        <p:txBody>
-          <a:bodyPr/>
-          <a:lstStyle/>
-          <a:p>
-            <a:r>
-              <a:rPr lang="en-US" dirty="0" smtClean="0"/>
-              <a:t>Let’s see some demo in ASP.NET</a:t>
-            </a:r>
-            <a:endParaRPr lang="en-US" dirty="0"/>
-          </a:p>
-        </p:txBody>
-      </p:sp>
-      <p:sp>
-        <p:nvSpPr>
-          <p:cNvPr id="3" name="Text Placeholder 2"/>
-          <p:cNvSpPr>
-            <a:spLocks noGrp="1"/>
-          </p:cNvSpPr>
-          <p:nvPr>
-            <p:ph type="body" sz="half" idx="13"/>
-          </p:nvPr>
-        </p:nvSpPr>
-        <p:spPr/>
-        <p:txBody>
-          <a:bodyPr/>
-          <a:lstStyle/>
-          <a:p>
-            <a:endParaRPr lang="en-US"/>
-          </a:p>
-        </p:txBody>
-      </p:sp>
-      <p:sp>
-        <p:nvSpPr>
-          <p:cNvPr id="4" name="Text Placeholder 3"/>
-          <p:cNvSpPr>
-            <a:spLocks noGrp="1"/>
-          </p:cNvSpPr>
-          <p:nvPr>
-            <p:ph type="body" sz="half" idx="2"/>
-          </p:nvPr>
-        </p:nvSpPr>
-        <p:spPr/>
-        <p:txBody>
-          <a:bodyPr/>
-          <a:lstStyle/>
-          <a:p>
-            <a:endParaRPr lang="en-US"/>
-          </a:p>
-        </p:txBody>
-      </p:sp>
-    </p:spTree>
-    <p:extLst>
-      <p:ext uri="{BB962C8B-B14F-4D97-AF65-F5344CB8AC3E}">
-        <p14:creationId xmlns:p14="http://schemas.microsoft.com/office/powerpoint/2010/main" val="718661716"/>
-      </p:ext>
-    </p:extLst>
-  </p:cSld>
-  <p:clrMapOvr>
-    <a:masterClrMapping/>
-  </p:clrMapOvr>
-  <p:transition spd="slow">
-    <p:push dir="u"/>
-  </p:transition>
-  <p:timing>
-    <p:tnLst>
-      <p:par>
-        <p:cTn id="1" dur="indefinite" restart="never" nodeType="tmRoot"/>
-      </p:par>
-    </p:tnLst>
-  </p:timing>
-</p:sld>
-</file>
-
-<file path=ppt/slides/slide22.xml><?xml version="1.0" encoding="utf-8"?>
-<p:sld xmlns:a="http://schemas.openxmlformats.org/drawingml/2006/main" xmlns:r="http://schemas.openxmlformats.org/officeDocument/2006/relationships" xmlns:p="http://schemas.openxmlformats.org/presentationml/2006/main">
-  <p:cSld>
-    <p:spTree>
-      <p:nvGrpSpPr>
-        <p:cNvPr id="1" name=""/>
-        <p:cNvGrpSpPr/>
-        <p:nvPr/>
-      </p:nvGrpSpPr>
-      <p:grpSpPr>
-        <a:xfrm>
-          <a:off x="0" y="0"/>
-          <a:ext cx="0" cy="0"/>
-          <a:chOff x="0" y="0"/>
-          <a:chExt cx="0" cy="0"/>
-        </a:xfrm>
-      </p:grpSpPr>
-      <p:sp>
-        <p:nvSpPr>
-          <p:cNvPr id="2" name="Title 1"/>
-          <p:cNvSpPr>
-            <a:spLocks noGrp="1"/>
-          </p:cNvSpPr>
-          <p:nvPr>
-            <p:ph type="title"/>
-          </p:nvPr>
-        </p:nvSpPr>
-        <p:spPr/>
-        <p:txBody>
-          <a:bodyPr/>
-          <a:lstStyle/>
-          <a:p>
-            <a:r>
-              <a:rPr lang="en-US" dirty="0" smtClean="0"/>
-              <a:t>Let’s see some demo with our project</a:t>
-            </a:r>
-            <a:endParaRPr lang="en-US" dirty="0"/>
-          </a:p>
-        </p:txBody>
-      </p:sp>
-      <p:sp>
-        <p:nvSpPr>
-          <p:cNvPr id="3" name="Text Placeholder 2"/>
-          <p:cNvSpPr>
-            <a:spLocks noGrp="1"/>
-          </p:cNvSpPr>
-          <p:nvPr>
-            <p:ph type="body" sz="half" idx="13"/>
-          </p:nvPr>
-        </p:nvSpPr>
-        <p:spPr/>
-        <p:txBody>
-          <a:bodyPr/>
-          <a:lstStyle/>
-          <a:p>
-            <a:endParaRPr lang="en-US"/>
-          </a:p>
-        </p:txBody>
-      </p:sp>
-      <p:sp>
-        <p:nvSpPr>
-          <p:cNvPr id="4" name="Text Placeholder 3"/>
-          <p:cNvSpPr>
-            <a:spLocks noGrp="1"/>
-          </p:cNvSpPr>
-          <p:nvPr>
-            <p:ph type="body" sz="half" idx="2"/>
-          </p:nvPr>
-        </p:nvSpPr>
-        <p:spPr/>
-        <p:txBody>
-          <a:bodyPr/>
-          <a:lstStyle/>
-          <a:p>
-            <a:endParaRPr lang="en-US"/>
-          </a:p>
-        </p:txBody>
-      </p:sp>
-    </p:spTree>
-    <p:extLst>
-      <p:ext uri="{BB962C8B-B14F-4D97-AF65-F5344CB8AC3E}">
-        <p14:creationId xmlns:p14="http://schemas.microsoft.com/office/powerpoint/2010/main" val="2269273233"/>
-      </p:ext>
-    </p:extLst>
-  </p:cSld>
-  <p:clrMapOvr>
-    <a:masterClrMapping/>
-  </p:clrMapOvr>
-  <p:transition spd="slow">
-    <p:push dir="u"/>
-  </p:transition>
-  <p:timing>
-    <p:tnLst>
-      <p:par>
-        <p:cTn id="1" dur="indefinite" restart="never" nodeType="tmRoot"/>
-      </p:par>
-    </p:tnLst>
-  </p:timing>
-</p:sld>
-</file>
-
-<file path=ppt/slides/slide23.xml><?xml version="1.0" encoding="utf-8"?>
-<p:sld xmlns:a="http://schemas.openxmlformats.org/drawingml/2006/main" xmlns:r="http://schemas.openxmlformats.org/officeDocument/2006/relationships" xmlns:p="http://schemas.openxmlformats.org/presentationml/2006/main">
-  <p:cSld>
-    <p:spTree>
-      <p:nvGrpSpPr>
-        <p:cNvPr id="1" name=""/>
-        <p:cNvGrpSpPr/>
-        <p:nvPr/>
-      </p:nvGrpSpPr>
-      <p:grpSpPr>
-        <a:xfrm>
-          <a:off x="0" y="0"/>
-          <a:ext cx="0" cy="0"/>
-          <a:chOff x="0" y="0"/>
-          <a:chExt cx="0" cy="0"/>
-        </a:xfrm>
-      </p:grpSpPr>
-      <p:sp>
-        <p:nvSpPr>
-          <p:cNvPr id="2" name="Title 1"/>
-          <p:cNvSpPr>
-            <a:spLocks noGrp="1"/>
-          </p:cNvSpPr>
-          <p:nvPr>
-            <p:ph type="title"/>
-          </p:nvPr>
-        </p:nvSpPr>
-        <p:spPr/>
-        <p:txBody>
-          <a:bodyPr/>
-          <a:lstStyle/>
-          <a:p>
-            <a:r>
-              <a:rPr lang="en-US" dirty="0" smtClean="0"/>
-              <a:t>We did a lot of optimization in Db as well as writing your own code.</a:t>
-            </a:r>
-            <a:endParaRPr lang="en-US" dirty="0"/>
-          </a:p>
-        </p:txBody>
-      </p:sp>
-      <p:sp>
-        <p:nvSpPr>
-          <p:cNvPr id="3" name="Text Placeholder 2"/>
-          <p:cNvSpPr>
-            <a:spLocks noGrp="1"/>
-          </p:cNvSpPr>
-          <p:nvPr>
-            <p:ph type="body" sz="half" idx="13"/>
-          </p:nvPr>
-        </p:nvSpPr>
-        <p:spPr/>
-        <p:txBody>
-          <a:bodyPr/>
-          <a:lstStyle/>
-          <a:p>
-            <a:endParaRPr lang="en-US"/>
-          </a:p>
-        </p:txBody>
-      </p:sp>
-      <p:sp>
-        <p:nvSpPr>
-          <p:cNvPr id="4" name="Text Placeholder 3"/>
-          <p:cNvSpPr>
-            <a:spLocks noGrp="1"/>
-          </p:cNvSpPr>
-          <p:nvPr>
-            <p:ph type="body" sz="half" idx="2"/>
-          </p:nvPr>
-        </p:nvSpPr>
-        <p:spPr/>
-        <p:txBody>
-          <a:bodyPr/>
-          <a:lstStyle/>
-          <a:p>
-            <a:endParaRPr lang="en-US"/>
-          </a:p>
-        </p:txBody>
-      </p:sp>
-    </p:spTree>
-    <p:extLst>
-      <p:ext uri="{BB962C8B-B14F-4D97-AF65-F5344CB8AC3E}">
-        <p14:creationId xmlns:p14="http://schemas.microsoft.com/office/powerpoint/2010/main" val="1099627861"/>
-      </p:ext>
-    </p:extLst>
-  </p:cSld>
-  <p:clrMapOvr>
-    <a:masterClrMapping/>
-  </p:clrMapOvr>
-  <p:transition spd="slow">
-    <p:push dir="u"/>
-  </p:transition>
-  <p:timing>
-    <p:tnLst>
-      <p:par>
-        <p:cTn id="1" dur="indefinite" restart="never" nodeType="tmRoot"/>
-      </p:par>
-    </p:tnLst>
-  </p:timing>
-</p:sld>
-</file>
-
-<file path=ppt/slides/slide24.xml><?xml version="1.0" encoding="utf-8"?>
-<p:sld xmlns:a="http://schemas.openxmlformats.org/drawingml/2006/main" xmlns:r="http://schemas.openxmlformats.org/officeDocument/2006/relationships" xmlns:p="http://schemas.openxmlformats.org/presentationml/2006/main">
-  <p:cSld>
-    <p:spTree>
-      <p:nvGrpSpPr>
-        <p:cNvPr id="1" name=""/>
-        <p:cNvGrpSpPr/>
-        <p:nvPr/>
-      </p:nvGrpSpPr>
-      <p:grpSpPr>
-        <a:xfrm>
-          <a:off x="0" y="0"/>
-          <a:ext cx="0" cy="0"/>
-          <a:chOff x="0" y="0"/>
-          <a:chExt cx="0" cy="0"/>
-        </a:xfrm>
-      </p:grpSpPr>
-      <p:sp>
-        <p:nvSpPr>
-          <p:cNvPr id="2" name="Title 1"/>
-          <p:cNvSpPr>
-            <a:spLocks noGrp="1"/>
-          </p:cNvSpPr>
-          <p:nvPr>
-            <p:ph type="title"/>
-          </p:nvPr>
-        </p:nvSpPr>
-        <p:spPr/>
-        <p:txBody>
-          <a:bodyPr/>
-          <a:lstStyle/>
-          <a:p>
-            <a:r>
-              <a:rPr lang="en-US" dirty="0"/>
-              <a:t>Return on Investment</a:t>
-            </a:r>
-          </a:p>
-        </p:txBody>
-      </p:sp>
-      <p:sp>
-        <p:nvSpPr>
-          <p:cNvPr id="3" name="Text Placeholder 2"/>
-          <p:cNvSpPr>
-            <a:spLocks noGrp="1"/>
-          </p:cNvSpPr>
-          <p:nvPr>
-            <p:ph type="body" sz="half" idx="2"/>
-          </p:nvPr>
-        </p:nvSpPr>
-        <p:spPr/>
-        <p:txBody>
-          <a:bodyPr anchor="t"/>
-          <a:lstStyle/>
-          <a:p>
-            <a:pPr marL="342900" indent="-342900">
-              <a:buFont typeface="+mj-lt"/>
-              <a:buAutoNum type="arabicPeriod"/>
-            </a:pPr>
-            <a:r>
-              <a:rPr lang="en-US" dirty="0" smtClean="0"/>
-              <a:t>Our main concept of ROI is </a:t>
-            </a:r>
-            <a:r>
-              <a:rPr lang="en-US" b="1" u="sng" dirty="0" smtClean="0"/>
-              <a:t>donation</a:t>
-            </a:r>
-            <a:r>
-              <a:rPr lang="en-US" dirty="0" smtClean="0"/>
-              <a:t>.</a:t>
-            </a:r>
-          </a:p>
-          <a:p>
-            <a:pPr marL="342900" indent="-342900">
-              <a:buFont typeface="+mj-lt"/>
-              <a:buAutoNum type="arabicPeriod"/>
-            </a:pPr>
-            <a:r>
-              <a:rPr lang="en-US" dirty="0" smtClean="0"/>
-              <a:t>It’s an </a:t>
-            </a:r>
-            <a:r>
-              <a:rPr lang="en-US" b="1" u="sng" dirty="0" smtClean="0"/>
-              <a:t>open source</a:t>
-            </a:r>
-            <a:r>
-              <a:rPr lang="en-US" dirty="0" smtClean="0"/>
-              <a:t> system you can download and use it from </a:t>
-            </a:r>
-            <a:r>
-              <a:rPr lang="en-US" dirty="0" err="1" smtClean="0"/>
-              <a:t>github</a:t>
-            </a:r>
-            <a:r>
-              <a:rPr lang="en-US" dirty="0" smtClean="0"/>
-              <a:t>.</a:t>
-            </a:r>
-          </a:p>
-          <a:p>
-            <a:pPr marL="342900" indent="-342900">
-              <a:buFont typeface="+mj-lt"/>
-              <a:buAutoNum type="arabicPeriod"/>
-            </a:pPr>
-            <a:r>
-              <a:rPr lang="en-US" dirty="0" smtClean="0"/>
-              <a:t>Maybe in </a:t>
-            </a:r>
-            <a:r>
-              <a:rPr lang="en-US" b="1" u="sng" dirty="0" smtClean="0"/>
-              <a:t>future</a:t>
-            </a:r>
-            <a:r>
-              <a:rPr lang="en-US" dirty="0" smtClean="0"/>
-              <a:t> we will include </a:t>
-            </a:r>
-            <a:r>
-              <a:rPr lang="en-US" b="1" u="sng" dirty="0" smtClean="0"/>
-              <a:t>advertisement concept.</a:t>
-            </a:r>
-            <a:endParaRPr lang="en-US" b="1" u="sng" dirty="0"/>
-          </a:p>
-        </p:txBody>
-      </p:sp>
-    </p:spTree>
-    <p:extLst>
-      <p:ext uri="{BB962C8B-B14F-4D97-AF65-F5344CB8AC3E}">
-        <p14:creationId xmlns:p14="http://schemas.microsoft.com/office/powerpoint/2010/main" val="3039302811"/>
-      </p:ext>
-    </p:extLst>
-  </p:cSld>
-  <p:clrMapOvr>
-    <a:masterClrMapping/>
-  </p:clrMapOvr>
-  <p:transition spd="slow">
-    <p:wipe/>
-  </p:transition>
-  <p:timing>
-    <p:tnLst>
-      <p:par>
-        <p:cTn id="1" dur="indefinite" restart="never" nodeType="tmRoot"/>
-      </p:par>
-    </p:tnLst>
-  </p:timing>
-</p:sld>
-</file>
-
-<file path=ppt/slides/slide25.xml><?xml version="1.0" encoding="utf-8"?>
-<p:sld xmlns:a="http://schemas.openxmlformats.org/drawingml/2006/main" xmlns:r="http://schemas.openxmlformats.org/officeDocument/2006/relationships" xmlns:p="http://schemas.openxmlformats.org/presentationml/2006/main">
-  <p:cSld>
-    <p:spTree>
-      <p:nvGrpSpPr>
-        <p:cNvPr id="1" name=""/>
-        <p:cNvGrpSpPr/>
-        <p:nvPr/>
-      </p:nvGrpSpPr>
-      <p:grpSpPr>
-        <a:xfrm>
-          <a:off x="0" y="0"/>
-          <a:ext cx="0" cy="0"/>
-          <a:chOff x="0" y="0"/>
-          <a:chExt cx="0" cy="0"/>
-        </a:xfrm>
-      </p:grpSpPr>
-      <p:sp>
-        <p:nvSpPr>
-          <p:cNvPr id="2" name="TextBox 1"/>
-          <p:cNvSpPr txBox="1"/>
-          <p:nvPr/>
-        </p:nvSpPr>
-        <p:spPr>
-          <a:xfrm>
-            <a:off x="1738646" y="2859110"/>
-            <a:ext cx="9156879" cy="830997"/>
-          </a:xfrm>
-          <a:prstGeom prst="rect">
-            <a:avLst/>
-          </a:prstGeom>
-          <a:noFill/>
-        </p:spPr>
-        <p:txBody>
-          <a:bodyPr wrap="square" rtlCol="0">
-            <a:spAutoFit/>
-          </a:bodyPr>
-          <a:lstStyle/>
-          <a:p>
-            <a:pPr algn="ctr"/>
-            <a:r>
-              <a:rPr lang="en-US" sz="4800" dirty="0" smtClean="0"/>
-              <a:t>Thank you</a:t>
-            </a:r>
-            <a:endParaRPr lang="en-US" sz="4800" dirty="0"/>
-          </a:p>
-        </p:txBody>
-      </p:sp>
-    </p:spTree>
-    <p:extLst>
-      <p:ext uri="{BB962C8B-B14F-4D97-AF65-F5344CB8AC3E}">
-        <p14:creationId xmlns:p14="http://schemas.microsoft.com/office/powerpoint/2010/main" val="3747281335"/>
-      </p:ext>
-    </p:extLst>
-  </p:cSld>
-  <p:clrMapOvr>
-    <a:masterClrMapping/>
-  </p:clrMapOvr>
-  <p:timing>
-    <p:tnLst>
-      <p:par>
-        <p:cTn id="1" dur="indefinite" restart="never" nodeType="tmRoot"/>
-      </p:par>
-    </p:tnLst>
-  </p:timing>
-</p:sld>
-</file>
-
-<file path=ppt/slides/slide26.xml><?xml version="1.0" encoding="utf-8"?>
-<p:sld xmlns:a="http://schemas.openxmlformats.org/drawingml/2006/main" xmlns:r="http://schemas.openxmlformats.org/officeDocument/2006/relationships" xmlns:p="http://schemas.openxmlformats.org/presentationml/2006/main">
-  <p:cSld>
-    <p:spTree>
-      <p:nvGrpSpPr>
-        <p:cNvPr id="1" name=""/>
-        <p:cNvGrpSpPr/>
-        <p:nvPr/>
-      </p:nvGrpSpPr>
-      <p:grpSpPr>
-        <a:xfrm>
-          <a:off x="0" y="0"/>
-          <a:ext cx="0" cy="0"/>
-          <a:chOff x="0" y="0"/>
-          <a:chExt cx="0" cy="0"/>
-        </a:xfrm>
-      </p:grpSpPr>
-      <p:sp>
-        <p:nvSpPr>
-          <p:cNvPr id="2" name="TextBox 1"/>
-          <p:cNvSpPr txBox="1"/>
-          <p:nvPr/>
-        </p:nvSpPr>
-        <p:spPr>
-          <a:xfrm>
-            <a:off x="1738646" y="2859110"/>
-            <a:ext cx="9156879" cy="830997"/>
-          </a:xfrm>
-          <a:prstGeom prst="rect">
-            <a:avLst/>
-          </a:prstGeom>
-          <a:noFill/>
-        </p:spPr>
-        <p:txBody>
-          <a:bodyPr wrap="square" rtlCol="0">
-            <a:spAutoFit/>
-          </a:bodyPr>
-          <a:lstStyle/>
-          <a:p>
-            <a:pPr algn="ctr"/>
-            <a:r>
-              <a:rPr lang="en-US" sz="4800" dirty="0" smtClean="0"/>
-              <a:t>Questions ?</a:t>
-            </a:r>
-            <a:endParaRPr lang="en-US" sz="4800" dirty="0"/>
-          </a:p>
-        </p:txBody>
-      </p:sp>
-    </p:spTree>
-    <p:extLst>
-      <p:ext uri="{BB962C8B-B14F-4D97-AF65-F5344CB8AC3E}">
-        <p14:creationId xmlns:p14="http://schemas.microsoft.com/office/powerpoint/2010/main" val="3549306236"/>
-      </p:ext>
-    </p:extLst>
-  </p:cSld>
-  <p:clrMapOvr>
-    <a:masterClrMapping/>
-  </p:clrMapOvr>
   <p:timing>
     <p:tnLst>
       <p:par>
@@ -26014,13 +27772,13 @@
   <p:clrMapOvr>
     <a:masterClrMapping/>
   </p:clrMapOvr>
-  <mc:AlternateContent xmlns:mc="http://schemas.openxmlformats.org/markup-compatibility/2006">
-    <mc:Choice xmlns:p14="http://schemas.microsoft.com/office/powerpoint/2010/main" Requires="p14">
+  <mc:AlternateContent xmlns:mc="http://schemas.openxmlformats.org/markup-compatibility/2006" xmlns:p14="http://schemas.microsoft.com/office/powerpoint/2010/main">
+    <mc:Choice Requires="p14">
       <p:transition spd="slow" p14:dur="1600">
         <p14:prism isContent="1" isInverted="1"/>
       </p:transition>
     </mc:Choice>
-    <mc:Fallback>
+    <mc:Fallback xmlns="">
       <p:transition spd="slow">
         <p:fade/>
       </p:transition>
@@ -26115,7 +27873,2661 @@
 </p:sld>
 </file>
 
+<file path=ppt/slides/slide30.xml><?xml version="1.0" encoding="utf-8"?>
+<p:sld xmlns:a="http://schemas.openxmlformats.org/drawingml/2006/main" xmlns:r="http://schemas.openxmlformats.org/officeDocument/2006/relationships" xmlns:p="http://schemas.openxmlformats.org/presentationml/2006/main">
+  <p:cSld>
+    <p:spTree>
+      <p:nvGrpSpPr>
+        <p:cNvPr id="1" name=""/>
+        <p:cNvGrpSpPr/>
+        <p:nvPr/>
+      </p:nvGrpSpPr>
+      <p:grpSpPr>
+        <a:xfrm>
+          <a:off x="0" y="0"/>
+          <a:ext cx="0" cy="0"/>
+          <a:chOff x="0" y="0"/>
+          <a:chExt cx="0" cy="0"/>
+        </a:xfrm>
+      </p:grpSpPr>
+      <p:sp>
+        <p:nvSpPr>
+          <p:cNvPr id="2" name="Title 1"/>
+          <p:cNvSpPr>
+            <a:spLocks noGrp="1"/>
+          </p:cNvSpPr>
+          <p:nvPr>
+            <p:ph type="title"/>
+          </p:nvPr>
+        </p:nvSpPr>
+        <p:spPr/>
+        <p:txBody>
+          <a:bodyPr/>
+          <a:lstStyle/>
+          <a:p>
+            <a:pPr algn="ctr"/>
+            <a:r>
+              <a:rPr lang="en-US" dirty="0"/>
+              <a:t>A</a:t>
+            </a:r>
+            <a:r>
+              <a:rPr lang="en-US" dirty="0" smtClean="0"/>
+              <a:t>ction speaks louder than words</a:t>
+            </a:r>
+            <a:endParaRPr lang="en-US" dirty="0"/>
+          </a:p>
+        </p:txBody>
+      </p:sp>
+      <p:sp>
+        <p:nvSpPr>
+          <p:cNvPr id="3" name="Text Placeholder 2"/>
+          <p:cNvSpPr>
+            <a:spLocks noGrp="1"/>
+          </p:cNvSpPr>
+          <p:nvPr>
+            <p:ph type="body" sz="half" idx="13"/>
+          </p:nvPr>
+        </p:nvSpPr>
+        <p:spPr/>
+        <p:txBody>
+          <a:bodyPr/>
+          <a:lstStyle/>
+          <a:p>
+            <a:endParaRPr lang="en-US"/>
+          </a:p>
+        </p:txBody>
+      </p:sp>
+      <p:sp>
+        <p:nvSpPr>
+          <p:cNvPr id="4" name="Text Placeholder 3"/>
+          <p:cNvSpPr>
+            <a:spLocks noGrp="1"/>
+          </p:cNvSpPr>
+          <p:nvPr>
+            <p:ph type="body" sz="half" idx="2"/>
+          </p:nvPr>
+        </p:nvSpPr>
+        <p:spPr/>
+        <p:txBody>
+          <a:bodyPr>
+            <a:normAutofit/>
+          </a:bodyPr>
+          <a:lstStyle/>
+          <a:p>
+            <a:pPr algn="ctr"/>
+            <a:r>
+              <a:rPr lang="en-US" sz="3600" b="1" dirty="0" smtClean="0"/>
+              <a:t>Enough talk!</a:t>
+            </a:r>
+            <a:endParaRPr lang="en-US" sz="3600" b="1" dirty="0"/>
+          </a:p>
+        </p:txBody>
+      </p:sp>
+    </p:spTree>
+    <p:extLst>
+      <p:ext uri="{BB962C8B-B14F-4D97-AF65-F5344CB8AC3E}">
+        <p14:creationId xmlns:p14="http://schemas.microsoft.com/office/powerpoint/2010/main" val="2269273233"/>
+      </p:ext>
+    </p:extLst>
+  </p:cSld>
+  <p:clrMapOvr>
+    <a:masterClrMapping/>
+  </p:clrMapOvr>
+  <p:transition spd="slow">
+    <p:push dir="u"/>
+  </p:transition>
+  <p:timing>
+    <p:tnLst>
+      <p:par>
+        <p:cTn id="1" dur="indefinite" restart="never" nodeType="tmRoot"/>
+      </p:par>
+    </p:tnLst>
+  </p:timing>
+</p:sld>
+</file>
+
+<file path=ppt/slides/slide31.xml><?xml version="1.0" encoding="utf-8"?>
+<p:sld xmlns:a="http://schemas.openxmlformats.org/drawingml/2006/main" xmlns:r="http://schemas.openxmlformats.org/officeDocument/2006/relationships" xmlns:p="http://schemas.openxmlformats.org/presentationml/2006/main">
+  <p:cSld>
+    <p:spTree>
+      <p:nvGrpSpPr>
+        <p:cNvPr id="1" name=""/>
+        <p:cNvGrpSpPr/>
+        <p:nvPr/>
+      </p:nvGrpSpPr>
+      <p:grpSpPr>
+        <a:xfrm>
+          <a:off x="0" y="0"/>
+          <a:ext cx="0" cy="0"/>
+          <a:chOff x="0" y="0"/>
+          <a:chExt cx="0" cy="0"/>
+        </a:xfrm>
+      </p:grpSpPr>
+      <p:sp>
+        <p:nvSpPr>
+          <p:cNvPr id="2" name="Title 1"/>
+          <p:cNvSpPr>
+            <a:spLocks noGrp="1"/>
+          </p:cNvSpPr>
+          <p:nvPr>
+            <p:ph type="title"/>
+          </p:nvPr>
+        </p:nvSpPr>
+        <p:spPr/>
+        <p:txBody>
+          <a:bodyPr/>
+          <a:lstStyle/>
+          <a:p>
+            <a:r>
+              <a:rPr lang="en-US" dirty="0" smtClean="0"/>
+              <a:t>Let’s see some </a:t>
+            </a:r>
+            <a:r>
+              <a:rPr lang="en-US" dirty="0" smtClean="0"/>
+              <a:t>demos</a:t>
+            </a:r>
+            <a:endParaRPr lang="en-US" dirty="0"/>
+          </a:p>
+        </p:txBody>
+      </p:sp>
+      <p:sp>
+        <p:nvSpPr>
+          <p:cNvPr id="3" name="Text Placeholder 2"/>
+          <p:cNvSpPr>
+            <a:spLocks noGrp="1"/>
+          </p:cNvSpPr>
+          <p:nvPr>
+            <p:ph type="body" sz="half" idx="13"/>
+          </p:nvPr>
+        </p:nvSpPr>
+        <p:spPr/>
+        <p:txBody>
+          <a:bodyPr/>
+          <a:lstStyle/>
+          <a:p>
+            <a:endParaRPr lang="en-US"/>
+          </a:p>
+        </p:txBody>
+      </p:sp>
+      <p:sp>
+        <p:nvSpPr>
+          <p:cNvPr id="4" name="Text Placeholder 3"/>
+          <p:cNvSpPr>
+            <a:spLocks noGrp="1"/>
+          </p:cNvSpPr>
+          <p:nvPr>
+            <p:ph type="body" sz="half" idx="2"/>
+          </p:nvPr>
+        </p:nvSpPr>
+        <p:spPr/>
+        <p:txBody>
+          <a:bodyPr/>
+          <a:lstStyle/>
+          <a:p>
+            <a:endParaRPr lang="en-US"/>
+          </a:p>
+        </p:txBody>
+      </p:sp>
+    </p:spTree>
+    <p:extLst>
+      <p:ext uri="{BB962C8B-B14F-4D97-AF65-F5344CB8AC3E}">
+        <p14:creationId xmlns:p14="http://schemas.microsoft.com/office/powerpoint/2010/main" val="2167043982"/>
+      </p:ext>
+    </p:extLst>
+  </p:cSld>
+  <p:clrMapOvr>
+    <a:masterClrMapping/>
+  </p:clrMapOvr>
+  <mc:AlternateContent xmlns:mc="http://schemas.openxmlformats.org/markup-compatibility/2006">
+    <mc:Choice xmlns:p14="http://schemas.microsoft.com/office/powerpoint/2010/main" Requires="p14">
+      <p:transition spd="slow" p14:dur="2000">
+        <p14:ferris dir="l"/>
+      </p:transition>
+    </mc:Choice>
+    <mc:Fallback>
+      <p:transition spd="slow">
+        <p:fade/>
+      </p:transition>
+    </mc:Fallback>
+  </mc:AlternateContent>
+  <p:timing>
+    <p:tnLst>
+      <p:par>
+        <p:cTn id="1" dur="indefinite" restart="never" nodeType="tmRoot"/>
+      </p:par>
+    </p:tnLst>
+  </p:timing>
+</p:sld>
+</file>
+
+<file path=ppt/slides/slide32.xml><?xml version="1.0" encoding="utf-8"?>
+<p:sld xmlns:a="http://schemas.openxmlformats.org/drawingml/2006/main" xmlns:r="http://schemas.openxmlformats.org/officeDocument/2006/relationships" xmlns:p="http://schemas.openxmlformats.org/presentationml/2006/main">
+  <p:cSld>
+    <p:spTree>
+      <p:nvGrpSpPr>
+        <p:cNvPr id="1" name=""/>
+        <p:cNvGrpSpPr/>
+        <p:nvPr/>
+      </p:nvGrpSpPr>
+      <p:grpSpPr>
+        <a:xfrm>
+          <a:off x="0" y="0"/>
+          <a:ext cx="0" cy="0"/>
+          <a:chOff x="0" y="0"/>
+          <a:chExt cx="0" cy="0"/>
+        </a:xfrm>
+      </p:grpSpPr>
+      <p:sp>
+        <p:nvSpPr>
+          <p:cNvPr id="2" name="Title 1"/>
+          <p:cNvSpPr>
+            <a:spLocks noGrp="1"/>
+          </p:cNvSpPr>
+          <p:nvPr>
+            <p:ph type="title"/>
+          </p:nvPr>
+        </p:nvSpPr>
+        <p:spPr/>
+        <p:txBody>
+          <a:bodyPr/>
+          <a:lstStyle/>
+          <a:p>
+            <a:r>
+              <a:rPr lang="en-US" dirty="0" smtClean="0"/>
+              <a:t>We did a lot of optimization in Db as well as writing your own code.</a:t>
+            </a:r>
+            <a:endParaRPr lang="en-US" dirty="0"/>
+          </a:p>
+        </p:txBody>
+      </p:sp>
+      <p:sp>
+        <p:nvSpPr>
+          <p:cNvPr id="3" name="Text Placeholder 2"/>
+          <p:cNvSpPr>
+            <a:spLocks noGrp="1"/>
+          </p:cNvSpPr>
+          <p:nvPr>
+            <p:ph type="body" sz="half" idx="13"/>
+          </p:nvPr>
+        </p:nvSpPr>
+        <p:spPr/>
+        <p:txBody>
+          <a:bodyPr/>
+          <a:lstStyle/>
+          <a:p>
+            <a:endParaRPr lang="en-US"/>
+          </a:p>
+        </p:txBody>
+      </p:sp>
+      <p:sp>
+        <p:nvSpPr>
+          <p:cNvPr id="4" name="Text Placeholder 3"/>
+          <p:cNvSpPr>
+            <a:spLocks noGrp="1"/>
+          </p:cNvSpPr>
+          <p:nvPr>
+            <p:ph type="body" sz="half" idx="2"/>
+          </p:nvPr>
+        </p:nvSpPr>
+        <p:spPr/>
+        <p:txBody>
+          <a:bodyPr/>
+          <a:lstStyle/>
+          <a:p>
+            <a:endParaRPr lang="en-US"/>
+          </a:p>
+        </p:txBody>
+      </p:sp>
+    </p:spTree>
+    <p:extLst>
+      <p:ext uri="{BB962C8B-B14F-4D97-AF65-F5344CB8AC3E}">
+        <p14:creationId xmlns:p14="http://schemas.microsoft.com/office/powerpoint/2010/main" val="1099627861"/>
+      </p:ext>
+    </p:extLst>
+  </p:cSld>
+  <p:clrMapOvr>
+    <a:masterClrMapping/>
+  </p:clrMapOvr>
+  <p:transition spd="slow">
+    <p:push dir="u"/>
+  </p:transition>
+  <p:timing>
+    <p:tnLst>
+      <p:par>
+        <p:cTn id="1" dur="indefinite" restart="never" nodeType="tmRoot"/>
+      </p:par>
+    </p:tnLst>
+  </p:timing>
+</p:sld>
+</file>
+
+<file path=ppt/slides/slide33.xml><?xml version="1.0" encoding="utf-8"?>
+<p:sld xmlns:a="http://schemas.openxmlformats.org/drawingml/2006/main" xmlns:r="http://schemas.openxmlformats.org/officeDocument/2006/relationships" xmlns:p="http://schemas.openxmlformats.org/presentationml/2006/main">
+  <p:cSld>
+    <p:spTree>
+      <p:nvGrpSpPr>
+        <p:cNvPr id="1" name=""/>
+        <p:cNvGrpSpPr/>
+        <p:nvPr/>
+      </p:nvGrpSpPr>
+      <p:grpSpPr>
+        <a:xfrm>
+          <a:off x="0" y="0"/>
+          <a:ext cx="0" cy="0"/>
+          <a:chOff x="0" y="0"/>
+          <a:chExt cx="0" cy="0"/>
+        </a:xfrm>
+      </p:grpSpPr>
+      <p:sp>
+        <p:nvSpPr>
+          <p:cNvPr id="2" name="Title 1"/>
+          <p:cNvSpPr>
+            <a:spLocks noGrp="1"/>
+          </p:cNvSpPr>
+          <p:nvPr>
+            <p:ph type="title"/>
+          </p:nvPr>
+        </p:nvSpPr>
+        <p:spPr/>
+        <p:txBody>
+          <a:bodyPr/>
+          <a:lstStyle/>
+          <a:p>
+            <a:r>
+              <a:rPr lang="en-US" dirty="0" smtClean="0"/>
+              <a:t>Our Return </a:t>
+            </a:r>
+            <a:r>
+              <a:rPr lang="en-US" dirty="0"/>
+              <a:t>on Investment</a:t>
+            </a:r>
+          </a:p>
+        </p:txBody>
+      </p:sp>
+      <p:sp>
+        <p:nvSpPr>
+          <p:cNvPr id="3" name="Text Placeholder 2"/>
+          <p:cNvSpPr>
+            <a:spLocks noGrp="1"/>
+          </p:cNvSpPr>
+          <p:nvPr>
+            <p:ph type="body" sz="half" idx="2"/>
+          </p:nvPr>
+        </p:nvSpPr>
+        <p:spPr/>
+        <p:txBody>
+          <a:bodyPr anchor="t"/>
+          <a:lstStyle/>
+          <a:p>
+            <a:pPr marL="342900" indent="-342900">
+              <a:buFont typeface="+mj-lt"/>
+              <a:buAutoNum type="arabicPeriod"/>
+            </a:pPr>
+            <a:r>
+              <a:rPr lang="en-US" dirty="0" smtClean="0"/>
+              <a:t>Our main concept of ROI is </a:t>
+            </a:r>
+            <a:r>
+              <a:rPr lang="en-US" b="1" u="sng" dirty="0" smtClean="0"/>
+              <a:t>donation</a:t>
+            </a:r>
+            <a:r>
+              <a:rPr lang="en-US" dirty="0" smtClean="0"/>
+              <a:t>.</a:t>
+            </a:r>
+          </a:p>
+          <a:p>
+            <a:pPr marL="342900" indent="-342900">
+              <a:buFont typeface="+mj-lt"/>
+              <a:buAutoNum type="arabicPeriod"/>
+            </a:pPr>
+            <a:r>
+              <a:rPr lang="en-US" dirty="0" smtClean="0"/>
+              <a:t>It’s an </a:t>
+            </a:r>
+            <a:r>
+              <a:rPr lang="en-US" b="1" u="sng" dirty="0" smtClean="0"/>
+              <a:t>open source</a:t>
+            </a:r>
+            <a:r>
+              <a:rPr lang="en-US" dirty="0" smtClean="0"/>
+              <a:t> system you can download and use it from </a:t>
+            </a:r>
+            <a:r>
+              <a:rPr lang="en-US" dirty="0" err="1" smtClean="0"/>
+              <a:t>github</a:t>
+            </a:r>
+            <a:r>
+              <a:rPr lang="en-US" dirty="0" smtClean="0"/>
+              <a:t>.</a:t>
+            </a:r>
+          </a:p>
+          <a:p>
+            <a:pPr marL="342900" indent="-342900">
+              <a:buFont typeface="+mj-lt"/>
+              <a:buAutoNum type="arabicPeriod"/>
+            </a:pPr>
+            <a:r>
+              <a:rPr lang="en-US" dirty="0" smtClean="0"/>
+              <a:t>Maybe in </a:t>
+            </a:r>
+            <a:r>
+              <a:rPr lang="en-US" b="1" u="sng" dirty="0" smtClean="0"/>
+              <a:t>future</a:t>
+            </a:r>
+            <a:r>
+              <a:rPr lang="en-US" dirty="0" smtClean="0"/>
+              <a:t> we will include </a:t>
+            </a:r>
+            <a:r>
+              <a:rPr lang="en-US" b="1" u="sng" dirty="0" smtClean="0"/>
+              <a:t>advertisement concept.</a:t>
+            </a:r>
+            <a:endParaRPr lang="en-US" b="1" u="sng" dirty="0"/>
+          </a:p>
+        </p:txBody>
+      </p:sp>
+    </p:spTree>
+    <p:extLst>
+      <p:ext uri="{BB962C8B-B14F-4D97-AF65-F5344CB8AC3E}">
+        <p14:creationId xmlns:p14="http://schemas.microsoft.com/office/powerpoint/2010/main" val="3039302811"/>
+      </p:ext>
+    </p:extLst>
+  </p:cSld>
+  <p:clrMapOvr>
+    <a:masterClrMapping/>
+  </p:clrMapOvr>
+  <p:transition spd="slow">
+    <p:wipe/>
+  </p:transition>
+  <p:timing>
+    <p:tnLst>
+      <p:par>
+        <p:cTn id="1" dur="indefinite" restart="never" nodeType="tmRoot"/>
+      </p:par>
+    </p:tnLst>
+  </p:timing>
+</p:sld>
+</file>
+
+<file path=ppt/slides/slide34.xml><?xml version="1.0" encoding="utf-8"?>
+<p:sld xmlns:a="http://schemas.openxmlformats.org/drawingml/2006/main" xmlns:r="http://schemas.openxmlformats.org/officeDocument/2006/relationships" xmlns:p="http://schemas.openxmlformats.org/presentationml/2006/main">
+  <p:cSld>
+    <p:spTree>
+      <p:nvGrpSpPr>
+        <p:cNvPr id="1" name=""/>
+        <p:cNvGrpSpPr/>
+        <p:nvPr/>
+      </p:nvGrpSpPr>
+      <p:grpSpPr>
+        <a:xfrm>
+          <a:off x="0" y="0"/>
+          <a:ext cx="0" cy="0"/>
+          <a:chOff x="0" y="0"/>
+          <a:chExt cx="0" cy="0"/>
+        </a:xfrm>
+      </p:grpSpPr>
+      <p:sp>
+        <p:nvSpPr>
+          <p:cNvPr id="2" name="TextBox 1"/>
+          <p:cNvSpPr txBox="1"/>
+          <p:nvPr/>
+        </p:nvSpPr>
+        <p:spPr>
+          <a:xfrm>
+            <a:off x="1738646" y="2859110"/>
+            <a:ext cx="9156879" cy="830997"/>
+          </a:xfrm>
+          <a:prstGeom prst="rect">
+            <a:avLst/>
+          </a:prstGeom>
+          <a:noFill/>
+        </p:spPr>
+        <p:txBody>
+          <a:bodyPr wrap="square" rtlCol="0">
+            <a:spAutoFit/>
+          </a:bodyPr>
+          <a:lstStyle/>
+          <a:p>
+            <a:pPr algn="ctr"/>
+            <a:r>
+              <a:rPr lang="en-US" sz="4800" dirty="0" smtClean="0"/>
+              <a:t>Thank you</a:t>
+            </a:r>
+            <a:endParaRPr lang="en-US" sz="4800" dirty="0"/>
+          </a:p>
+        </p:txBody>
+      </p:sp>
+    </p:spTree>
+    <p:extLst>
+      <p:ext uri="{BB962C8B-B14F-4D97-AF65-F5344CB8AC3E}">
+        <p14:creationId xmlns:p14="http://schemas.microsoft.com/office/powerpoint/2010/main" val="3747281335"/>
+      </p:ext>
+    </p:extLst>
+  </p:cSld>
+  <p:clrMapOvr>
+    <a:masterClrMapping/>
+  </p:clrMapOvr>
+  <p:timing>
+    <p:tnLst>
+      <p:par>
+        <p:cTn id="1" dur="indefinite" restart="never" nodeType="tmRoot"/>
+      </p:par>
+    </p:tnLst>
+  </p:timing>
+</p:sld>
+</file>
+
+<file path=ppt/slides/slide35.xml><?xml version="1.0" encoding="utf-8"?>
+<p:sld xmlns:a="http://schemas.openxmlformats.org/drawingml/2006/main" xmlns:r="http://schemas.openxmlformats.org/officeDocument/2006/relationships" xmlns:p="http://schemas.openxmlformats.org/presentationml/2006/main">
+  <p:cSld>
+    <p:spTree>
+      <p:nvGrpSpPr>
+        <p:cNvPr id="1" name=""/>
+        <p:cNvGrpSpPr/>
+        <p:nvPr/>
+      </p:nvGrpSpPr>
+      <p:grpSpPr>
+        <a:xfrm>
+          <a:off x="0" y="0"/>
+          <a:ext cx="0" cy="0"/>
+          <a:chOff x="0" y="0"/>
+          <a:chExt cx="0" cy="0"/>
+        </a:xfrm>
+      </p:grpSpPr>
+      <p:sp>
+        <p:nvSpPr>
+          <p:cNvPr id="2" name="TextBox 1"/>
+          <p:cNvSpPr txBox="1"/>
+          <p:nvPr/>
+        </p:nvSpPr>
+        <p:spPr>
+          <a:xfrm>
+            <a:off x="1738646" y="2859110"/>
+            <a:ext cx="9156879" cy="830997"/>
+          </a:xfrm>
+          <a:prstGeom prst="rect">
+            <a:avLst/>
+          </a:prstGeom>
+          <a:noFill/>
+        </p:spPr>
+        <p:txBody>
+          <a:bodyPr wrap="square" rtlCol="0">
+            <a:spAutoFit/>
+          </a:bodyPr>
+          <a:lstStyle/>
+          <a:p>
+            <a:pPr algn="ctr"/>
+            <a:r>
+              <a:rPr lang="en-US" sz="4800" dirty="0" smtClean="0"/>
+              <a:t>Questions </a:t>
+            </a:r>
+            <a:r>
+              <a:rPr lang="en-US" sz="4800" dirty="0" smtClean="0">
+                <a:latin typeface="Calibri" panose="020F0502020204030204" pitchFamily="34" charset="0"/>
+              </a:rPr>
+              <a:t>?</a:t>
+            </a:r>
+            <a:endParaRPr lang="en-US" sz="4800" dirty="0">
+              <a:latin typeface="Calibri" panose="020F0502020204030204" pitchFamily="34" charset="0"/>
+            </a:endParaRPr>
+          </a:p>
+        </p:txBody>
+      </p:sp>
+    </p:spTree>
+    <p:extLst>
+      <p:ext uri="{BB962C8B-B14F-4D97-AF65-F5344CB8AC3E}">
+        <p14:creationId xmlns:p14="http://schemas.microsoft.com/office/powerpoint/2010/main" val="3549306236"/>
+      </p:ext>
+    </p:extLst>
+  </p:cSld>
+  <p:clrMapOvr>
+    <a:masterClrMapping/>
+  </p:clrMapOvr>
+  <p:timing>
+    <p:tnLst>
+      <p:par>
+        <p:cTn id="1" dur="indefinite" restart="never" nodeType="tmRoot"/>
+      </p:par>
+    </p:tnLst>
+  </p:timing>
+</p:sld>
+</file>
+
 <file path=ppt/slides/slide4.xml><?xml version="1.0" encoding="utf-8"?>
+<p:sld xmlns:a="http://schemas.openxmlformats.org/drawingml/2006/main" xmlns:r="http://schemas.openxmlformats.org/officeDocument/2006/relationships" xmlns:p="http://schemas.openxmlformats.org/presentationml/2006/main">
+  <p:cSld>
+    <p:spTree>
+      <p:nvGrpSpPr>
+        <p:cNvPr id="1" name=""/>
+        <p:cNvGrpSpPr/>
+        <p:nvPr/>
+      </p:nvGrpSpPr>
+      <p:grpSpPr>
+        <a:xfrm>
+          <a:off x="0" y="0"/>
+          <a:ext cx="0" cy="0"/>
+          <a:chOff x="0" y="0"/>
+          <a:chExt cx="0" cy="0"/>
+        </a:xfrm>
+      </p:grpSpPr>
+      <p:cxnSp>
+        <p:nvCxnSpPr>
+          <p:cNvPr id="3" name="Straight Connector 2"/>
+          <p:cNvCxnSpPr/>
+          <p:nvPr/>
+        </p:nvCxnSpPr>
+        <p:spPr>
+          <a:xfrm>
+            <a:off x="2043831" y="1077238"/>
+            <a:ext cx="8079287" cy="0"/>
+          </a:xfrm>
+          <a:prstGeom prst="line">
+            <a:avLst/>
+          </a:prstGeom>
+        </p:spPr>
+        <p:style>
+          <a:lnRef idx="2">
+            <a:schemeClr val="accent5"/>
+          </a:lnRef>
+          <a:fillRef idx="0">
+            <a:schemeClr val="accent5"/>
+          </a:fillRef>
+          <a:effectRef idx="1">
+            <a:schemeClr val="accent5"/>
+          </a:effectRef>
+          <a:fontRef idx="minor">
+            <a:schemeClr val="tx1"/>
+          </a:fontRef>
+        </p:style>
+      </p:cxnSp>
+      <p:sp>
+        <p:nvSpPr>
+          <p:cNvPr id="5" name="TextBox 4"/>
+          <p:cNvSpPr txBox="1"/>
+          <p:nvPr/>
+        </p:nvSpPr>
+        <p:spPr>
+          <a:xfrm>
+            <a:off x="3300566" y="580260"/>
+            <a:ext cx="5329830" cy="584775"/>
+          </a:xfrm>
+          <a:prstGeom prst="rect">
+            <a:avLst/>
+          </a:prstGeom>
+          <a:noFill/>
+        </p:spPr>
+        <p:txBody>
+          <a:bodyPr wrap="square" rtlCol="0">
+            <a:spAutoFit/>
+          </a:bodyPr>
+          <a:lstStyle/>
+          <a:p>
+            <a:pPr algn="ctr"/>
+            <a:r>
+              <a:rPr lang="en-US" sz="3200" dirty="0">
+                <a:ln w="19050" cmpd="sng">
+                  <a:solidFill>
+                    <a:srgbClr val="FFFFFF"/>
+                  </a:solidFill>
+                  <a:prstDash val="solid"/>
+                </a:ln>
+                <a:effectLst>
+                  <a:reflection blurRad="6350" stA="50000" endA="300" endPos="50000" dist="60007" dir="5400000" sy="-100000" algn="bl" rotWithShape="0"/>
+                </a:effectLst>
+              </a:rPr>
+              <a:t>3-Tier Architecture </a:t>
+            </a:r>
+            <a:endParaRPr lang="en-US" sz="3200" dirty="0">
+              <a:ln w="19050" cmpd="sng">
+                <a:solidFill>
+                  <a:srgbClr val="FFFFFF"/>
+                </a:solidFill>
+                <a:prstDash val="solid"/>
+              </a:ln>
+              <a:effectLst>
+                <a:reflection blurRad="6350" stA="50000" endA="300" endPos="50000" dist="60007" dir="5400000" sy="-100000" algn="bl" rotWithShape="0"/>
+              </a:effectLst>
+            </a:endParaRPr>
+          </a:p>
+        </p:txBody>
+      </p:sp>
+      <p:sp>
+        <p:nvSpPr>
+          <p:cNvPr id="12" name="TextBox 11"/>
+          <p:cNvSpPr txBox="1"/>
+          <p:nvPr/>
+        </p:nvSpPr>
+        <p:spPr>
+          <a:xfrm>
+            <a:off x="2184790" y="3294927"/>
+            <a:ext cx="2257775" cy="523220"/>
+          </a:xfrm>
+          <a:prstGeom prst="rect">
+            <a:avLst/>
+          </a:prstGeom>
+          <a:noFill/>
+        </p:spPr>
+        <p:txBody>
+          <a:bodyPr wrap="square" rtlCol="0">
+            <a:spAutoFit/>
+          </a:bodyPr>
+          <a:lstStyle/>
+          <a:p>
+            <a:pPr algn="ctr"/>
+            <a:endParaRPr lang="en-US" sz="2800" dirty="0"/>
+          </a:p>
+        </p:txBody>
+      </p:sp>
+      <p:grpSp>
+        <p:nvGrpSpPr>
+          <p:cNvPr id="26" name="Group 25"/>
+          <p:cNvGrpSpPr/>
+          <p:nvPr/>
+        </p:nvGrpSpPr>
+        <p:grpSpPr>
+          <a:xfrm>
+            <a:off x="2169090" y="1422286"/>
+            <a:ext cx="7680960" cy="3749040"/>
+            <a:chOff x="645090" y="1422286"/>
+            <a:chExt cx="7680960" cy="3749040"/>
+          </a:xfrm>
+        </p:grpSpPr>
+        <p:sp>
+          <p:nvSpPr>
+            <p:cNvPr id="2" name="Rounded Rectangle 1"/>
+            <p:cNvSpPr>
+              <a:spLocks/>
+            </p:cNvSpPr>
+            <p:nvPr/>
+          </p:nvSpPr>
+          <p:spPr>
+            <a:xfrm>
+              <a:off x="645090" y="1422286"/>
+              <a:ext cx="7680960" cy="3749040"/>
+            </a:xfrm>
+            <a:prstGeom prst="roundRect">
+              <a:avLst/>
+            </a:prstGeom>
+            <a:solidFill>
+              <a:schemeClr val="bg1">
+                <a:alpha val="32000"/>
+              </a:schemeClr>
+            </a:solidFill>
+            <a:ln w="25400" cap="flat">
+              <a:solidFill>
+                <a:schemeClr val="bg1"/>
+              </a:solidFill>
+            </a:ln>
+          </p:spPr>
+          <p:style>
+            <a:lnRef idx="2">
+              <a:schemeClr val="accent1">
+                <a:shade val="50000"/>
+              </a:schemeClr>
+            </a:lnRef>
+            <a:fillRef idx="1">
+              <a:schemeClr val="accent1"/>
+            </a:fillRef>
+            <a:effectRef idx="0">
+              <a:schemeClr val="accent1"/>
+            </a:effectRef>
+            <a:fontRef idx="minor">
+              <a:schemeClr val="lt1"/>
+            </a:fontRef>
+          </p:style>
+          <p:txBody>
+            <a:bodyPr lIns="91440" tIns="91440" rIns="91440" bIns="91440" rtlCol="0" anchor="ctr"/>
+            <a:lstStyle/>
+            <a:p>
+              <a:pPr algn="ctr"/>
+              <a:endParaRPr lang="en-US" dirty="0"/>
+            </a:p>
+          </p:txBody>
+        </p:sp>
+        <p:cxnSp>
+          <p:nvCxnSpPr>
+            <p:cNvPr id="9" name="Straight Connector 8"/>
+            <p:cNvCxnSpPr/>
+            <p:nvPr/>
+          </p:nvCxnSpPr>
+          <p:spPr>
+            <a:xfrm>
+              <a:off x="3014257" y="1422286"/>
+              <a:ext cx="0" cy="3749040"/>
+            </a:xfrm>
+            <a:prstGeom prst="line">
+              <a:avLst/>
+            </a:prstGeom>
+          </p:spPr>
+          <p:style>
+            <a:lnRef idx="1">
+              <a:schemeClr val="accent4"/>
+            </a:lnRef>
+            <a:fillRef idx="0">
+              <a:schemeClr val="accent4"/>
+            </a:fillRef>
+            <a:effectRef idx="0">
+              <a:schemeClr val="accent4"/>
+            </a:effectRef>
+            <a:fontRef idx="minor">
+              <a:schemeClr val="tx1"/>
+            </a:fontRef>
+          </p:style>
+        </p:cxnSp>
+        <p:cxnSp>
+          <p:nvCxnSpPr>
+            <p:cNvPr id="13" name="Straight Connector 12"/>
+            <p:cNvCxnSpPr/>
+            <p:nvPr/>
+          </p:nvCxnSpPr>
+          <p:spPr>
+            <a:xfrm>
+              <a:off x="5526066" y="1422286"/>
+              <a:ext cx="0" cy="3749040"/>
+            </a:xfrm>
+            <a:prstGeom prst="line">
+              <a:avLst/>
+            </a:prstGeom>
+          </p:spPr>
+          <p:style>
+            <a:lnRef idx="1">
+              <a:schemeClr val="accent4"/>
+            </a:lnRef>
+            <a:fillRef idx="0">
+              <a:schemeClr val="accent4"/>
+            </a:fillRef>
+            <a:effectRef idx="0">
+              <a:schemeClr val="accent4"/>
+            </a:effectRef>
+            <a:fontRef idx="minor">
+              <a:schemeClr val="tx1"/>
+            </a:fontRef>
+          </p:style>
+        </p:cxnSp>
+        <p:cxnSp>
+          <p:nvCxnSpPr>
+            <p:cNvPr id="14" name="Straight Connector 13"/>
+            <p:cNvCxnSpPr/>
+            <p:nvPr/>
+          </p:nvCxnSpPr>
+          <p:spPr>
+            <a:xfrm flipH="1">
+              <a:off x="660790" y="4726861"/>
+              <a:ext cx="7665260" cy="0"/>
+            </a:xfrm>
+            <a:prstGeom prst="line">
+              <a:avLst/>
+            </a:prstGeom>
+          </p:spPr>
+          <p:style>
+            <a:lnRef idx="1">
+              <a:schemeClr val="accent4"/>
+            </a:lnRef>
+            <a:fillRef idx="0">
+              <a:schemeClr val="accent4"/>
+            </a:fillRef>
+            <a:effectRef idx="0">
+              <a:schemeClr val="accent4"/>
+            </a:effectRef>
+            <a:fontRef idx="minor">
+              <a:schemeClr val="tx1"/>
+            </a:fontRef>
+          </p:style>
+        </p:cxnSp>
+        <p:sp>
+          <p:nvSpPr>
+            <p:cNvPr id="25" name="TextBox 24"/>
+            <p:cNvSpPr txBox="1"/>
+            <p:nvPr/>
+          </p:nvSpPr>
+          <p:spPr>
+            <a:xfrm>
+              <a:off x="5741583" y="4829942"/>
+              <a:ext cx="2528256" cy="276999"/>
+            </a:xfrm>
+            <a:prstGeom prst="rect">
+              <a:avLst/>
+            </a:prstGeom>
+            <a:noFill/>
+          </p:spPr>
+          <p:txBody>
+            <a:bodyPr wrap="none" rtlCol="0">
+              <a:spAutoFit/>
+            </a:bodyPr>
+            <a:lstStyle/>
+            <a:p>
+              <a:r>
+                <a:rPr lang="en-US" sz="1200" dirty="0"/>
+                <a:t>Database Tier/Database Server</a:t>
+              </a:r>
+              <a:endParaRPr lang="en-US" sz="1200" dirty="0"/>
+            </a:p>
+          </p:txBody>
+        </p:sp>
+        <p:sp>
+          <p:nvSpPr>
+            <p:cNvPr id="27" name="TextBox 26"/>
+            <p:cNvSpPr txBox="1"/>
+            <p:nvPr/>
+          </p:nvSpPr>
+          <p:spPr>
+            <a:xfrm>
+              <a:off x="3202051" y="4829940"/>
+              <a:ext cx="2414444" cy="276999"/>
+            </a:xfrm>
+            <a:prstGeom prst="rect">
+              <a:avLst/>
+            </a:prstGeom>
+            <a:noFill/>
+          </p:spPr>
+          <p:txBody>
+            <a:bodyPr wrap="none" rtlCol="0">
+              <a:spAutoFit/>
+            </a:bodyPr>
+            <a:lstStyle/>
+            <a:p>
+              <a:r>
+                <a:rPr lang="en-US" sz="1200" dirty="0"/>
+                <a:t>Middle Tier/Application Server</a:t>
+              </a:r>
+              <a:endParaRPr lang="en-US" sz="1200" dirty="0"/>
+            </a:p>
+          </p:txBody>
+        </p:sp>
+        <p:sp>
+          <p:nvSpPr>
+            <p:cNvPr id="28" name="TextBox 27"/>
+            <p:cNvSpPr txBox="1"/>
+            <p:nvPr/>
+          </p:nvSpPr>
+          <p:spPr>
+            <a:xfrm>
+              <a:off x="1005543" y="4829942"/>
+              <a:ext cx="2111475" cy="276999"/>
+            </a:xfrm>
+            <a:prstGeom prst="rect">
+              <a:avLst/>
+            </a:prstGeom>
+            <a:noFill/>
+          </p:spPr>
+          <p:txBody>
+            <a:bodyPr wrap="none" rtlCol="0">
+              <a:spAutoFit/>
+            </a:bodyPr>
+            <a:lstStyle/>
+            <a:p>
+              <a:r>
+                <a:rPr lang="en-US" sz="1200" dirty="0"/>
+                <a:t>Client Tier/Client Machine</a:t>
+              </a:r>
+              <a:endParaRPr lang="en-US" sz="1200" dirty="0"/>
+            </a:p>
+          </p:txBody>
+        </p:sp>
+      </p:grpSp>
+      <p:pic>
+        <p:nvPicPr>
+          <p:cNvPr id="31" name="Picture 2" descr="C:\Users\Alim\Downloads\database.png"/>
+          <p:cNvPicPr>
+            <a:picLocks noChangeAspect="1" noChangeArrowheads="1"/>
+          </p:cNvPicPr>
+          <p:nvPr/>
+        </p:nvPicPr>
+        <p:blipFill>
+          <a:blip r:embed="rId3">
+            <a:extLst>
+              <a:ext uri="{BEBA8EAE-BF5A-486C-A8C5-ECC9F3942E4B}">
+                <a14:imgProps xmlns:a14="http://schemas.microsoft.com/office/drawing/2010/main">
+                  <a14:imgLayer r:embed="rId4">
+                    <a14:imgEffect>
+                      <a14:sharpenSoften amount="6000"/>
+                    </a14:imgEffect>
+                    <a14:imgEffect>
+                      <a14:colorTemperature colorTemp="11500"/>
+                    </a14:imgEffect>
+                    <a14:imgEffect>
+                      <a14:saturation sat="400000"/>
+                    </a14:imgEffect>
+                  </a14:imgLayer>
+                </a14:imgProps>
+              </a:ext>
+              <a:ext uri="{28A0092B-C50C-407E-A947-70E740481C1C}">
+                <a14:useLocalDpi xmlns:a14="http://schemas.microsoft.com/office/drawing/2010/main" val="0"/>
+              </a:ext>
+            </a:extLst>
+          </a:blip>
+          <a:srcRect/>
+          <a:stretch>
+            <a:fillRect/>
+          </a:stretch>
+        </p:blipFill>
+        <p:spPr bwMode="auto">
+          <a:xfrm>
+            <a:off x="8094383" y="2008908"/>
+            <a:ext cx="1871868" cy="1871868"/>
+          </a:xfrm>
+          <a:prstGeom prst="rect">
+            <a:avLst/>
+          </a:prstGeom>
+          <a:noFill/>
+          <a:effectLst/>
+          <a:extLst>
+            <a:ext uri="{909E8E84-426E-40DD-AFC4-6F175D3DCCD1}">
+              <a14:hiddenFill xmlns:a14="http://schemas.microsoft.com/office/drawing/2010/main">
+                <a:solidFill>
+                  <a:srgbClr val="FFFFFF"/>
+                </a:solidFill>
+              </a14:hiddenFill>
+            </a:ext>
+          </a:extLst>
+        </p:spPr>
+      </p:pic>
+      <p:grpSp>
+        <p:nvGrpSpPr>
+          <p:cNvPr id="7172" name="Group 7171"/>
+          <p:cNvGrpSpPr/>
+          <p:nvPr/>
+        </p:nvGrpSpPr>
+        <p:grpSpPr>
+          <a:xfrm>
+            <a:off x="4587692" y="1636723"/>
+            <a:ext cx="2412520" cy="3099864"/>
+            <a:chOff x="3042426" y="1631405"/>
+            <a:chExt cx="2412520" cy="3099864"/>
+          </a:xfrm>
+        </p:grpSpPr>
+        <p:pic>
+          <p:nvPicPr>
+            <p:cNvPr id="2051" name="Picture 3" descr="C:\Users\Alim\Downloads\1325884108_redhat-system_tools.png"/>
+            <p:cNvPicPr>
+              <a:picLocks noChangeAspect="1" noChangeArrowheads="1"/>
+            </p:cNvPicPr>
+            <p:nvPr/>
+          </p:nvPicPr>
+          <p:blipFill>
+            <a:blip r:embed="rId5">
+              <a:extLst>
+                <a:ext uri="{28A0092B-C50C-407E-A947-70E740481C1C}">
+                  <a14:useLocalDpi xmlns:a14="http://schemas.microsoft.com/office/drawing/2010/main" val="0"/>
+                </a:ext>
+              </a:extLst>
+            </a:blip>
+            <a:srcRect/>
+            <a:stretch>
+              <a:fillRect/>
+            </a:stretch>
+          </p:blipFill>
+          <p:spPr bwMode="auto">
+            <a:xfrm>
+              <a:off x="3399593" y="2040350"/>
+              <a:ext cx="1840426" cy="1840426"/>
+            </a:xfrm>
+            <a:prstGeom prst="rect">
+              <a:avLst/>
+            </a:prstGeom>
+            <a:noFill/>
+            <a:extLst>
+              <a:ext uri="{909E8E84-426E-40DD-AFC4-6F175D3DCCD1}">
+                <a14:hiddenFill xmlns:a14="http://schemas.microsoft.com/office/drawing/2010/main">
+                  <a:solidFill>
+                    <a:srgbClr val="FFFFFF"/>
+                  </a:solidFill>
+                </a14:hiddenFill>
+              </a:ext>
+            </a:extLst>
+          </p:spPr>
+        </p:pic>
+        <p:sp>
+          <p:nvSpPr>
+            <p:cNvPr id="30" name="TextBox 29"/>
+            <p:cNvSpPr txBox="1"/>
+            <p:nvPr/>
+          </p:nvSpPr>
+          <p:spPr>
+            <a:xfrm>
+              <a:off x="3042426" y="3900272"/>
+              <a:ext cx="2412520" cy="830997"/>
+            </a:xfrm>
+            <a:prstGeom prst="rect">
+              <a:avLst/>
+            </a:prstGeom>
+            <a:noFill/>
+          </p:spPr>
+          <p:txBody>
+            <a:bodyPr wrap="square" rtlCol="0">
+              <a:spAutoFit/>
+            </a:bodyPr>
+            <a:lstStyle/>
+            <a:p>
+              <a:pPr algn="ctr"/>
+              <a:r>
+                <a:rPr lang="en-US" sz="1200" dirty="0"/>
+                <a:t>OS: Linux/Windows Server…</a:t>
+              </a:r>
+            </a:p>
+            <a:p>
+              <a:pPr algn="ctr"/>
+              <a:r>
+                <a:rPr lang="en-US" sz="1200" dirty="0"/>
+                <a:t>Server: Apache/IIS Web Server…</a:t>
+              </a:r>
+            </a:p>
+            <a:p>
+              <a:pPr algn="ctr"/>
+              <a:r>
+                <a:rPr lang="en-US" sz="1200" dirty="0"/>
+                <a:t>PHP/.NET Framework/JDK…</a:t>
+              </a:r>
+              <a:endParaRPr lang="en-US" sz="1200" dirty="0"/>
+            </a:p>
+          </p:txBody>
+        </p:sp>
+        <p:sp>
+          <p:nvSpPr>
+            <p:cNvPr id="42" name="TextBox 41"/>
+            <p:cNvSpPr txBox="1"/>
+            <p:nvPr/>
+          </p:nvSpPr>
+          <p:spPr>
+            <a:xfrm>
+              <a:off x="3610769" y="1631405"/>
+              <a:ext cx="1241045" cy="276999"/>
+            </a:xfrm>
+            <a:prstGeom prst="rect">
+              <a:avLst/>
+            </a:prstGeom>
+            <a:noFill/>
+          </p:spPr>
+          <p:txBody>
+            <a:bodyPr wrap="none" rtlCol="0">
+              <a:spAutoFit/>
+            </a:bodyPr>
+            <a:lstStyle/>
+            <a:p>
+              <a:r>
+                <a:rPr lang="en-US" sz="1200" b="1" dirty="0"/>
+                <a:t>Business Logic</a:t>
+              </a:r>
+              <a:endParaRPr lang="en-US" sz="1200" b="1" dirty="0"/>
+            </a:p>
+          </p:txBody>
+        </p:sp>
+      </p:grpSp>
+      <p:grpSp>
+        <p:nvGrpSpPr>
+          <p:cNvPr id="2063" name="Group 2062"/>
+          <p:cNvGrpSpPr/>
+          <p:nvPr/>
+        </p:nvGrpSpPr>
+        <p:grpSpPr>
+          <a:xfrm>
+            <a:off x="6851729" y="1631405"/>
+            <a:ext cx="3025127" cy="3053346"/>
+            <a:chOff x="5327728" y="1631405"/>
+            <a:chExt cx="3025127" cy="3053346"/>
+          </a:xfrm>
+        </p:grpSpPr>
+        <p:pic>
+          <p:nvPicPr>
+            <p:cNvPr id="33" name="Picture 2" descr="C:\Users\Alim\Downloads\database.png"/>
+            <p:cNvPicPr>
+              <a:picLocks noChangeAspect="1" noChangeArrowheads="1"/>
+            </p:cNvPicPr>
+            <p:nvPr/>
+          </p:nvPicPr>
+          <p:blipFill>
+            <a:blip r:embed="rId3">
+              <a:extLst>
+                <a:ext uri="{BEBA8EAE-BF5A-486C-A8C5-ECC9F3942E4B}">
+                  <a14:imgProps xmlns:a14="http://schemas.microsoft.com/office/drawing/2010/main">
+                    <a14:imgLayer r:embed="rId4">
+                      <a14:imgEffect>
+                        <a14:sharpenSoften amount="6000"/>
+                      </a14:imgEffect>
+                      <a14:imgEffect>
+                        <a14:colorTemperature colorTemp="11500"/>
+                      </a14:imgEffect>
+                      <a14:imgEffect>
+                        <a14:saturation sat="400000"/>
+                      </a14:imgEffect>
+                    </a14:imgLayer>
+                  </a14:imgProps>
+                </a:ext>
+                <a:ext uri="{28A0092B-C50C-407E-A947-70E740481C1C}">
+                  <a14:useLocalDpi xmlns:a14="http://schemas.microsoft.com/office/drawing/2010/main" val="0"/>
+                </a:ext>
+              </a:extLst>
+            </a:blip>
+            <a:srcRect/>
+            <a:stretch>
+              <a:fillRect/>
+            </a:stretch>
+          </p:blipFill>
+          <p:spPr bwMode="auto">
+            <a:xfrm>
+              <a:off x="5327728" y="2161308"/>
+              <a:ext cx="1871868" cy="1871868"/>
+            </a:xfrm>
+            <a:prstGeom prst="rect">
+              <a:avLst/>
+            </a:prstGeom>
+            <a:noFill/>
+            <a:effectLst/>
+            <a:extLst>
+              <a:ext uri="{909E8E84-426E-40DD-AFC4-6F175D3DCCD1}">
+                <a14:hiddenFill xmlns:a14="http://schemas.microsoft.com/office/drawing/2010/main">
+                  <a:solidFill>
+                    <a:srgbClr val="FFFFFF"/>
+                  </a:solidFill>
+                </a14:hiddenFill>
+              </a:ext>
+            </a:extLst>
+          </p:spPr>
+        </p:pic>
+        <p:grpSp>
+          <p:nvGrpSpPr>
+            <p:cNvPr id="7173" name="Group 7172"/>
+            <p:cNvGrpSpPr/>
+            <p:nvPr/>
+          </p:nvGrpSpPr>
+          <p:grpSpPr>
+            <a:xfrm>
+              <a:off x="5673704" y="1631405"/>
+              <a:ext cx="2679151" cy="3053346"/>
+              <a:chOff x="5673704" y="1631405"/>
+              <a:chExt cx="2679151" cy="3053346"/>
+            </a:xfrm>
+          </p:grpSpPr>
+          <p:pic>
+            <p:nvPicPr>
+              <p:cNvPr id="34" name="Picture 2" descr="C:\Users\Alim\Downloads\database.png"/>
+              <p:cNvPicPr>
+                <a:picLocks noChangeAspect="1" noChangeArrowheads="1"/>
+              </p:cNvPicPr>
+              <p:nvPr/>
+            </p:nvPicPr>
+            <p:blipFill>
+              <a:blip r:embed="rId3">
+                <a:extLst>
+                  <a:ext uri="{BEBA8EAE-BF5A-486C-A8C5-ECC9F3942E4B}">
+                    <a14:imgProps xmlns:a14="http://schemas.microsoft.com/office/drawing/2010/main">
+                      <a14:imgLayer r:embed="rId4">
+                        <a14:imgEffect>
+                          <a14:sharpenSoften amount="6000"/>
+                        </a14:imgEffect>
+                        <a14:imgEffect>
+                          <a14:colorTemperature colorTemp="11500"/>
+                        </a14:imgEffect>
+                        <a14:imgEffect>
+                          <a14:saturation sat="400000"/>
+                        </a14:imgEffect>
+                      </a14:imgLayer>
+                    </a14:imgProps>
+                  </a:ext>
+                  <a:ext uri="{28A0092B-C50C-407E-A947-70E740481C1C}">
+                    <a14:useLocalDpi xmlns:a14="http://schemas.microsoft.com/office/drawing/2010/main" val="0"/>
+                  </a:ext>
+                </a:extLst>
+              </a:blip>
+              <a:srcRect/>
+              <a:stretch>
+                <a:fillRect/>
+              </a:stretch>
+            </p:blipFill>
+            <p:spPr bwMode="auto">
+              <a:xfrm>
+                <a:off x="5673704" y="1943986"/>
+                <a:ext cx="2438400" cy="2438400"/>
+              </a:xfrm>
+              <a:prstGeom prst="rect">
+                <a:avLst/>
+              </a:prstGeom>
+              <a:noFill/>
+              <a:effectLst/>
+              <a:extLst>
+                <a:ext uri="{909E8E84-426E-40DD-AFC4-6F175D3DCCD1}">
+                  <a14:hiddenFill xmlns:a14="http://schemas.microsoft.com/office/drawing/2010/main">
+                    <a:solidFill>
+                      <a:srgbClr val="FFFFFF"/>
+                    </a:solidFill>
+                  </a14:hiddenFill>
+                </a:ext>
+              </a:extLst>
+            </p:spPr>
+          </p:pic>
+          <p:sp>
+            <p:nvSpPr>
+              <p:cNvPr id="29" name="TextBox 28"/>
+              <p:cNvSpPr txBox="1"/>
+              <p:nvPr/>
+            </p:nvSpPr>
+            <p:spPr>
+              <a:xfrm>
+                <a:off x="5806965" y="4376974"/>
+                <a:ext cx="2545890" cy="307777"/>
+              </a:xfrm>
+              <a:prstGeom prst="rect">
+                <a:avLst/>
+              </a:prstGeom>
+              <a:noFill/>
+            </p:spPr>
+            <p:txBody>
+              <a:bodyPr wrap="none" rtlCol="0">
+                <a:spAutoFit/>
+              </a:bodyPr>
+              <a:lstStyle/>
+              <a:p>
+                <a:r>
+                  <a:rPr lang="en-US" sz="1400" dirty="0"/>
+                  <a:t>SQL Server / Oracle/MySQL</a:t>
+                </a:r>
+                <a:endParaRPr lang="en-US" sz="1400" dirty="0"/>
+              </a:p>
+            </p:txBody>
+          </p:sp>
+          <p:sp>
+            <p:nvSpPr>
+              <p:cNvPr id="43" name="TextBox 42"/>
+              <p:cNvSpPr txBox="1"/>
+              <p:nvPr/>
+            </p:nvSpPr>
+            <p:spPr>
+              <a:xfrm>
+                <a:off x="6471955" y="1631405"/>
+                <a:ext cx="989373" cy="276999"/>
+              </a:xfrm>
+              <a:prstGeom prst="rect">
+                <a:avLst/>
+              </a:prstGeom>
+              <a:noFill/>
+            </p:spPr>
+            <p:txBody>
+              <a:bodyPr wrap="none" rtlCol="0">
+                <a:spAutoFit/>
+              </a:bodyPr>
+              <a:lstStyle/>
+              <a:p>
+                <a:r>
+                  <a:rPr lang="en-US" sz="1200" b="1" dirty="0"/>
+                  <a:t>Data Layer</a:t>
+                </a:r>
+                <a:endParaRPr lang="en-US" sz="1200" b="1" dirty="0"/>
+              </a:p>
+            </p:txBody>
+          </p:sp>
+        </p:grpSp>
+      </p:grpSp>
+      <p:cxnSp>
+        <p:nvCxnSpPr>
+          <p:cNvPr id="48" name="Straight Arrow Connector 47"/>
+          <p:cNvCxnSpPr/>
+          <p:nvPr/>
+        </p:nvCxnSpPr>
+        <p:spPr>
+          <a:xfrm>
+            <a:off x="4255061" y="3202556"/>
+            <a:ext cx="623239" cy="0"/>
+          </a:xfrm>
+          <a:prstGeom prst="straightConnector1">
+            <a:avLst/>
+          </a:prstGeom>
+          <a:ln>
+            <a:headEnd type="arrow"/>
+            <a:tailEnd type="arrow"/>
+          </a:ln>
+        </p:spPr>
+        <p:style>
+          <a:lnRef idx="2">
+            <a:schemeClr val="accent4"/>
+          </a:lnRef>
+          <a:fillRef idx="0">
+            <a:schemeClr val="accent4"/>
+          </a:fillRef>
+          <a:effectRef idx="1">
+            <a:schemeClr val="accent4"/>
+          </a:effectRef>
+          <a:fontRef idx="minor">
+            <a:schemeClr val="tx1"/>
+          </a:fontRef>
+        </p:style>
+      </p:cxnSp>
+      <p:cxnSp>
+        <p:nvCxnSpPr>
+          <p:cNvPr id="2049" name="Elbow Connector 2048"/>
+          <p:cNvCxnSpPr/>
+          <p:nvPr/>
+        </p:nvCxnSpPr>
+        <p:spPr>
+          <a:xfrm rot="10800000">
+            <a:off x="3955695" y="2233453"/>
+            <a:ext cx="967898" cy="340689"/>
+          </a:xfrm>
+          <a:prstGeom prst="bentConnector3">
+            <a:avLst/>
+          </a:prstGeom>
+          <a:ln>
+            <a:headEnd type="arrow"/>
+            <a:tailEnd type="arrow"/>
+          </a:ln>
+        </p:spPr>
+        <p:style>
+          <a:lnRef idx="2">
+            <a:schemeClr val="accent4"/>
+          </a:lnRef>
+          <a:fillRef idx="0">
+            <a:schemeClr val="accent4"/>
+          </a:fillRef>
+          <a:effectRef idx="1">
+            <a:schemeClr val="accent4"/>
+          </a:effectRef>
+          <a:fontRef idx="minor">
+            <a:schemeClr val="tx1"/>
+          </a:fontRef>
+        </p:style>
+      </p:cxnSp>
+      <p:grpSp>
+        <p:nvGrpSpPr>
+          <p:cNvPr id="2062" name="Group 2061"/>
+          <p:cNvGrpSpPr/>
+          <p:nvPr/>
+        </p:nvGrpSpPr>
+        <p:grpSpPr>
+          <a:xfrm>
+            <a:off x="2278018" y="1631406"/>
+            <a:ext cx="2114424" cy="2837881"/>
+            <a:chOff x="754018" y="1631405"/>
+            <a:chExt cx="2114424" cy="2837881"/>
+          </a:xfrm>
+        </p:grpSpPr>
+        <p:sp>
+          <p:nvSpPr>
+            <p:cNvPr id="41" name="TextBox 40"/>
+            <p:cNvSpPr txBox="1"/>
+            <p:nvPr/>
+          </p:nvSpPr>
+          <p:spPr>
+            <a:xfrm>
+              <a:off x="1321224" y="1631405"/>
+              <a:ext cx="1547218" cy="276999"/>
+            </a:xfrm>
+            <a:prstGeom prst="rect">
+              <a:avLst/>
+            </a:prstGeom>
+            <a:noFill/>
+          </p:spPr>
+          <p:txBody>
+            <a:bodyPr wrap="none" rtlCol="0">
+              <a:spAutoFit/>
+            </a:bodyPr>
+            <a:lstStyle/>
+            <a:p>
+              <a:r>
+                <a:rPr lang="en-US" sz="1200" b="1" dirty="0"/>
+                <a:t>Presentation Layer</a:t>
+              </a:r>
+              <a:endParaRPr lang="en-US" sz="1200" b="1" dirty="0"/>
+            </a:p>
+          </p:txBody>
+        </p:sp>
+        <p:pic>
+          <p:nvPicPr>
+            <p:cNvPr id="2052" name="Picture 4" descr="C:\Users\Alim\Downloads\firefox-512.png"/>
+            <p:cNvPicPr>
+              <a:picLocks noChangeAspect="1" noChangeArrowheads="1"/>
+            </p:cNvPicPr>
+            <p:nvPr/>
+          </p:nvPicPr>
+          <p:blipFill>
+            <a:blip r:embed="rId6">
+              <a:extLst>
+                <a:ext uri="{28A0092B-C50C-407E-A947-70E740481C1C}">
+                  <a14:useLocalDpi xmlns:a14="http://schemas.microsoft.com/office/drawing/2010/main" val="0"/>
+                </a:ext>
+              </a:extLst>
+            </a:blip>
+            <a:srcRect/>
+            <a:stretch>
+              <a:fillRect/>
+            </a:stretch>
+          </p:blipFill>
+          <p:spPr bwMode="auto">
+            <a:xfrm>
+              <a:off x="2205252" y="2976112"/>
+              <a:ext cx="452888" cy="452888"/>
+            </a:xfrm>
+            <a:prstGeom prst="rect">
+              <a:avLst/>
+            </a:prstGeom>
+            <a:noFill/>
+            <a:extLst>
+              <a:ext uri="{909E8E84-426E-40DD-AFC4-6F175D3DCCD1}">
+                <a14:hiddenFill xmlns:a14="http://schemas.microsoft.com/office/drawing/2010/main">
+                  <a:solidFill>
+                    <a:srgbClr val="FFFFFF"/>
+                  </a:solidFill>
+                </a14:hiddenFill>
+              </a:ext>
+            </a:extLst>
+          </p:spPr>
+        </p:pic>
+        <p:sp>
+          <p:nvSpPr>
+            <p:cNvPr id="7174" name="TextBox 7173"/>
+            <p:cNvSpPr txBox="1"/>
+            <p:nvPr/>
+          </p:nvSpPr>
+          <p:spPr>
+            <a:xfrm>
+              <a:off x="2083491" y="3429000"/>
+              <a:ext cx="769763" cy="276999"/>
+            </a:xfrm>
+            <a:prstGeom prst="rect">
+              <a:avLst/>
+            </a:prstGeom>
+            <a:noFill/>
+          </p:spPr>
+          <p:txBody>
+            <a:bodyPr wrap="none" rtlCol="0">
+              <a:spAutoFit/>
+            </a:bodyPr>
+            <a:lstStyle/>
+            <a:p>
+              <a:r>
+                <a:rPr lang="en-US" sz="1200" dirty="0">
+                  <a:effectLst>
+                    <a:outerShdw blurRad="38100" dist="38100" dir="2700000" algn="tl">
+                      <a:srgbClr val="000000">
+                        <a:alpha val="43137"/>
+                      </a:srgbClr>
+                    </a:outerShdw>
+                  </a:effectLst>
+                </a:rPr>
+                <a:t>browser</a:t>
+              </a:r>
+              <a:endParaRPr lang="en-US" sz="1200" dirty="0">
+                <a:effectLst>
+                  <a:outerShdw blurRad="38100" dist="38100" dir="2700000" algn="tl">
+                    <a:srgbClr val="000000">
+                      <a:alpha val="43137"/>
+                    </a:srgbClr>
+                  </a:outerShdw>
+                </a:effectLst>
+              </a:endParaRPr>
+            </a:p>
+          </p:txBody>
+        </p:sp>
+        <p:pic>
+          <p:nvPicPr>
+            <p:cNvPr id="2053" name="Picture 5" descr="C:\Users\Alim\Downloads\laptop.png"/>
+            <p:cNvPicPr>
+              <a:picLocks noChangeAspect="1" noChangeArrowheads="1"/>
+            </p:cNvPicPr>
+            <p:nvPr/>
+          </p:nvPicPr>
+          <p:blipFill>
+            <a:blip r:embed="rId7">
+              <a:extLst>
+                <a:ext uri="{28A0092B-C50C-407E-A947-70E740481C1C}">
+                  <a14:useLocalDpi xmlns:a14="http://schemas.microsoft.com/office/drawing/2010/main" val="0"/>
+                </a:ext>
+              </a:extLst>
+            </a:blip>
+            <a:srcRect/>
+            <a:stretch>
+              <a:fillRect/>
+            </a:stretch>
+          </p:blipFill>
+          <p:spPr bwMode="auto">
+            <a:xfrm>
+              <a:off x="754018" y="2481808"/>
+              <a:ext cx="681378" cy="681378"/>
+            </a:xfrm>
+            <a:prstGeom prst="rect">
+              <a:avLst/>
+            </a:prstGeom>
+            <a:noFill/>
+            <a:extLst>
+              <a:ext uri="{909E8E84-426E-40DD-AFC4-6F175D3DCCD1}">
+                <a14:hiddenFill xmlns:a14="http://schemas.microsoft.com/office/drawing/2010/main">
+                  <a:solidFill>
+                    <a:srgbClr val="FFFFFF"/>
+                  </a:solidFill>
+                </a14:hiddenFill>
+              </a:ext>
+            </a:extLst>
+          </p:spPr>
+        </p:pic>
+        <p:pic>
+          <p:nvPicPr>
+            <p:cNvPr id="50" name="Picture 5" descr="C:\Users\Alim\Downloads\laptop.png"/>
+            <p:cNvPicPr>
+              <a:picLocks noChangeAspect="1" noChangeArrowheads="1"/>
+            </p:cNvPicPr>
+            <p:nvPr/>
+          </p:nvPicPr>
+          <p:blipFill>
+            <a:blip r:embed="rId7">
+              <a:extLst>
+                <a:ext uri="{28A0092B-C50C-407E-A947-70E740481C1C}">
+                  <a14:useLocalDpi xmlns:a14="http://schemas.microsoft.com/office/drawing/2010/main" val="0"/>
+                </a:ext>
+              </a:extLst>
+            </a:blip>
+            <a:srcRect/>
+            <a:stretch>
+              <a:fillRect/>
+            </a:stretch>
+          </p:blipFill>
+          <p:spPr bwMode="auto">
+            <a:xfrm>
+              <a:off x="980535" y="3294927"/>
+              <a:ext cx="681378" cy="681378"/>
+            </a:xfrm>
+            <a:prstGeom prst="rect">
+              <a:avLst/>
+            </a:prstGeom>
+            <a:noFill/>
+            <a:extLst>
+              <a:ext uri="{909E8E84-426E-40DD-AFC4-6F175D3DCCD1}">
+                <a14:hiddenFill xmlns:a14="http://schemas.microsoft.com/office/drawing/2010/main">
+                  <a:solidFill>
+                    <a:srgbClr val="FFFFFF"/>
+                  </a:solidFill>
+                </a14:hiddenFill>
+              </a:ext>
+            </a:extLst>
+          </p:spPr>
+        </p:pic>
+        <p:pic>
+          <p:nvPicPr>
+            <p:cNvPr id="51" name="Picture 5" descr="C:\Users\Alim\Downloads\laptop.png"/>
+            <p:cNvPicPr>
+              <a:picLocks noChangeAspect="1" noChangeArrowheads="1"/>
+            </p:cNvPicPr>
+            <p:nvPr/>
+          </p:nvPicPr>
+          <p:blipFill>
+            <a:blip r:embed="rId7">
+              <a:extLst>
+                <a:ext uri="{28A0092B-C50C-407E-A947-70E740481C1C}">
+                  <a14:useLocalDpi xmlns:a14="http://schemas.microsoft.com/office/drawing/2010/main" val="0"/>
+                </a:ext>
+              </a:extLst>
+            </a:blip>
+            <a:srcRect/>
+            <a:stretch>
+              <a:fillRect/>
+            </a:stretch>
+          </p:blipFill>
+          <p:spPr bwMode="auto">
+            <a:xfrm>
+              <a:off x="1785449" y="3787908"/>
+              <a:ext cx="681378" cy="681378"/>
+            </a:xfrm>
+            <a:prstGeom prst="rect">
+              <a:avLst/>
+            </a:prstGeom>
+            <a:noFill/>
+            <a:extLst>
+              <a:ext uri="{909E8E84-426E-40DD-AFC4-6F175D3DCCD1}">
+                <a14:hiddenFill xmlns:a14="http://schemas.microsoft.com/office/drawing/2010/main">
+                  <a:solidFill>
+                    <a:srgbClr val="FFFFFF"/>
+                  </a:solidFill>
+                </a14:hiddenFill>
+              </a:ext>
+            </a:extLst>
+          </p:spPr>
+        </p:pic>
+        <p:pic>
+          <p:nvPicPr>
+            <p:cNvPr id="52" name="Picture 5" descr="C:\Users\Alim\Downloads\laptop.png"/>
+            <p:cNvPicPr>
+              <a:picLocks noChangeAspect="1" noChangeArrowheads="1"/>
+            </p:cNvPicPr>
+            <p:nvPr/>
+          </p:nvPicPr>
+          <p:blipFill>
+            <a:blip r:embed="rId7">
+              <a:extLst>
+                <a:ext uri="{28A0092B-C50C-407E-A947-70E740481C1C}">
+                  <a14:useLocalDpi xmlns:a14="http://schemas.microsoft.com/office/drawing/2010/main" val="0"/>
+                </a:ext>
+              </a:extLst>
+            </a:blip>
+            <a:srcRect/>
+            <a:stretch>
+              <a:fillRect/>
+            </a:stretch>
+          </p:blipFill>
+          <p:spPr bwMode="auto">
+            <a:xfrm>
+              <a:off x="1573308" y="1892762"/>
+              <a:ext cx="681378" cy="681378"/>
+            </a:xfrm>
+            <a:prstGeom prst="rect">
+              <a:avLst/>
+            </a:prstGeom>
+            <a:noFill/>
+            <a:extLst>
+              <a:ext uri="{909E8E84-426E-40DD-AFC4-6F175D3DCCD1}">
+                <a14:hiddenFill xmlns:a14="http://schemas.microsoft.com/office/drawing/2010/main">
+                  <a:solidFill>
+                    <a:srgbClr val="FFFFFF"/>
+                  </a:solidFill>
+                </a14:hiddenFill>
+              </a:ext>
+            </a:extLst>
+          </p:spPr>
+        </p:pic>
+        <p:cxnSp>
+          <p:nvCxnSpPr>
+            <p:cNvPr id="7199" name="Elbow Connector 7198"/>
+            <p:cNvCxnSpPr>
+              <a:stCxn id="2052" idx="1"/>
+            </p:cNvCxnSpPr>
+            <p:nvPr/>
+          </p:nvCxnSpPr>
+          <p:spPr>
+            <a:xfrm rot="10800000">
+              <a:off x="1435396" y="2822498"/>
+              <a:ext cx="769856" cy="380059"/>
+            </a:xfrm>
+            <a:prstGeom prst="bentConnector3">
+              <a:avLst/>
+            </a:prstGeom>
+            <a:ln>
+              <a:headEnd type="arrow"/>
+              <a:tailEnd type="arrow"/>
+            </a:ln>
+          </p:spPr>
+          <p:style>
+            <a:lnRef idx="2">
+              <a:schemeClr val="accent4"/>
+            </a:lnRef>
+            <a:fillRef idx="0">
+              <a:schemeClr val="accent4"/>
+            </a:fillRef>
+            <a:effectRef idx="1">
+              <a:schemeClr val="accent4"/>
+            </a:effectRef>
+            <a:fontRef idx="minor">
+              <a:schemeClr val="tx1"/>
+            </a:fontRef>
+          </p:style>
+        </p:cxnSp>
+        <p:cxnSp>
+          <p:nvCxnSpPr>
+            <p:cNvPr id="2057" name="Elbow Connector 2056"/>
+            <p:cNvCxnSpPr/>
+            <p:nvPr/>
+          </p:nvCxnSpPr>
+          <p:spPr>
+            <a:xfrm rot="5400000">
+              <a:off x="1711288" y="3585199"/>
+              <a:ext cx="765694" cy="321103"/>
+            </a:xfrm>
+            <a:prstGeom prst="bentConnector3">
+              <a:avLst>
+                <a:gd name="adj1" fmla="val 13896"/>
+              </a:avLst>
+            </a:prstGeom>
+            <a:ln>
+              <a:headEnd type="arrow"/>
+              <a:tailEnd type="arrow"/>
+            </a:ln>
+          </p:spPr>
+          <p:style>
+            <a:lnRef idx="2">
+              <a:schemeClr val="accent4"/>
+            </a:lnRef>
+            <a:fillRef idx="0">
+              <a:schemeClr val="accent4"/>
+            </a:fillRef>
+            <a:effectRef idx="1">
+              <a:schemeClr val="accent4"/>
+            </a:effectRef>
+            <a:fontRef idx="minor">
+              <a:schemeClr val="tx1"/>
+            </a:fontRef>
+          </p:style>
+        </p:cxnSp>
+        <p:cxnSp>
+          <p:nvCxnSpPr>
+            <p:cNvPr id="2061" name="Elbow Connector 2060"/>
+            <p:cNvCxnSpPr>
+              <a:stCxn id="2052" idx="1"/>
+            </p:cNvCxnSpPr>
+            <p:nvPr/>
+          </p:nvCxnSpPr>
+          <p:spPr>
+            <a:xfrm rot="10800000" flipV="1">
+              <a:off x="1573308" y="3202555"/>
+              <a:ext cx="631944" cy="160347"/>
+            </a:xfrm>
+            <a:prstGeom prst="bentConnector3">
+              <a:avLst/>
+            </a:prstGeom>
+            <a:ln>
+              <a:headEnd type="arrow"/>
+              <a:tailEnd type="arrow"/>
+            </a:ln>
+          </p:spPr>
+          <p:style>
+            <a:lnRef idx="2">
+              <a:schemeClr val="accent4"/>
+            </a:lnRef>
+            <a:fillRef idx="0">
+              <a:schemeClr val="accent4"/>
+            </a:fillRef>
+            <a:effectRef idx="1">
+              <a:schemeClr val="accent4"/>
+            </a:effectRef>
+            <a:fontRef idx="minor">
+              <a:schemeClr val="tx1"/>
+            </a:fontRef>
+          </p:style>
+        </p:cxnSp>
+        <p:sp>
+          <p:nvSpPr>
+            <p:cNvPr id="88" name="TextBox 87"/>
+            <p:cNvSpPr txBox="1"/>
+            <p:nvPr/>
+          </p:nvSpPr>
+          <p:spPr>
+            <a:xfrm>
+              <a:off x="1005543" y="2040350"/>
+              <a:ext cx="886781" cy="276999"/>
+            </a:xfrm>
+            <a:prstGeom prst="rect">
+              <a:avLst/>
+            </a:prstGeom>
+            <a:noFill/>
+          </p:spPr>
+          <p:txBody>
+            <a:bodyPr wrap="none" rtlCol="0">
+              <a:spAutoFit/>
+            </a:bodyPr>
+            <a:lstStyle/>
+            <a:p>
+              <a:r>
+                <a:rPr lang="en-US" sz="1200" dirty="0">
+                  <a:effectLst>
+                    <a:outerShdw blurRad="38100" dist="38100" dir="2700000" algn="tl">
+                      <a:srgbClr val="000000">
+                        <a:alpha val="43137"/>
+                      </a:srgbClr>
+                    </a:outerShdw>
+                  </a:effectLst>
+                </a:rPr>
+                <a:t>Software </a:t>
+              </a:r>
+              <a:endParaRPr lang="en-US" sz="1200" dirty="0">
+                <a:effectLst>
+                  <a:outerShdw blurRad="38100" dist="38100" dir="2700000" algn="tl">
+                    <a:srgbClr val="000000">
+                      <a:alpha val="43137"/>
+                    </a:srgbClr>
+                  </a:outerShdw>
+                </a:effectLst>
+              </a:endParaRPr>
+            </a:p>
+          </p:txBody>
+        </p:sp>
+        <p:sp>
+          <p:nvSpPr>
+            <p:cNvPr id="89" name="TextBox 88"/>
+            <p:cNvSpPr txBox="1"/>
+            <p:nvPr/>
+          </p:nvSpPr>
+          <p:spPr>
+            <a:xfrm>
+              <a:off x="980535" y="3958200"/>
+              <a:ext cx="795411" cy="276999"/>
+            </a:xfrm>
+            <a:prstGeom prst="rect">
+              <a:avLst/>
+            </a:prstGeom>
+            <a:noFill/>
+          </p:spPr>
+          <p:txBody>
+            <a:bodyPr wrap="none" rtlCol="0">
+              <a:spAutoFit/>
+            </a:bodyPr>
+            <a:lstStyle/>
+            <a:p>
+              <a:r>
+                <a:rPr lang="en-US" sz="1200" dirty="0" err="1">
+                  <a:effectLst>
+                    <a:outerShdw blurRad="38100" dist="38100" dir="2700000" algn="tl">
+                      <a:srgbClr val="000000">
+                        <a:alpha val="43137"/>
+                      </a:srgbClr>
+                    </a:outerShdw>
+                  </a:effectLst>
+                </a:rPr>
+                <a:t>WebSite</a:t>
+              </a:r>
+              <a:endParaRPr lang="en-US" sz="1200" dirty="0">
+                <a:effectLst>
+                  <a:outerShdw blurRad="38100" dist="38100" dir="2700000" algn="tl">
+                    <a:srgbClr val="000000">
+                      <a:alpha val="43137"/>
+                    </a:srgbClr>
+                  </a:outerShdw>
+                </a:effectLst>
+              </a:endParaRPr>
+            </a:p>
+          </p:txBody>
+        </p:sp>
+      </p:grpSp>
+      <p:cxnSp>
+        <p:nvCxnSpPr>
+          <p:cNvPr id="92" name="Straight Arrow Connector 91"/>
+          <p:cNvCxnSpPr/>
+          <p:nvPr/>
+        </p:nvCxnSpPr>
+        <p:spPr>
+          <a:xfrm>
+            <a:off x="6574466" y="3163186"/>
+            <a:ext cx="623239" cy="0"/>
+          </a:xfrm>
+          <a:prstGeom prst="straightConnector1">
+            <a:avLst/>
+          </a:prstGeom>
+          <a:ln>
+            <a:headEnd type="arrow"/>
+            <a:tailEnd type="arrow"/>
+          </a:ln>
+        </p:spPr>
+        <p:style>
+          <a:lnRef idx="2">
+            <a:schemeClr val="accent4"/>
+          </a:lnRef>
+          <a:fillRef idx="0">
+            <a:schemeClr val="accent4"/>
+          </a:fillRef>
+          <a:effectRef idx="1">
+            <a:schemeClr val="accent4"/>
+          </a:effectRef>
+          <a:fontRef idx="minor">
+            <a:schemeClr val="tx1"/>
+          </a:fontRef>
+        </p:style>
+      </p:cxnSp>
+      <p:sp>
+        <p:nvSpPr>
+          <p:cNvPr id="2064" name="TextBox 2063"/>
+          <p:cNvSpPr txBox="1"/>
+          <p:nvPr/>
+        </p:nvSpPr>
+        <p:spPr>
+          <a:xfrm>
+            <a:off x="2504536" y="5337545"/>
+            <a:ext cx="4288353" cy="646331"/>
+          </a:xfrm>
+          <a:prstGeom prst="rect">
+            <a:avLst/>
+          </a:prstGeom>
+          <a:noFill/>
+        </p:spPr>
+        <p:txBody>
+          <a:bodyPr wrap="none" rtlCol="0">
+            <a:spAutoFit/>
+          </a:bodyPr>
+          <a:lstStyle/>
+          <a:p>
+            <a:r>
+              <a:rPr lang="en-US" sz="1200" b="1" dirty="0">
+                <a:effectLst>
+                  <a:outerShdw blurRad="38100" dist="38100" dir="2700000" algn="tl">
+                    <a:srgbClr val="000000">
+                      <a:alpha val="43137"/>
+                    </a:srgbClr>
+                  </a:outerShdw>
+                </a:effectLst>
+              </a:rPr>
+              <a:t>Client </a:t>
+            </a:r>
+            <a:r>
+              <a:rPr lang="en-US" sz="1200" b="1" dirty="0">
+                <a:effectLst>
+                  <a:outerShdw blurRad="38100" dist="38100" dir="2700000" algn="tl">
+                    <a:srgbClr val="000000">
+                      <a:alpha val="43137"/>
+                    </a:srgbClr>
+                  </a:outerShdw>
+                </a:effectLst>
+              </a:rPr>
+              <a:t>Tier	 </a:t>
+            </a:r>
+            <a:r>
+              <a:rPr lang="en-US" sz="1200" dirty="0">
+                <a:effectLst>
+                  <a:outerShdw blurRad="38100" dist="38100" dir="2700000" algn="tl">
+                    <a:srgbClr val="000000">
+                      <a:alpha val="43137"/>
+                    </a:srgbClr>
+                  </a:outerShdw>
+                </a:effectLst>
+              </a:rPr>
+              <a:t>: Operating </a:t>
+            </a:r>
+            <a:r>
+              <a:rPr lang="en-US" sz="1200" dirty="0">
+                <a:effectLst>
+                  <a:outerShdw blurRad="38100" dist="38100" dir="2700000" algn="tl">
+                    <a:srgbClr val="000000">
+                      <a:alpha val="43137"/>
+                    </a:srgbClr>
+                  </a:outerShdw>
+                </a:effectLst>
+              </a:rPr>
+              <a:t>System (Windows 95/98, Linux)</a:t>
+            </a:r>
+          </a:p>
+          <a:p>
+            <a:r>
+              <a:rPr lang="en-US" sz="1200" b="1" dirty="0">
+                <a:effectLst>
+                  <a:outerShdw blurRad="38100" dist="38100" dir="2700000" algn="tl">
+                    <a:srgbClr val="000000">
+                      <a:alpha val="43137"/>
+                    </a:srgbClr>
+                  </a:outerShdw>
+                </a:effectLst>
+              </a:rPr>
+              <a:t>Web browser   </a:t>
+            </a:r>
+            <a:r>
+              <a:rPr lang="en-US" sz="1200" dirty="0">
+                <a:effectLst>
+                  <a:outerShdw blurRad="38100" dist="38100" dir="2700000" algn="tl">
+                    <a:srgbClr val="000000">
+                      <a:alpha val="43137"/>
+                    </a:srgbClr>
+                  </a:outerShdw>
+                </a:effectLst>
+              </a:rPr>
+              <a:t>: </a:t>
+            </a:r>
+            <a:r>
+              <a:rPr lang="en-US" sz="1200" dirty="0">
+                <a:effectLst>
+                  <a:outerShdw blurRad="38100" dist="38100" dir="2700000" algn="tl">
+                    <a:srgbClr val="000000">
+                      <a:alpha val="43137"/>
+                    </a:srgbClr>
+                  </a:outerShdw>
+                </a:effectLst>
+              </a:rPr>
+              <a:t>(Internet Explorer </a:t>
+            </a:r>
+            <a:r>
+              <a:rPr lang="en-US" sz="1200" dirty="0">
+                <a:effectLst>
+                  <a:outerShdw blurRad="38100" dist="38100" dir="2700000" algn="tl">
+                    <a:srgbClr val="000000">
+                      <a:alpha val="43137"/>
+                    </a:srgbClr>
+                  </a:outerShdw>
+                </a:effectLst>
+              </a:rPr>
+              <a:t>9.0/Google Chrome)</a:t>
+            </a:r>
+          </a:p>
+          <a:p>
+            <a:r>
+              <a:rPr lang="en-US" sz="1200" dirty="0">
+                <a:effectLst>
+                  <a:outerShdw blurRad="38100" dist="38100" dir="2700000" algn="tl">
+                    <a:srgbClr val="000000">
+                      <a:alpha val="43137"/>
+                    </a:srgbClr>
+                  </a:outerShdw>
+                </a:effectLst>
+              </a:rPr>
+              <a:t>Components	 : Flash/.NET/JRE/</a:t>
+            </a:r>
+            <a:r>
+              <a:rPr lang="en-US" sz="1200" dirty="0" err="1">
+                <a:effectLst>
+                  <a:outerShdw blurRad="38100" dist="38100" dir="2700000" algn="tl">
+                    <a:srgbClr val="000000">
+                      <a:alpha val="43137"/>
+                    </a:srgbClr>
+                  </a:outerShdw>
+                </a:effectLst>
+              </a:rPr>
+              <a:t>SilverLight</a:t>
+            </a:r>
+            <a:r>
+              <a:rPr lang="en-US" sz="1200" dirty="0">
+                <a:effectLst>
+                  <a:outerShdw blurRad="38100" dist="38100" dir="2700000" algn="tl">
+                    <a:srgbClr val="000000">
+                      <a:alpha val="43137"/>
+                    </a:srgbClr>
+                  </a:outerShdw>
+                </a:effectLst>
+              </a:rPr>
+              <a:t>….</a:t>
+            </a:r>
+            <a:endParaRPr lang="en-US" sz="1200" dirty="0">
+              <a:effectLst>
+                <a:outerShdw blurRad="38100" dist="38100" dir="2700000" algn="tl">
+                  <a:srgbClr val="000000">
+                    <a:alpha val="43137"/>
+                  </a:srgbClr>
+                </a:outerShdw>
+              </a:effectLst>
+            </a:endParaRPr>
+          </a:p>
+        </p:txBody>
+      </p:sp>
+      <p:sp>
+        <p:nvSpPr>
+          <p:cNvPr id="94" name="TextBox 93"/>
+          <p:cNvSpPr txBox="1"/>
+          <p:nvPr/>
+        </p:nvSpPr>
+        <p:spPr>
+          <a:xfrm>
+            <a:off x="2504535" y="6076208"/>
+            <a:ext cx="3623108" cy="646331"/>
+          </a:xfrm>
+          <a:prstGeom prst="rect">
+            <a:avLst/>
+          </a:prstGeom>
+          <a:noFill/>
+        </p:spPr>
+        <p:txBody>
+          <a:bodyPr wrap="none" rtlCol="0">
+            <a:spAutoFit/>
+          </a:bodyPr>
+          <a:lstStyle/>
+          <a:p>
+            <a:r>
+              <a:rPr lang="en-US" sz="1200" b="1" dirty="0">
+                <a:solidFill>
+                  <a:schemeClr val="bg1"/>
+                </a:solidFill>
+                <a:effectLst>
+                  <a:outerShdw blurRad="38100" dist="38100" dir="2700000" algn="tl">
+                    <a:srgbClr val="000000">
+                      <a:alpha val="43137"/>
+                    </a:srgbClr>
+                  </a:outerShdw>
+                </a:effectLst>
+              </a:rPr>
+              <a:t>Middle </a:t>
+            </a:r>
+            <a:r>
+              <a:rPr lang="en-US" sz="1200" b="1" dirty="0">
+                <a:solidFill>
+                  <a:schemeClr val="bg1"/>
+                </a:solidFill>
+                <a:effectLst>
+                  <a:outerShdw blurRad="38100" dist="38100" dir="2700000" algn="tl">
+                    <a:srgbClr val="000000">
+                      <a:alpha val="43137"/>
+                    </a:srgbClr>
+                  </a:outerShdw>
+                </a:effectLst>
+              </a:rPr>
+              <a:t>Tier:</a:t>
+            </a:r>
+            <a:r>
+              <a:rPr lang="en-US" sz="1200" dirty="0">
+                <a:solidFill>
+                  <a:schemeClr val="bg1"/>
+                </a:solidFill>
+                <a:effectLst>
+                  <a:outerShdw blurRad="38100" dist="38100" dir="2700000" algn="tl">
+                    <a:srgbClr val="000000">
+                      <a:alpha val="43137"/>
+                    </a:srgbClr>
+                  </a:outerShdw>
+                </a:effectLst>
+              </a:rPr>
+              <a:t>    </a:t>
+            </a:r>
+            <a:r>
+              <a:rPr lang="en-US" sz="1200" dirty="0">
+                <a:effectLst>
+                  <a:outerShdw blurRad="38100" dist="38100" dir="2700000" algn="tl">
+                    <a:srgbClr val="000000">
+                      <a:alpha val="43137"/>
+                    </a:srgbClr>
+                  </a:outerShdw>
+                </a:effectLst>
+              </a:rPr>
+              <a:t>Linux/Windows</a:t>
+            </a:r>
+            <a:r>
+              <a:rPr lang="en-US" sz="1200" dirty="0">
+                <a:solidFill>
+                  <a:schemeClr val="bg1"/>
+                </a:solidFill>
+                <a:effectLst>
+                  <a:outerShdw blurRad="38100" dist="38100" dir="2700000" algn="tl">
+                    <a:srgbClr val="000000">
+                      <a:alpha val="43137"/>
+                    </a:srgbClr>
+                  </a:outerShdw>
+                </a:effectLst>
+              </a:rPr>
+              <a:t> </a:t>
+            </a:r>
+            <a:r>
+              <a:rPr lang="en-US" sz="1200" dirty="0">
+                <a:solidFill>
+                  <a:schemeClr val="bg1"/>
+                </a:solidFill>
+                <a:effectLst>
+                  <a:outerShdw blurRad="38100" dist="38100" dir="2700000" algn="tl">
+                    <a:srgbClr val="000000">
+                      <a:alpha val="43137"/>
+                    </a:srgbClr>
+                  </a:outerShdw>
+                </a:effectLst>
+              </a:rPr>
+              <a:t>operating system</a:t>
+            </a:r>
+          </a:p>
+          <a:p>
+            <a:r>
+              <a:rPr lang="en-US" sz="1200" dirty="0">
+                <a:solidFill>
+                  <a:schemeClr val="bg1"/>
+                </a:solidFill>
+                <a:effectLst>
+                  <a:outerShdw blurRad="38100" dist="38100" dir="2700000" algn="tl">
+                    <a:srgbClr val="000000">
+                      <a:alpha val="43137"/>
+                    </a:srgbClr>
+                  </a:outerShdw>
+                </a:effectLst>
+              </a:rPr>
+              <a:t>	</a:t>
+            </a:r>
+            <a:r>
+              <a:rPr lang="en-US" sz="1200" dirty="0">
+                <a:solidFill>
+                  <a:schemeClr val="bg1"/>
+                </a:solidFill>
+                <a:effectLst>
+                  <a:outerShdw blurRad="38100" dist="38100" dir="2700000" algn="tl">
+                    <a:srgbClr val="000000">
+                      <a:alpha val="43137"/>
+                    </a:srgbClr>
+                  </a:outerShdw>
+                </a:effectLst>
+              </a:rPr>
+              <a:t>Apache/IIS </a:t>
+            </a:r>
+            <a:r>
+              <a:rPr lang="en-US" sz="1200" dirty="0">
+                <a:solidFill>
+                  <a:schemeClr val="bg1"/>
+                </a:solidFill>
+                <a:effectLst>
+                  <a:outerShdw blurRad="38100" dist="38100" dir="2700000" algn="tl">
+                    <a:srgbClr val="000000">
+                      <a:alpha val="43137"/>
+                    </a:srgbClr>
+                  </a:outerShdw>
+                </a:effectLst>
+              </a:rPr>
+              <a:t>Web Server</a:t>
+            </a:r>
+          </a:p>
+          <a:p>
+            <a:r>
+              <a:rPr lang="en-US" sz="1200" dirty="0">
+                <a:solidFill>
+                  <a:schemeClr val="bg1"/>
+                </a:solidFill>
+                <a:effectLst>
+                  <a:outerShdw blurRad="38100" dist="38100" dir="2700000" algn="tl">
+                    <a:srgbClr val="000000">
+                      <a:alpha val="43137"/>
+                    </a:srgbClr>
+                  </a:outerShdw>
+                </a:effectLst>
+              </a:rPr>
+              <a:t>	</a:t>
+            </a:r>
+            <a:r>
+              <a:rPr lang="en-US" sz="1200" dirty="0">
+                <a:solidFill>
+                  <a:schemeClr val="bg1"/>
+                </a:solidFill>
+                <a:effectLst>
+                  <a:outerShdw blurRad="38100" dist="38100" dir="2700000" algn="tl">
+                    <a:srgbClr val="000000">
+                      <a:alpha val="43137"/>
+                    </a:srgbClr>
+                  </a:outerShdw>
+                </a:effectLst>
+              </a:rPr>
+              <a:t>Scripting </a:t>
+            </a:r>
+            <a:r>
+              <a:rPr lang="en-US" sz="1200" dirty="0">
+                <a:solidFill>
+                  <a:schemeClr val="bg1"/>
+                </a:solidFill>
+                <a:effectLst>
+                  <a:outerShdw blurRad="38100" dist="38100" dir="2700000" algn="tl">
+                    <a:srgbClr val="000000">
+                      <a:alpha val="43137"/>
+                    </a:srgbClr>
+                  </a:outerShdw>
+                </a:effectLst>
+              </a:rPr>
+              <a:t>Engine </a:t>
+            </a:r>
+            <a:r>
+              <a:rPr lang="en-US" sz="1200" dirty="0">
+                <a:solidFill>
+                  <a:schemeClr val="bg1"/>
+                </a:solidFill>
+                <a:effectLst>
+                  <a:outerShdw blurRad="38100" dist="38100" dir="2700000" algn="tl">
+                    <a:srgbClr val="000000">
+                      <a:alpha val="43137"/>
+                    </a:srgbClr>
+                  </a:outerShdw>
+                </a:effectLst>
+              </a:rPr>
+              <a:t>PHP,ASP etc…</a:t>
+            </a:r>
+            <a:endParaRPr lang="en-US" sz="1200" dirty="0">
+              <a:solidFill>
+                <a:schemeClr val="bg1"/>
+              </a:solidFill>
+              <a:effectLst>
+                <a:outerShdw blurRad="38100" dist="38100" dir="2700000" algn="tl">
+                  <a:srgbClr val="000000">
+                    <a:alpha val="43137"/>
+                  </a:srgbClr>
+                </a:outerShdw>
+              </a:effectLst>
+            </a:endParaRPr>
+          </a:p>
+        </p:txBody>
+      </p:sp>
+      <p:sp>
+        <p:nvSpPr>
+          <p:cNvPr id="95" name="TextBox 94"/>
+          <p:cNvSpPr txBox="1"/>
+          <p:nvPr/>
+        </p:nvSpPr>
+        <p:spPr>
+          <a:xfrm>
+            <a:off x="6504654" y="5337544"/>
+            <a:ext cx="4251485" cy="461665"/>
+          </a:xfrm>
+          <a:prstGeom prst="rect">
+            <a:avLst/>
+          </a:prstGeom>
+          <a:noFill/>
+        </p:spPr>
+        <p:txBody>
+          <a:bodyPr wrap="none" rtlCol="0">
+            <a:spAutoFit/>
+          </a:bodyPr>
+          <a:lstStyle/>
+          <a:p>
+            <a:r>
+              <a:rPr lang="en-US" sz="1200" b="1" dirty="0">
+                <a:solidFill>
+                  <a:schemeClr val="bg1"/>
+                </a:solidFill>
+              </a:rPr>
+              <a:t>Database </a:t>
+            </a:r>
+            <a:r>
+              <a:rPr lang="en-US" sz="1200" b="1" dirty="0">
+                <a:solidFill>
+                  <a:schemeClr val="bg1"/>
+                </a:solidFill>
+              </a:rPr>
+              <a:t>Tier: </a:t>
+            </a:r>
+            <a:r>
+              <a:rPr lang="en-US" sz="1200" dirty="0">
+                <a:solidFill>
+                  <a:schemeClr val="bg1"/>
+                </a:solidFill>
+              </a:rPr>
+              <a:t>MySQL Server/ SQL Server/Oracle etc….</a:t>
+            </a:r>
+          </a:p>
+          <a:p>
+            <a:r>
+              <a:rPr lang="en-US" sz="1200" dirty="0">
+                <a:solidFill>
+                  <a:schemeClr val="bg1"/>
+                </a:solidFill>
+                <a:effectLst>
+                  <a:outerShdw blurRad="38100" dist="38100" dir="2700000" algn="tl">
+                    <a:srgbClr val="000000">
+                      <a:alpha val="43137"/>
+                    </a:srgbClr>
+                  </a:outerShdw>
+                </a:effectLst>
+              </a:rPr>
+              <a:t>	</a:t>
+            </a:r>
+            <a:r>
+              <a:rPr lang="en-US" sz="1200" dirty="0">
+                <a:solidFill>
+                  <a:schemeClr val="bg1"/>
+                </a:solidFill>
+                <a:effectLst>
+                  <a:outerShdw blurRad="38100" dist="38100" dir="2700000" algn="tl">
+                    <a:srgbClr val="000000">
+                      <a:alpha val="43137"/>
+                    </a:srgbClr>
+                  </a:outerShdw>
+                </a:effectLst>
+              </a:rPr>
+              <a:t> </a:t>
+            </a:r>
+            <a:endParaRPr lang="en-US" sz="1200" dirty="0">
+              <a:solidFill>
+                <a:schemeClr val="bg1"/>
+              </a:solidFill>
+              <a:effectLst>
+                <a:outerShdw blurRad="38100" dist="38100" dir="2700000" algn="tl">
+                  <a:srgbClr val="000000">
+                    <a:alpha val="43137"/>
+                  </a:srgbClr>
+                </a:outerShdw>
+              </a:effectLst>
+            </a:endParaRPr>
+          </a:p>
+        </p:txBody>
+      </p:sp>
+      <p:grpSp>
+        <p:nvGrpSpPr>
+          <p:cNvPr id="4" name="Group 3"/>
+          <p:cNvGrpSpPr/>
+          <p:nvPr/>
+        </p:nvGrpSpPr>
+        <p:grpSpPr>
+          <a:xfrm>
+            <a:off x="-179658" y="1559738"/>
+            <a:ext cx="2850861" cy="1901601"/>
+            <a:chOff x="-351936" y="1053986"/>
+            <a:chExt cx="2850861" cy="1901601"/>
+          </a:xfrm>
+        </p:grpSpPr>
+        <p:pic>
+          <p:nvPicPr>
+            <p:cNvPr id="44" name="Content Placeholder 3"/>
+            <p:cNvPicPr>
+              <a:picLocks noChangeAspect="1"/>
+            </p:cNvPicPr>
+            <p:nvPr/>
+          </p:nvPicPr>
+          <p:blipFill>
+            <a:blip r:embed="rId8">
+              <a:extLst>
+                <a:ext uri="{28A0092B-C50C-407E-A947-70E740481C1C}">
+                  <a14:useLocalDpi xmlns:a14="http://schemas.microsoft.com/office/drawing/2010/main" val="0"/>
+                </a:ext>
+              </a:extLst>
+            </a:blip>
+            <a:stretch>
+              <a:fillRect/>
+            </a:stretch>
+          </p:blipFill>
+          <p:spPr>
+            <a:xfrm>
+              <a:off x="70175" y="1053986"/>
+              <a:ext cx="1654164" cy="1520156"/>
+            </a:xfrm>
+            <a:prstGeom prst="rect">
+              <a:avLst/>
+            </a:prstGeom>
+          </p:spPr>
+        </p:pic>
+        <p:sp>
+          <p:nvSpPr>
+            <p:cNvPr id="45" name="TextBox 44"/>
+            <p:cNvSpPr txBox="1"/>
+            <p:nvPr/>
+          </p:nvSpPr>
+          <p:spPr>
+            <a:xfrm>
+              <a:off x="-351936" y="2586255"/>
+              <a:ext cx="2850861" cy="369332"/>
+            </a:xfrm>
+            <a:prstGeom prst="rect">
+              <a:avLst/>
+            </a:prstGeom>
+            <a:noFill/>
+          </p:spPr>
+          <p:txBody>
+            <a:bodyPr wrap="square" rtlCol="0">
+              <a:spAutoFit/>
+            </a:bodyPr>
+            <a:lstStyle/>
+            <a:p>
+              <a:pPr algn="ctr"/>
+              <a:r>
+                <a:rPr lang="en-US" dirty="0" smtClean="0"/>
+                <a:t>Seems like modern</a:t>
+              </a:r>
+              <a:endParaRPr lang="en-US" dirty="0"/>
+            </a:p>
+          </p:txBody>
+        </p:sp>
+      </p:grpSp>
+    </p:spTree>
+    <p:extLst>
+      <p:ext uri="{BB962C8B-B14F-4D97-AF65-F5344CB8AC3E}">
+        <p14:creationId xmlns:p14="http://schemas.microsoft.com/office/powerpoint/2010/main" val="454221239"/>
+      </p:ext>
+    </p:extLst>
+  </p:cSld>
+  <p:clrMapOvr>
+    <a:masterClrMapping/>
+  </p:clrMapOvr>
+  <p:transition spd="slow">
+    <p:push/>
+  </p:transition>
+  <p:timing>
+    <p:tnLst>
+      <p:par>
+        <p:cTn id="1" dur="indefinite" restart="never" nodeType="tmRoot">
+          <p:childTnLst>
+            <p:seq concurrent="1" nextAc="seek">
+              <p:cTn id="2" dur="indefinite" nodeType="mainSeq">
+                <p:childTnLst>
+                  <p:par>
+                    <p:cTn id="3" fill="hold">
+                      <p:stCondLst>
+                        <p:cond delay="indefinite"/>
+                      </p:stCondLst>
+                      <p:childTnLst>
+                        <p:par>
+                          <p:cTn id="4" fill="hold">
+                            <p:stCondLst>
+                              <p:cond delay="0"/>
+                            </p:stCondLst>
+                            <p:childTnLst>
+                              <p:par>
+                                <p:cTn id="5" presetID="10" presetClass="entr" presetSubtype="0" fill="hold" nodeType="clickEffect">
+                                  <p:stCondLst>
+                                    <p:cond delay="0"/>
+                                  </p:stCondLst>
+                                  <p:childTnLst>
+                                    <p:set>
+                                      <p:cBhvr>
+                                        <p:cTn id="6" dur="1" fill="hold">
+                                          <p:stCondLst>
+                                            <p:cond delay="0"/>
+                                          </p:stCondLst>
+                                        </p:cTn>
+                                        <p:tgtEl>
+                                          <p:spTgt spid="4"/>
+                                        </p:tgtEl>
+                                        <p:attrNameLst>
+                                          <p:attrName>style.visibility</p:attrName>
+                                        </p:attrNameLst>
+                                      </p:cBhvr>
+                                      <p:to>
+                                        <p:strVal val="visible"/>
+                                      </p:to>
+                                    </p:set>
+                                    <p:animEffect transition="in" filter="fade">
+                                      <p:cBhvr>
+                                        <p:cTn id="7" dur="500"/>
+                                        <p:tgtEl>
+                                          <p:spTgt spid="4"/>
+                                        </p:tgtEl>
+                                      </p:cBhvr>
+                                    </p:animEffect>
+                                  </p:childTnLst>
+                                </p:cTn>
+                              </p:par>
+                            </p:childTnLst>
+                          </p:cTn>
+                        </p:par>
+                      </p:childTnLst>
+                    </p:cTn>
+                  </p:par>
+                </p:childTnLst>
+              </p:cTn>
+              <p:prevCondLst>
+                <p:cond evt="onPrev" delay="0">
+                  <p:tgtEl>
+                    <p:sldTgt/>
+                  </p:tgtEl>
+                </p:cond>
+              </p:prevCondLst>
+              <p:nextCondLst>
+                <p:cond evt="onNext" delay="0">
+                  <p:tgtEl>
+                    <p:sldTgt/>
+                  </p:tgtEl>
+                </p:cond>
+              </p:nextCondLst>
+            </p:seq>
+          </p:childTnLst>
+        </p:cTn>
+      </p:par>
+    </p:tnLst>
+  </p:timing>
+</p:sld>
+</file>
+
+<file path=ppt/slides/slide5.xml><?xml version="1.0" encoding="utf-8"?>
 <p:sld xmlns:a="http://schemas.openxmlformats.org/drawingml/2006/main" xmlns:r="http://schemas.openxmlformats.org/officeDocument/2006/relationships" xmlns:p="http://schemas.openxmlformats.org/presentationml/2006/main">
   <p:cSld>
     <p:spTree>
@@ -26255,11 +30667,11 @@
   <p:clrMapOvr>
     <a:masterClrMapping/>
   </p:clrMapOvr>
-  <mc:AlternateContent xmlns:mc="http://schemas.openxmlformats.org/markup-compatibility/2006">
-    <mc:Choice xmlns:p14="http://schemas.microsoft.com/office/powerpoint/2010/main" Requires="p14">
+  <mc:AlternateContent xmlns:mc="http://schemas.openxmlformats.org/markup-compatibility/2006" xmlns:p14="http://schemas.microsoft.com/office/powerpoint/2010/main">
+    <mc:Choice Requires="p14">
       <p:transition p14:dur="0"/>
     </mc:Choice>
-    <mc:Fallback>
+    <mc:Fallback xmlns="">
       <p:transition/>
     </mc:Fallback>
   </mc:AlternateContent>
@@ -26440,7 +30852,7 @@
 </p:sld>
 </file>
 
-<file path=ppt/slides/slide5.xml><?xml version="1.0" encoding="utf-8"?>
+<file path=ppt/slides/slide6.xml><?xml version="1.0" encoding="utf-8"?>
 <p:sld xmlns:a="http://schemas.openxmlformats.org/drawingml/2006/main" xmlns:r="http://schemas.openxmlformats.org/officeDocument/2006/relationships" xmlns:p="http://schemas.openxmlformats.org/presentationml/2006/main">
   <p:cSld>
     <p:spTree>
@@ -26513,13 +30925,13 @@
   <p:clrMapOvr>
     <a:masterClrMapping/>
   </p:clrMapOvr>
-  <mc:AlternateContent xmlns:mc="http://schemas.openxmlformats.org/markup-compatibility/2006">
-    <mc:Choice xmlns:p14="http://schemas.microsoft.com/office/powerpoint/2010/main" Requires="p14">
+  <mc:AlternateContent xmlns:mc="http://schemas.openxmlformats.org/markup-compatibility/2006" xmlns:p14="http://schemas.microsoft.com/office/powerpoint/2010/main">
+    <mc:Choice Requires="p14">
       <p:transition spd="slow" p14:dur="3400">
         <p14:reveal/>
       </p:transition>
     </mc:Choice>
-    <mc:Fallback>
+    <mc:Fallback xmlns="">
       <p:transition spd="slow">
         <p:fade/>
       </p:transition>
@@ -26676,7 +31088,7 @@
 </p:sld>
 </file>
 
-<file path=ppt/slides/slide6.xml><?xml version="1.0" encoding="utf-8"?>
+<file path=ppt/slides/slide7.xml><?xml version="1.0" encoding="utf-8"?>
 <p:sld xmlns:a="http://schemas.openxmlformats.org/drawingml/2006/main" xmlns:r="http://schemas.openxmlformats.org/officeDocument/2006/relationships" xmlns:p="http://schemas.openxmlformats.org/presentationml/2006/main">
   <p:cSld>
     <p:spTree>
@@ -26710,7 +31122,7 @@
           <a:p>
             <a:r>
               <a:rPr lang="en-US" sz="2400" dirty="0" smtClean="0"/>
-              <a:t>Technology is always a gap.</a:t>
+              <a:t>Why gap?</a:t>
             </a:r>
             <a:endParaRPr lang="en-US" sz="2400" dirty="0"/>
           </a:p>
@@ -26726,12 +31138,125 @@
             <p:ph type="body" idx="1"/>
           </p:nvPr>
         </p:nvSpPr>
-        <p:spPr/>
+        <p:spPr>
+          <a:xfrm>
+            <a:off x="6895559" y="2677644"/>
+            <a:ext cx="4858637" cy="2283824"/>
+          </a:xfrm>
+        </p:spPr>
         <p:txBody>
-          <a:bodyPr/>
+          <a:bodyPr>
+            <a:normAutofit/>
+          </a:bodyPr>
           <a:lstStyle/>
           <a:p>
-            <a:endParaRPr lang="en-US"/>
+            <a:pPr marL="457200" indent="-457200">
+              <a:buFont typeface="+mj-lt"/>
+              <a:buAutoNum type="arabicPeriod"/>
+            </a:pPr>
+            <a:r>
+              <a:rPr lang="en-US" dirty="0" smtClean="0"/>
+              <a:t>Performance</a:t>
+            </a:r>
+          </a:p>
+          <a:p>
+            <a:pPr marL="457200" indent="-457200">
+              <a:buFont typeface="+mj-lt"/>
+              <a:buAutoNum type="arabicPeriod"/>
+            </a:pPr>
+            <a:r>
+              <a:rPr lang="en-US" dirty="0" smtClean="0"/>
+              <a:t>One place change</a:t>
+            </a:r>
+          </a:p>
+          <a:p>
+            <a:pPr marL="457200" indent="-457200">
+              <a:buFont typeface="+mj-lt"/>
+              <a:buAutoNum type="arabicPeriod"/>
+            </a:pPr>
+            <a:r>
+              <a:rPr lang="en-US" dirty="0" smtClean="0"/>
+              <a:t>Codes are more organized</a:t>
+            </a:r>
+          </a:p>
+          <a:p>
+            <a:pPr marL="457200" indent="-457200">
+              <a:buFont typeface="+mj-lt"/>
+              <a:buAutoNum type="arabicPeriod"/>
+            </a:pPr>
+            <a:r>
+              <a:rPr lang="en-US" dirty="0" smtClean="0"/>
+              <a:t>Maintainable</a:t>
+            </a:r>
+          </a:p>
+        </p:txBody>
+      </p:sp>
+      <p:sp>
+        <p:nvSpPr>
+          <p:cNvPr id="3" name="TextBox 2"/>
+          <p:cNvSpPr txBox="1"/>
+          <p:nvPr/>
+        </p:nvSpPr>
+        <p:spPr>
+          <a:xfrm>
+            <a:off x="6895559" y="2308312"/>
+            <a:ext cx="1263487" cy="369332"/>
+          </a:xfrm>
+          <a:prstGeom prst="rect">
+            <a:avLst/>
+          </a:prstGeom>
+          <a:noFill/>
+        </p:spPr>
+        <p:txBody>
+          <a:bodyPr wrap="none" rtlCol="0">
+            <a:spAutoFit/>
+          </a:bodyPr>
+          <a:lstStyle/>
+          <a:p>
+            <a:r>
+              <a:rPr lang="en-US" dirty="0" smtClean="0"/>
+              <a:t>3-Tier Pros</a:t>
+            </a:r>
+            <a:endParaRPr lang="en-US" dirty="0"/>
+          </a:p>
+        </p:txBody>
+      </p:sp>
+      <p:sp>
+        <p:nvSpPr>
+          <p:cNvPr id="5" name="Rectangle 4"/>
+          <p:cNvSpPr/>
+          <p:nvPr/>
+        </p:nvSpPr>
+        <p:spPr>
+          <a:xfrm>
+            <a:off x="6276877" y="5164546"/>
+            <a:ext cx="6096000" cy="923330"/>
+          </a:xfrm>
+          <a:prstGeom prst="rect">
+            <a:avLst/>
+          </a:prstGeom>
+        </p:spPr>
+        <p:txBody>
+          <a:bodyPr>
+            <a:spAutoFit/>
+          </a:bodyPr>
+          <a:lstStyle/>
+          <a:p>
+            <a:r>
+              <a:rPr lang="en-US" dirty="0" smtClean="0"/>
+              <a:t>Notes :</a:t>
+            </a:r>
+          </a:p>
+          <a:p>
+            <a:r>
+              <a:rPr lang="en-US" dirty="0" smtClean="0"/>
+              <a:t>Have </a:t>
+            </a:r>
+            <a:r>
+              <a:rPr lang="en-US" dirty="0"/>
+              <a:t>to use WCF or Services (where 99% time http wins)</a:t>
+            </a:r>
+            <a:endParaRPr lang="en-US" dirty="0"/>
           </a:p>
         </p:txBody>
       </p:sp>
@@ -26745,13 +31270,13 @@
   <p:clrMapOvr>
     <a:masterClrMapping/>
   </p:clrMapOvr>
-  <mc:AlternateContent xmlns:mc="http://schemas.openxmlformats.org/markup-compatibility/2006">
-    <mc:Choice xmlns:p14="http://schemas.microsoft.com/office/powerpoint/2010/main" Requires="p14">
+  <mc:AlternateContent xmlns:mc="http://schemas.openxmlformats.org/markup-compatibility/2006" xmlns:p14="http://schemas.microsoft.com/office/powerpoint/2010/main">
+    <mc:Choice Requires="p14">
       <p:transition spd="med" p14:dur="700">
         <p:fade/>
       </p:transition>
     </mc:Choice>
-    <mc:Fallback>
+    <mc:Fallback xmlns="">
       <p:transition spd="med">
         <p:fade/>
       </p:transition>
@@ -26818,6 +31343,356 @@
                       </p:childTnLst>
                     </p:cTn>
                   </p:par>
+                  <p:par>
+                    <p:cTn id="8" fill="hold">
+                      <p:stCondLst>
+                        <p:cond delay="indefinite"/>
+                      </p:stCondLst>
+                      <p:childTnLst>
+                        <p:par>
+                          <p:cTn id="9" fill="hold">
+                            <p:stCondLst>
+                              <p:cond delay="0"/>
+                            </p:stCondLst>
+                            <p:childTnLst>
+                              <p:par>
+                                <p:cTn id="10" presetID="10" presetClass="entr" presetSubtype="0" fill="hold" grpId="0" nodeType="clickEffect">
+                                  <p:stCondLst>
+                                    <p:cond delay="0"/>
+                                  </p:stCondLst>
+                                  <p:childTnLst>
+                                    <p:set>
+                                      <p:cBhvr>
+                                        <p:cTn id="11" dur="1" fill="hold">
+                                          <p:stCondLst>
+                                            <p:cond delay="0"/>
+                                          </p:stCondLst>
+                                        </p:cTn>
+                                        <p:tgtEl>
+                                          <p:spTgt spid="3"/>
+                                        </p:tgtEl>
+                                        <p:attrNameLst>
+                                          <p:attrName>style.visibility</p:attrName>
+                                        </p:attrNameLst>
+                                      </p:cBhvr>
+                                      <p:to>
+                                        <p:strVal val="visible"/>
+                                      </p:to>
+                                    </p:set>
+                                    <p:animEffect transition="in" filter="fade">
+                                      <p:cBhvr>
+                                        <p:cTn id="12" dur="500"/>
+                                        <p:tgtEl>
+                                          <p:spTgt spid="3"/>
+                                        </p:tgtEl>
+                                      </p:cBhvr>
+                                    </p:animEffect>
+                                  </p:childTnLst>
+                                </p:cTn>
+                              </p:par>
+                            </p:childTnLst>
+                          </p:cTn>
+                        </p:par>
+                      </p:childTnLst>
+                    </p:cTn>
+                  </p:par>
+                  <p:par>
+                    <p:cTn id="13" fill="hold">
+                      <p:stCondLst>
+                        <p:cond delay="indefinite"/>
+                      </p:stCondLst>
+                      <p:childTnLst>
+                        <p:par>
+                          <p:cTn id="14" fill="hold">
+                            <p:stCondLst>
+                              <p:cond delay="0"/>
+                            </p:stCondLst>
+                            <p:childTnLst>
+                              <p:par>
+                                <p:cTn id="15" presetID="10" presetClass="entr" presetSubtype="0" fill="hold" grpId="0" nodeType="clickEffect">
+                                  <p:stCondLst>
+                                    <p:cond delay="0"/>
+                                  </p:stCondLst>
+                                  <p:childTnLst>
+                                    <p:set>
+                                      <p:cBhvr>
+                                        <p:cTn id="16" dur="1" fill="hold">
+                                          <p:stCondLst>
+                                            <p:cond delay="0"/>
+                                          </p:stCondLst>
+                                        </p:cTn>
+                                        <p:tgtEl>
+                                          <p:spTgt spid="4">
+                                            <p:txEl>
+                                              <p:pRg st="0" end="0"/>
+                                            </p:txEl>
+                                          </p:spTgt>
+                                        </p:tgtEl>
+                                        <p:attrNameLst>
+                                          <p:attrName>style.visibility</p:attrName>
+                                        </p:attrNameLst>
+                                      </p:cBhvr>
+                                      <p:to>
+                                        <p:strVal val="visible"/>
+                                      </p:to>
+                                    </p:set>
+                                    <p:animEffect transition="in" filter="fade">
+                                      <p:cBhvr>
+                                        <p:cTn id="17" dur="500"/>
+                                        <p:tgtEl>
+                                          <p:spTgt spid="4">
+                                            <p:txEl>
+                                              <p:pRg st="0" end="0"/>
+                                            </p:txEl>
+                                          </p:spTgt>
+                                        </p:tgtEl>
+                                      </p:cBhvr>
+                                    </p:animEffect>
+                                  </p:childTnLst>
+                                </p:cTn>
+                              </p:par>
+                            </p:childTnLst>
+                          </p:cTn>
+                        </p:par>
+                      </p:childTnLst>
+                    </p:cTn>
+                  </p:par>
+                  <p:par>
+                    <p:cTn id="18" fill="hold">
+                      <p:stCondLst>
+                        <p:cond delay="indefinite"/>
+                      </p:stCondLst>
+                      <p:childTnLst>
+                        <p:par>
+                          <p:cTn id="19" fill="hold">
+                            <p:stCondLst>
+                              <p:cond delay="0"/>
+                            </p:stCondLst>
+                            <p:childTnLst>
+                              <p:par>
+                                <p:cTn id="20" presetID="10" presetClass="entr" presetSubtype="0" fill="hold" grpId="0" nodeType="clickEffect">
+                                  <p:stCondLst>
+                                    <p:cond delay="0"/>
+                                  </p:stCondLst>
+                                  <p:childTnLst>
+                                    <p:set>
+                                      <p:cBhvr>
+                                        <p:cTn id="21" dur="1" fill="hold">
+                                          <p:stCondLst>
+                                            <p:cond delay="0"/>
+                                          </p:stCondLst>
+                                        </p:cTn>
+                                        <p:tgtEl>
+                                          <p:spTgt spid="4">
+                                            <p:txEl>
+                                              <p:pRg st="1" end="1"/>
+                                            </p:txEl>
+                                          </p:spTgt>
+                                        </p:tgtEl>
+                                        <p:attrNameLst>
+                                          <p:attrName>style.visibility</p:attrName>
+                                        </p:attrNameLst>
+                                      </p:cBhvr>
+                                      <p:to>
+                                        <p:strVal val="visible"/>
+                                      </p:to>
+                                    </p:set>
+                                    <p:animEffect transition="in" filter="fade">
+                                      <p:cBhvr>
+                                        <p:cTn id="22" dur="500"/>
+                                        <p:tgtEl>
+                                          <p:spTgt spid="4">
+                                            <p:txEl>
+                                              <p:pRg st="1" end="1"/>
+                                            </p:txEl>
+                                          </p:spTgt>
+                                        </p:tgtEl>
+                                      </p:cBhvr>
+                                    </p:animEffect>
+                                  </p:childTnLst>
+                                </p:cTn>
+                              </p:par>
+                            </p:childTnLst>
+                          </p:cTn>
+                        </p:par>
+                      </p:childTnLst>
+                    </p:cTn>
+                  </p:par>
+                  <p:par>
+                    <p:cTn id="23" fill="hold">
+                      <p:stCondLst>
+                        <p:cond delay="indefinite"/>
+                      </p:stCondLst>
+                      <p:childTnLst>
+                        <p:par>
+                          <p:cTn id="24" fill="hold">
+                            <p:stCondLst>
+                              <p:cond delay="0"/>
+                            </p:stCondLst>
+                            <p:childTnLst>
+                              <p:par>
+                                <p:cTn id="25" presetID="10" presetClass="entr" presetSubtype="0" fill="hold" grpId="0" nodeType="clickEffect">
+                                  <p:stCondLst>
+                                    <p:cond delay="0"/>
+                                  </p:stCondLst>
+                                  <p:childTnLst>
+                                    <p:set>
+                                      <p:cBhvr>
+                                        <p:cTn id="26" dur="1" fill="hold">
+                                          <p:stCondLst>
+                                            <p:cond delay="0"/>
+                                          </p:stCondLst>
+                                        </p:cTn>
+                                        <p:tgtEl>
+                                          <p:spTgt spid="4">
+                                            <p:txEl>
+                                              <p:pRg st="2" end="2"/>
+                                            </p:txEl>
+                                          </p:spTgt>
+                                        </p:tgtEl>
+                                        <p:attrNameLst>
+                                          <p:attrName>style.visibility</p:attrName>
+                                        </p:attrNameLst>
+                                      </p:cBhvr>
+                                      <p:to>
+                                        <p:strVal val="visible"/>
+                                      </p:to>
+                                    </p:set>
+                                    <p:animEffect transition="in" filter="fade">
+                                      <p:cBhvr>
+                                        <p:cTn id="27" dur="500"/>
+                                        <p:tgtEl>
+                                          <p:spTgt spid="4">
+                                            <p:txEl>
+                                              <p:pRg st="2" end="2"/>
+                                            </p:txEl>
+                                          </p:spTgt>
+                                        </p:tgtEl>
+                                      </p:cBhvr>
+                                    </p:animEffect>
+                                  </p:childTnLst>
+                                </p:cTn>
+                              </p:par>
+                            </p:childTnLst>
+                          </p:cTn>
+                        </p:par>
+                      </p:childTnLst>
+                    </p:cTn>
+                  </p:par>
+                  <p:par>
+                    <p:cTn id="28" fill="hold">
+                      <p:stCondLst>
+                        <p:cond delay="indefinite"/>
+                      </p:stCondLst>
+                      <p:childTnLst>
+                        <p:par>
+                          <p:cTn id="29" fill="hold">
+                            <p:stCondLst>
+                              <p:cond delay="0"/>
+                            </p:stCondLst>
+                            <p:childTnLst>
+                              <p:par>
+                                <p:cTn id="30" presetID="10" presetClass="entr" presetSubtype="0" fill="hold" grpId="0" nodeType="clickEffect">
+                                  <p:stCondLst>
+                                    <p:cond delay="0"/>
+                                  </p:stCondLst>
+                                  <p:childTnLst>
+                                    <p:set>
+                                      <p:cBhvr>
+                                        <p:cTn id="31" dur="1" fill="hold">
+                                          <p:stCondLst>
+                                            <p:cond delay="0"/>
+                                          </p:stCondLst>
+                                        </p:cTn>
+                                        <p:tgtEl>
+                                          <p:spTgt spid="4">
+                                            <p:txEl>
+                                              <p:pRg st="3" end="3"/>
+                                            </p:txEl>
+                                          </p:spTgt>
+                                        </p:tgtEl>
+                                        <p:attrNameLst>
+                                          <p:attrName>style.visibility</p:attrName>
+                                        </p:attrNameLst>
+                                      </p:cBhvr>
+                                      <p:to>
+                                        <p:strVal val="visible"/>
+                                      </p:to>
+                                    </p:set>
+                                    <p:animEffect transition="in" filter="fade">
+                                      <p:cBhvr>
+                                        <p:cTn id="32" dur="500"/>
+                                        <p:tgtEl>
+                                          <p:spTgt spid="4">
+                                            <p:txEl>
+                                              <p:pRg st="3" end="3"/>
+                                            </p:txEl>
+                                          </p:spTgt>
+                                        </p:tgtEl>
+                                      </p:cBhvr>
+                                    </p:animEffect>
+                                  </p:childTnLst>
+                                </p:cTn>
+                              </p:par>
+                            </p:childTnLst>
+                          </p:cTn>
+                        </p:par>
+                      </p:childTnLst>
+                    </p:cTn>
+                  </p:par>
+                  <p:par>
+                    <p:cTn id="33" fill="hold">
+                      <p:stCondLst>
+                        <p:cond delay="indefinite"/>
+                      </p:stCondLst>
+                      <p:childTnLst>
+                        <p:par>
+                          <p:cTn id="34" fill="hold">
+                            <p:stCondLst>
+                              <p:cond delay="0"/>
+                            </p:stCondLst>
+                            <p:childTnLst>
+                              <p:par>
+                                <p:cTn id="35" presetID="10" presetClass="entr" presetSubtype="0" fill="hold" grpId="0" nodeType="clickEffect">
+                                  <p:stCondLst>
+                                    <p:cond delay="0"/>
+                                  </p:stCondLst>
+                                  <p:childTnLst>
+                                    <p:set>
+                                      <p:cBhvr>
+                                        <p:cTn id="36" dur="1" fill="hold">
+                                          <p:stCondLst>
+                                            <p:cond delay="0"/>
+                                          </p:stCondLst>
+                                        </p:cTn>
+                                        <p:tgtEl>
+                                          <p:spTgt spid="5"/>
+                                        </p:tgtEl>
+                                        <p:attrNameLst>
+                                          <p:attrName>style.visibility</p:attrName>
+                                        </p:attrNameLst>
+                                      </p:cBhvr>
+                                      <p:to>
+                                        <p:strVal val="visible"/>
+                                      </p:to>
+                                    </p:set>
+                                    <p:animEffect transition="in" filter="fade">
+                                      <p:cBhvr>
+                                        <p:cTn id="37" dur="500"/>
+                                        <p:tgtEl>
+                                          <p:spTgt spid="5"/>
+                                        </p:tgtEl>
+                                      </p:cBhvr>
+                                    </p:animEffect>
+                                  </p:childTnLst>
+                                </p:cTn>
+                              </p:par>
+                            </p:childTnLst>
+                          </p:cTn>
+                        </p:par>
+                      </p:childTnLst>
+                    </p:cTn>
+                  </p:par>
                 </p:childTnLst>
               </p:cTn>
               <p:prevCondLst>
@@ -26841,12 +31716,393 @@
     </p:tnLst>
     <p:bldLst>
       <p:bldP spid="2" grpId="0"/>
+      <p:bldP spid="4" grpId="0" build="p"/>
+      <p:bldP spid="3" grpId="0"/>
+      <p:bldP spid="5" grpId="0"/>
     </p:bldLst>
   </p:timing>
 </p:sld>
 </file>
 
-<file path=ppt/slides/slide7.xml><?xml version="1.0" encoding="utf-8"?>
+<file path=ppt/slides/slide8.xml><?xml version="1.0" encoding="utf-8"?>
+<p:sld xmlns:a="http://schemas.openxmlformats.org/drawingml/2006/main" xmlns:r="http://schemas.openxmlformats.org/officeDocument/2006/relationships" xmlns:p="http://schemas.openxmlformats.org/presentationml/2006/main">
+  <p:cSld>
+    <p:spTree>
+      <p:nvGrpSpPr>
+        <p:cNvPr id="1" name=""/>
+        <p:cNvGrpSpPr/>
+        <p:nvPr/>
+      </p:nvGrpSpPr>
+      <p:grpSpPr>
+        <a:xfrm>
+          <a:off x="0" y="0"/>
+          <a:ext cx="0" cy="0"/>
+          <a:chOff x="0" y="0"/>
+          <a:chExt cx="0" cy="0"/>
+        </a:xfrm>
+      </p:grpSpPr>
+      <p:sp>
+        <p:nvSpPr>
+          <p:cNvPr id="2" name="Title 1"/>
+          <p:cNvSpPr>
+            <a:spLocks noGrp="1"/>
+          </p:cNvSpPr>
+          <p:nvPr>
+            <p:ph type="title"/>
+          </p:nvPr>
+        </p:nvSpPr>
+        <p:spPr/>
+        <p:txBody>
+          <a:bodyPr/>
+          <a:lstStyle/>
+          <a:p>
+            <a:r>
+              <a:rPr lang="en-US" sz="3600" dirty="0" smtClean="0"/>
+              <a:t>D</a:t>
+            </a:r>
+            <a:r>
+              <a:rPr lang="en-US" sz="3600" dirty="0" smtClean="0">
+                <a:solidFill>
+                  <a:schemeClr val="bg1">
+                    <a:lumMod val="50000"/>
+                  </a:schemeClr>
+                </a:solidFill>
+              </a:rPr>
+              <a:t>ata</a:t>
+            </a:r>
+            <a:r>
+              <a:rPr lang="en-US" sz="3600" dirty="0" smtClean="0"/>
+              <a:t> A</a:t>
+            </a:r>
+            <a:r>
+              <a:rPr lang="en-US" sz="3600" dirty="0" smtClean="0">
+                <a:solidFill>
+                  <a:schemeClr val="bg1">
+                    <a:lumMod val="50000"/>
+                  </a:schemeClr>
+                </a:solidFill>
+              </a:rPr>
+              <a:t>ccess</a:t>
+            </a:r>
+            <a:r>
+              <a:rPr lang="en-US" sz="3600" dirty="0" smtClean="0"/>
+              <a:t> L</a:t>
+            </a:r>
+            <a:r>
+              <a:rPr lang="en-US" sz="3600" dirty="0" smtClean="0">
+                <a:solidFill>
+                  <a:schemeClr val="bg1">
+                    <a:lumMod val="50000"/>
+                  </a:schemeClr>
+                </a:solidFill>
+              </a:rPr>
+              <a:t>ayer</a:t>
+            </a:r>
+            <a:endParaRPr lang="en-US" sz="3600" dirty="0">
+              <a:solidFill>
+                <a:schemeClr val="bg1">
+                  <a:lumMod val="50000"/>
+                </a:schemeClr>
+              </a:solidFill>
+            </a:endParaRPr>
+          </a:p>
+        </p:txBody>
+      </p:sp>
+      <p:sp>
+        <p:nvSpPr>
+          <p:cNvPr id="3" name="Text Placeholder 2"/>
+          <p:cNvSpPr>
+            <a:spLocks noGrp="1"/>
+          </p:cNvSpPr>
+          <p:nvPr>
+            <p:ph type="body" idx="1"/>
+          </p:nvPr>
+        </p:nvSpPr>
+        <p:spPr/>
+        <p:txBody>
+          <a:bodyPr>
+            <a:normAutofit/>
+          </a:bodyPr>
+          <a:lstStyle/>
+          <a:p>
+            <a:r>
+              <a:rPr lang="en-US" sz="3200" dirty="0" smtClean="0"/>
+              <a:t>= Dull</a:t>
+            </a:r>
+            <a:endParaRPr lang="en-US" sz="3200" dirty="0"/>
+          </a:p>
+        </p:txBody>
+      </p:sp>
+      <p:sp>
+        <p:nvSpPr>
+          <p:cNvPr id="4" name="Title 1"/>
+          <p:cNvSpPr txBox="1">
+            <a:spLocks/>
+          </p:cNvSpPr>
+          <p:nvPr/>
+        </p:nvSpPr>
+        <p:spPr bwMode="gray">
+          <a:xfrm>
+            <a:off x="1154954" y="4027078"/>
+            <a:ext cx="2017737" cy="628050"/>
+          </a:xfrm>
+          <a:prstGeom prst="rect">
+            <a:avLst/>
+          </a:prstGeom>
+        </p:spPr>
+        <p:txBody>
+          <a:bodyPr vert="horz" lIns="91440" tIns="45720" rIns="91440" bIns="45720" rtlCol="0" anchor="ctr">
+            <a:noAutofit/>
+          </a:bodyPr>
+          <a:lstStyle>
+            <a:lvl1pPr algn="l" defTabSz="457200" rtl="0" eaLnBrk="1" latinLnBrk="0" hangingPunct="1">
+              <a:spcBef>
+                <a:spcPct val="0"/>
+              </a:spcBef>
+              <a:buNone/>
+              <a:defRPr sz="4000" b="0" i="0" kern="1200" cap="none">
+                <a:solidFill>
+                  <a:schemeClr val="bg2"/>
+                </a:solidFill>
+                <a:latin typeface="+mj-lt"/>
+                <a:ea typeface="+mj-ea"/>
+                <a:cs typeface="+mj-cs"/>
+              </a:defRPr>
+            </a:lvl1pPr>
+            <a:lvl2pPr eaLnBrk="1" hangingPunct="1">
+              <a:defRPr>
+                <a:solidFill>
+                  <a:schemeClr val="tx2"/>
+                </a:solidFill>
+              </a:defRPr>
+            </a:lvl2pPr>
+            <a:lvl3pPr eaLnBrk="1" hangingPunct="1">
+              <a:defRPr>
+                <a:solidFill>
+                  <a:schemeClr val="tx2"/>
+                </a:solidFill>
+              </a:defRPr>
+            </a:lvl3pPr>
+            <a:lvl4pPr eaLnBrk="1" hangingPunct="1">
+              <a:defRPr>
+                <a:solidFill>
+                  <a:schemeClr val="tx2"/>
+                </a:solidFill>
+              </a:defRPr>
+            </a:lvl4pPr>
+            <a:lvl5pPr eaLnBrk="1" hangingPunct="1">
+              <a:defRPr>
+                <a:solidFill>
+                  <a:schemeClr val="tx2"/>
+                </a:solidFill>
+              </a:defRPr>
+            </a:lvl5pPr>
+            <a:lvl6pPr eaLnBrk="1" hangingPunct="1">
+              <a:defRPr>
+                <a:solidFill>
+                  <a:schemeClr val="tx2"/>
+                </a:solidFill>
+              </a:defRPr>
+            </a:lvl6pPr>
+            <a:lvl7pPr eaLnBrk="1" hangingPunct="1">
+              <a:defRPr>
+                <a:solidFill>
+                  <a:schemeClr val="tx2"/>
+                </a:solidFill>
+              </a:defRPr>
+            </a:lvl7pPr>
+            <a:lvl8pPr eaLnBrk="1" hangingPunct="1">
+              <a:defRPr>
+                <a:solidFill>
+                  <a:schemeClr val="tx2"/>
+                </a:solidFill>
+              </a:defRPr>
+            </a:lvl8pPr>
+            <a:lvl9pPr eaLnBrk="1" hangingPunct="1">
+              <a:defRPr>
+                <a:solidFill>
+                  <a:schemeClr val="tx2"/>
+                </a:solidFill>
+              </a:defRPr>
+            </a:lvl9pPr>
+          </a:lstStyle>
+          <a:p>
+            <a:r>
+              <a:rPr lang="en-US" sz="3600" dirty="0" smtClean="0"/>
+              <a:t>(DAL)</a:t>
+            </a:r>
+            <a:endParaRPr lang="en-US" sz="3600" dirty="0">
+              <a:solidFill>
+                <a:schemeClr val="bg1">
+                  <a:lumMod val="50000"/>
+                </a:schemeClr>
+              </a:solidFill>
+            </a:endParaRPr>
+          </a:p>
+        </p:txBody>
+      </p:sp>
+    </p:spTree>
+    <p:extLst>
+      <p:ext uri="{BB962C8B-B14F-4D97-AF65-F5344CB8AC3E}">
+        <p14:creationId xmlns:p14="http://schemas.microsoft.com/office/powerpoint/2010/main" val="1941151332"/>
+      </p:ext>
+    </p:extLst>
+  </p:cSld>
+  <p:clrMapOvr>
+    <a:masterClrMapping/>
+  </p:clrMapOvr>
+  <p:timing>
+    <p:tnLst>
+      <p:par>
+        <p:cTn id="1" dur="indefinite" restart="never" nodeType="tmRoot">
+          <p:childTnLst>
+            <p:seq concurrent="1" nextAc="seek">
+              <p:cTn id="2" dur="indefinite" nodeType="mainSeq">
+                <p:childTnLst>
+                  <p:par>
+                    <p:cTn id="3" fill="hold">
+                      <p:stCondLst>
+                        <p:cond delay="indefinite"/>
+                      </p:stCondLst>
+                      <p:childTnLst>
+                        <p:par>
+                          <p:cTn id="4" fill="hold">
+                            <p:stCondLst>
+                              <p:cond delay="0"/>
+                            </p:stCondLst>
+                            <p:childTnLst>
+                              <p:par>
+                                <p:cTn id="5" presetID="10" presetClass="entr" presetSubtype="0" fill="hold" grpId="0" nodeType="clickEffect">
+                                  <p:stCondLst>
+                                    <p:cond delay="0"/>
+                                  </p:stCondLst>
+                                  <p:childTnLst>
+                                    <p:set>
+                                      <p:cBhvr>
+                                        <p:cTn id="6" dur="1" fill="hold">
+                                          <p:stCondLst>
+                                            <p:cond delay="0"/>
+                                          </p:stCondLst>
+                                        </p:cTn>
+                                        <p:tgtEl>
+                                          <p:spTgt spid="4"/>
+                                        </p:tgtEl>
+                                        <p:attrNameLst>
+                                          <p:attrName>style.visibility</p:attrName>
+                                        </p:attrNameLst>
+                                      </p:cBhvr>
+                                      <p:to>
+                                        <p:strVal val="visible"/>
+                                      </p:to>
+                                    </p:set>
+                                    <p:animEffect transition="in" filter="fade">
+                                      <p:cBhvr>
+                                        <p:cTn id="7" dur="500"/>
+                                        <p:tgtEl>
+                                          <p:spTgt spid="4"/>
+                                        </p:tgtEl>
+                                      </p:cBhvr>
+                                    </p:animEffect>
+                                  </p:childTnLst>
+                                </p:cTn>
+                              </p:par>
+                            </p:childTnLst>
+                          </p:cTn>
+                        </p:par>
+                      </p:childTnLst>
+                    </p:cTn>
+                  </p:par>
+                  <p:par>
+                    <p:cTn id="8" fill="hold">
+                      <p:stCondLst>
+                        <p:cond delay="indefinite"/>
+                      </p:stCondLst>
+                      <p:childTnLst>
+                        <p:par>
+                          <p:cTn id="9" fill="hold">
+                            <p:stCondLst>
+                              <p:cond delay="0"/>
+                            </p:stCondLst>
+                            <p:childTnLst>
+                              <p:par>
+                                <p:cTn id="10" presetID="22" presetClass="entr" presetSubtype="8" fill="hold" grpId="0" nodeType="clickEffect">
+                                  <p:stCondLst>
+                                    <p:cond delay="0"/>
+                                  </p:stCondLst>
+                                  <p:childTnLst>
+                                    <p:set>
+                                      <p:cBhvr>
+                                        <p:cTn id="11" dur="1" fill="hold">
+                                          <p:stCondLst>
+                                            <p:cond delay="0"/>
+                                          </p:stCondLst>
+                                        </p:cTn>
+                                        <p:tgtEl>
+                                          <p:spTgt spid="3">
+                                            <p:txEl>
+                                              <p:pRg st="0" end="0"/>
+                                            </p:txEl>
+                                          </p:spTgt>
+                                        </p:tgtEl>
+                                        <p:attrNameLst>
+                                          <p:attrName>style.visibility</p:attrName>
+                                        </p:attrNameLst>
+                                      </p:cBhvr>
+                                      <p:to>
+                                        <p:strVal val="visible"/>
+                                      </p:to>
+                                    </p:set>
+                                    <p:animEffect transition="in" filter="wipe(left)">
+                                      <p:cBhvr>
+                                        <p:cTn id="12" dur="500"/>
+                                        <p:tgtEl>
+                                          <p:spTgt spid="3">
+                                            <p:txEl>
+                                              <p:pRg st="0" end="0"/>
+                                            </p:txEl>
+                                          </p:spTgt>
+                                        </p:tgtEl>
+                                      </p:cBhvr>
+                                    </p:animEffect>
+                                  </p:childTnLst>
+                                </p:cTn>
+                              </p:par>
+                            </p:childTnLst>
+                          </p:cTn>
+                        </p:par>
+                      </p:childTnLst>
+                    </p:cTn>
+                  </p:par>
+                </p:childTnLst>
+              </p:cTn>
+              <p:prevCondLst>
+                <p:cond evt="onPrev" delay="0">
+                  <p:tgtEl>
+                    <p:sldTgt/>
+                  </p:tgtEl>
+                </p:cond>
+              </p:prevCondLst>
+              <p:nextCondLst>
+                <p:cond evt="onNext" delay="0">
+                  <p:tgtEl>
+                    <p:sldTgt/>
+                  </p:tgtEl>
+                </p:cond>
+              </p:nextCondLst>
+            </p:seq>
+          </p:childTnLst>
+        </p:cTn>
+      </p:par>
+    </p:tnLst>
+    <p:bldLst>
+      <p:bldP spid="3" grpId="0" build="p"/>
+      <p:bldP spid="4" grpId="0"/>
+    </p:bldLst>
+  </p:timing>
+</p:sld>
+</file>
+
+<file path=ppt/slides/slide9.xml><?xml version="1.0" encoding="utf-8"?>
 <p:sld xmlns:a="http://schemas.openxmlformats.org/drawingml/2006/main" xmlns:r="http://schemas.openxmlformats.org/officeDocument/2006/relationships" xmlns:p="http://schemas.openxmlformats.org/presentationml/2006/main">
   <p:cSld>
     <p:spTree>
@@ -26923,13 +32179,13 @@
   <p:clrMapOvr>
     <a:masterClrMapping/>
   </p:clrMapOvr>
-  <mc:AlternateContent xmlns:mc="http://schemas.openxmlformats.org/markup-compatibility/2006">
-    <mc:Choice xmlns:p14="http://schemas.microsoft.com/office/powerpoint/2010/main" Requires="p14">
+  <mc:AlternateContent xmlns:mc="http://schemas.openxmlformats.org/markup-compatibility/2006" xmlns:p14="http://schemas.microsoft.com/office/powerpoint/2010/main">
+    <mc:Choice Requires="p14">
       <p:transition spd="slow" p14:dur="1600">
         <p14:conveyor dir="l"/>
       </p:transition>
     </mc:Choice>
-    <mc:Fallback>
+    <mc:Fallback xmlns="">
       <p:transition spd="slow">
         <p:fade/>
       </p:transition>
@@ -27027,278 +32283,6 @@
     </p:tnLst>
     <p:bldLst>
       <p:bldP spid="4" grpId="0" build="p"/>
-    </p:bldLst>
-  </p:timing>
-</p:sld>
-</file>
-
-<file path=ppt/slides/slide8.xml><?xml version="1.0" encoding="utf-8"?>
-<p:sld xmlns:a="http://schemas.openxmlformats.org/drawingml/2006/main" xmlns:r="http://schemas.openxmlformats.org/officeDocument/2006/relationships" xmlns:p="http://schemas.openxmlformats.org/presentationml/2006/main">
-  <p:cSld>
-    <p:spTree>
-      <p:nvGrpSpPr>
-        <p:cNvPr id="1" name=""/>
-        <p:cNvGrpSpPr/>
-        <p:nvPr/>
-      </p:nvGrpSpPr>
-      <p:grpSpPr>
-        <a:xfrm>
-          <a:off x="0" y="0"/>
-          <a:ext cx="0" cy="0"/>
-          <a:chOff x="0" y="0"/>
-          <a:chExt cx="0" cy="0"/>
-        </a:xfrm>
-      </p:grpSpPr>
-      <p:sp>
-        <p:nvSpPr>
-          <p:cNvPr id="2" name="Title 1"/>
-          <p:cNvSpPr>
-            <a:spLocks noGrp="1"/>
-          </p:cNvSpPr>
-          <p:nvPr>
-            <p:ph type="title"/>
-          </p:nvPr>
-        </p:nvSpPr>
-        <p:spPr/>
-        <p:txBody>
-          <a:bodyPr/>
-          <a:lstStyle/>
-          <a:p>
-            <a:r>
-              <a:rPr lang="en-US" sz="2400" dirty="0" smtClean="0"/>
-              <a:t>One of the most important</a:t>
-            </a:r>
-            <a:endParaRPr lang="en-US" sz="2400" dirty="0"/>
-          </a:p>
-        </p:txBody>
-      </p:sp>
-      <p:sp>
-        <p:nvSpPr>
-          <p:cNvPr id="3" name="Text Placeholder 2"/>
-          <p:cNvSpPr>
-            <a:spLocks noGrp="1"/>
-          </p:cNvSpPr>
-          <p:nvPr>
-            <p:ph type="body" idx="1"/>
-          </p:nvPr>
-        </p:nvSpPr>
-        <p:spPr/>
-        <p:txBody>
-          <a:bodyPr/>
-          <a:lstStyle/>
-          <a:p>
-            <a:r>
-              <a:rPr lang="en-US" dirty="0"/>
-              <a:t>UX and UI</a:t>
-            </a:r>
-          </a:p>
-        </p:txBody>
-      </p:sp>
-    </p:spTree>
-    <p:extLst>
-      <p:ext uri="{BB962C8B-B14F-4D97-AF65-F5344CB8AC3E}">
-        <p14:creationId xmlns:p14="http://schemas.microsoft.com/office/powerpoint/2010/main" val="2826739323"/>
-      </p:ext>
-    </p:extLst>
-  </p:cSld>
-  <p:clrMapOvr>
-    <a:masterClrMapping/>
-  </p:clrMapOvr>
-  <mc:AlternateContent xmlns:mc="http://schemas.openxmlformats.org/markup-compatibility/2006">
-    <mc:Choice xmlns:p14="http://schemas.microsoft.com/office/powerpoint/2010/main" Requires="p14">
-      <p:transition spd="slow" p14:dur="1600">
-        <p14:conveyor dir="l"/>
-      </p:transition>
-    </mc:Choice>
-    <mc:Fallback>
-      <p:transition spd="slow">
-        <p:fade/>
-      </p:transition>
-    </mc:Fallback>
-  </mc:AlternateContent>
-  <p:timing>
-    <p:tnLst>
-      <p:par>
-        <p:cTn id="1" dur="indefinite" restart="never" nodeType="tmRoot"/>
-      </p:par>
-    </p:tnLst>
-  </p:timing>
-</p:sld>
-</file>
-
-<file path=ppt/slides/slide9.xml><?xml version="1.0" encoding="utf-8"?>
-<p:sld xmlns:a="http://schemas.openxmlformats.org/drawingml/2006/main" xmlns:r="http://schemas.openxmlformats.org/officeDocument/2006/relationships" xmlns:p="http://schemas.openxmlformats.org/presentationml/2006/main">
-  <p:cSld>
-    <p:spTree>
-      <p:nvGrpSpPr>
-        <p:cNvPr id="1" name=""/>
-        <p:cNvGrpSpPr/>
-        <p:nvPr/>
-      </p:nvGrpSpPr>
-      <p:grpSpPr>
-        <a:xfrm>
-          <a:off x="0" y="0"/>
-          <a:ext cx="0" cy="0"/>
-          <a:chOff x="0" y="0"/>
-          <a:chExt cx="0" cy="0"/>
-        </a:xfrm>
-      </p:grpSpPr>
-      <p:sp>
-        <p:nvSpPr>
-          <p:cNvPr id="2" name="Title 1"/>
-          <p:cNvSpPr>
-            <a:spLocks noGrp="1"/>
-          </p:cNvSpPr>
-          <p:nvPr>
-            <p:ph type="title"/>
-          </p:nvPr>
-        </p:nvSpPr>
-        <p:spPr/>
-        <p:txBody>
-          <a:bodyPr/>
-          <a:lstStyle/>
-          <a:p>
-            <a:r>
-              <a:rPr lang="en-US" sz="2400" dirty="0" smtClean="0"/>
-              <a:t>Don’t make me think.</a:t>
-            </a:r>
-            <a:endParaRPr lang="en-US" sz="2400" dirty="0"/>
-          </a:p>
-        </p:txBody>
-      </p:sp>
-      <p:sp>
-        <p:nvSpPr>
-          <p:cNvPr id="4" name="Text Placeholder 3"/>
-          <p:cNvSpPr>
-            <a:spLocks noGrp="1"/>
-          </p:cNvSpPr>
-          <p:nvPr>
-            <p:ph type="body" idx="1"/>
-          </p:nvPr>
-        </p:nvSpPr>
-        <p:spPr/>
-        <p:txBody>
-          <a:bodyPr/>
-          <a:lstStyle/>
-          <a:p>
-            <a:r>
-              <a:rPr lang="en-US" dirty="0" smtClean="0"/>
-              <a:t>Make a system where developers </a:t>
-            </a:r>
-            <a:r>
-              <a:rPr lang="en-US" b="1" u="sng" dirty="0" smtClean="0"/>
-              <a:t>doesn’t have to think much</a:t>
-            </a:r>
-            <a:endParaRPr lang="en-US" b="1" u="sng" dirty="0"/>
-          </a:p>
-        </p:txBody>
-      </p:sp>
-    </p:spTree>
-    <p:extLst>
-      <p:ext uri="{BB962C8B-B14F-4D97-AF65-F5344CB8AC3E}">
-        <p14:creationId xmlns:p14="http://schemas.microsoft.com/office/powerpoint/2010/main" val="4079628190"/>
-      </p:ext>
-    </p:extLst>
-  </p:cSld>
-  <p:clrMapOvr>
-    <a:masterClrMapping/>
-  </p:clrMapOvr>
-  <mc:AlternateContent xmlns:mc="http://schemas.openxmlformats.org/markup-compatibility/2006">
-    <mc:Choice xmlns:p14="http://schemas.microsoft.com/office/powerpoint/2010/main" Requires="p14">
-      <p:transition spd="med" p14:dur="700">
-        <p:fade/>
-      </p:transition>
-    </mc:Choice>
-    <mc:Fallback>
-      <p:transition spd="med">
-        <p:fade/>
-      </p:transition>
-    </mc:Fallback>
-  </mc:AlternateContent>
-  <p:timing>
-    <p:tnLst>
-      <p:par>
-        <p:cTn id="1" dur="indefinite" restart="never" nodeType="tmRoot">
-          <p:childTnLst>
-            <p:seq concurrent="1" nextAc="seek">
-              <p:cTn id="2" dur="indefinite" nodeType="mainSeq">
-                <p:childTnLst>
-                  <p:par>
-                    <p:cTn id="3" fill="hold">
-                      <p:stCondLst>
-                        <p:cond delay="indefinite"/>
-                      </p:stCondLst>
-                      <p:childTnLst>
-                        <p:par>
-                          <p:cTn id="4" fill="hold">
-                            <p:stCondLst>
-                              <p:cond delay="0"/>
-                            </p:stCondLst>
-                            <p:childTnLst>
-                              <p:par>
-                                <p:cTn id="5" presetID="10" presetClass="entr" presetSubtype="0" fill="hold" grpId="0" nodeType="clickEffect">
-                                  <p:stCondLst>
-                                    <p:cond delay="0"/>
-                                  </p:stCondLst>
-                                  <p:childTnLst>
-                                    <p:set>
-                                      <p:cBhvr>
-                                        <p:cTn id="6" dur="1" fill="hold">
-                                          <p:stCondLst>
-                                            <p:cond delay="0"/>
-                                          </p:stCondLst>
-                                        </p:cTn>
-                                        <p:tgtEl>
-                                          <p:spTgt spid="2"/>
-                                        </p:tgtEl>
-                                        <p:attrNameLst>
-                                          <p:attrName>style.visibility</p:attrName>
-                                        </p:attrNameLst>
-                                      </p:cBhvr>
-                                      <p:to>
-                                        <p:strVal val="visible"/>
-                                      </p:to>
-                                    </p:set>
-                                    <p:animEffect transition="in" filter="fade">
-                                      <p:cBhvr>
-                                        <p:cTn id="7" dur="500"/>
-                                        <p:tgtEl>
-                                          <p:spTgt spid="2"/>
-                                        </p:tgtEl>
-                                      </p:cBhvr>
-                                    </p:animEffect>
-                                  </p:childTnLst>
-                                </p:cTn>
-                              </p:par>
-                            </p:childTnLst>
-                          </p:cTn>
-                        </p:par>
-                      </p:childTnLst>
-                    </p:cTn>
-                  </p:par>
-                </p:childTnLst>
-              </p:cTn>
-              <p:prevCondLst>
-                <p:cond evt="onPrev" delay="0">
-                  <p:tgtEl>
-                    <p:sldTgt/>
-                  </p:tgtEl>
-                </p:cond>
-              </p:prevCondLst>
-              <p:nextCondLst>
-                <p:cond evt="onNext" delay="0">
-                  <p:tgtEl>
-                    <p:sldTgt/>
-                  </p:tgtEl>
-                </p:cond>
-              </p:nextCondLst>
-            </p:seq>
-          </p:childTnLst>
-        </p:cTn>
-      </p:par>
-    </p:tnLst>
-    <p:bldLst>
-      <p:bldP spid="2" grpId="0"/>
     </p:bldLst>
   </p:timing>
 </p:sld>
@@ -27566,4 +32550,265 @@
     </a:ext>
   </a:extLst>
 </a:theme>
+</file>
+
+<file path=ppt/theme/theme2.xml><?xml version="1.0" encoding="utf-8"?>
+<a:theme xmlns:a="http://schemas.openxmlformats.org/drawingml/2006/main" name="Office Theme">
+  <a:themeElements>
+    <a:clrScheme name="Office">
+      <a:dk1>
+        <a:sysClr val="windowText" lastClr="000000"/>
+      </a:dk1>
+      <a:lt1>
+        <a:sysClr val="window" lastClr="FFFFFF"/>
+      </a:lt1>
+      <a:dk2>
+        <a:srgbClr val="44546A"/>
+      </a:dk2>
+      <a:lt2>
+        <a:srgbClr val="E7E6E6"/>
+      </a:lt2>
+      <a:accent1>
+        <a:srgbClr val="5B9BD5"/>
+      </a:accent1>
+      <a:accent2>
+        <a:srgbClr val="ED7D31"/>
+      </a:accent2>
+      <a:accent3>
+        <a:srgbClr val="A5A5A5"/>
+      </a:accent3>
+      <a:accent4>
+        <a:srgbClr val="FFC000"/>
+      </a:accent4>
+      <a:accent5>
+        <a:srgbClr val="4472C4"/>
+      </a:accent5>
+      <a:accent6>
+        <a:srgbClr val="70AD47"/>
+      </a:accent6>
+      <a:hlink>
+        <a:srgbClr val="0563C1"/>
+      </a:hlink>
+      <a:folHlink>
+        <a:srgbClr val="954F72"/>
+      </a:folHlink>
+    </a:clrScheme>
+    <a:fontScheme name="Office">
+      <a:majorFont>
+        <a:latin typeface="Calibri Light" panose="020F0302020204030204"/>
+        <a:ea typeface=""/>
+        <a:cs typeface=""/>
+        <a:font script="Jpan" typeface="ＭＳ Ｐゴシック"/>
+        <a:font script="Hang" typeface="맑은 고딕"/>
+        <a:font script="Hans" typeface="宋体"/>
+        <a:font script="Hant" typeface="新細明體"/>
+        <a:font script="Arab" typeface="Times New Roman"/>
+        <a:font script="Hebr" typeface="Times New Roman"/>
+        <a:font script="Thai" typeface="Angsana New"/>
+        <a:font script="Ethi" typeface="Nyala"/>
+        <a:font script="Beng" typeface="Vrinda"/>
+        <a:font script="Gujr" typeface="Shruti"/>
+        <a:font script="Khmr" typeface="MoolBoran"/>
+        <a:font script="Knda" typeface="Tunga"/>
+        <a:font script="Guru" typeface="Raavi"/>
+        <a:font script="Cans" typeface="Euphemia"/>
+        <a:font script="Cher" typeface="Plantagenet Cherokee"/>
+        <a:font script="Yiii" typeface="Microsoft Yi Baiti"/>
+        <a:font script="Tibt" typeface="Microsoft Himalaya"/>
+        <a:font script="Thaa" typeface="MV Boli"/>
+        <a:font script="Deva" typeface="Mangal"/>
+        <a:font script="Telu" typeface="Gautami"/>
+        <a:font script="Taml" typeface="Latha"/>
+        <a:font script="Syrc" typeface="Estrangelo Edessa"/>
+        <a:font script="Orya" typeface="Kalinga"/>
+        <a:font script="Mlym" typeface="Kartika"/>
+        <a:font script="Laoo" typeface="DokChampa"/>
+        <a:font script="Sinh" typeface="Iskoola Pota"/>
+        <a:font script="Mong" typeface="Mongolian Baiti"/>
+        <a:font script="Viet" typeface="Times New Roman"/>
+        <a:font script="Uigh" typeface="Microsoft Uighur"/>
+        <a:font script="Geor" typeface="Sylfaen"/>
+      </a:majorFont>
+      <a:minorFont>
+        <a:latin typeface="Calibri" panose="020F0502020204030204"/>
+        <a:ea typeface=""/>
+        <a:cs typeface=""/>
+        <a:font script="Jpan" typeface="ＭＳ Ｐゴシック"/>
+        <a:font script="Hang" typeface="맑은 고딕"/>
+        <a:font script="Hans" typeface="宋体"/>
+        <a:font script="Hant" typeface="新細明體"/>
+        <a:font script="Arab" typeface="Arial"/>
+        <a:font script="Hebr" typeface="Arial"/>
+        <a:font script="Thai" typeface="Cordia New"/>
+        <a:font script="Ethi" typeface="Nyala"/>
+        <a:font script="Beng" typeface="Vrinda"/>
+        <a:font script="Gujr" typeface="Shruti"/>
+        <a:font script="Khmr" typeface="DaunPenh"/>
+        <a:font script="Knda" typeface="Tunga"/>
+        <a:font script="Guru" typeface="Raavi"/>
+        <a:font script="Cans" typeface="Euphemia"/>
+        <a:font script="Cher" typeface="Plantagenet Cherokee"/>
+        <a:font script="Yiii" typeface="Microsoft Yi Baiti"/>
+        <a:font script="Tibt" typeface="Microsoft Himalaya"/>
+        <a:font script="Thaa" typeface="MV Boli"/>
+        <a:font script="Deva" typeface="Mangal"/>
+        <a:font script="Telu" typeface="Gautami"/>
+        <a:font script="Taml" typeface="Latha"/>
+        <a:font script="Syrc" typeface="Estrangelo Edessa"/>
+        <a:font script="Orya" typeface="Kalinga"/>
+        <a:font script="Mlym" typeface="Kartika"/>
+        <a:font script="Laoo" typeface="DokChampa"/>
+        <a:font script="Sinh" typeface="Iskoola Pota"/>
+        <a:font script="Mong" typeface="Mongolian Baiti"/>
+        <a:font script="Viet" typeface="Arial"/>
+        <a:font script="Uigh" typeface="Microsoft Uighur"/>
+        <a:font script="Geor" typeface="Sylfaen"/>
+      </a:minorFont>
+    </a:fontScheme>
+    <a:fmtScheme name="Office">
+      <a:fillStyleLst>
+        <a:solidFill>
+          <a:schemeClr val="phClr"/>
+        </a:solidFill>
+        <a:gradFill rotWithShape="1">
+          <a:gsLst>
+            <a:gs pos="0">
+              <a:schemeClr val="phClr">
+                <a:lumMod val="110000"/>
+                <a:satMod val="105000"/>
+                <a:tint val="67000"/>
+              </a:schemeClr>
+            </a:gs>
+            <a:gs pos="50000">
+              <a:schemeClr val="phClr">
+                <a:lumMod val="105000"/>
+                <a:satMod val="103000"/>
+                <a:tint val="73000"/>
+              </a:schemeClr>
+            </a:gs>
+            <a:gs pos="100000">
+              <a:schemeClr val="phClr">
+                <a:lumMod val="105000"/>
+                <a:satMod val="109000"/>
+                <a:tint val="81000"/>
+              </a:schemeClr>
+            </a:gs>
+          </a:gsLst>
+          <a:lin ang="5400000" scaled="0"/>
+        </a:gradFill>
+        <a:gradFill rotWithShape="1">
+          <a:gsLst>
+            <a:gs pos="0">
+              <a:schemeClr val="phClr">
+                <a:satMod val="103000"/>
+                <a:lumMod val="102000"/>
+                <a:tint val="94000"/>
+              </a:schemeClr>
+            </a:gs>
+            <a:gs pos="50000">
+              <a:schemeClr val="phClr">
+                <a:satMod val="110000"/>
+                <a:lumMod val="100000"/>
+                <a:shade val="100000"/>
+              </a:schemeClr>
+            </a:gs>
+            <a:gs pos="100000">
+              <a:schemeClr val="phClr">
+                <a:lumMod val="99000"/>
+                <a:satMod val="120000"/>
+                <a:shade val="78000"/>
+              </a:schemeClr>
+            </a:gs>
+          </a:gsLst>
+          <a:lin ang="5400000" scaled="0"/>
+        </a:gradFill>
+      </a:fillStyleLst>
+      <a:lnStyleLst>
+        <a:ln w="6350" cap="flat" cmpd="sng" algn="ctr">
+          <a:solidFill>
+            <a:schemeClr val="phClr"/>
+          </a:solidFill>
+          <a:prstDash val="solid"/>
+          <a:miter lim="800000"/>
+        </a:ln>
+        <a:ln w="12700" cap="flat" cmpd="sng" algn="ctr">
+          <a:solidFill>
+            <a:schemeClr val="phClr"/>
+          </a:solidFill>
+          <a:prstDash val="solid"/>
+          <a:miter lim="800000"/>
+        </a:ln>
+        <a:ln w="19050" cap="flat" cmpd="sng" algn="ctr">
+          <a:solidFill>
+            <a:schemeClr val="phClr"/>
+          </a:solidFill>
+          <a:prstDash val="solid"/>
+          <a:miter lim="800000"/>
+        </a:ln>
+      </a:lnStyleLst>
+      <a:effectStyleLst>
+        <a:effectStyle>
+          <a:effectLst/>
+        </a:effectStyle>
+        <a:effectStyle>
+          <a:effectLst/>
+        </a:effectStyle>
+        <a:effectStyle>
+          <a:effectLst>
+            <a:outerShdw blurRad="57150" dist="19050" dir="5400000" algn="ctr" rotWithShape="0">
+              <a:srgbClr val="000000">
+                <a:alpha val="63000"/>
+              </a:srgbClr>
+            </a:outerShdw>
+          </a:effectLst>
+        </a:effectStyle>
+      </a:effectStyleLst>
+      <a:bgFillStyleLst>
+        <a:solidFill>
+          <a:schemeClr val="phClr"/>
+        </a:solidFill>
+        <a:solidFill>
+          <a:schemeClr val="phClr">
+            <a:tint val="95000"/>
+            <a:satMod val="170000"/>
+          </a:schemeClr>
+        </a:solidFill>
+        <a:gradFill rotWithShape="1">
+          <a:gsLst>
+            <a:gs pos="0">
+              <a:schemeClr val="phClr">
+                <a:tint val="93000"/>
+                <a:satMod val="150000"/>
+                <a:shade val="98000"/>
+                <a:lumMod val="102000"/>
+              </a:schemeClr>
+            </a:gs>
+            <a:gs pos="50000">
+              <a:schemeClr val="phClr">
+                <a:tint val="98000"/>
+                <a:satMod val="130000"/>
+                <a:shade val="90000"/>
+                <a:lumMod val="103000"/>
+              </a:schemeClr>
+            </a:gs>
+            <a:gs pos="100000">
+              <a:schemeClr val="phClr">
+                <a:shade val="63000"/>
+                <a:satMod val="120000"/>
+              </a:schemeClr>
+            </a:gs>
+          </a:gsLst>
+          <a:lin ang="5400000" scaled="0"/>
+        </a:gradFill>
+      </a:bgFillStyleLst>
+    </a:fmtScheme>
+  </a:themeElements>
+  <a:objectDefaults/>
+  <a:extraClrSchemeLst/>
+  <a:extLst>
+    <a:ext uri="{05A4C25C-085E-4340-85A3-A5531E510DB2}">
+      <thm15:themeFamily xmlns:thm15="http://schemas.microsoft.com/office/thememl/2012/main" name="Office Theme" id="{62F939B6-93AF-4DB8-9C6B-D6C7DFDC589F}" vid="{4A3C46E8-61CC-4603-A589-7422A47A8E4A}"/>
+    </a:ext>
+  </a:extLst>
+</a:theme>
 </file>
--- a/Presentation.pptx
+++ b/Presentation.pptx
@@ -3366,22 +3366,22 @@
     </dgm:pt>
   </dgm:ptLst>
   <dgm:cxnLst>
-    <dgm:cxn modelId="{8A0C31D0-49BC-4F5C-8865-83DC5818EA63}" type="presOf" srcId="{B7639AAB-CFE4-44B0-AE57-D7873415BE5F}" destId="{4D463DF4-9660-4B27-B22D-E314510A94A1}" srcOrd="0" destOrd="0" presId="urn:microsoft.com/office/officeart/2005/8/layout/cycle3"/>
     <dgm:cxn modelId="{74A79E3E-80C9-4D77-A7AB-EEDAED2690E9}" srcId="{B7C65986-1D36-4944-AF21-7E159A0D6700}" destId="{B7639AAB-CFE4-44B0-AE57-D7873415BE5F}" srcOrd="0" destOrd="0" parTransId="{57C6B4EF-02BF-4E81-BF11-95A283C19245}" sibTransId="{1325C46B-6364-448A-970F-2C6DB11FDD1F}"/>
-    <dgm:cxn modelId="{8A6C18A3-0D8B-465A-8C49-A09B849C5734}" type="presOf" srcId="{95818411-18EE-4957-A7BC-37B3E2B89B7A}" destId="{621C1EB5-404C-4350-8EDC-4E8FBC416EBE}" srcOrd="0" destOrd="0" presId="urn:microsoft.com/office/officeart/2005/8/layout/cycle3"/>
-    <dgm:cxn modelId="{B83B862F-6E54-430A-8E2E-11A5A80C97CE}" type="presOf" srcId="{B7C65986-1D36-4944-AF21-7E159A0D6700}" destId="{8328ED8B-CB77-47F9-A0FA-B709C79AB662}" srcOrd="0" destOrd="0" presId="urn:microsoft.com/office/officeart/2005/8/layout/cycle3"/>
-    <dgm:cxn modelId="{7F531329-F1DD-4791-905E-EF908E83DB1A}" srcId="{B7C65986-1D36-4944-AF21-7E159A0D6700}" destId="{03BC55C6-1986-4A71-8F02-CBCDC1E6F80C}" srcOrd="1" destOrd="0" parTransId="{B1A26100-F9E8-4DCF-8E26-85FC681889C7}" sibTransId="{E0C173E4-A150-40BF-9192-1EAB84C34168}"/>
-    <dgm:cxn modelId="{C2180D1D-7381-4CE2-8AD6-6A52913D79F9}" type="presOf" srcId="{03BC55C6-1986-4A71-8F02-CBCDC1E6F80C}" destId="{8DCD8F56-B764-4617-9BB7-CE7EC4B6B43D}" srcOrd="0" destOrd="0" presId="urn:microsoft.com/office/officeart/2005/8/layout/cycle3"/>
-    <dgm:cxn modelId="{5B39B638-59C6-45DA-983B-BF634A13E955}" type="presOf" srcId="{041125DE-48F4-48AF-8F08-65BB8898AE79}" destId="{D3AFB453-A763-4C31-9A15-DCE2B56C0C9D}" srcOrd="0" destOrd="0" presId="urn:microsoft.com/office/officeart/2005/8/layout/cycle3"/>
     <dgm:cxn modelId="{BF718010-2DB2-45D1-BE5C-F1FC3A28E2A8}" type="presOf" srcId="{A0622912-2DAD-4539-95B9-096F3C95D5CC}" destId="{A1C1FE4F-6CAC-4124-B118-1A70141218EE}" srcOrd="0" destOrd="0" presId="urn:microsoft.com/office/officeart/2005/8/layout/cycle3"/>
     <dgm:cxn modelId="{2C421FFE-F16D-45EE-8B29-2E711B33BF48}" srcId="{B7C65986-1D36-4944-AF21-7E159A0D6700}" destId="{A0622912-2DAD-4539-95B9-096F3C95D5CC}" srcOrd="5" destOrd="0" parTransId="{5A9D721C-24BC-4235-88F5-7776FACB5D05}" sibTransId="{9664DF26-3EA0-473B-A0CE-52B7A8C2858A}"/>
-    <dgm:cxn modelId="{06868D1B-675E-49F1-82C7-A66890CBC0BF}" type="presOf" srcId="{4F9068AE-75C5-4B23-B7FF-05D2AB77206A}" destId="{177D7915-8E51-4124-93B0-0305F7B518FE}" srcOrd="0" destOrd="0" presId="urn:microsoft.com/office/officeart/2005/8/layout/cycle3"/>
+    <dgm:cxn modelId="{EA808E82-FF89-4B1C-9B85-E0063B2C2E6B}" type="presOf" srcId="{A96398E9-1BE3-48FB-8DD5-9EA411837F3C}" destId="{118EDD52-B04E-47D7-9947-E75854CAC112}" srcOrd="0" destOrd="0" presId="urn:microsoft.com/office/officeart/2005/8/layout/cycle3"/>
+    <dgm:cxn modelId="{18FDE138-9760-4382-AC09-95BC0DEC1A2D}" srcId="{B7C65986-1D36-4944-AF21-7E159A0D6700}" destId="{041125DE-48F4-48AF-8F08-65BB8898AE79}" srcOrd="2" destOrd="0" parTransId="{0C18D46A-AD40-4874-A985-2ACBB5558C23}" sibTransId="{4DF56372-9C31-4BE8-B3DA-688E4D5A3F9C}"/>
+    <dgm:cxn modelId="{B83B862F-6E54-430A-8E2E-11A5A80C97CE}" type="presOf" srcId="{B7C65986-1D36-4944-AF21-7E159A0D6700}" destId="{8328ED8B-CB77-47F9-A0FA-B709C79AB662}" srcOrd="0" destOrd="0" presId="urn:microsoft.com/office/officeart/2005/8/layout/cycle3"/>
+    <dgm:cxn modelId="{7400EB30-969A-45CE-BF7E-89362CA8470A}" type="presOf" srcId="{1325C46B-6364-448A-970F-2C6DB11FDD1F}" destId="{80B6033D-8E8F-4FCA-8D03-BF8AB0786D23}" srcOrd="0" destOrd="0" presId="urn:microsoft.com/office/officeart/2005/8/layout/cycle3"/>
+    <dgm:cxn modelId="{7F531329-F1DD-4791-905E-EF908E83DB1A}" srcId="{B7C65986-1D36-4944-AF21-7E159A0D6700}" destId="{03BC55C6-1986-4A71-8F02-CBCDC1E6F80C}" srcOrd="1" destOrd="0" parTransId="{B1A26100-F9E8-4DCF-8E26-85FC681889C7}" sibTransId="{E0C173E4-A150-40BF-9192-1EAB84C34168}"/>
+    <dgm:cxn modelId="{5B39B638-59C6-45DA-983B-BF634A13E955}" type="presOf" srcId="{041125DE-48F4-48AF-8F08-65BB8898AE79}" destId="{D3AFB453-A763-4C31-9A15-DCE2B56C0C9D}" srcOrd="0" destOrd="0" presId="urn:microsoft.com/office/officeart/2005/8/layout/cycle3"/>
+    <dgm:cxn modelId="{C2180D1D-7381-4CE2-8AD6-6A52913D79F9}" type="presOf" srcId="{03BC55C6-1986-4A71-8F02-CBCDC1E6F80C}" destId="{8DCD8F56-B764-4617-9BB7-CE7EC4B6B43D}" srcOrd="0" destOrd="0" presId="urn:microsoft.com/office/officeart/2005/8/layout/cycle3"/>
+    <dgm:cxn modelId="{361AF11E-722E-41AA-A104-68040414D817}" srcId="{B7C65986-1D36-4944-AF21-7E159A0D6700}" destId="{95818411-18EE-4957-A7BC-37B3E2B89B7A}" srcOrd="3" destOrd="0" parTransId="{04F4A588-EDC8-485B-8BD6-879130FEE559}" sibTransId="{C9CD7A3B-B1F3-4DFA-8611-746A1BD30D3B}"/>
     <dgm:cxn modelId="{77765343-0FE8-48B4-A9EB-51CE5CA837C1}" srcId="{B7C65986-1D36-4944-AF21-7E159A0D6700}" destId="{A96398E9-1BE3-48FB-8DD5-9EA411837F3C}" srcOrd="6" destOrd="0" parTransId="{97796AFB-C3F3-4BAC-98C1-EEA78587E92F}" sibTransId="{0E0E3A69-C4C2-4ED8-BD33-660898D7CE50}"/>
     <dgm:cxn modelId="{17D46D89-DDF1-4953-9853-433E949BB0CE}" srcId="{B7C65986-1D36-4944-AF21-7E159A0D6700}" destId="{4F9068AE-75C5-4B23-B7FF-05D2AB77206A}" srcOrd="4" destOrd="0" parTransId="{D888B1C7-3B9F-46F1-9AD7-7C85B13B4FC9}" sibTransId="{48422945-35BE-462E-89B2-E685488A7AA2}"/>
-    <dgm:cxn modelId="{7400EB30-969A-45CE-BF7E-89362CA8470A}" type="presOf" srcId="{1325C46B-6364-448A-970F-2C6DB11FDD1F}" destId="{80B6033D-8E8F-4FCA-8D03-BF8AB0786D23}" srcOrd="0" destOrd="0" presId="urn:microsoft.com/office/officeart/2005/8/layout/cycle3"/>
-    <dgm:cxn modelId="{EA808E82-FF89-4B1C-9B85-E0063B2C2E6B}" type="presOf" srcId="{A96398E9-1BE3-48FB-8DD5-9EA411837F3C}" destId="{118EDD52-B04E-47D7-9947-E75854CAC112}" srcOrd="0" destOrd="0" presId="urn:microsoft.com/office/officeart/2005/8/layout/cycle3"/>
-    <dgm:cxn modelId="{361AF11E-722E-41AA-A104-68040414D817}" srcId="{B7C65986-1D36-4944-AF21-7E159A0D6700}" destId="{95818411-18EE-4957-A7BC-37B3E2B89B7A}" srcOrd="3" destOrd="0" parTransId="{04F4A588-EDC8-485B-8BD6-879130FEE559}" sibTransId="{C9CD7A3B-B1F3-4DFA-8611-746A1BD30D3B}"/>
-    <dgm:cxn modelId="{18FDE138-9760-4382-AC09-95BC0DEC1A2D}" srcId="{B7C65986-1D36-4944-AF21-7E159A0D6700}" destId="{041125DE-48F4-48AF-8F08-65BB8898AE79}" srcOrd="2" destOrd="0" parTransId="{0C18D46A-AD40-4874-A985-2ACBB5558C23}" sibTransId="{4DF56372-9C31-4BE8-B3DA-688E4D5A3F9C}"/>
+    <dgm:cxn modelId="{8A0C31D0-49BC-4F5C-8865-83DC5818EA63}" type="presOf" srcId="{B7639AAB-CFE4-44B0-AE57-D7873415BE5F}" destId="{4D463DF4-9660-4B27-B22D-E314510A94A1}" srcOrd="0" destOrd="0" presId="urn:microsoft.com/office/officeart/2005/8/layout/cycle3"/>
+    <dgm:cxn modelId="{06868D1B-675E-49F1-82C7-A66890CBC0BF}" type="presOf" srcId="{4F9068AE-75C5-4B23-B7FF-05D2AB77206A}" destId="{177D7915-8E51-4124-93B0-0305F7B518FE}" srcOrd="0" destOrd="0" presId="urn:microsoft.com/office/officeart/2005/8/layout/cycle3"/>
+    <dgm:cxn modelId="{8A6C18A3-0D8B-465A-8C49-A09B849C5734}" type="presOf" srcId="{95818411-18EE-4957-A7BC-37B3E2B89B7A}" destId="{621C1EB5-404C-4350-8EDC-4E8FBC416EBE}" srcOrd="0" destOrd="0" presId="urn:microsoft.com/office/officeart/2005/8/layout/cycle3"/>
     <dgm:cxn modelId="{989A2BF6-E1FD-4BF3-9235-06BFDB99EC2B}" type="presParOf" srcId="{8328ED8B-CB77-47F9-A0FA-B709C79AB662}" destId="{3392812A-9DF2-4A5E-AA94-B0A3096F87FD}" srcOrd="0" destOrd="0" presId="urn:microsoft.com/office/officeart/2005/8/layout/cycle3"/>
     <dgm:cxn modelId="{D5B137E4-F60D-4149-A67F-9401D9BECEB0}" type="presParOf" srcId="{3392812A-9DF2-4A5E-AA94-B0A3096F87FD}" destId="{4D463DF4-9660-4B27-B22D-E314510A94A1}" srcOrd="0" destOrd="0" presId="urn:microsoft.com/office/officeart/2005/8/layout/cycle3"/>
     <dgm:cxn modelId="{B2F2B369-1F9E-479C-B8E7-3072D8F28D4C}" type="presParOf" srcId="{3392812A-9DF2-4A5E-AA94-B0A3096F87FD}" destId="{80B6033D-8E8F-4FCA-8D03-BF8AB0786D23}" srcOrd="1" destOrd="0" presId="urn:microsoft.com/office/officeart/2005/8/layout/cycle3"/>
@@ -3637,702 +3637,6 @@
       <dsp:cNvGrpSpPr/>
     </dsp:nvGrpSpPr>
     <dsp:grpSpPr/>
-    <dsp:sp modelId="{80B6033D-8E8F-4FCA-8D03-BF8AB0786D23}">
-      <dsp:nvSpPr>
-        <dsp:cNvPr id="0" name=""/>
-        <dsp:cNvSpPr/>
-      </dsp:nvSpPr>
-      <dsp:spPr>
-        <a:xfrm>
-          <a:off x="836211" y="-28773"/>
-          <a:ext cx="4425422" cy="4425422"/>
-        </a:xfrm>
-        <a:prstGeom prst="circularArrow">
-          <a:avLst>
-            <a:gd name="adj1" fmla="val 5544"/>
-            <a:gd name="adj2" fmla="val 330680"/>
-            <a:gd name="adj3" fmla="val 14528647"/>
-            <a:gd name="adj4" fmla="val 16942875"/>
-            <a:gd name="adj5" fmla="val 5757"/>
-          </a:avLst>
-        </a:prstGeom>
-        <a:solidFill>
-          <a:schemeClr val="accent1">
-            <a:tint val="40000"/>
-            <a:hueOff val="0"/>
-            <a:satOff val="0"/>
-            <a:lumOff val="0"/>
-            <a:alphaOff val="0"/>
-          </a:schemeClr>
-        </a:solidFill>
-        <a:ln>
-          <a:noFill/>
-        </a:ln>
-        <a:effectLst>
-          <a:outerShdw blurRad="38100" dist="25400" dir="5400000" rotWithShape="0">
-            <a:srgbClr val="000000">
-              <a:alpha val="45000"/>
-            </a:srgbClr>
-          </a:outerShdw>
-        </a:effectLst>
-      </dsp:spPr>
-      <dsp:style>
-        <a:lnRef idx="0">
-          <a:scrgbClr r="0" g="0" b="0"/>
-        </a:lnRef>
-        <a:fillRef idx="1">
-          <a:scrgbClr r="0" g="0" b="0"/>
-        </a:fillRef>
-        <a:effectRef idx="2">
-          <a:scrgbClr r="0" g="0" b="0"/>
-        </a:effectRef>
-        <a:fontRef idx="minor"/>
-      </dsp:style>
-    </dsp:sp>
-    <dsp:sp modelId="{4D463DF4-9660-4B27-B22D-E314510A94A1}">
-      <dsp:nvSpPr>
-        <dsp:cNvPr id="0" name=""/>
-        <dsp:cNvSpPr/>
-      </dsp:nvSpPr>
-      <dsp:spPr>
-        <a:xfrm>
-          <a:off x="2366339" y="2505"/>
-          <a:ext cx="1365167" cy="682583"/>
-        </a:xfrm>
-        <a:prstGeom prst="roundRect">
-          <a:avLst/>
-        </a:prstGeom>
-        <a:gradFill rotWithShape="0">
-          <a:gsLst>
-            <a:gs pos="0">
-              <a:schemeClr val="accent1">
-                <a:hueOff val="0"/>
-                <a:satOff val="0"/>
-                <a:lumOff val="0"/>
-                <a:alphaOff val="0"/>
-                <a:tint val="98000"/>
-                <a:lumMod val="114000"/>
-              </a:schemeClr>
-            </a:gs>
-            <a:gs pos="100000">
-              <a:schemeClr val="accent1">
-                <a:hueOff val="0"/>
-                <a:satOff val="0"/>
-                <a:lumOff val="0"/>
-                <a:alphaOff val="0"/>
-                <a:shade val="90000"/>
-                <a:lumMod val="84000"/>
-              </a:schemeClr>
-            </a:gs>
-          </a:gsLst>
-          <a:lin ang="5400000" scaled="0"/>
-        </a:gradFill>
-        <a:ln>
-          <a:noFill/>
-        </a:ln>
-        <a:effectLst>
-          <a:outerShdw blurRad="38100" dist="25400" dir="5400000" rotWithShape="0">
-            <a:srgbClr val="000000">
-              <a:alpha val="45000"/>
-            </a:srgbClr>
-          </a:outerShdw>
-        </a:effectLst>
-      </dsp:spPr>
-      <dsp:style>
-        <a:lnRef idx="0">
-          <a:scrgbClr r="0" g="0" b="0"/>
-        </a:lnRef>
-        <a:fillRef idx="3">
-          <a:scrgbClr r="0" g="0" b="0"/>
-        </a:fillRef>
-        <a:effectRef idx="2">
-          <a:scrgbClr r="0" g="0" b="0"/>
-        </a:effectRef>
-        <a:fontRef idx="minor">
-          <a:schemeClr val="lt1"/>
-        </a:fontRef>
-      </dsp:style>
-      <dsp:txBody>
-        <a:bodyPr spcFirstLastPara="0" vert="horz" wrap="square" lIns="53340" tIns="53340" rIns="53340" bIns="53340" numCol="1" spcCol="1270" anchor="ctr" anchorCtr="0">
-          <a:noAutofit/>
-        </a:bodyPr>
-        <a:lstStyle/>
-        <a:p>
-          <a:pPr lvl="0" algn="ctr" defTabSz="622300">
-            <a:lnSpc>
-              <a:spcPct val="90000"/>
-            </a:lnSpc>
-            <a:spcBef>
-              <a:spcPct val="0"/>
-            </a:spcBef>
-            <a:spcAft>
-              <a:spcPct val="35000"/>
-            </a:spcAft>
-          </a:pPr>
-          <a:r>
-            <a:rPr lang="en-US" sz="1400" kern="1200" dirty="0" smtClean="0"/>
-            <a:t>Analyzing</a:t>
-          </a:r>
-          <a:endParaRPr lang="en-US" sz="1400" kern="1200" dirty="0"/>
-        </a:p>
-      </dsp:txBody>
-      <dsp:txXfrm>
-        <a:off x="2399660" y="35826"/>
-        <a:ext cx="1298525" cy="615941"/>
-      </dsp:txXfrm>
-    </dsp:sp>
-    <dsp:sp modelId="{8DCD8F56-B764-4617-9BB7-CE7EC4B6B43D}">
-      <dsp:nvSpPr>
-        <dsp:cNvPr id="0" name=""/>
-        <dsp:cNvSpPr/>
-      </dsp:nvSpPr>
-      <dsp:spPr>
-        <a:xfrm>
-          <a:off x="3841791" y="713045"/>
-          <a:ext cx="1365167" cy="682583"/>
-        </a:xfrm>
-        <a:prstGeom prst="roundRect">
-          <a:avLst/>
-        </a:prstGeom>
-        <a:gradFill rotWithShape="0">
-          <a:gsLst>
-            <a:gs pos="0">
-              <a:schemeClr val="accent1">
-                <a:hueOff val="0"/>
-                <a:satOff val="0"/>
-                <a:lumOff val="0"/>
-                <a:alphaOff val="0"/>
-                <a:tint val="98000"/>
-                <a:lumMod val="114000"/>
-              </a:schemeClr>
-            </a:gs>
-            <a:gs pos="100000">
-              <a:schemeClr val="accent1">
-                <a:hueOff val="0"/>
-                <a:satOff val="0"/>
-                <a:lumOff val="0"/>
-                <a:alphaOff val="0"/>
-                <a:shade val="90000"/>
-                <a:lumMod val="84000"/>
-              </a:schemeClr>
-            </a:gs>
-          </a:gsLst>
-          <a:lin ang="5400000" scaled="0"/>
-        </a:gradFill>
-        <a:ln>
-          <a:noFill/>
-        </a:ln>
-        <a:effectLst>
-          <a:outerShdw blurRad="38100" dist="25400" dir="5400000" rotWithShape="0">
-            <a:srgbClr val="000000">
-              <a:alpha val="45000"/>
-            </a:srgbClr>
-          </a:outerShdw>
-        </a:effectLst>
-      </dsp:spPr>
-      <dsp:style>
-        <a:lnRef idx="0">
-          <a:scrgbClr r="0" g="0" b="0"/>
-        </a:lnRef>
-        <a:fillRef idx="3">
-          <a:scrgbClr r="0" g="0" b="0"/>
-        </a:fillRef>
-        <a:effectRef idx="2">
-          <a:scrgbClr r="0" g="0" b="0"/>
-        </a:effectRef>
-        <a:fontRef idx="minor">
-          <a:schemeClr val="lt1"/>
-        </a:fontRef>
-      </dsp:style>
-      <dsp:txBody>
-        <a:bodyPr spcFirstLastPara="0" vert="horz" wrap="square" lIns="53340" tIns="53340" rIns="53340" bIns="53340" numCol="1" spcCol="1270" anchor="ctr" anchorCtr="0">
-          <a:noAutofit/>
-        </a:bodyPr>
-        <a:lstStyle/>
-        <a:p>
-          <a:pPr lvl="0" algn="ctr" defTabSz="622300">
-            <a:lnSpc>
-              <a:spcPct val="90000"/>
-            </a:lnSpc>
-            <a:spcBef>
-              <a:spcPct val="0"/>
-            </a:spcBef>
-            <a:spcAft>
-              <a:spcPct val="35000"/>
-            </a:spcAft>
-          </a:pPr>
-          <a:r>
-            <a:rPr lang="en-US" sz="1400" kern="1200" smtClean="0"/>
-            <a:t>System Designing</a:t>
-          </a:r>
-          <a:endParaRPr lang="en-US" sz="1400" kern="1200" dirty="0" smtClean="0"/>
-        </a:p>
-      </dsp:txBody>
-      <dsp:txXfrm>
-        <a:off x="3875112" y="746366"/>
-        <a:ext cx="1298525" cy="615941"/>
-      </dsp:txXfrm>
-    </dsp:sp>
-    <dsp:sp modelId="{D3AFB453-A763-4C31-9A15-DCE2B56C0C9D}">
-      <dsp:nvSpPr>
-        <dsp:cNvPr id="0" name=""/>
-        <dsp:cNvSpPr/>
-      </dsp:nvSpPr>
-      <dsp:spPr>
-        <a:xfrm>
-          <a:off x="4206197" y="2309614"/>
-          <a:ext cx="1365167" cy="682583"/>
-        </a:xfrm>
-        <a:prstGeom prst="roundRect">
-          <a:avLst/>
-        </a:prstGeom>
-        <a:gradFill rotWithShape="0">
-          <a:gsLst>
-            <a:gs pos="0">
-              <a:schemeClr val="accent1">
-                <a:hueOff val="0"/>
-                <a:satOff val="0"/>
-                <a:lumOff val="0"/>
-                <a:alphaOff val="0"/>
-                <a:tint val="98000"/>
-                <a:lumMod val="114000"/>
-              </a:schemeClr>
-            </a:gs>
-            <a:gs pos="100000">
-              <a:schemeClr val="accent1">
-                <a:hueOff val="0"/>
-                <a:satOff val="0"/>
-                <a:lumOff val="0"/>
-                <a:alphaOff val="0"/>
-                <a:shade val="90000"/>
-                <a:lumMod val="84000"/>
-              </a:schemeClr>
-            </a:gs>
-          </a:gsLst>
-          <a:lin ang="5400000" scaled="0"/>
-        </a:gradFill>
-        <a:ln>
-          <a:noFill/>
-        </a:ln>
-        <a:effectLst>
-          <a:outerShdw blurRad="38100" dist="25400" dir="5400000" rotWithShape="0">
-            <a:srgbClr val="000000">
-              <a:alpha val="45000"/>
-            </a:srgbClr>
-          </a:outerShdw>
-        </a:effectLst>
-      </dsp:spPr>
-      <dsp:style>
-        <a:lnRef idx="0">
-          <a:scrgbClr r="0" g="0" b="0"/>
-        </a:lnRef>
-        <a:fillRef idx="3">
-          <a:scrgbClr r="0" g="0" b="0"/>
-        </a:fillRef>
-        <a:effectRef idx="2">
-          <a:scrgbClr r="0" g="0" b="0"/>
-        </a:effectRef>
-        <a:fontRef idx="minor">
-          <a:schemeClr val="lt1"/>
-        </a:fontRef>
-      </dsp:style>
-      <dsp:txBody>
-        <a:bodyPr spcFirstLastPara="0" vert="horz" wrap="square" lIns="53340" tIns="53340" rIns="53340" bIns="53340" numCol="1" spcCol="1270" anchor="ctr" anchorCtr="0">
-          <a:noAutofit/>
-        </a:bodyPr>
-        <a:lstStyle/>
-        <a:p>
-          <a:pPr lvl="0" algn="ctr" defTabSz="622300">
-            <a:lnSpc>
-              <a:spcPct val="90000"/>
-            </a:lnSpc>
-            <a:spcBef>
-              <a:spcPct val="0"/>
-            </a:spcBef>
-            <a:spcAft>
-              <a:spcPct val="35000"/>
-            </a:spcAft>
-          </a:pPr>
-          <a:r>
-            <a:rPr lang="en-US" sz="1400" kern="1200" smtClean="0"/>
-            <a:t>System Building</a:t>
-          </a:r>
-          <a:endParaRPr lang="en-US" sz="1400" kern="1200" dirty="0" smtClean="0"/>
-        </a:p>
-      </dsp:txBody>
-      <dsp:txXfrm>
-        <a:off x="4239518" y="2342935"/>
-        <a:ext cx="1298525" cy="615941"/>
-      </dsp:txXfrm>
-    </dsp:sp>
-    <dsp:sp modelId="{621C1EB5-404C-4350-8EDC-4E8FBC416EBE}">
-      <dsp:nvSpPr>
-        <dsp:cNvPr id="0" name=""/>
-        <dsp:cNvSpPr/>
-      </dsp:nvSpPr>
-      <dsp:spPr>
-        <a:xfrm>
-          <a:off x="3185153" y="3589964"/>
-          <a:ext cx="1365167" cy="682583"/>
-        </a:xfrm>
-        <a:prstGeom prst="roundRect">
-          <a:avLst/>
-        </a:prstGeom>
-        <a:gradFill rotWithShape="0">
-          <a:gsLst>
-            <a:gs pos="0">
-              <a:schemeClr val="accent1">
-                <a:hueOff val="0"/>
-                <a:satOff val="0"/>
-                <a:lumOff val="0"/>
-                <a:alphaOff val="0"/>
-                <a:tint val="98000"/>
-                <a:lumMod val="114000"/>
-              </a:schemeClr>
-            </a:gs>
-            <a:gs pos="100000">
-              <a:schemeClr val="accent1">
-                <a:hueOff val="0"/>
-                <a:satOff val="0"/>
-                <a:lumOff val="0"/>
-                <a:alphaOff val="0"/>
-                <a:shade val="90000"/>
-                <a:lumMod val="84000"/>
-              </a:schemeClr>
-            </a:gs>
-          </a:gsLst>
-          <a:lin ang="5400000" scaled="0"/>
-        </a:gradFill>
-        <a:ln>
-          <a:noFill/>
-        </a:ln>
-        <a:effectLst>
-          <a:outerShdw blurRad="38100" dist="25400" dir="5400000" rotWithShape="0">
-            <a:srgbClr val="000000">
-              <a:alpha val="45000"/>
-            </a:srgbClr>
-          </a:outerShdw>
-        </a:effectLst>
-      </dsp:spPr>
-      <dsp:style>
-        <a:lnRef idx="0">
-          <a:scrgbClr r="0" g="0" b="0"/>
-        </a:lnRef>
-        <a:fillRef idx="3">
-          <a:scrgbClr r="0" g="0" b="0"/>
-        </a:fillRef>
-        <a:effectRef idx="2">
-          <a:scrgbClr r="0" g="0" b="0"/>
-        </a:effectRef>
-        <a:fontRef idx="minor">
-          <a:schemeClr val="lt1"/>
-        </a:fontRef>
-      </dsp:style>
-      <dsp:txBody>
-        <a:bodyPr spcFirstLastPara="0" vert="horz" wrap="square" lIns="53340" tIns="53340" rIns="53340" bIns="53340" numCol="1" spcCol="1270" anchor="ctr" anchorCtr="0">
-          <a:noAutofit/>
-        </a:bodyPr>
-        <a:lstStyle/>
-        <a:p>
-          <a:pPr lvl="0" algn="ctr" defTabSz="622300">
-            <a:lnSpc>
-              <a:spcPct val="90000"/>
-            </a:lnSpc>
-            <a:spcBef>
-              <a:spcPct val="0"/>
-            </a:spcBef>
-            <a:spcAft>
-              <a:spcPct val="35000"/>
-            </a:spcAft>
-          </a:pPr>
-          <a:r>
-            <a:rPr lang="en-US" sz="1400" kern="1200" smtClean="0"/>
-            <a:t>Coding</a:t>
-          </a:r>
-          <a:endParaRPr lang="en-US" sz="1400" kern="1200" dirty="0" smtClean="0"/>
-        </a:p>
-      </dsp:txBody>
-      <dsp:txXfrm>
-        <a:off x="3218474" y="3623285"/>
-        <a:ext cx="1298525" cy="615941"/>
-      </dsp:txXfrm>
-    </dsp:sp>
-    <dsp:sp modelId="{177D7915-8E51-4124-93B0-0305F7B518FE}">
-      <dsp:nvSpPr>
-        <dsp:cNvPr id="0" name=""/>
-        <dsp:cNvSpPr/>
-      </dsp:nvSpPr>
-      <dsp:spPr>
-        <a:xfrm>
-          <a:off x="1547525" y="3589964"/>
-          <a:ext cx="1365167" cy="682583"/>
-        </a:xfrm>
-        <a:prstGeom prst="roundRect">
-          <a:avLst/>
-        </a:prstGeom>
-        <a:gradFill rotWithShape="0">
-          <a:gsLst>
-            <a:gs pos="0">
-              <a:schemeClr val="accent1">
-                <a:hueOff val="0"/>
-                <a:satOff val="0"/>
-                <a:lumOff val="0"/>
-                <a:alphaOff val="0"/>
-                <a:tint val="98000"/>
-                <a:lumMod val="114000"/>
-              </a:schemeClr>
-            </a:gs>
-            <a:gs pos="100000">
-              <a:schemeClr val="accent1">
-                <a:hueOff val="0"/>
-                <a:satOff val="0"/>
-                <a:lumOff val="0"/>
-                <a:alphaOff val="0"/>
-                <a:shade val="90000"/>
-                <a:lumMod val="84000"/>
-              </a:schemeClr>
-            </a:gs>
-          </a:gsLst>
-          <a:lin ang="5400000" scaled="0"/>
-        </a:gradFill>
-        <a:ln>
-          <a:noFill/>
-        </a:ln>
-        <a:effectLst>
-          <a:outerShdw blurRad="38100" dist="25400" dir="5400000" rotWithShape="0">
-            <a:srgbClr val="000000">
-              <a:alpha val="45000"/>
-            </a:srgbClr>
-          </a:outerShdw>
-        </a:effectLst>
-      </dsp:spPr>
-      <dsp:style>
-        <a:lnRef idx="0">
-          <a:scrgbClr r="0" g="0" b="0"/>
-        </a:lnRef>
-        <a:fillRef idx="3">
-          <a:scrgbClr r="0" g="0" b="0"/>
-        </a:fillRef>
-        <a:effectRef idx="2">
-          <a:scrgbClr r="0" g="0" b="0"/>
-        </a:effectRef>
-        <a:fontRef idx="minor">
-          <a:schemeClr val="lt1"/>
-        </a:fontRef>
-      </dsp:style>
-      <dsp:txBody>
-        <a:bodyPr spcFirstLastPara="0" vert="horz" wrap="square" lIns="53340" tIns="53340" rIns="53340" bIns="53340" numCol="1" spcCol="1270" anchor="ctr" anchorCtr="0">
-          <a:noAutofit/>
-        </a:bodyPr>
-        <a:lstStyle/>
-        <a:p>
-          <a:pPr lvl="0" algn="ctr" defTabSz="622300">
-            <a:lnSpc>
-              <a:spcPct val="90000"/>
-            </a:lnSpc>
-            <a:spcBef>
-              <a:spcPct val="0"/>
-            </a:spcBef>
-            <a:spcAft>
-              <a:spcPct val="35000"/>
-            </a:spcAft>
-          </a:pPr>
-          <a:r>
-            <a:rPr lang="en-US" sz="1400" kern="1200" smtClean="0"/>
-            <a:t>Testing</a:t>
-          </a:r>
-          <a:endParaRPr lang="en-US" sz="1400" kern="1200" dirty="0" smtClean="0"/>
-        </a:p>
-      </dsp:txBody>
-      <dsp:txXfrm>
-        <a:off x="1580846" y="3623285"/>
-        <a:ext cx="1298525" cy="615941"/>
-      </dsp:txXfrm>
-    </dsp:sp>
-    <dsp:sp modelId="{A1C1FE4F-6CAC-4124-B118-1A70141218EE}">
-      <dsp:nvSpPr>
-        <dsp:cNvPr id="0" name=""/>
-        <dsp:cNvSpPr/>
-      </dsp:nvSpPr>
-      <dsp:spPr>
-        <a:xfrm>
-          <a:off x="526480" y="2309614"/>
-          <a:ext cx="1365167" cy="682583"/>
-        </a:xfrm>
-        <a:prstGeom prst="roundRect">
-          <a:avLst/>
-        </a:prstGeom>
-        <a:gradFill rotWithShape="0">
-          <a:gsLst>
-            <a:gs pos="0">
-              <a:schemeClr val="accent1">
-                <a:hueOff val="0"/>
-                <a:satOff val="0"/>
-                <a:lumOff val="0"/>
-                <a:alphaOff val="0"/>
-                <a:tint val="98000"/>
-                <a:lumMod val="114000"/>
-              </a:schemeClr>
-            </a:gs>
-            <a:gs pos="100000">
-              <a:schemeClr val="accent1">
-                <a:hueOff val="0"/>
-                <a:satOff val="0"/>
-                <a:lumOff val="0"/>
-                <a:alphaOff val="0"/>
-                <a:shade val="90000"/>
-                <a:lumMod val="84000"/>
-              </a:schemeClr>
-            </a:gs>
-          </a:gsLst>
-          <a:lin ang="5400000" scaled="0"/>
-        </a:gradFill>
-        <a:ln>
-          <a:noFill/>
-        </a:ln>
-        <a:effectLst>
-          <a:outerShdw blurRad="38100" dist="25400" dir="5400000" rotWithShape="0">
-            <a:srgbClr val="000000">
-              <a:alpha val="45000"/>
-            </a:srgbClr>
-          </a:outerShdw>
-        </a:effectLst>
-      </dsp:spPr>
-      <dsp:style>
-        <a:lnRef idx="0">
-          <a:scrgbClr r="0" g="0" b="0"/>
-        </a:lnRef>
-        <a:fillRef idx="3">
-          <a:scrgbClr r="0" g="0" b="0"/>
-        </a:fillRef>
-        <a:effectRef idx="2">
-          <a:scrgbClr r="0" g="0" b="0"/>
-        </a:effectRef>
-        <a:fontRef idx="minor">
-          <a:schemeClr val="lt1"/>
-        </a:fontRef>
-      </dsp:style>
-      <dsp:txBody>
-        <a:bodyPr spcFirstLastPara="0" vert="horz" wrap="square" lIns="53340" tIns="53340" rIns="53340" bIns="53340" numCol="1" spcCol="1270" anchor="ctr" anchorCtr="0">
-          <a:noAutofit/>
-        </a:bodyPr>
-        <a:lstStyle/>
-        <a:p>
-          <a:pPr lvl="0" algn="ctr" defTabSz="622300">
-            <a:lnSpc>
-              <a:spcPct val="90000"/>
-            </a:lnSpc>
-            <a:spcBef>
-              <a:spcPct val="0"/>
-            </a:spcBef>
-            <a:spcAft>
-              <a:spcPct val="35000"/>
-            </a:spcAft>
-          </a:pPr>
-          <a:r>
-            <a:rPr lang="en-US" sz="1400" kern="1200" smtClean="0"/>
-            <a:t>Production </a:t>
-          </a:r>
-          <a:endParaRPr lang="en-US" sz="1400" kern="1200" dirty="0" smtClean="0"/>
-        </a:p>
-      </dsp:txBody>
-      <dsp:txXfrm>
-        <a:off x="559801" y="2342935"/>
-        <a:ext cx="1298525" cy="615941"/>
-      </dsp:txXfrm>
-    </dsp:sp>
-    <dsp:sp modelId="{118EDD52-B04E-47D7-9947-E75854CAC112}">
-      <dsp:nvSpPr>
-        <dsp:cNvPr id="0" name=""/>
-        <dsp:cNvSpPr/>
-      </dsp:nvSpPr>
-      <dsp:spPr>
-        <a:xfrm>
-          <a:off x="890887" y="713045"/>
-          <a:ext cx="1365167" cy="682583"/>
-        </a:xfrm>
-        <a:prstGeom prst="roundRect">
-          <a:avLst/>
-        </a:prstGeom>
-        <a:gradFill rotWithShape="0">
-          <a:gsLst>
-            <a:gs pos="0">
-              <a:schemeClr val="accent1">
-                <a:hueOff val="0"/>
-                <a:satOff val="0"/>
-                <a:lumOff val="0"/>
-                <a:alphaOff val="0"/>
-                <a:tint val="98000"/>
-                <a:lumMod val="114000"/>
-              </a:schemeClr>
-            </a:gs>
-            <a:gs pos="100000">
-              <a:schemeClr val="accent1">
-                <a:hueOff val="0"/>
-                <a:satOff val="0"/>
-                <a:lumOff val="0"/>
-                <a:alphaOff val="0"/>
-                <a:shade val="90000"/>
-                <a:lumMod val="84000"/>
-              </a:schemeClr>
-            </a:gs>
-          </a:gsLst>
-          <a:lin ang="5400000" scaled="0"/>
-        </a:gradFill>
-        <a:ln>
-          <a:noFill/>
-        </a:ln>
-        <a:effectLst>
-          <a:outerShdw blurRad="38100" dist="25400" dir="5400000" rotWithShape="0">
-            <a:srgbClr val="000000">
-              <a:alpha val="45000"/>
-            </a:srgbClr>
-          </a:outerShdw>
-        </a:effectLst>
-      </dsp:spPr>
-      <dsp:style>
-        <a:lnRef idx="0">
-          <a:scrgbClr r="0" g="0" b="0"/>
-        </a:lnRef>
-        <a:fillRef idx="3">
-          <a:scrgbClr r="0" g="0" b="0"/>
-        </a:fillRef>
-        <a:effectRef idx="2">
-          <a:scrgbClr r="0" g="0" b="0"/>
-        </a:effectRef>
-        <a:fontRef idx="minor">
-          <a:schemeClr val="lt1"/>
-        </a:fontRef>
-      </dsp:style>
-      <dsp:txBody>
-        <a:bodyPr spcFirstLastPara="0" vert="horz" wrap="square" lIns="53340" tIns="53340" rIns="53340" bIns="53340" numCol="1" spcCol="1270" anchor="ctr" anchorCtr="0">
-          <a:noAutofit/>
-        </a:bodyPr>
-        <a:lstStyle/>
-        <a:p>
-          <a:pPr lvl="0" algn="ctr" defTabSz="622300">
-            <a:lnSpc>
-              <a:spcPct val="90000"/>
-            </a:lnSpc>
-            <a:spcBef>
-              <a:spcPct val="0"/>
-            </a:spcBef>
-            <a:spcAft>
-              <a:spcPct val="35000"/>
-            </a:spcAft>
-          </a:pPr>
-          <a:r>
-            <a:rPr lang="en-US" sz="1400" kern="1200" dirty="0" smtClean="0"/>
-            <a:t>Maintenance </a:t>
-          </a:r>
-          <a:endParaRPr lang="en-US" sz="1400" kern="1200" dirty="0"/>
-        </a:p>
-      </dsp:txBody>
-      <dsp:txXfrm>
-        <a:off x="924208" y="746366"/>
-        <a:ext cx="1298525" cy="615941"/>
-      </dsp:txXfrm>
-    </dsp:sp>
   </dsp:spTree>
 </dsp:drawing>
 </file>
@@ -4345,715 +3649,6 @@
       <dsp:cNvGrpSpPr/>
     </dsp:nvGrpSpPr>
     <dsp:grpSpPr/>
-    <dsp:sp modelId="{80B6033D-8E8F-4FCA-8D03-BF8AB0786D23}">
-      <dsp:nvSpPr>
-        <dsp:cNvPr id="0" name=""/>
-        <dsp:cNvSpPr/>
-      </dsp:nvSpPr>
-      <dsp:spPr>
-        <a:xfrm>
-          <a:off x="836211" y="-28773"/>
-          <a:ext cx="4425422" cy="4425422"/>
-        </a:xfrm>
-        <a:prstGeom prst="circularArrow">
-          <a:avLst>
-            <a:gd name="adj1" fmla="val 5544"/>
-            <a:gd name="adj2" fmla="val 330680"/>
-            <a:gd name="adj3" fmla="val 14528647"/>
-            <a:gd name="adj4" fmla="val 16942875"/>
-            <a:gd name="adj5" fmla="val 5757"/>
-          </a:avLst>
-        </a:prstGeom>
-        <a:solidFill>
-          <a:schemeClr val="dk1">
-            <a:tint val="40000"/>
-            <a:hueOff val="0"/>
-            <a:satOff val="0"/>
-            <a:lumOff val="0"/>
-            <a:alphaOff val="0"/>
-          </a:schemeClr>
-        </a:solidFill>
-        <a:ln>
-          <a:noFill/>
-        </a:ln>
-        <a:effectLst/>
-      </dsp:spPr>
-      <dsp:style>
-        <a:lnRef idx="0">
-          <a:scrgbClr r="0" g="0" b="0"/>
-        </a:lnRef>
-        <a:fillRef idx="1">
-          <a:scrgbClr r="0" g="0" b="0"/>
-        </a:fillRef>
-        <a:effectRef idx="1">
-          <a:scrgbClr r="0" g="0" b="0"/>
-        </a:effectRef>
-        <a:fontRef idx="minor"/>
-      </dsp:style>
-    </dsp:sp>
-    <dsp:sp modelId="{4D463DF4-9660-4B27-B22D-E314510A94A1}">
-      <dsp:nvSpPr>
-        <dsp:cNvPr id="0" name=""/>
-        <dsp:cNvSpPr/>
-      </dsp:nvSpPr>
-      <dsp:spPr>
-        <a:xfrm>
-          <a:off x="2366339" y="2505"/>
-          <a:ext cx="1365167" cy="682583"/>
-        </a:xfrm>
-        <a:prstGeom prst="roundRect">
-          <a:avLst/>
-        </a:prstGeom>
-        <a:gradFill rotWithShape="1">
-          <a:gsLst>
-            <a:gs pos="0">
-              <a:schemeClr val="accent1">
-                <a:tint val="98000"/>
-                <a:lumMod val="114000"/>
-              </a:schemeClr>
-            </a:gs>
-            <a:gs pos="100000">
-              <a:schemeClr val="accent1">
-                <a:shade val="90000"/>
-                <a:lumMod val="84000"/>
-              </a:schemeClr>
-            </a:gs>
-          </a:gsLst>
-          <a:lin ang="5400000" scaled="0"/>
-        </a:gradFill>
-        <a:ln>
-          <a:noFill/>
-        </a:ln>
-        <a:effectLst>
-          <a:outerShdw blurRad="63500" dist="38100" dir="5400000" rotWithShape="0">
-            <a:srgbClr val="000000">
-              <a:alpha val="60000"/>
-            </a:srgbClr>
-          </a:outerShdw>
-        </a:effectLst>
-        <a:scene3d>
-          <a:camera prst="orthographicFront"/>
-          <a:lightRig rig="flat" dir="t"/>
-        </a:scene3d>
-        <a:sp3d prstMaterial="plastic">
-          <a:bevelT w="0" h="0"/>
-        </a:sp3d>
-      </dsp:spPr>
-      <dsp:style>
-        <a:lnRef idx="0">
-          <a:schemeClr val="accent1"/>
-        </a:lnRef>
-        <a:fillRef idx="3">
-          <a:schemeClr val="accent1"/>
-        </a:fillRef>
-        <a:effectRef idx="3">
-          <a:schemeClr val="accent1"/>
-        </a:effectRef>
-        <a:fontRef idx="minor">
-          <a:schemeClr val="lt1"/>
-        </a:fontRef>
-      </dsp:style>
-      <dsp:txBody>
-        <a:bodyPr spcFirstLastPara="0" vert="horz" wrap="square" lIns="53340" tIns="53340" rIns="53340" bIns="53340" numCol="1" spcCol="1270" anchor="ctr" anchorCtr="0">
-          <a:noAutofit/>
-        </a:bodyPr>
-        <a:lstStyle/>
-        <a:p>
-          <a:pPr lvl="0" algn="ctr" defTabSz="622300">
-            <a:lnSpc>
-              <a:spcPct val="90000"/>
-            </a:lnSpc>
-            <a:spcBef>
-              <a:spcPct val="0"/>
-            </a:spcBef>
-            <a:spcAft>
-              <a:spcPct val="35000"/>
-            </a:spcAft>
-          </a:pPr>
-          <a:r>
-            <a:rPr lang="en-US" sz="1400" kern="1200" dirty="0" smtClean="0">
-              <a:solidFill>
-                <a:schemeClr val="bg1"/>
-              </a:solidFill>
-            </a:rPr>
-            <a:t>Analyzing</a:t>
-          </a:r>
-          <a:endParaRPr lang="en-US" sz="1400" kern="1200" dirty="0">
-            <a:solidFill>
-              <a:schemeClr val="bg1"/>
-            </a:solidFill>
-          </a:endParaRPr>
-        </a:p>
-      </dsp:txBody>
-      <dsp:txXfrm>
-        <a:off x="2399660" y="35826"/>
-        <a:ext cx="1298525" cy="615941"/>
-      </dsp:txXfrm>
-    </dsp:sp>
-    <dsp:sp modelId="{8DCD8F56-B764-4617-9BB7-CE7EC4B6B43D}">
-      <dsp:nvSpPr>
-        <dsp:cNvPr id="0" name=""/>
-        <dsp:cNvSpPr/>
-      </dsp:nvSpPr>
-      <dsp:spPr>
-        <a:xfrm>
-          <a:off x="3841791" y="713045"/>
-          <a:ext cx="1365167" cy="682583"/>
-        </a:xfrm>
-        <a:prstGeom prst="roundRect">
-          <a:avLst/>
-        </a:prstGeom>
-        <a:gradFill rotWithShape="0">
-          <a:gsLst>
-            <a:gs pos="0">
-              <a:schemeClr val="lt1">
-                <a:hueOff val="0"/>
-                <a:satOff val="0"/>
-                <a:lumOff val="0"/>
-                <a:alphaOff val="0"/>
-                <a:tint val="64000"/>
-                <a:lumMod val="118000"/>
-              </a:schemeClr>
-            </a:gs>
-            <a:gs pos="100000">
-              <a:schemeClr val="lt1">
-                <a:hueOff val="0"/>
-                <a:satOff val="0"/>
-                <a:lumOff val="0"/>
-                <a:alphaOff val="0"/>
-                <a:tint val="92000"/>
-                <a:alpha val="100000"/>
-                <a:lumMod val="110000"/>
-              </a:schemeClr>
-            </a:gs>
-          </a:gsLst>
-          <a:lin ang="5400000" scaled="0"/>
-        </a:gradFill>
-        <a:ln>
-          <a:noFill/>
-        </a:ln>
-        <a:effectLst/>
-        <a:scene3d>
-          <a:camera prst="orthographicFront"/>
-          <a:lightRig rig="flat" dir="t"/>
-        </a:scene3d>
-        <a:sp3d prstMaterial="dkEdge">
-          <a:bevelT w="8200" h="38100"/>
-        </a:sp3d>
-      </dsp:spPr>
-      <dsp:style>
-        <a:lnRef idx="0">
-          <a:scrgbClr r="0" g="0" b="0"/>
-        </a:lnRef>
-        <a:fillRef idx="2">
-          <a:scrgbClr r="0" g="0" b="0"/>
-        </a:fillRef>
-        <a:effectRef idx="1">
-          <a:scrgbClr r="0" g="0" b="0"/>
-        </a:effectRef>
-        <a:fontRef idx="minor">
-          <a:schemeClr val="dk1"/>
-        </a:fontRef>
-      </dsp:style>
-      <dsp:txBody>
-        <a:bodyPr spcFirstLastPara="0" vert="horz" wrap="square" lIns="53340" tIns="53340" rIns="53340" bIns="53340" numCol="1" spcCol="1270" anchor="ctr" anchorCtr="0">
-          <a:noAutofit/>
-        </a:bodyPr>
-        <a:lstStyle/>
-        <a:p>
-          <a:pPr lvl="0" algn="ctr" defTabSz="622300">
-            <a:lnSpc>
-              <a:spcPct val="90000"/>
-            </a:lnSpc>
-            <a:spcBef>
-              <a:spcPct val="0"/>
-            </a:spcBef>
-            <a:spcAft>
-              <a:spcPct val="35000"/>
-            </a:spcAft>
-          </a:pPr>
-          <a:r>
-            <a:rPr lang="en-US" sz="1400" kern="1200" smtClean="0"/>
-            <a:t>System Designing</a:t>
-          </a:r>
-          <a:endParaRPr lang="en-US" sz="1400" kern="1200" dirty="0" smtClean="0"/>
-        </a:p>
-      </dsp:txBody>
-      <dsp:txXfrm>
-        <a:off x="3875112" y="746366"/>
-        <a:ext cx="1298525" cy="615941"/>
-      </dsp:txXfrm>
-    </dsp:sp>
-    <dsp:sp modelId="{D3AFB453-A763-4C31-9A15-DCE2B56C0C9D}">
-      <dsp:nvSpPr>
-        <dsp:cNvPr id="0" name=""/>
-        <dsp:cNvSpPr/>
-      </dsp:nvSpPr>
-      <dsp:spPr>
-        <a:xfrm>
-          <a:off x="4206197" y="2309614"/>
-          <a:ext cx="1365167" cy="682583"/>
-        </a:xfrm>
-        <a:prstGeom prst="roundRect">
-          <a:avLst/>
-        </a:prstGeom>
-        <a:gradFill rotWithShape="0">
-          <a:gsLst>
-            <a:gs pos="0">
-              <a:schemeClr val="lt1">
-                <a:hueOff val="0"/>
-                <a:satOff val="0"/>
-                <a:lumOff val="0"/>
-                <a:alphaOff val="0"/>
-                <a:tint val="64000"/>
-                <a:lumMod val="118000"/>
-              </a:schemeClr>
-            </a:gs>
-            <a:gs pos="100000">
-              <a:schemeClr val="lt1">
-                <a:hueOff val="0"/>
-                <a:satOff val="0"/>
-                <a:lumOff val="0"/>
-                <a:alphaOff val="0"/>
-                <a:tint val="92000"/>
-                <a:alpha val="100000"/>
-                <a:lumMod val="110000"/>
-              </a:schemeClr>
-            </a:gs>
-          </a:gsLst>
-          <a:lin ang="5400000" scaled="0"/>
-        </a:gradFill>
-        <a:ln>
-          <a:noFill/>
-        </a:ln>
-        <a:effectLst/>
-        <a:scene3d>
-          <a:camera prst="orthographicFront"/>
-          <a:lightRig rig="flat" dir="t"/>
-        </a:scene3d>
-        <a:sp3d prstMaterial="dkEdge">
-          <a:bevelT w="8200" h="38100"/>
-        </a:sp3d>
-      </dsp:spPr>
-      <dsp:style>
-        <a:lnRef idx="0">
-          <a:scrgbClr r="0" g="0" b="0"/>
-        </a:lnRef>
-        <a:fillRef idx="2">
-          <a:scrgbClr r="0" g="0" b="0"/>
-        </a:fillRef>
-        <a:effectRef idx="1">
-          <a:scrgbClr r="0" g="0" b="0"/>
-        </a:effectRef>
-        <a:fontRef idx="minor">
-          <a:schemeClr val="dk1"/>
-        </a:fontRef>
-      </dsp:style>
-      <dsp:txBody>
-        <a:bodyPr spcFirstLastPara="0" vert="horz" wrap="square" lIns="53340" tIns="53340" rIns="53340" bIns="53340" numCol="1" spcCol="1270" anchor="ctr" anchorCtr="0">
-          <a:noAutofit/>
-        </a:bodyPr>
-        <a:lstStyle/>
-        <a:p>
-          <a:pPr lvl="0" algn="ctr" defTabSz="622300">
-            <a:lnSpc>
-              <a:spcPct val="90000"/>
-            </a:lnSpc>
-            <a:spcBef>
-              <a:spcPct val="0"/>
-            </a:spcBef>
-            <a:spcAft>
-              <a:spcPct val="35000"/>
-            </a:spcAft>
-          </a:pPr>
-          <a:r>
-            <a:rPr lang="en-US" sz="1400" kern="1200" smtClean="0"/>
-            <a:t>System Building</a:t>
-          </a:r>
-          <a:endParaRPr lang="en-US" sz="1400" kern="1200" dirty="0" smtClean="0"/>
-        </a:p>
-      </dsp:txBody>
-      <dsp:txXfrm>
-        <a:off x="4239518" y="2342935"/>
-        <a:ext cx="1298525" cy="615941"/>
-      </dsp:txXfrm>
-    </dsp:sp>
-    <dsp:sp modelId="{621C1EB5-404C-4350-8EDC-4E8FBC416EBE}">
-      <dsp:nvSpPr>
-        <dsp:cNvPr id="0" name=""/>
-        <dsp:cNvSpPr/>
-      </dsp:nvSpPr>
-      <dsp:spPr>
-        <a:xfrm>
-          <a:off x="3185153" y="3589964"/>
-          <a:ext cx="1365167" cy="682583"/>
-        </a:xfrm>
-        <a:prstGeom prst="roundRect">
-          <a:avLst/>
-        </a:prstGeom>
-        <a:gradFill rotWithShape="0">
-          <a:gsLst>
-            <a:gs pos="0">
-              <a:schemeClr val="lt1">
-                <a:hueOff val="0"/>
-                <a:satOff val="0"/>
-                <a:lumOff val="0"/>
-                <a:alphaOff val="0"/>
-                <a:tint val="64000"/>
-                <a:lumMod val="118000"/>
-              </a:schemeClr>
-            </a:gs>
-            <a:gs pos="100000">
-              <a:schemeClr val="lt1">
-                <a:hueOff val="0"/>
-                <a:satOff val="0"/>
-                <a:lumOff val="0"/>
-                <a:alphaOff val="0"/>
-                <a:tint val="92000"/>
-                <a:alpha val="100000"/>
-                <a:lumMod val="110000"/>
-              </a:schemeClr>
-            </a:gs>
-          </a:gsLst>
-          <a:lin ang="5400000" scaled="0"/>
-        </a:gradFill>
-        <a:ln>
-          <a:noFill/>
-        </a:ln>
-        <a:effectLst/>
-        <a:scene3d>
-          <a:camera prst="orthographicFront"/>
-          <a:lightRig rig="flat" dir="t"/>
-        </a:scene3d>
-        <a:sp3d prstMaterial="dkEdge">
-          <a:bevelT w="8200" h="38100"/>
-        </a:sp3d>
-      </dsp:spPr>
-      <dsp:style>
-        <a:lnRef idx="0">
-          <a:scrgbClr r="0" g="0" b="0"/>
-        </a:lnRef>
-        <a:fillRef idx="2">
-          <a:scrgbClr r="0" g="0" b="0"/>
-        </a:fillRef>
-        <a:effectRef idx="1">
-          <a:scrgbClr r="0" g="0" b="0"/>
-        </a:effectRef>
-        <a:fontRef idx="minor">
-          <a:schemeClr val="dk1"/>
-        </a:fontRef>
-      </dsp:style>
-      <dsp:txBody>
-        <a:bodyPr spcFirstLastPara="0" vert="horz" wrap="square" lIns="53340" tIns="53340" rIns="53340" bIns="53340" numCol="1" spcCol="1270" anchor="ctr" anchorCtr="0">
-          <a:noAutofit/>
-        </a:bodyPr>
-        <a:lstStyle/>
-        <a:p>
-          <a:pPr lvl="0" algn="ctr" defTabSz="622300">
-            <a:lnSpc>
-              <a:spcPct val="90000"/>
-            </a:lnSpc>
-            <a:spcBef>
-              <a:spcPct val="0"/>
-            </a:spcBef>
-            <a:spcAft>
-              <a:spcPct val="35000"/>
-            </a:spcAft>
-          </a:pPr>
-          <a:r>
-            <a:rPr lang="en-US" sz="1400" kern="1200" smtClean="0"/>
-            <a:t>Coding</a:t>
-          </a:r>
-          <a:endParaRPr lang="en-US" sz="1400" kern="1200" dirty="0" smtClean="0"/>
-        </a:p>
-      </dsp:txBody>
-      <dsp:txXfrm>
-        <a:off x="3218474" y="3623285"/>
-        <a:ext cx="1298525" cy="615941"/>
-      </dsp:txXfrm>
-    </dsp:sp>
-    <dsp:sp modelId="{177D7915-8E51-4124-93B0-0305F7B518FE}">
-      <dsp:nvSpPr>
-        <dsp:cNvPr id="0" name=""/>
-        <dsp:cNvSpPr/>
-      </dsp:nvSpPr>
-      <dsp:spPr>
-        <a:xfrm>
-          <a:off x="1547525" y="3589964"/>
-          <a:ext cx="1365167" cy="682583"/>
-        </a:xfrm>
-        <a:prstGeom prst="roundRect">
-          <a:avLst/>
-        </a:prstGeom>
-        <a:gradFill rotWithShape="0">
-          <a:gsLst>
-            <a:gs pos="0">
-              <a:schemeClr val="lt1">
-                <a:hueOff val="0"/>
-                <a:satOff val="0"/>
-                <a:lumOff val="0"/>
-                <a:alphaOff val="0"/>
-                <a:tint val="64000"/>
-                <a:lumMod val="118000"/>
-              </a:schemeClr>
-            </a:gs>
-            <a:gs pos="100000">
-              <a:schemeClr val="lt1">
-                <a:hueOff val="0"/>
-                <a:satOff val="0"/>
-                <a:lumOff val="0"/>
-                <a:alphaOff val="0"/>
-                <a:tint val="92000"/>
-                <a:alpha val="100000"/>
-                <a:lumMod val="110000"/>
-              </a:schemeClr>
-            </a:gs>
-          </a:gsLst>
-          <a:lin ang="5400000" scaled="0"/>
-        </a:gradFill>
-        <a:ln>
-          <a:noFill/>
-        </a:ln>
-        <a:effectLst/>
-        <a:scene3d>
-          <a:camera prst="orthographicFront"/>
-          <a:lightRig rig="flat" dir="t"/>
-        </a:scene3d>
-        <a:sp3d prstMaterial="dkEdge">
-          <a:bevelT w="8200" h="38100"/>
-        </a:sp3d>
-      </dsp:spPr>
-      <dsp:style>
-        <a:lnRef idx="0">
-          <a:scrgbClr r="0" g="0" b="0"/>
-        </a:lnRef>
-        <a:fillRef idx="2">
-          <a:scrgbClr r="0" g="0" b="0"/>
-        </a:fillRef>
-        <a:effectRef idx="1">
-          <a:scrgbClr r="0" g="0" b="0"/>
-        </a:effectRef>
-        <a:fontRef idx="minor">
-          <a:schemeClr val="dk1"/>
-        </a:fontRef>
-      </dsp:style>
-      <dsp:txBody>
-        <a:bodyPr spcFirstLastPara="0" vert="horz" wrap="square" lIns="53340" tIns="53340" rIns="53340" bIns="53340" numCol="1" spcCol="1270" anchor="ctr" anchorCtr="0">
-          <a:noAutofit/>
-        </a:bodyPr>
-        <a:lstStyle/>
-        <a:p>
-          <a:pPr lvl="0" algn="ctr" defTabSz="622300">
-            <a:lnSpc>
-              <a:spcPct val="90000"/>
-            </a:lnSpc>
-            <a:spcBef>
-              <a:spcPct val="0"/>
-            </a:spcBef>
-            <a:spcAft>
-              <a:spcPct val="35000"/>
-            </a:spcAft>
-          </a:pPr>
-          <a:r>
-            <a:rPr lang="en-US" sz="1400" kern="1200" smtClean="0"/>
-            <a:t>Testing</a:t>
-          </a:r>
-          <a:endParaRPr lang="en-US" sz="1400" kern="1200" dirty="0" smtClean="0"/>
-        </a:p>
-      </dsp:txBody>
-      <dsp:txXfrm>
-        <a:off x="1580846" y="3623285"/>
-        <a:ext cx="1298525" cy="615941"/>
-      </dsp:txXfrm>
-    </dsp:sp>
-    <dsp:sp modelId="{A1C1FE4F-6CAC-4124-B118-1A70141218EE}">
-      <dsp:nvSpPr>
-        <dsp:cNvPr id="0" name=""/>
-        <dsp:cNvSpPr/>
-      </dsp:nvSpPr>
-      <dsp:spPr>
-        <a:xfrm>
-          <a:off x="526480" y="2309614"/>
-          <a:ext cx="1365167" cy="682583"/>
-        </a:xfrm>
-        <a:prstGeom prst="roundRect">
-          <a:avLst/>
-        </a:prstGeom>
-        <a:gradFill rotWithShape="0">
-          <a:gsLst>
-            <a:gs pos="0">
-              <a:schemeClr val="lt1">
-                <a:hueOff val="0"/>
-                <a:satOff val="0"/>
-                <a:lumOff val="0"/>
-                <a:alphaOff val="0"/>
-                <a:tint val="64000"/>
-                <a:lumMod val="118000"/>
-              </a:schemeClr>
-            </a:gs>
-            <a:gs pos="100000">
-              <a:schemeClr val="lt1">
-                <a:hueOff val="0"/>
-                <a:satOff val="0"/>
-                <a:lumOff val="0"/>
-                <a:alphaOff val="0"/>
-                <a:tint val="92000"/>
-                <a:alpha val="100000"/>
-                <a:lumMod val="110000"/>
-              </a:schemeClr>
-            </a:gs>
-          </a:gsLst>
-          <a:lin ang="5400000" scaled="0"/>
-        </a:gradFill>
-        <a:ln>
-          <a:noFill/>
-        </a:ln>
-        <a:effectLst/>
-        <a:scene3d>
-          <a:camera prst="orthographicFront"/>
-          <a:lightRig rig="flat" dir="t"/>
-        </a:scene3d>
-        <a:sp3d prstMaterial="dkEdge">
-          <a:bevelT w="8200" h="38100"/>
-        </a:sp3d>
-      </dsp:spPr>
-      <dsp:style>
-        <a:lnRef idx="0">
-          <a:scrgbClr r="0" g="0" b="0"/>
-        </a:lnRef>
-        <a:fillRef idx="2">
-          <a:scrgbClr r="0" g="0" b="0"/>
-        </a:fillRef>
-        <a:effectRef idx="1">
-          <a:scrgbClr r="0" g="0" b="0"/>
-        </a:effectRef>
-        <a:fontRef idx="minor">
-          <a:schemeClr val="dk1"/>
-        </a:fontRef>
-      </dsp:style>
-      <dsp:txBody>
-        <a:bodyPr spcFirstLastPara="0" vert="horz" wrap="square" lIns="53340" tIns="53340" rIns="53340" bIns="53340" numCol="1" spcCol="1270" anchor="ctr" anchorCtr="0">
-          <a:noAutofit/>
-        </a:bodyPr>
-        <a:lstStyle/>
-        <a:p>
-          <a:pPr lvl="0" algn="ctr" defTabSz="622300">
-            <a:lnSpc>
-              <a:spcPct val="90000"/>
-            </a:lnSpc>
-            <a:spcBef>
-              <a:spcPct val="0"/>
-            </a:spcBef>
-            <a:spcAft>
-              <a:spcPct val="35000"/>
-            </a:spcAft>
-          </a:pPr>
-          <a:r>
-            <a:rPr lang="en-US" sz="1400" kern="1200" smtClean="0"/>
-            <a:t>Production </a:t>
-          </a:r>
-          <a:endParaRPr lang="en-US" sz="1400" kern="1200" dirty="0" smtClean="0"/>
-        </a:p>
-      </dsp:txBody>
-      <dsp:txXfrm>
-        <a:off x="559801" y="2342935"/>
-        <a:ext cx="1298525" cy="615941"/>
-      </dsp:txXfrm>
-    </dsp:sp>
-    <dsp:sp modelId="{118EDD52-B04E-47D7-9947-E75854CAC112}">
-      <dsp:nvSpPr>
-        <dsp:cNvPr id="0" name=""/>
-        <dsp:cNvSpPr/>
-      </dsp:nvSpPr>
-      <dsp:spPr>
-        <a:xfrm>
-          <a:off x="890887" y="713045"/>
-          <a:ext cx="1365167" cy="682583"/>
-        </a:xfrm>
-        <a:prstGeom prst="roundRect">
-          <a:avLst/>
-        </a:prstGeom>
-        <a:gradFill rotWithShape="0">
-          <a:gsLst>
-            <a:gs pos="0">
-              <a:schemeClr val="lt1">
-                <a:hueOff val="0"/>
-                <a:satOff val="0"/>
-                <a:lumOff val="0"/>
-                <a:alphaOff val="0"/>
-                <a:tint val="64000"/>
-                <a:lumMod val="118000"/>
-              </a:schemeClr>
-            </a:gs>
-            <a:gs pos="100000">
-              <a:schemeClr val="lt1">
-                <a:hueOff val="0"/>
-                <a:satOff val="0"/>
-                <a:lumOff val="0"/>
-                <a:alphaOff val="0"/>
-                <a:tint val="92000"/>
-                <a:alpha val="100000"/>
-                <a:lumMod val="110000"/>
-              </a:schemeClr>
-            </a:gs>
-          </a:gsLst>
-          <a:lin ang="5400000" scaled="0"/>
-        </a:gradFill>
-        <a:ln>
-          <a:noFill/>
-        </a:ln>
-        <a:effectLst/>
-        <a:scene3d>
-          <a:camera prst="orthographicFront"/>
-          <a:lightRig rig="flat" dir="t"/>
-        </a:scene3d>
-        <a:sp3d prstMaterial="dkEdge">
-          <a:bevelT w="8200" h="38100"/>
-        </a:sp3d>
-      </dsp:spPr>
-      <dsp:style>
-        <a:lnRef idx="0">
-          <a:scrgbClr r="0" g="0" b="0"/>
-        </a:lnRef>
-        <a:fillRef idx="2">
-          <a:scrgbClr r="0" g="0" b="0"/>
-        </a:fillRef>
-        <a:effectRef idx="1">
-          <a:scrgbClr r="0" g="0" b="0"/>
-        </a:effectRef>
-        <a:fontRef idx="minor">
-          <a:schemeClr val="dk1"/>
-        </a:fontRef>
-      </dsp:style>
-      <dsp:txBody>
-        <a:bodyPr spcFirstLastPara="0" vert="horz" wrap="square" lIns="53340" tIns="53340" rIns="53340" bIns="53340" numCol="1" spcCol="1270" anchor="ctr" anchorCtr="0">
-          <a:noAutofit/>
-        </a:bodyPr>
-        <a:lstStyle/>
-        <a:p>
-          <a:pPr lvl="0" algn="ctr" defTabSz="622300">
-            <a:lnSpc>
-              <a:spcPct val="90000"/>
-            </a:lnSpc>
-            <a:spcBef>
-              <a:spcPct val="0"/>
-            </a:spcBef>
-            <a:spcAft>
-              <a:spcPct val="35000"/>
-            </a:spcAft>
-          </a:pPr>
-          <a:r>
-            <a:rPr lang="en-US" sz="1400" kern="1200" dirty="0" smtClean="0"/>
-            <a:t>Maintenance </a:t>
-          </a:r>
-          <a:endParaRPr lang="en-US" sz="1400" kern="1200" dirty="0"/>
-        </a:p>
-      </dsp:txBody>
-      <dsp:txXfrm>
-        <a:off x="924208" y="746366"/>
-        <a:ext cx="1298525" cy="615941"/>
-      </dsp:txXfrm>
-    </dsp:sp>
   </dsp:spTree>
 </dsp:drawing>
 </file>
@@ -5066,361 +3661,6 @@
       <dsp:cNvGrpSpPr/>
     </dsp:nvGrpSpPr>
     <dsp:grpSpPr/>
-    <dsp:sp modelId="{51A2AF8A-E670-4B50-AB4C-B59F504F9FC9}">
-      <dsp:nvSpPr>
-        <dsp:cNvPr id="0" name=""/>
-        <dsp:cNvSpPr/>
-      </dsp:nvSpPr>
-      <dsp:spPr>
-        <a:xfrm>
-          <a:off x="1854351" y="-190005"/>
-          <a:ext cx="3364660" cy="3364660"/>
-        </a:xfrm>
-        <a:prstGeom prst="circularArrow">
-          <a:avLst>
-            <a:gd name="adj1" fmla="val 5689"/>
-            <a:gd name="adj2" fmla="val 340510"/>
-            <a:gd name="adj3" fmla="val 12417534"/>
-            <a:gd name="adj4" fmla="val 18272785"/>
-            <a:gd name="adj5" fmla="val 5908"/>
-          </a:avLst>
-        </a:prstGeom>
-        <a:solidFill>
-          <a:schemeClr val="accent4">
-            <a:tint val="40000"/>
-            <a:hueOff val="0"/>
-            <a:satOff val="0"/>
-            <a:lumOff val="0"/>
-            <a:alphaOff val="0"/>
-          </a:schemeClr>
-        </a:solidFill>
-        <a:ln>
-          <a:noFill/>
-        </a:ln>
-        <a:effectLst>
-          <a:outerShdw blurRad="38100" dist="25400" dir="5400000" rotWithShape="0">
-            <a:srgbClr val="000000">
-              <a:alpha val="45000"/>
-            </a:srgbClr>
-          </a:outerShdw>
-        </a:effectLst>
-      </dsp:spPr>
-      <dsp:style>
-        <a:lnRef idx="0">
-          <a:scrgbClr r="0" g="0" b="0"/>
-        </a:lnRef>
-        <a:fillRef idx="1">
-          <a:scrgbClr r="0" g="0" b="0"/>
-        </a:fillRef>
-        <a:effectRef idx="2">
-          <a:scrgbClr r="0" g="0" b="0"/>
-        </a:effectRef>
-        <a:fontRef idx="minor"/>
-      </dsp:style>
-    </dsp:sp>
-    <dsp:sp modelId="{7E66F6DE-B805-40A3-A25B-26B230FC592E}">
-      <dsp:nvSpPr>
-        <dsp:cNvPr id="0" name=""/>
-        <dsp:cNvSpPr/>
-      </dsp:nvSpPr>
-      <dsp:spPr>
-        <a:xfrm>
-          <a:off x="2352031" y="867"/>
-          <a:ext cx="2369300" cy="1184650"/>
-        </a:xfrm>
-        <a:prstGeom prst="roundRect">
-          <a:avLst/>
-        </a:prstGeom>
-        <a:gradFill rotWithShape="0">
-          <a:gsLst>
-            <a:gs pos="0">
-              <a:schemeClr val="accent4">
-                <a:hueOff val="0"/>
-                <a:satOff val="0"/>
-                <a:lumOff val="0"/>
-                <a:alphaOff val="0"/>
-                <a:tint val="98000"/>
-                <a:lumMod val="114000"/>
-              </a:schemeClr>
-            </a:gs>
-            <a:gs pos="100000">
-              <a:schemeClr val="accent4">
-                <a:hueOff val="0"/>
-                <a:satOff val="0"/>
-                <a:lumOff val="0"/>
-                <a:alphaOff val="0"/>
-                <a:shade val="90000"/>
-                <a:lumMod val="84000"/>
-              </a:schemeClr>
-            </a:gs>
-          </a:gsLst>
-          <a:lin ang="5400000" scaled="0"/>
-        </a:gradFill>
-        <a:ln>
-          <a:noFill/>
-        </a:ln>
-        <a:effectLst>
-          <a:outerShdw blurRad="63500" dist="38100" dir="5400000" rotWithShape="0">
-            <a:srgbClr val="000000">
-              <a:alpha val="60000"/>
-            </a:srgbClr>
-          </a:outerShdw>
-        </a:effectLst>
-        <a:scene3d>
-          <a:camera prst="orthographicFront">
-            <a:rot lat="0" lon="0" rev="0"/>
-          </a:camera>
-          <a:lightRig rig="threePt" dir="tl"/>
-        </a:scene3d>
-        <a:sp3d prstMaterial="plastic">
-          <a:bevelT w="0" h="0"/>
-        </a:sp3d>
-      </dsp:spPr>
-      <dsp:style>
-        <a:lnRef idx="0">
-          <a:scrgbClr r="0" g="0" b="0"/>
-        </a:lnRef>
-        <a:fillRef idx="3">
-          <a:scrgbClr r="0" g="0" b="0"/>
-        </a:fillRef>
-        <a:effectRef idx="3">
-          <a:scrgbClr r="0" g="0" b="0"/>
-        </a:effectRef>
-        <a:fontRef idx="minor">
-          <a:schemeClr val="lt1"/>
-        </a:fontRef>
-      </dsp:style>
-      <dsp:txBody>
-        <a:bodyPr spcFirstLastPara="0" vert="horz" wrap="square" lIns="125730" tIns="125730" rIns="125730" bIns="125730" numCol="1" spcCol="1270" anchor="ctr" anchorCtr="0">
-          <a:noAutofit/>
-        </a:bodyPr>
-        <a:lstStyle/>
-        <a:p>
-          <a:pPr lvl="0" algn="ctr" defTabSz="1466850">
-            <a:lnSpc>
-              <a:spcPct val="90000"/>
-            </a:lnSpc>
-            <a:spcBef>
-              <a:spcPct val="0"/>
-            </a:spcBef>
-            <a:spcAft>
-              <a:spcPct val="35000"/>
-            </a:spcAft>
-          </a:pPr>
-          <a:r>
-            <a:rPr lang="en-US" sz="3300" kern="1200" dirty="0" smtClean="0"/>
-            <a:t>Controller</a:t>
-          </a:r>
-          <a:endParaRPr lang="en-US" sz="3300" kern="1200" dirty="0"/>
-        </a:p>
-      </dsp:txBody>
-      <dsp:txXfrm>
-        <a:off x="2409861" y="58697"/>
-        <a:ext cx="2253640" cy="1068990"/>
-      </dsp:txXfrm>
-    </dsp:sp>
-    <dsp:sp modelId="{FDBC6269-C8BE-4A25-8558-BB5A49305530}">
-      <dsp:nvSpPr>
-        <dsp:cNvPr id="0" name=""/>
-        <dsp:cNvSpPr/>
-      </dsp:nvSpPr>
-      <dsp:spPr>
-        <a:xfrm>
-          <a:off x="3627252" y="2209615"/>
-          <a:ext cx="2369300" cy="1184650"/>
-        </a:xfrm>
-        <a:prstGeom prst="roundRect">
-          <a:avLst/>
-        </a:prstGeom>
-        <a:gradFill rotWithShape="0">
-          <a:gsLst>
-            <a:gs pos="0">
-              <a:schemeClr val="accent4">
-                <a:hueOff val="6914279"/>
-                <a:satOff val="1970"/>
-                <a:lumOff val="5686"/>
-                <a:alphaOff val="0"/>
-                <a:tint val="98000"/>
-                <a:lumMod val="114000"/>
-              </a:schemeClr>
-            </a:gs>
-            <a:gs pos="100000">
-              <a:schemeClr val="accent4">
-                <a:hueOff val="6914279"/>
-                <a:satOff val="1970"/>
-                <a:lumOff val="5686"/>
-                <a:alphaOff val="0"/>
-                <a:shade val="90000"/>
-                <a:lumMod val="84000"/>
-              </a:schemeClr>
-            </a:gs>
-          </a:gsLst>
-          <a:lin ang="5400000" scaled="0"/>
-        </a:gradFill>
-        <a:ln>
-          <a:noFill/>
-        </a:ln>
-        <a:effectLst>
-          <a:outerShdw blurRad="63500" dist="38100" dir="5400000" rotWithShape="0">
-            <a:srgbClr val="000000">
-              <a:alpha val="60000"/>
-            </a:srgbClr>
-          </a:outerShdw>
-        </a:effectLst>
-        <a:scene3d>
-          <a:camera prst="orthographicFront">
-            <a:rot lat="0" lon="0" rev="0"/>
-          </a:camera>
-          <a:lightRig rig="threePt" dir="tl"/>
-        </a:scene3d>
-        <a:sp3d prstMaterial="plastic">
-          <a:bevelT w="0" h="0"/>
-        </a:sp3d>
-      </dsp:spPr>
-      <dsp:style>
-        <a:lnRef idx="0">
-          <a:scrgbClr r="0" g="0" b="0"/>
-        </a:lnRef>
-        <a:fillRef idx="3">
-          <a:scrgbClr r="0" g="0" b="0"/>
-        </a:fillRef>
-        <a:effectRef idx="3">
-          <a:scrgbClr r="0" g="0" b="0"/>
-        </a:effectRef>
-        <a:fontRef idx="minor">
-          <a:schemeClr val="lt1"/>
-        </a:fontRef>
-      </dsp:style>
-      <dsp:txBody>
-        <a:bodyPr spcFirstLastPara="0" vert="horz" wrap="square" lIns="125730" tIns="125730" rIns="125730" bIns="125730" numCol="1" spcCol="1270" anchor="ctr" anchorCtr="0">
-          <a:noAutofit/>
-        </a:bodyPr>
-        <a:lstStyle/>
-        <a:p>
-          <a:pPr lvl="0" algn="ctr" defTabSz="1466850">
-            <a:lnSpc>
-              <a:spcPct val="90000"/>
-            </a:lnSpc>
-            <a:spcBef>
-              <a:spcPct val="0"/>
-            </a:spcBef>
-            <a:spcAft>
-              <a:spcPct val="35000"/>
-            </a:spcAft>
-          </a:pPr>
-          <a:r>
-            <a:rPr lang="en-US" sz="3300" kern="1200" dirty="0" smtClean="0"/>
-            <a:t>Model</a:t>
-          </a:r>
-          <a:endParaRPr lang="en-US" sz="3300" kern="1200" dirty="0"/>
-        </a:p>
-      </dsp:txBody>
-      <dsp:txXfrm>
-        <a:off x="3685082" y="2267445"/>
-        <a:ext cx="2253640" cy="1068990"/>
-      </dsp:txXfrm>
-    </dsp:sp>
-    <dsp:sp modelId="{2034A4C6-6587-47A1-96D7-FA5CB1849A20}">
-      <dsp:nvSpPr>
-        <dsp:cNvPr id="0" name=""/>
-        <dsp:cNvSpPr/>
-      </dsp:nvSpPr>
-      <dsp:spPr>
-        <a:xfrm>
-          <a:off x="1076809" y="2209615"/>
-          <a:ext cx="2369300" cy="1184650"/>
-        </a:xfrm>
-        <a:prstGeom prst="roundRect">
-          <a:avLst/>
-        </a:prstGeom>
-        <a:gradFill rotWithShape="0">
-          <a:gsLst>
-            <a:gs pos="0">
-              <a:schemeClr val="accent4">
-                <a:hueOff val="13828557"/>
-                <a:satOff val="3941"/>
-                <a:lumOff val="11372"/>
-                <a:alphaOff val="0"/>
-                <a:tint val="98000"/>
-                <a:lumMod val="114000"/>
-              </a:schemeClr>
-            </a:gs>
-            <a:gs pos="100000">
-              <a:schemeClr val="accent4">
-                <a:hueOff val="13828557"/>
-                <a:satOff val="3941"/>
-                <a:lumOff val="11372"/>
-                <a:alphaOff val="0"/>
-                <a:shade val="90000"/>
-                <a:lumMod val="84000"/>
-              </a:schemeClr>
-            </a:gs>
-          </a:gsLst>
-          <a:lin ang="5400000" scaled="0"/>
-        </a:gradFill>
-        <a:ln>
-          <a:noFill/>
-        </a:ln>
-        <a:effectLst>
-          <a:outerShdw blurRad="63500" dist="38100" dir="5400000" rotWithShape="0">
-            <a:srgbClr val="000000">
-              <a:alpha val="60000"/>
-            </a:srgbClr>
-          </a:outerShdw>
-        </a:effectLst>
-        <a:scene3d>
-          <a:camera prst="orthographicFront">
-            <a:rot lat="0" lon="0" rev="0"/>
-          </a:camera>
-          <a:lightRig rig="threePt" dir="tl"/>
-        </a:scene3d>
-        <a:sp3d prstMaterial="plastic">
-          <a:bevelT w="0" h="0"/>
-        </a:sp3d>
-      </dsp:spPr>
-      <dsp:style>
-        <a:lnRef idx="0">
-          <a:scrgbClr r="0" g="0" b="0"/>
-        </a:lnRef>
-        <a:fillRef idx="3">
-          <a:scrgbClr r="0" g="0" b="0"/>
-        </a:fillRef>
-        <a:effectRef idx="3">
-          <a:scrgbClr r="0" g="0" b="0"/>
-        </a:effectRef>
-        <a:fontRef idx="minor">
-          <a:schemeClr val="lt1"/>
-        </a:fontRef>
-      </dsp:style>
-      <dsp:txBody>
-        <a:bodyPr spcFirstLastPara="0" vert="horz" wrap="square" lIns="125730" tIns="125730" rIns="125730" bIns="125730" numCol="1" spcCol="1270" anchor="ctr" anchorCtr="0">
-          <a:noAutofit/>
-        </a:bodyPr>
-        <a:lstStyle/>
-        <a:p>
-          <a:pPr lvl="0" algn="ctr" defTabSz="1466850">
-            <a:lnSpc>
-              <a:spcPct val="90000"/>
-            </a:lnSpc>
-            <a:spcBef>
-              <a:spcPct val="0"/>
-            </a:spcBef>
-            <a:spcAft>
-              <a:spcPct val="35000"/>
-            </a:spcAft>
-          </a:pPr>
-          <a:r>
-            <a:rPr lang="en-US" sz="3300" kern="1200" dirty="0" smtClean="0"/>
-            <a:t>View</a:t>
-          </a:r>
-          <a:endParaRPr lang="en-US" sz="3300" kern="1200" dirty="0"/>
-        </a:p>
-      </dsp:txBody>
-      <dsp:txXfrm>
-        <a:off x="1134639" y="2267445"/>
-        <a:ext cx="2253640" cy="1068990"/>
-      </dsp:txXfrm>
-    </dsp:sp>
   </dsp:spTree>
 </dsp:drawing>
 </file>
@@ -9844,7 +8084,7 @@
           <a:p>
             <a:fld id="{6A761EA5-F7D0-4EB5-9769-D15C11809D34}" type="datetimeFigureOut">
               <a:rPr lang="en-US" smtClean="0"/>
-              <a:t>19-Mar-15</a:t>
+              <a:t>20-Mar-15</a:t>
             </a:fld>
             <a:endParaRPr lang="en-US"/>
           </a:p>
@@ -10549,7 +8789,7 @@
             <a:fld id="{5923F103-BC34-4FE4-A40E-EDDEECFDA5D0}" type="datetimeFigureOut">
               <a:rPr lang="en-US" dirty="0"/>
               <a:pPr/>
-              <a:t>19-Mar-15</a:t>
+              <a:t>20-Mar-15</a:t>
             </a:fld>
             <a:endParaRPr lang="en-US" dirty="0"/>
           </a:p>
@@ -11644,7 +9884,7 @@
           <a:p>
             <a:fld id="{923A1CC3-2375-41D4-9E03-427CAF2A4C1A}" type="datetimeFigureOut">
               <a:rPr lang="en-US" dirty="0"/>
-              <a:t>19-Mar-15</a:t>
+              <a:t>20-Mar-15</a:t>
             </a:fld>
             <a:endParaRPr lang="en-US" dirty="0"/>
           </a:p>
@@ -12624,7 +10864,7 @@
           <a:p>
             <a:fld id="{AFF16868-8199-4C2C-A5B1-63AEE139F88E}" type="datetimeFigureOut">
               <a:rPr lang="en-US" dirty="0"/>
-              <a:t>19-Mar-15</a:t>
+              <a:t>20-Mar-15</a:t>
             </a:fld>
             <a:endParaRPr lang="en-US" dirty="0"/>
           </a:p>
@@ -13758,7 +11998,7 @@
           <a:p>
             <a:fld id="{AAD9FF7F-6988-44CC-821B-644E70CD2F73}" type="datetimeFigureOut">
               <a:rPr lang="en-US" dirty="0"/>
-              <a:t>19-Mar-15</a:t>
+              <a:t>20-Mar-15</a:t>
             </a:fld>
             <a:endParaRPr lang="en-US" dirty="0"/>
           </a:p>
@@ -14791,7 +13031,7 @@
           <a:p>
             <a:fld id="{5C12C299-16B2-4475-990D-751901EACC14}" type="datetimeFigureOut">
               <a:rPr lang="en-US" dirty="0"/>
-              <a:t>19-Mar-15</a:t>
+              <a:t>20-Mar-15</a:t>
             </a:fld>
             <a:endParaRPr lang="en-US" dirty="0"/>
           </a:p>
@@ -15451,7 +13691,7 @@
           <a:p>
             <a:fld id="{9FE86839-B9D8-4651-8783-F325ECE74E65}" type="datetimeFigureOut">
               <a:rPr lang="en-US" dirty="0"/>
-              <a:t>19-Mar-15</a:t>
+              <a:t>20-Mar-15</a:t>
             </a:fld>
             <a:endParaRPr lang="en-US" dirty="0"/>
           </a:p>
@@ -16312,7 +14552,7 @@
           <a:p>
             <a:fld id="{FD484F64-32F6-45C5-931F-ADC1662401D0}" type="datetimeFigureOut">
               <a:rPr lang="en-US" dirty="0"/>
-              <a:t>19-Mar-15</a:t>
+              <a:t>20-Mar-15</a:t>
             </a:fld>
             <a:endParaRPr lang="en-US" dirty="0"/>
           </a:p>
@@ -16502,7 +14742,7 @@
           <a:p>
             <a:fld id="{53086D93-FCAC-47E0-A2EE-787E62CA814C}" type="datetimeFigureOut">
               <a:rPr lang="en-US" dirty="0"/>
-              <a:t>19-Mar-15</a:t>
+              <a:t>20-Mar-15</a:t>
             </a:fld>
             <a:endParaRPr lang="en-US" dirty="0"/>
           </a:p>
@@ -17474,7 +15714,7 @@
           <a:p>
             <a:fld id="{CDA879A6-0FD0-4734-A311-86BFCA472E6E}" type="datetimeFigureOut">
               <a:rPr lang="en-US" dirty="0"/>
-              <a:t>19-Mar-15</a:t>
+              <a:t>20-Mar-15</a:t>
             </a:fld>
             <a:endParaRPr lang="en-US" dirty="0"/>
           </a:p>
@@ -17685,7 +15925,7 @@
           <a:p>
             <a:fld id="{19C9CA7B-DFD4-44B5-8C60-D14B8CD1FB59}" type="datetimeFigureOut">
               <a:rPr lang="en-US" dirty="0"/>
-              <a:t>19-Mar-15</a:t>
+              <a:t>20-Mar-15</a:t>
             </a:fld>
             <a:endParaRPr lang="en-US" dirty="0"/>
           </a:p>
@@ -18726,7 +16966,7 @@
           <a:p>
             <a:fld id="{F34E6425-0181-43F2-84FC-787E803FD2F8}" type="datetimeFigureOut">
               <a:rPr lang="en-US" dirty="0"/>
-              <a:t>19-Mar-15</a:t>
+              <a:t>20-Mar-15</a:t>
             </a:fld>
             <a:endParaRPr lang="en-US" dirty="0"/>
           </a:p>
@@ -18998,7 +17238,7 @@
           <a:p>
             <a:fld id="{3BDB8791-F1B0-41E7-B7FD-A781E65C4266}" type="datetimeFigureOut">
               <a:rPr lang="en-US" dirty="0"/>
-              <a:t>19-Mar-15</a:t>
+              <a:t>20-Mar-15</a:t>
             </a:fld>
             <a:endParaRPr lang="en-US" dirty="0"/>
           </a:p>
@@ -19408,7 +17648,7 @@
           <a:p>
             <a:fld id="{5FDD63B2-E120-4ED8-B27B-C685F510A5FE}" type="datetimeFigureOut">
               <a:rPr lang="en-US" dirty="0"/>
-              <a:t>19-Mar-15</a:t>
+              <a:t>20-Mar-15</a:t>
             </a:fld>
             <a:endParaRPr lang="en-US" dirty="0"/>
           </a:p>
@@ -19535,7 +17775,7 @@
           <a:p>
             <a:fld id="{7AA18ACC-A947-437B-A130-35BD54FDF1E9}" type="datetimeFigureOut">
               <a:rPr lang="en-US" dirty="0"/>
-              <a:t>19-Mar-15</a:t>
+              <a:t>20-Mar-15</a:t>
             </a:fld>
             <a:endParaRPr lang="en-US" dirty="0"/>
           </a:p>
@@ -19630,7 +17870,7 @@
           <a:p>
             <a:fld id="{7C8D7E02-BCB8-4D50-A234-369438C08659}" type="datetimeFigureOut">
               <a:rPr lang="en-US" dirty="0"/>
-              <a:t>19-Mar-15</a:t>
+              <a:t>20-Mar-15</a:t>
             </a:fld>
             <a:endParaRPr lang="en-US" dirty="0"/>
           </a:p>
@@ -20711,7 +18951,7 @@
           <a:p>
             <a:fld id="{76E86A4C-8E40-4F87-A4F0-01A0687C5742}" type="datetimeFigureOut">
               <a:rPr lang="en-US" dirty="0"/>
-              <a:t>19-Mar-15</a:t>
+              <a:t>20-Mar-15</a:t>
             </a:fld>
             <a:endParaRPr lang="en-US" dirty="0"/>
           </a:p>
@@ -21819,7 +20059,7 @@
           <a:p>
             <a:fld id="{35E72C73-2D91-4E12-BA25-F0AA0C03599B}" type="datetimeFigureOut">
               <a:rPr lang="en-US" dirty="0"/>
-              <a:t>19-Mar-15</a:t>
+              <a:t>20-Mar-15</a:t>
             </a:fld>
             <a:endParaRPr lang="en-US" dirty="0"/>
           </a:p>
@@ -22816,7 +21056,7 @@
           <a:p>
             <a:fld id="{2BE451C3-0FF4-47C4-B829-773ADF60F88C}" type="datetimeFigureOut">
               <a:rPr lang="en-US" dirty="0"/>
-              <a:t>19-Mar-15</a:t>
+              <a:t>20-Mar-15</a:t>
             </a:fld>
             <a:endParaRPr lang="en-US" dirty="0"/>
           </a:p>
@@ -23397,10 +21637,14 @@
           <a:lstStyle/>
           <a:p>
             <a:r>
-              <a:rPr lang="en-US" dirty="0" err="1" smtClean="0"/>
-              <a:t>ReliSource</a:t>
+              <a:rPr lang="en-US" sz="4800" dirty="0" smtClean="0"/>
+              <a:t>ASP.NET MVC </a:t>
             </a:r>
-            <a:endParaRPr lang="en-US" dirty="0"/>
+            <a:r>
+              <a:rPr lang="en-US" sz="4800" dirty="0" err="1" smtClean="0"/>
+              <a:t>Bootstrapper</a:t>
+            </a:r>
+            <a:endParaRPr lang="en-US" sz="4800" dirty="0"/>
           </a:p>
         </p:txBody>
       </p:sp>
@@ -23427,8 +21671,25 @@
                   </a:schemeClr>
                 </a:solidFill>
               </a:rPr>
-              <a:t>architecture development.</a:t>
+              <a:t>Framework and at the same time </a:t>
             </a:r>
+            <a:r>
+              <a:rPr lang="en-US" smtClean="0">
+                <a:solidFill>
+                  <a:schemeClr val="bg1">
+                    <a:lumMod val="85000"/>
+                  </a:schemeClr>
+                </a:solidFill>
+              </a:rPr>
+              <a:t>project template.</a:t>
+            </a:r>
+            <a:endParaRPr lang="en-US" dirty="0" smtClean="0">
+              <a:solidFill>
+                <a:schemeClr val="bg1">
+                  <a:lumMod val="85000"/>
+                </a:schemeClr>
+              </a:solidFill>
+            </a:endParaRPr>
           </a:p>
           <a:p>
             <a:r>
@@ -23471,36 +21732,6 @@
           </a:p>
         </p:txBody>
       </p:sp>
-      <p:pic>
-        <p:nvPicPr>
-          <p:cNvPr id="6" name="Picture 5"/>
-          <p:cNvPicPr>
-            <a:picLocks noChangeAspect="1"/>
-          </p:cNvPicPr>
-          <p:nvPr/>
-        </p:nvPicPr>
-        <p:blipFill>
-          <a:blip r:embed="rId2">
-            <a:extLst>
-              <a:ext uri="{28A0092B-C50C-407E-A947-70E740481C1C}">
-                <a14:useLocalDpi xmlns:a14="http://schemas.microsoft.com/office/drawing/2010/main" val="0"/>
-              </a:ext>
-            </a:extLst>
-          </a:blip>
-          <a:stretch>
-            <a:fillRect/>
-          </a:stretch>
-        </p:blipFill>
-        <p:spPr>
-          <a:xfrm>
-            <a:off x="1154955" y="3473048"/>
-            <a:ext cx="2362200" cy="885825"/>
-          </a:xfrm>
-          <a:prstGeom prst="rect">
-            <a:avLst/>
-          </a:prstGeom>
-        </p:spPr>
-      </p:pic>
     </p:spTree>
     <p:extLst>
       <p:ext uri="{BB962C8B-B14F-4D97-AF65-F5344CB8AC3E}">
@@ -24843,15 +23074,7 @@
                   <a:schemeClr val="bg1"/>
                 </a:solidFill>
               </a:rPr>
-              <a:t>After all, </a:t>
-            </a:r>
-            <a:r>
-              <a:rPr lang="en-US" dirty="0" smtClean="0">
-                <a:solidFill>
-                  <a:schemeClr val="bg1"/>
-                </a:solidFill>
-              </a:rPr>
-              <a:t>developers are </a:t>
+              <a:t>After all, developers are </a:t>
             </a:r>
             <a:r>
               <a:rPr lang="en-US" u="sng" dirty="0" smtClean="0">
@@ -25104,11 +23327,7 @@
           <a:p>
             <a:r>
               <a:rPr lang="en-US" sz="2400" dirty="0" smtClean="0"/>
-              <a:t>Getting the bes</a:t>
-            </a:r>
-            <a:r>
-              <a:rPr lang="en-US" sz="2400" dirty="0" smtClean="0"/>
-              <a:t>t of both worlds.</a:t>
+              <a:t>Getting the best of both worlds.</a:t>
             </a:r>
             <a:endParaRPr lang="en-US" sz="2400" dirty="0"/>
           </a:p>
@@ -25200,15 +23419,7 @@
                   <a:schemeClr val="bg1"/>
                 </a:solidFill>
               </a:rPr>
-              <a:t>Since developers </a:t>
-            </a:r>
-            <a:r>
-              <a:rPr lang="en-US" dirty="0" smtClean="0">
-                <a:solidFill>
-                  <a:schemeClr val="bg1"/>
-                </a:solidFill>
-              </a:rPr>
-              <a:t>are </a:t>
+              <a:t>Since developers are </a:t>
             </a:r>
             <a:r>
               <a:rPr lang="en-US" u="sng" dirty="0" smtClean="0">
@@ -25260,13 +23471,13 @@
   <p:clrMapOvr>
     <a:masterClrMapping/>
   </p:clrMapOvr>
-  <mc:AlternateContent xmlns:mc="http://schemas.openxmlformats.org/markup-compatibility/2006">
-    <mc:Choice xmlns:p14="http://schemas.microsoft.com/office/powerpoint/2010/main" Requires="p14">
+  <mc:AlternateContent xmlns:mc="http://schemas.openxmlformats.org/markup-compatibility/2006" xmlns:p14="http://schemas.microsoft.com/office/powerpoint/2010/main">
+    <mc:Choice Requires="p14">
       <p:transition spd="slow" p14:dur="2000">
         <p14:ferris dir="l"/>
       </p:transition>
     </mc:Choice>
-    <mc:Fallback>
+    <mc:Fallback xmlns="">
       <p:transition spd="slow">
         <p:fade/>
       </p:transition>
@@ -25581,13 +23792,13 @@
   <p:clrMapOvr>
     <a:masterClrMapping/>
   </p:clrMapOvr>
-  <mc:AlternateContent xmlns:mc="http://schemas.openxmlformats.org/markup-compatibility/2006">
-    <mc:Choice xmlns:p14="http://schemas.microsoft.com/office/powerpoint/2010/main" Requires="p14">
+  <mc:AlternateContent xmlns:mc="http://schemas.openxmlformats.org/markup-compatibility/2006" xmlns:p14="http://schemas.microsoft.com/office/powerpoint/2010/main">
+    <mc:Choice Requires="p14">
       <p:transition spd="slow" p14:dur="2000">
         <p14:ferris dir="l"/>
       </p:transition>
     </mc:Choice>
-    <mc:Fallback>
+    <mc:Fallback xmlns="">
       <p:transition spd="slow">
         <p:fade/>
       </p:transition>
@@ -25860,13 +24071,13 @@
   <p:clrMapOvr>
     <a:masterClrMapping/>
   </p:clrMapOvr>
-  <mc:AlternateContent xmlns:mc="http://schemas.openxmlformats.org/markup-compatibility/2006">
-    <mc:Choice xmlns:p14="http://schemas.microsoft.com/office/powerpoint/2010/main" Requires="p14">
+  <mc:AlternateContent xmlns:mc="http://schemas.openxmlformats.org/markup-compatibility/2006" xmlns:p14="http://schemas.microsoft.com/office/powerpoint/2010/main">
+    <mc:Choice Requires="p14">
       <p:transition spd="slow" p14:dur="2000">
         <p14:ferris dir="l"/>
       </p:transition>
     </mc:Choice>
-    <mc:Fallback>
+    <mc:Fallback xmlns="">
       <p:transition spd="slow">
         <p:fade/>
       </p:transition>
@@ -26085,13 +24296,13 @@
   <p:clrMapOvr>
     <a:masterClrMapping/>
   </p:clrMapOvr>
-  <mc:AlternateContent xmlns:mc="http://schemas.openxmlformats.org/markup-compatibility/2006">
-    <mc:Choice xmlns:p14="http://schemas.microsoft.com/office/powerpoint/2010/main" Requires="p14">
+  <mc:AlternateContent xmlns:mc="http://schemas.openxmlformats.org/markup-compatibility/2006" xmlns:p14="http://schemas.microsoft.com/office/powerpoint/2010/main">
+    <mc:Choice Requires="p14">
       <p:transition spd="med" p14:dur="700">
         <p:fade/>
       </p:transition>
     </mc:Choice>
-    <mc:Fallback>
+    <mc:Fallback xmlns="">
       <p:transition spd="med">
         <p:fade/>
       </p:transition>
@@ -26400,13 +24611,13 @@
   <p:clrMapOvr>
     <a:masterClrMapping/>
   </p:clrMapOvr>
-  <mc:AlternateContent xmlns:mc="http://schemas.openxmlformats.org/markup-compatibility/2006">
-    <mc:Choice xmlns:p14="http://schemas.microsoft.com/office/powerpoint/2010/main" Requires="p14">
+  <mc:AlternateContent xmlns:mc="http://schemas.openxmlformats.org/markup-compatibility/2006" xmlns:p14="http://schemas.microsoft.com/office/powerpoint/2010/main">
+    <mc:Choice Requires="p14">
       <p:transition spd="med" p14:dur="700">
         <p:fade/>
       </p:transition>
     </mc:Choice>
-    <mc:Fallback>
+    <mc:Fallback xmlns="">
       <p:transition spd="med">
         <p:fade/>
       </p:transition>
@@ -26534,13 +24745,13 @@
   <p:clrMapOvr>
     <a:masterClrMapping/>
   </p:clrMapOvr>
-  <mc:AlternateContent xmlns:mc="http://schemas.openxmlformats.org/markup-compatibility/2006">
-    <mc:Choice xmlns:p14="http://schemas.microsoft.com/office/powerpoint/2010/main" Requires="p14">
+  <mc:AlternateContent xmlns:mc="http://schemas.openxmlformats.org/markup-compatibility/2006" xmlns:p14="http://schemas.microsoft.com/office/powerpoint/2010/main">
+    <mc:Choice Requires="p14">
       <p:transition spd="med" p14:dur="700">
         <p:fade/>
       </p:transition>
     </mc:Choice>
-    <mc:Fallback>
+    <mc:Fallback xmlns="">
       <p:transition spd="med">
         <p:fade/>
       </p:transition>
@@ -26835,13 +25046,13 @@
   <p:clrMapOvr>
     <a:masterClrMapping/>
   </p:clrMapOvr>
-  <mc:AlternateContent xmlns:mc="http://schemas.openxmlformats.org/markup-compatibility/2006">
-    <mc:Choice xmlns:p14="http://schemas.microsoft.com/office/powerpoint/2010/main" Requires="p14">
+  <mc:AlternateContent xmlns:mc="http://schemas.openxmlformats.org/markup-compatibility/2006" xmlns:p14="http://schemas.microsoft.com/office/powerpoint/2010/main">
+    <mc:Choice Requires="p14">
       <p:transition spd="slow" p14:dur="1500">
         <p14:window dir="vert"/>
       </p:transition>
     </mc:Choice>
-    <mc:Fallback>
+    <mc:Fallback xmlns="">
       <p:transition spd="slow">
         <p:fade/>
       </p:transition>
@@ -26975,11 +25186,7 @@
           <a:p>
             <a:r>
               <a:rPr lang="en-US" dirty="0" smtClean="0"/>
-              <a:t>ASP.NET </a:t>
-            </a:r>
-            <a:r>
-              <a:rPr lang="en-US" dirty="0" smtClean="0"/>
-              <a:t>MVC 5.3</a:t>
+              <a:t>ASP.NET MVC 5.3</a:t>
             </a:r>
             <a:endParaRPr lang="en-US" dirty="0"/>
           </a:p>
@@ -28020,11 +26227,7 @@
           <a:p>
             <a:r>
               <a:rPr lang="en-US" dirty="0" smtClean="0"/>
-              <a:t>Let’s see some </a:t>
-            </a:r>
-            <a:r>
-              <a:rPr lang="en-US" dirty="0" smtClean="0"/>
-              <a:t>demos</a:t>
+              <a:t>Let’s see some demos</a:t>
             </a:r>
             <a:endParaRPr lang="en-US" dirty="0"/>
           </a:p>
@@ -28078,13 +26281,13 @@
   <p:clrMapOvr>
     <a:masterClrMapping/>
   </p:clrMapOvr>
-  <mc:AlternateContent xmlns:mc="http://schemas.openxmlformats.org/markup-compatibility/2006">
-    <mc:Choice xmlns:p14="http://schemas.microsoft.com/office/powerpoint/2010/main" Requires="p14">
+  <mc:AlternateContent xmlns:mc="http://schemas.openxmlformats.org/markup-compatibility/2006" xmlns:p14="http://schemas.microsoft.com/office/powerpoint/2010/main">
+    <mc:Choice Requires="p14">
       <p:transition spd="slow" p14:dur="2000">
         <p14:ferris dir="l"/>
       </p:transition>
     </mc:Choice>
-    <mc:Fallback>
+    <mc:Fallback xmlns="">
       <p:transition spd="slow">
         <p:fade/>
       </p:transition>
@@ -28578,17 +26781,6 @@
               </a:rPr>
               <a:t>3-Tier Architecture </a:t>
             </a:r>
-            <a:endParaRPr lang="en-US" sz="3200" dirty="0">
-              <a:ln w="19050" cmpd="sng">
-                <a:solidFill>
-                  <a:srgbClr val="FFFFFF"/>
-                </a:solidFill>
-                <a:prstDash val="solid"/>
-              </a:ln>
-              <a:effectLst>
-                <a:reflection blurRad="6350" stA="50000" endA="300" endPos="50000" dist="60007" dir="5400000" sy="-100000" algn="bl" rotWithShape="0"/>
-              </a:effectLst>
-            </a:endParaRPr>
           </a:p>
         </p:txBody>
       </p:sp>
@@ -28801,7 +26993,6 @@
                 <a:rPr lang="en-US" sz="1200" dirty="0"/>
                 <a:t>Database Tier/Database Server</a:t>
               </a:r>
-              <a:endParaRPr lang="en-US" sz="1200" dirty="0"/>
             </a:p>
           </p:txBody>
         </p:sp>
@@ -28831,7 +27022,6 @@
                 <a:rPr lang="en-US" sz="1200" dirty="0"/>
                 <a:t>Middle Tier/Application Server</a:t>
               </a:r>
-              <a:endParaRPr lang="en-US" sz="1200" dirty="0"/>
             </a:p>
           </p:txBody>
         </p:sp>
@@ -28861,7 +27051,6 @@
                 <a:rPr lang="en-US" sz="1200" dirty="0"/>
                 <a:t>Client Tier/Client Machine</a:t>
               </a:r>
-              <a:endParaRPr lang="en-US" sz="1200" dirty="0"/>
             </a:p>
           </p:txBody>
         </p:sp>
@@ -29019,7 +27208,6 @@
                 <a:rPr lang="en-US" sz="1200" dirty="0"/>
                 <a:t>PHP/.NET Framework/JDK…</a:t>
               </a:r>
-              <a:endParaRPr lang="en-US" sz="1200" dirty="0"/>
             </a:p>
           </p:txBody>
         </p:sp>
@@ -29049,7 +27237,6 @@
                 <a:rPr lang="en-US" sz="1200" b="1" dirty="0"/>
                 <a:t>Business Logic</a:t>
               </a:r>
-              <a:endParaRPr lang="en-US" sz="1200" b="1" dirty="0"/>
             </a:p>
           </p:txBody>
         </p:sp>
@@ -29222,7 +27409,6 @@
                   <a:rPr lang="en-US" sz="1400" dirty="0"/>
                   <a:t>SQL Server / Oracle/MySQL</a:t>
                 </a:r>
-                <a:endParaRPr lang="en-US" sz="1400" dirty="0"/>
               </a:p>
             </p:txBody>
           </p:sp>
@@ -29252,7 +27438,6 @@
                   <a:rPr lang="en-US" sz="1200" b="1" dirty="0"/>
                   <a:t>Data Layer</a:t>
                 </a:r>
-                <a:endParaRPr lang="en-US" sz="1200" b="1" dirty="0"/>
               </a:p>
             </p:txBody>
           </p:sp>
@@ -29366,7 +27551,6 @@
                 <a:rPr lang="en-US" sz="1200" b="1" dirty="0"/>
                 <a:t>Presentation Layer</a:t>
               </a:r>
-              <a:endParaRPr lang="en-US" sz="1200" b="1" dirty="0"/>
             </a:p>
           </p:txBody>
         </p:sp>
@@ -29445,15 +27629,6 @@
                 </a:rPr>
                 <a:t>browser</a:t>
               </a:r>
-              <a:endParaRPr lang="en-US" sz="1200" dirty="0">
-                <a:effectLst>
-                  <a:outerShdw blurRad="38100" dist="38100" dir="2700000" algn="tl">
-                    <a:srgbClr val="000000">
-                      <a:alpha val="43137"/>
-                    </a:srgbClr>
-                  </a:outerShdw>
-                </a:effectLst>
-              </a:endParaRPr>
             </a:p>
           </p:txBody>
         </p:sp>
@@ -29763,15 +27938,6 @@
                 </a:rPr>
                 <a:t>Software </a:t>
               </a:r>
-              <a:endParaRPr lang="en-US" sz="1200" dirty="0">
-                <a:effectLst>
-                  <a:outerShdw blurRad="38100" dist="38100" dir="2700000" algn="tl">
-                    <a:srgbClr val="000000">
-                      <a:alpha val="43137"/>
-                    </a:srgbClr>
-                  </a:outerShdw>
-                </a:effectLst>
-              </a:endParaRPr>
             </a:p>
           </p:txBody>
         </p:sp>
@@ -29888,19 +28054,7 @@
                   </a:outerShdw>
                 </a:effectLst>
               </a:rPr>
-              <a:t>Client </a:t>
-            </a:r>
-            <a:r>
-              <a:rPr lang="en-US" sz="1200" b="1" dirty="0">
-                <a:effectLst>
-                  <a:outerShdw blurRad="38100" dist="38100" dir="2700000" algn="tl">
-                    <a:srgbClr val="000000">
-                      <a:alpha val="43137"/>
-                    </a:srgbClr>
-                  </a:outerShdw>
-                </a:effectLst>
-              </a:rPr>
-              <a:t>Tier	 </a:t>
+              <a:t>Client Tier	 </a:t>
             </a:r>
             <a:r>
               <a:rPr lang="en-US" sz="1200" dirty="0">
@@ -29912,19 +28066,7 @@
                   </a:outerShdw>
                 </a:effectLst>
               </a:rPr>
-              <a:t>: Operating </a:t>
-            </a:r>
-            <a:r>
-              <a:rPr lang="en-US" sz="1200" dirty="0">
-                <a:effectLst>
-                  <a:outerShdw blurRad="38100" dist="38100" dir="2700000" algn="tl">
-                    <a:srgbClr val="000000">
-                      <a:alpha val="43137"/>
-                    </a:srgbClr>
-                  </a:outerShdw>
-                </a:effectLst>
-              </a:rPr>
-              <a:t>System (Windows 95/98, Linux)</a:t>
+              <a:t>: Operating System (Windows 95/98, Linux)</a:t>
             </a:r>
           </a:p>
           <a:p>
@@ -29950,31 +28092,7 @@
                   </a:outerShdw>
                 </a:effectLst>
               </a:rPr>
-              <a:t>: </a:t>
-            </a:r>
-            <a:r>
-              <a:rPr lang="en-US" sz="1200" dirty="0">
-                <a:effectLst>
-                  <a:outerShdw blurRad="38100" dist="38100" dir="2700000" algn="tl">
-                    <a:srgbClr val="000000">
-                      <a:alpha val="43137"/>
-                    </a:srgbClr>
-                  </a:outerShdw>
-                </a:effectLst>
-              </a:rPr>
-              <a:t>(Internet Explorer </a:t>
-            </a:r>
-            <a:r>
-              <a:rPr lang="en-US" sz="1200" dirty="0">
-                <a:effectLst>
-                  <a:outerShdw blurRad="38100" dist="38100" dir="2700000" algn="tl">
-                    <a:srgbClr val="000000">
-                      <a:alpha val="43137"/>
-                    </a:srgbClr>
-                  </a:outerShdw>
-                </a:effectLst>
-              </a:rPr>
-              <a:t>9.0/Google Chrome)</a:t>
+              <a:t>: (Internet Explorer 9.0/Google Chrome)</a:t>
             </a:r>
           </a:p>
           <a:p>
@@ -30014,15 +28132,6 @@
               </a:rPr>
               <a:t>….</a:t>
             </a:r>
-            <a:endParaRPr lang="en-US" sz="1200" dirty="0">
-              <a:effectLst>
-                <a:outerShdw blurRad="38100" dist="38100" dir="2700000" algn="tl">
-                  <a:srgbClr val="000000">
-                    <a:alpha val="43137"/>
-                  </a:srgbClr>
-                </a:outerShdw>
-              </a:effectLst>
-            </a:endParaRPr>
           </a:p>
         </p:txBody>
       </p:sp>
@@ -30061,22 +28170,7 @@
                   </a:outerShdw>
                 </a:effectLst>
               </a:rPr>
-              <a:t>Middle </a:t>
-            </a:r>
-            <a:r>
-              <a:rPr lang="en-US" sz="1200" b="1" dirty="0">
-                <a:solidFill>
-                  <a:schemeClr val="bg1"/>
-                </a:solidFill>
-                <a:effectLst>
-                  <a:outerShdw blurRad="38100" dist="38100" dir="2700000" algn="tl">
-                    <a:srgbClr val="000000">
-                      <a:alpha val="43137"/>
-                    </a:srgbClr>
-                  </a:outerShdw>
-                </a:effectLst>
-              </a:rPr>
-              <a:t>Tier:</a:t>
+              <a:t>Middle Tier:</a:t>
             </a:r>
             <a:r>
               <a:rPr lang="en-US" sz="1200" dirty="0">
@@ -30118,22 +28212,7 @@
                   </a:outerShdw>
                 </a:effectLst>
               </a:rPr>
-              <a:t> </a:t>
-            </a:r>
-            <a:r>
-              <a:rPr lang="en-US" sz="1200" dirty="0">
-                <a:solidFill>
-                  <a:schemeClr val="bg1"/>
-                </a:solidFill>
-                <a:effectLst>
-                  <a:outerShdw blurRad="38100" dist="38100" dir="2700000" algn="tl">
-                    <a:srgbClr val="000000">
-                      <a:alpha val="43137"/>
-                    </a:srgbClr>
-                  </a:outerShdw>
-                </a:effectLst>
-              </a:rPr>
-              <a:t>operating system</a:t>
+              <a:t> operating system</a:t>
             </a:r>
           </a:p>
           <a:p>
@@ -30150,37 +28229,7 @@
                   </a:outerShdw>
                 </a:effectLst>
               </a:rPr>
-              <a:t>	</a:t>
-            </a:r>
-            <a:r>
-              <a:rPr lang="en-US" sz="1200" dirty="0">
-                <a:solidFill>
-                  <a:schemeClr val="bg1"/>
-                </a:solidFill>
-                <a:effectLst>
-                  <a:outerShdw blurRad="38100" dist="38100" dir="2700000" algn="tl">
-                    <a:srgbClr val="000000">
-                      <a:alpha val="43137"/>
-                    </a:srgbClr>
-                  </a:outerShdw>
-                </a:effectLst>
-              </a:rPr>
-              <a:t>Apache/IIS </a:t>
-            </a:r>
-            <a:r>
-              <a:rPr lang="en-US" sz="1200" dirty="0">
-                <a:solidFill>
-                  <a:schemeClr val="bg1"/>
-                </a:solidFill>
-                <a:effectLst>
-                  <a:outerShdw blurRad="38100" dist="38100" dir="2700000" algn="tl">
-                    <a:srgbClr val="000000">
-                      <a:alpha val="43137"/>
-                    </a:srgbClr>
-                  </a:outerShdw>
-                </a:effectLst>
-              </a:rPr>
-              <a:t>Web Server</a:t>
+              <a:t>	Apache/IIS Web Server</a:t>
             </a:r>
           </a:p>
           <a:p>
@@ -30197,65 +28246,8 @@
                   </a:outerShdw>
                 </a:effectLst>
               </a:rPr>
-              <a:t>	</a:t>
+              <a:t>	Scripting Engine PHP,ASP etc…</a:t>
             </a:r>
-            <a:r>
-              <a:rPr lang="en-US" sz="1200" dirty="0">
-                <a:solidFill>
-                  <a:schemeClr val="bg1"/>
-                </a:solidFill>
-                <a:effectLst>
-                  <a:outerShdw blurRad="38100" dist="38100" dir="2700000" algn="tl">
-                    <a:srgbClr val="000000">
-                      <a:alpha val="43137"/>
-                    </a:srgbClr>
-                  </a:outerShdw>
-                </a:effectLst>
-              </a:rPr>
-              <a:t>Scripting </a:t>
-            </a:r>
-            <a:r>
-              <a:rPr lang="en-US" sz="1200" dirty="0">
-                <a:solidFill>
-                  <a:schemeClr val="bg1"/>
-                </a:solidFill>
-                <a:effectLst>
-                  <a:outerShdw blurRad="38100" dist="38100" dir="2700000" algn="tl">
-                    <a:srgbClr val="000000">
-                      <a:alpha val="43137"/>
-                    </a:srgbClr>
-                  </a:outerShdw>
-                </a:effectLst>
-              </a:rPr>
-              <a:t>Engine </a:t>
-            </a:r>
-            <a:r>
-              <a:rPr lang="en-US" sz="1200" dirty="0">
-                <a:solidFill>
-                  <a:schemeClr val="bg1"/>
-                </a:solidFill>
-                <a:effectLst>
-                  <a:outerShdw blurRad="38100" dist="38100" dir="2700000" algn="tl">
-                    <a:srgbClr val="000000">
-                      <a:alpha val="43137"/>
-                    </a:srgbClr>
-                  </a:outerShdw>
-                </a:effectLst>
-              </a:rPr>
-              <a:t>PHP,ASP etc…</a:t>
-            </a:r>
-            <a:endParaRPr lang="en-US" sz="1200" dirty="0">
-              <a:solidFill>
-                <a:schemeClr val="bg1"/>
-              </a:solidFill>
-              <a:effectLst>
-                <a:outerShdw blurRad="38100" dist="38100" dir="2700000" algn="tl">
-                  <a:srgbClr val="000000">
-                    <a:alpha val="43137"/>
-                  </a:srgbClr>
-                </a:outerShdw>
-              </a:effectLst>
-            </a:endParaRPr>
           </a:p>
         </p:txBody>
       </p:sp>
@@ -30287,15 +28279,7 @@
                   <a:schemeClr val="bg1"/>
                 </a:solidFill>
               </a:rPr>
-              <a:t>Database </a:t>
-            </a:r>
-            <a:r>
-              <a:rPr lang="en-US" sz="1200" b="1" dirty="0">
-                <a:solidFill>
-                  <a:schemeClr val="bg1"/>
-                </a:solidFill>
-              </a:rPr>
-              <a:t>Tier: </a:t>
+              <a:t>Database Tier: </a:t>
             </a:r>
             <a:r>
               <a:rPr lang="en-US" sz="1200" dirty="0">
@@ -30320,35 +28304,8 @@
                   </a:outerShdw>
                 </a:effectLst>
               </a:rPr>
-              <a:t>	</a:t>
+              <a:t>	 </a:t>
             </a:r>
-            <a:r>
-              <a:rPr lang="en-US" sz="1200" dirty="0">
-                <a:solidFill>
-                  <a:schemeClr val="bg1"/>
-                </a:solidFill>
-                <a:effectLst>
-                  <a:outerShdw blurRad="38100" dist="38100" dir="2700000" algn="tl">
-                    <a:srgbClr val="000000">
-                      <a:alpha val="43137"/>
-                    </a:srgbClr>
-                  </a:outerShdw>
-                </a:effectLst>
-              </a:rPr>
-              <a:t> </a:t>
-            </a:r>
-            <a:endParaRPr lang="en-US" sz="1200" dirty="0">
-              <a:solidFill>
-                <a:schemeClr val="bg1"/>
-              </a:solidFill>
-              <a:effectLst>
-                <a:outerShdw blurRad="38100" dist="38100" dir="2700000" algn="tl">
-                  <a:srgbClr val="000000">
-                    <a:alpha val="43137"/>
-                  </a:srgbClr>
-                </a:outerShdw>
-              </a:effectLst>
-            </a:endParaRPr>
           </a:p>
         </p:txBody>
       </p:sp>
@@ -31256,7 +29213,6 @@
               <a:rPr lang="en-US" dirty="0"/>
               <a:t>to use WCF or Services (where 99% time http wins)</a:t>
             </a:r>
-            <a:endParaRPr lang="en-US" dirty="0"/>
           </a:p>
         </p:txBody>
       </p:sp>
